--- a/Slides/Lesson 6.6 Multi-Way Trees.pptx
+++ b/Slides/Lesson 6.6 Multi-Way Trees.pptx
@@ -2,7 +2,7 @@
 <file path=ppt/presentation.xml><?xml version="1.0" encoding="utf-8"?>
 <p:presentation xmlns:a="http://schemas.openxmlformats.org/drawingml/2006/main" xmlns:r="http://schemas.openxmlformats.org/officeDocument/2006/relationships" xmlns:p="http://schemas.openxmlformats.org/presentationml/2006/main" saveSubsetFonts="1">
   <p:sldMasterIdLst>
-    <p:sldMasterId id="2147483648" r:id="rId1"/>
+    <p:sldMasterId id="2147483661" r:id="rId1"/>
   </p:sldMasterIdLst>
   <p:notesMasterIdLst>
     <p:notesMasterId r:id="rId28"/>
@@ -242,7 +242,7 @@
           <a:p>
             <a:fld id="{1AC50D25-69DA-4251-A3B1-10895C6A89D6}" type="datetimeFigureOut">
               <a:rPr lang="en-US" smtClean="0"/>
-              <a:t>10/16/2014</a:t>
+              <a:t>10/13/2015</a:t>
             </a:fld>
             <a:endParaRPr lang="en-US"/>
           </a:p>
@@ -1865,9 +1865,9 @@
           <a:bodyPr/>
           <a:lstStyle/>
           <a:p>
-            <a:fld id="{1CFFB62A-96E8-4EB5-B010-175D7449EDA6}" type="datetime1">
+            <a:fld id="{2F1F79F5-7BEC-496A-AFC7-876E38F64D71}" type="datetime1">
               <a:rPr lang="en-US" smtClean="0"/>
-              <a:t>10/16/2014</a:t>
+              <a:t>10/13/2015</a:t>
             </a:fld>
             <a:endParaRPr lang="en-US"/>
           </a:p>
@@ -1907,7 +1907,7 @@
           <a:bodyPr/>
           <a:lstStyle/>
           <a:p>
-            <a:fld id="{C1D4534E-1B22-4A44-850A-B3E8E9EE687A}" type="slidenum">
+            <a:fld id="{2AF3B5EA-18B6-4040-9F78-6052AF49C681}" type="slidenum">
               <a:rPr lang="en-US" smtClean="0"/>
               <a:t>‹#›</a:t>
             </a:fld>
@@ -1918,7 +1918,7 @@
     </p:spTree>
     <p:extLst>
       <p:ext uri="{BB962C8B-B14F-4D97-AF65-F5344CB8AC3E}">
-        <p14:creationId xmlns:p14="http://schemas.microsoft.com/office/powerpoint/2010/main" val="121892146"/>
+        <p14:creationId xmlns:p14="http://schemas.microsoft.com/office/powerpoint/2010/main" val="512686384"/>
       </p:ext>
     </p:extLst>
   </p:cSld>
@@ -1936,6 +1936,378 @@
 </file>
 
 <file path=ppt/slideLayouts/slideLayout10.xml><?xml version="1.0" encoding="utf-8"?>
+<p:sldLayout xmlns:a="http://schemas.openxmlformats.org/drawingml/2006/main" xmlns:r="http://schemas.openxmlformats.org/officeDocument/2006/relationships" xmlns:p="http://schemas.openxmlformats.org/presentationml/2006/main" type="blank" preserve="1">
+  <p:cSld name="Blank">
+    <p:spTree>
+      <p:nvGrpSpPr>
+        <p:cNvPr id="1" name=""/>
+        <p:cNvGrpSpPr/>
+        <p:nvPr/>
+      </p:nvGrpSpPr>
+      <p:grpSpPr>
+        <a:xfrm>
+          <a:off x="0" y="0"/>
+          <a:ext cx="0" cy="0"/>
+          <a:chOff x="0" y="0"/>
+          <a:chExt cx="0" cy="0"/>
+        </a:xfrm>
+      </p:grpSpPr>
+      <p:sp>
+        <p:nvSpPr>
+          <p:cNvPr id="2" name="Date Placeholder 1"/>
+          <p:cNvSpPr>
+            <a:spLocks noGrp="1"/>
+          </p:cNvSpPr>
+          <p:nvPr>
+            <p:ph type="dt" sz="half" idx="10"/>
+          </p:nvPr>
+        </p:nvSpPr>
+        <p:spPr/>
+        <p:txBody>
+          <a:bodyPr/>
+          <a:lstStyle/>
+          <a:p>
+            <a:fld id="{0A05703A-7669-4FEA-9056-25299B4D29D4}" type="datetime1">
+              <a:rPr lang="en-US" smtClean="0"/>
+              <a:t>10/13/2015</a:t>
+            </a:fld>
+            <a:endParaRPr lang="en-US"/>
+          </a:p>
+        </p:txBody>
+      </p:sp>
+      <p:sp>
+        <p:nvSpPr>
+          <p:cNvPr id="3" name="Footer Placeholder 2"/>
+          <p:cNvSpPr>
+            <a:spLocks noGrp="1"/>
+          </p:cNvSpPr>
+          <p:nvPr>
+            <p:ph type="ftr" sz="quarter" idx="11"/>
+          </p:nvPr>
+        </p:nvSpPr>
+        <p:spPr/>
+        <p:txBody>
+          <a:bodyPr/>
+          <a:lstStyle/>
+          <a:p>
+            <a:endParaRPr lang="en-US"/>
+          </a:p>
+        </p:txBody>
+      </p:sp>
+      <p:sp>
+        <p:nvSpPr>
+          <p:cNvPr id="4" name="Slide Number Placeholder 3"/>
+          <p:cNvSpPr>
+            <a:spLocks noGrp="1"/>
+          </p:cNvSpPr>
+          <p:nvPr>
+            <p:ph type="sldNum" sz="quarter" idx="12"/>
+          </p:nvPr>
+        </p:nvSpPr>
+        <p:spPr/>
+        <p:txBody>
+          <a:bodyPr/>
+          <a:lstStyle/>
+          <a:p>
+            <a:fld id="{2AF3B5EA-18B6-4040-9F78-6052AF49C681}" type="slidenum">
+              <a:rPr lang="en-US" smtClean="0"/>
+              <a:t>‹#›</a:t>
+            </a:fld>
+            <a:endParaRPr lang="en-US"/>
+          </a:p>
+        </p:txBody>
+      </p:sp>
+    </p:spTree>
+    <p:extLst>
+      <p:ext uri="{BB962C8B-B14F-4D97-AF65-F5344CB8AC3E}">
+        <p14:creationId xmlns:p14="http://schemas.microsoft.com/office/powerpoint/2010/main" val="2804605261"/>
+      </p:ext>
+    </p:extLst>
+  </p:cSld>
+  <p:clrMapOvr>
+    <a:masterClrMapping/>
+  </p:clrMapOvr>
+</p:sldLayout>
+</file>
+
+<file path=ppt/slideLayouts/slideLayout11.xml><?xml version="1.0" encoding="utf-8"?>
+<p:sldLayout xmlns:a="http://schemas.openxmlformats.org/drawingml/2006/main" xmlns:r="http://schemas.openxmlformats.org/officeDocument/2006/relationships" xmlns:p="http://schemas.openxmlformats.org/presentationml/2006/main" type="objTx" preserve="1">
+  <p:cSld name="Content with Caption">
+    <p:spTree>
+      <p:nvGrpSpPr>
+        <p:cNvPr id="1" name=""/>
+        <p:cNvGrpSpPr/>
+        <p:nvPr/>
+      </p:nvGrpSpPr>
+      <p:grpSpPr>
+        <a:xfrm>
+          <a:off x="0" y="0"/>
+          <a:ext cx="0" cy="0"/>
+          <a:chOff x="0" y="0"/>
+          <a:chExt cx="0" cy="0"/>
+        </a:xfrm>
+      </p:grpSpPr>
+      <p:sp>
+        <p:nvSpPr>
+          <p:cNvPr id="2" name="Title 1"/>
+          <p:cNvSpPr>
+            <a:spLocks noGrp="1"/>
+          </p:cNvSpPr>
+          <p:nvPr>
+            <p:ph type="title"/>
+          </p:nvPr>
+        </p:nvSpPr>
+        <p:spPr>
+          <a:xfrm>
+            <a:off x="457200" y="273050"/>
+            <a:ext cx="3008313" cy="1162050"/>
+          </a:xfrm>
+        </p:spPr>
+        <p:txBody>
+          <a:bodyPr anchor="b"/>
+          <a:lstStyle>
+            <a:lvl1pPr algn="l">
+              <a:defRPr sz="2000" b="1"/>
+            </a:lvl1pPr>
+          </a:lstStyle>
+          <a:p>
+            <a:r>
+              <a:rPr lang="en-US" smtClean="0"/>
+              <a:t>Click to edit Master title style</a:t>
+            </a:r>
+            <a:endParaRPr lang="en-US"/>
+          </a:p>
+        </p:txBody>
+      </p:sp>
+      <p:sp>
+        <p:nvSpPr>
+          <p:cNvPr id="3" name="Content Placeholder 2"/>
+          <p:cNvSpPr>
+            <a:spLocks noGrp="1"/>
+          </p:cNvSpPr>
+          <p:nvPr>
+            <p:ph idx="1"/>
+          </p:nvPr>
+        </p:nvSpPr>
+        <p:spPr>
+          <a:xfrm>
+            <a:off x="3575050" y="273050"/>
+            <a:ext cx="5111750" cy="5853113"/>
+          </a:xfrm>
+        </p:spPr>
+        <p:txBody>
+          <a:bodyPr/>
+          <a:lstStyle>
+            <a:lvl1pPr>
+              <a:defRPr sz="3200"/>
+            </a:lvl1pPr>
+            <a:lvl2pPr>
+              <a:defRPr sz="2800"/>
+            </a:lvl2pPr>
+            <a:lvl3pPr>
+              <a:defRPr sz="2400"/>
+            </a:lvl3pPr>
+            <a:lvl4pPr>
+              <a:defRPr sz="2000"/>
+            </a:lvl4pPr>
+            <a:lvl5pPr>
+              <a:defRPr sz="2000"/>
+            </a:lvl5pPr>
+            <a:lvl6pPr>
+              <a:defRPr sz="2000"/>
+            </a:lvl6pPr>
+            <a:lvl7pPr>
+              <a:defRPr sz="2000"/>
+            </a:lvl7pPr>
+            <a:lvl8pPr>
+              <a:defRPr sz="2000"/>
+            </a:lvl8pPr>
+            <a:lvl9pPr>
+              <a:defRPr sz="2000"/>
+            </a:lvl9pPr>
+          </a:lstStyle>
+          <a:p>
+            <a:pPr lvl="0"/>
+            <a:r>
+              <a:rPr lang="en-US" smtClean="0"/>
+              <a:t>Click to edit Master text styles</a:t>
+            </a:r>
+          </a:p>
+          <a:p>
+            <a:pPr lvl="1"/>
+            <a:r>
+              <a:rPr lang="en-US" smtClean="0"/>
+              <a:t>Second level</a:t>
+            </a:r>
+          </a:p>
+          <a:p>
+            <a:pPr lvl="2"/>
+            <a:r>
+              <a:rPr lang="en-US" smtClean="0"/>
+              <a:t>Third level</a:t>
+            </a:r>
+          </a:p>
+          <a:p>
+            <a:pPr lvl="3"/>
+            <a:r>
+              <a:rPr lang="en-US" smtClean="0"/>
+              <a:t>Fourth level</a:t>
+            </a:r>
+          </a:p>
+          <a:p>
+            <a:pPr lvl="4"/>
+            <a:r>
+              <a:rPr lang="en-US" smtClean="0"/>
+              <a:t>Fifth level</a:t>
+            </a:r>
+            <a:endParaRPr lang="en-US"/>
+          </a:p>
+        </p:txBody>
+      </p:sp>
+      <p:sp>
+        <p:nvSpPr>
+          <p:cNvPr id="4" name="Text Placeholder 3"/>
+          <p:cNvSpPr>
+            <a:spLocks noGrp="1"/>
+          </p:cNvSpPr>
+          <p:nvPr>
+            <p:ph type="body" sz="half" idx="2"/>
+          </p:nvPr>
+        </p:nvSpPr>
+        <p:spPr>
+          <a:xfrm>
+            <a:off x="457200" y="1435100"/>
+            <a:ext cx="3008313" cy="4691063"/>
+          </a:xfrm>
+        </p:spPr>
+        <p:txBody>
+          <a:bodyPr/>
+          <a:lstStyle>
+            <a:lvl1pPr marL="0" indent="0">
+              <a:buNone/>
+              <a:defRPr sz="1400"/>
+            </a:lvl1pPr>
+            <a:lvl2pPr marL="457200" indent="0">
+              <a:buNone/>
+              <a:defRPr sz="1200"/>
+            </a:lvl2pPr>
+            <a:lvl3pPr marL="914400" indent="0">
+              <a:buNone/>
+              <a:defRPr sz="1000"/>
+            </a:lvl3pPr>
+            <a:lvl4pPr marL="1371600" indent="0">
+              <a:buNone/>
+              <a:defRPr sz="900"/>
+            </a:lvl4pPr>
+            <a:lvl5pPr marL="1828800" indent="0">
+              <a:buNone/>
+              <a:defRPr sz="900"/>
+            </a:lvl5pPr>
+            <a:lvl6pPr marL="2286000" indent="0">
+              <a:buNone/>
+              <a:defRPr sz="900"/>
+            </a:lvl6pPr>
+            <a:lvl7pPr marL="2743200" indent="0">
+              <a:buNone/>
+              <a:defRPr sz="900"/>
+            </a:lvl7pPr>
+            <a:lvl8pPr marL="3200400" indent="0">
+              <a:buNone/>
+              <a:defRPr sz="900"/>
+            </a:lvl8pPr>
+            <a:lvl9pPr marL="3657600" indent="0">
+              <a:buNone/>
+              <a:defRPr sz="900"/>
+            </a:lvl9pPr>
+          </a:lstStyle>
+          <a:p>
+            <a:pPr lvl="0"/>
+            <a:r>
+              <a:rPr lang="en-US" smtClean="0"/>
+              <a:t>Click to edit Master text styles</a:t>
+            </a:r>
+          </a:p>
+        </p:txBody>
+      </p:sp>
+      <p:sp>
+        <p:nvSpPr>
+          <p:cNvPr id="5" name="Date Placeholder 4"/>
+          <p:cNvSpPr>
+            <a:spLocks noGrp="1"/>
+          </p:cNvSpPr>
+          <p:nvPr>
+            <p:ph type="dt" sz="half" idx="10"/>
+          </p:nvPr>
+        </p:nvSpPr>
+        <p:spPr/>
+        <p:txBody>
+          <a:bodyPr/>
+          <a:lstStyle/>
+          <a:p>
+            <a:fld id="{6E5077B5-BB57-49DB-88CA-226A139E5C01}" type="datetime1">
+              <a:rPr lang="en-US" smtClean="0"/>
+              <a:t>10/13/2015</a:t>
+            </a:fld>
+            <a:endParaRPr lang="en-US"/>
+          </a:p>
+        </p:txBody>
+      </p:sp>
+      <p:sp>
+        <p:nvSpPr>
+          <p:cNvPr id="6" name="Footer Placeholder 5"/>
+          <p:cNvSpPr>
+            <a:spLocks noGrp="1"/>
+          </p:cNvSpPr>
+          <p:nvPr>
+            <p:ph type="ftr" sz="quarter" idx="11"/>
+          </p:nvPr>
+        </p:nvSpPr>
+        <p:spPr/>
+        <p:txBody>
+          <a:bodyPr/>
+          <a:lstStyle/>
+          <a:p>
+            <a:endParaRPr lang="en-US"/>
+          </a:p>
+        </p:txBody>
+      </p:sp>
+      <p:sp>
+        <p:nvSpPr>
+          <p:cNvPr id="7" name="Slide Number Placeholder 6"/>
+          <p:cNvSpPr>
+            <a:spLocks noGrp="1"/>
+          </p:cNvSpPr>
+          <p:nvPr>
+            <p:ph type="sldNum" sz="quarter" idx="12"/>
+          </p:nvPr>
+        </p:nvSpPr>
+        <p:spPr/>
+        <p:txBody>
+          <a:bodyPr/>
+          <a:lstStyle/>
+          <a:p>
+            <a:fld id="{2AF3B5EA-18B6-4040-9F78-6052AF49C681}" type="slidenum">
+              <a:rPr lang="en-US" smtClean="0"/>
+              <a:t>‹#›</a:t>
+            </a:fld>
+            <a:endParaRPr lang="en-US"/>
+          </a:p>
+        </p:txBody>
+      </p:sp>
+    </p:spTree>
+    <p:extLst>
+      <p:ext uri="{BB962C8B-B14F-4D97-AF65-F5344CB8AC3E}">
+        <p14:creationId xmlns:p14="http://schemas.microsoft.com/office/powerpoint/2010/main" val="1567983845"/>
+      </p:ext>
+    </p:extLst>
+  </p:cSld>
+  <p:clrMapOvr>
+    <a:masterClrMapping/>
+  </p:clrMapOvr>
+</p:sldLayout>
+</file>
+
+<file path=ppt/slideLayouts/slideLayout12.xml><?xml version="1.0" encoding="utf-8"?>
 <p:sldLayout xmlns:a="http://schemas.openxmlformats.org/drawingml/2006/main" xmlns:r="http://schemas.openxmlformats.org/officeDocument/2006/relationships" xmlns:p="http://schemas.openxmlformats.org/presentationml/2006/main" type="picTx" preserve="1">
   <p:cSld name="Picture with Caption">
     <p:spTree>
@@ -2125,9 +2497,9 @@
           <a:bodyPr/>
           <a:lstStyle/>
           <a:p>
-            <a:fld id="{7F19A406-3830-4E3D-B710-7F29467DD2E4}" type="datetime1">
+            <a:fld id="{C48D9447-CBD6-49A1-89FD-8512A8CF8999}" type="datetime1">
               <a:rPr lang="en-US" smtClean="0"/>
-              <a:t>10/16/2014</a:t>
+              <a:t>10/13/2015</a:t>
             </a:fld>
             <a:endParaRPr lang="en-US"/>
           </a:p>
@@ -2167,7 +2539,7 @@
           <a:bodyPr/>
           <a:lstStyle/>
           <a:p>
-            <a:fld id="{C1D4534E-1B22-4A44-850A-B3E8E9EE687A}" type="slidenum">
+            <a:fld id="{2AF3B5EA-18B6-4040-9F78-6052AF49C681}" type="slidenum">
               <a:rPr lang="en-US" smtClean="0"/>
               <a:t>‹#›</a:t>
             </a:fld>
@@ -2178,7 +2550,7 @@
     </p:spTree>
     <p:extLst>
       <p:ext uri="{BB962C8B-B14F-4D97-AF65-F5344CB8AC3E}">
-        <p14:creationId xmlns:p14="http://schemas.microsoft.com/office/powerpoint/2010/main" val="3063189524"/>
+        <p14:creationId xmlns:p14="http://schemas.microsoft.com/office/powerpoint/2010/main" val="1806648479"/>
       </p:ext>
     </p:extLst>
   </p:cSld>
@@ -2188,7 +2560,7 @@
 </p:sldLayout>
 </file>
 
-<file path=ppt/slideLayouts/slideLayout11.xml><?xml version="1.0" encoding="utf-8"?>
+<file path=ppt/slideLayouts/slideLayout13.xml><?xml version="1.0" encoding="utf-8"?>
 <p:sldLayout xmlns:a="http://schemas.openxmlformats.org/drawingml/2006/main" xmlns:r="http://schemas.openxmlformats.org/officeDocument/2006/relationships" xmlns:p="http://schemas.openxmlformats.org/presentationml/2006/main" type="vertTx" preserve="1">
   <p:cSld name="Title and Vertical Text">
     <p:spTree>
@@ -2295,9 +2667,9 @@
           <a:bodyPr/>
           <a:lstStyle/>
           <a:p>
-            <a:fld id="{C9E1B987-6B0D-4A06-B823-3FA593CD994B}" type="datetime1">
+            <a:fld id="{A3639A2A-823D-48B7-9ACE-7FAF42870BA9}" type="datetime1">
               <a:rPr lang="en-US" smtClean="0"/>
-              <a:t>10/16/2014</a:t>
+              <a:t>10/13/2015</a:t>
             </a:fld>
             <a:endParaRPr lang="en-US"/>
           </a:p>
@@ -2337,7 +2709,7 @@
           <a:bodyPr/>
           <a:lstStyle/>
           <a:p>
-            <a:fld id="{C1D4534E-1B22-4A44-850A-B3E8E9EE687A}" type="slidenum">
+            <a:fld id="{2AF3B5EA-18B6-4040-9F78-6052AF49C681}" type="slidenum">
               <a:rPr lang="en-US" smtClean="0"/>
               <a:t>‹#›</a:t>
             </a:fld>
@@ -2348,7 +2720,7 @@
     </p:spTree>
     <p:extLst>
       <p:ext uri="{BB962C8B-B14F-4D97-AF65-F5344CB8AC3E}">
-        <p14:creationId xmlns:p14="http://schemas.microsoft.com/office/powerpoint/2010/main" val="1642057554"/>
+        <p14:creationId xmlns:p14="http://schemas.microsoft.com/office/powerpoint/2010/main" val="3321601023"/>
       </p:ext>
     </p:extLst>
   </p:cSld>
@@ -2358,7 +2730,7 @@
 </p:sldLayout>
 </file>
 
-<file path=ppt/slideLayouts/slideLayout12.xml><?xml version="1.0" encoding="utf-8"?>
+<file path=ppt/slideLayouts/slideLayout14.xml><?xml version="1.0" encoding="utf-8"?>
 <p:sldLayout xmlns:a="http://schemas.openxmlformats.org/drawingml/2006/main" xmlns:r="http://schemas.openxmlformats.org/officeDocument/2006/relationships" xmlns:p="http://schemas.openxmlformats.org/presentationml/2006/main" type="vertTitleAndTx" preserve="1">
   <p:cSld name="Vertical Title and Text">
     <p:spTree>
@@ -2475,9 +2847,9 @@
           <a:bodyPr/>
           <a:lstStyle/>
           <a:p>
-            <a:fld id="{64141984-ACEE-48B5-90B4-49A1AC87BFBC}" type="datetime1">
+            <a:fld id="{ED1B6996-82E9-463C-972C-7B56056E426C}" type="datetime1">
               <a:rPr lang="en-US" smtClean="0"/>
-              <a:t>10/16/2014</a:t>
+              <a:t>10/13/2015</a:t>
             </a:fld>
             <a:endParaRPr lang="en-US"/>
           </a:p>
@@ -2517,7 +2889,7 @@
           <a:bodyPr/>
           <a:lstStyle/>
           <a:p>
-            <a:fld id="{C1D4534E-1B22-4A44-850A-B3E8E9EE687A}" type="slidenum">
+            <a:fld id="{2AF3B5EA-18B6-4040-9F78-6052AF49C681}" type="slidenum">
               <a:rPr lang="en-US" smtClean="0"/>
               <a:t>‹#›</a:t>
             </a:fld>
@@ -2528,13 +2900,20 @@
     </p:spTree>
     <p:extLst>
       <p:ext uri="{BB962C8B-B14F-4D97-AF65-F5344CB8AC3E}">
-        <p14:creationId xmlns:p14="http://schemas.microsoft.com/office/powerpoint/2010/main" val="2885742178"/>
+        <p14:creationId xmlns:p14="http://schemas.microsoft.com/office/powerpoint/2010/main" val="677904602"/>
       </p:ext>
     </p:extLst>
   </p:cSld>
   <p:clrMapOvr>
     <a:masterClrMapping/>
   </p:clrMapOvr>
+  <p:timing>
+    <p:tnLst>
+      <p:par>
+        <p:cTn id="1" dur="indefinite" restart="never" nodeType="tmRoot"/>
+      </p:par>
+    </p:tnLst>
+  </p:timing>
 </p:sldLayout>
 </file>
 
@@ -2565,16 +2944,22 @@
             <p:ph type="title"/>
           </p:nvPr>
         </p:nvSpPr>
-        <p:spPr/>
+        <p:spPr>
+          <a:ln w="28575">
+            <a:solidFill>
+              <a:schemeClr val="accent1"/>
+            </a:solidFill>
+          </a:ln>
+        </p:spPr>
         <p:txBody>
           <a:bodyPr/>
           <a:lstStyle/>
           <a:p>
             <a:r>
-              <a:rPr lang="en-US" smtClean="0"/>
+              <a:rPr lang="en-US" dirty="0" smtClean="0"/>
               <a:t>Click to edit Master title style</a:t>
             </a:r>
-            <a:endParaRPr lang="en-US"/>
+            <a:endParaRPr lang="en-US" dirty="0"/>
           </a:p>
         </p:txBody>
       </p:sp>
@@ -2645,9 +3030,9 @@
           <a:bodyPr/>
           <a:lstStyle/>
           <a:p>
-            <a:fld id="{3EC6C244-A626-4A31-90B4-0D7C43625458}" type="datetime1">
+            <a:fld id="{E22ED4DA-448D-4BB1-B935-CC112220207B}" type="datetime1">
               <a:rPr lang="en-US" smtClean="0"/>
-              <a:t>10/16/2014</a:t>
+              <a:t>10/13/2015</a:t>
             </a:fld>
             <a:endParaRPr lang="en-US"/>
           </a:p>
@@ -2687,7 +3072,7 @@
           <a:bodyPr/>
           <a:lstStyle/>
           <a:p>
-            <a:fld id="{C1D4534E-1B22-4A44-850A-B3E8E9EE687A}" type="slidenum">
+            <a:fld id="{2AF3B5EA-18B6-4040-9F78-6052AF49C681}" type="slidenum">
               <a:rPr lang="en-US" smtClean="0"/>
               <a:t>‹#›</a:t>
             </a:fld>
@@ -2698,7 +3083,7 @@
     </p:spTree>
     <p:extLst>
       <p:ext uri="{BB962C8B-B14F-4D97-AF65-F5344CB8AC3E}">
-        <p14:creationId xmlns:p14="http://schemas.microsoft.com/office/powerpoint/2010/main" val="414865445"/>
+        <p14:creationId xmlns:p14="http://schemas.microsoft.com/office/powerpoint/2010/main" val="1882802077"/>
       </p:ext>
     </p:extLst>
   </p:cSld>
@@ -2717,7 +3102,7 @@
 
 <file path=ppt/slideLayouts/slideLayout3.xml><?xml version="1.0" encoding="utf-8"?>
 <p:sldLayout xmlns:a="http://schemas.openxmlformats.org/drawingml/2006/main" xmlns:r="http://schemas.openxmlformats.org/officeDocument/2006/relationships" xmlns:p="http://schemas.openxmlformats.org/presentationml/2006/main" type="obj" preserve="1">
-  <p:cSld name="Code">
+  <p:cSld name="Video">
     <p:spTree>
       <p:nvGrpSpPr>
         <p:cNvPr id="1" name=""/>
@@ -2765,18 +3150,15 @@
             <p:ph idx="1"/>
           </p:nvPr>
         </p:nvSpPr>
-        <p:spPr/>
+        <p:spPr>
+          <a:xfrm>
+            <a:off x="1523999" y="2590798"/>
+            <a:ext cx="6096000" cy="2544763"/>
+          </a:xfrm>
+        </p:spPr>
         <p:txBody>
           <a:bodyPr/>
-          <a:lstStyle>
-            <a:lvl1pPr marL="0" indent="0">
-              <a:buNone/>
-              <a:defRPr b="1">
-                <a:latin typeface="Consolas" pitchFamily="49" charset="0"/>
-                <a:cs typeface="Consolas" pitchFamily="49" charset="0"/>
-              </a:defRPr>
-            </a:lvl1pPr>
-          </a:lstStyle>
+          <a:lstStyle/>
           <a:p>
             <a:pPr lvl="0"/>
             <a:r>
@@ -2830,9 +3212,9 @@
           <a:bodyPr/>
           <a:lstStyle/>
           <a:p>
-            <a:fld id="{2EA6B016-F01F-473B-A4C5-EFCA5E940541}" type="datetime1">
+            <a:fld id="{E22ED4DA-448D-4BB1-B935-CC112220207B}" type="datetime1">
               <a:rPr lang="en-US" smtClean="0"/>
-              <a:t>10/16/2014</a:t>
+              <a:t>10/13/2015</a:t>
             </a:fld>
             <a:endParaRPr lang="en-US"/>
           </a:p>
@@ -2853,7 +3235,7 @@
           <a:bodyPr/>
           <a:lstStyle/>
           <a:p>
-            <a:endParaRPr lang="en-US" dirty="0"/>
+            <a:endParaRPr lang="en-US"/>
           </a:p>
         </p:txBody>
       </p:sp>
@@ -2872,19 +3254,102 @@
           <a:bodyPr/>
           <a:lstStyle/>
           <a:p>
-            <a:fld id="{9F4492BD-6A9C-48FC-AC76-0B4FE11194A1}" type="slidenum">
+            <a:fld id="{2AF3B5EA-18B6-4040-9F78-6052AF49C681}" type="slidenum">
               <a:rPr lang="en-US" smtClean="0"/>
-              <a:pPr/>
               <a:t>‹#›</a:t>
             </a:fld>
             <a:endParaRPr lang="en-US"/>
           </a:p>
         </p:txBody>
       </p:sp>
+      <p:sp>
+        <p:nvSpPr>
+          <p:cNvPr id="7" name="Rectangle 6"/>
+          <p:cNvSpPr/>
+          <p:nvPr userDrawn="1"/>
+        </p:nvSpPr>
+        <p:spPr>
+          <a:xfrm>
+            <a:off x="794551" y="1719223"/>
+            <a:ext cx="7554897" cy="4287915"/>
+          </a:xfrm>
+          <a:prstGeom prst="rect">
+            <a:avLst/>
+          </a:prstGeom>
+          <a:noFill/>
+          <a:ln w="12700">
+            <a:solidFill>
+              <a:schemeClr val="tx1"/>
+            </a:solidFill>
+          </a:ln>
+        </p:spPr>
+        <p:style>
+          <a:lnRef idx="2">
+            <a:schemeClr val="accent1">
+              <a:shade val="50000"/>
+            </a:schemeClr>
+          </a:lnRef>
+          <a:fillRef idx="1">
+            <a:schemeClr val="accent1"/>
+          </a:fillRef>
+          <a:effectRef idx="0">
+            <a:schemeClr val="accent1"/>
+          </a:effectRef>
+          <a:fontRef idx="minor">
+            <a:schemeClr val="lt1"/>
+          </a:fontRef>
+        </p:style>
+        <p:txBody>
+          <a:bodyPr rtlCol="0" anchor="ctr"/>
+          <a:lstStyle/>
+          <a:p>
+            <a:pPr algn="ctr"/>
+            <a:endParaRPr lang="en-US" dirty="0" smtClean="0">
+              <a:solidFill>
+                <a:schemeClr val="tx1"/>
+              </a:solidFill>
+            </a:endParaRPr>
+          </a:p>
+        </p:txBody>
+      </p:sp>
+      <p:sp>
+        <p:nvSpPr>
+          <p:cNvPr id="8" name="TextBox 7"/>
+          <p:cNvSpPr txBox="1"/>
+          <p:nvPr userDrawn="1"/>
+        </p:nvSpPr>
+        <p:spPr>
+          <a:xfrm>
+            <a:off x="5943600" y="1793674"/>
+            <a:ext cx="2286000" cy="646331"/>
+          </a:xfrm>
+          <a:prstGeom prst="rect">
+            <a:avLst/>
+          </a:prstGeom>
+          <a:noFill/>
+        </p:spPr>
+        <p:txBody>
+          <a:bodyPr wrap="square" rtlCol="0">
+            <a:spAutoFit/>
+          </a:bodyPr>
+          <a:lstStyle/>
+          <a:p>
+            <a:r>
+              <a:rPr lang="en-US" dirty="0" smtClean="0"/>
+              <a:t>Resize video to this</a:t>
+            </a:r>
+            <a:r>
+              <a:rPr lang="en-US" baseline="0" dirty="0" smtClean="0"/>
+              <a:t> box.</a:t>
+            </a:r>
+            <a:endParaRPr lang="en-US" dirty="0"/>
+          </a:p>
+        </p:txBody>
+      </p:sp>
     </p:spTree>
     <p:extLst>
       <p:ext uri="{BB962C8B-B14F-4D97-AF65-F5344CB8AC3E}">
-        <p14:creationId xmlns:p14="http://schemas.microsoft.com/office/powerpoint/2010/main" val="532591522"/>
+        <p14:creationId xmlns:p14="http://schemas.microsoft.com/office/powerpoint/2010/main" val="1342667322"/>
       </p:ext>
     </p:extLst>
   </p:cSld>
@@ -2902,6 +3367,425 @@
 </file>
 
 <file path=ppt/slideLayouts/slideLayout4.xml><?xml version="1.0" encoding="utf-8"?>
+<p:sldLayout xmlns:a="http://schemas.openxmlformats.org/drawingml/2006/main" xmlns:r="http://schemas.openxmlformats.org/officeDocument/2006/relationships" xmlns:p="http://schemas.openxmlformats.org/presentationml/2006/main" type="obj" preserve="1">
+  <p:cSld name="Code">
+    <p:spTree>
+      <p:nvGrpSpPr>
+        <p:cNvPr id="1" name=""/>
+        <p:cNvGrpSpPr/>
+        <p:nvPr/>
+      </p:nvGrpSpPr>
+      <p:grpSpPr>
+        <a:xfrm>
+          <a:off x="0" y="0"/>
+          <a:ext cx="0" cy="0"/>
+          <a:chOff x="0" y="0"/>
+          <a:chExt cx="0" cy="0"/>
+        </a:xfrm>
+      </p:grpSpPr>
+      <p:sp>
+        <p:nvSpPr>
+          <p:cNvPr id="2" name="Title 1"/>
+          <p:cNvSpPr>
+            <a:spLocks noGrp="1"/>
+          </p:cNvSpPr>
+          <p:nvPr>
+            <p:ph type="title"/>
+          </p:nvPr>
+        </p:nvSpPr>
+        <p:spPr/>
+        <p:txBody>
+          <a:bodyPr/>
+          <a:lstStyle/>
+          <a:p>
+            <a:r>
+              <a:rPr lang="en-US" smtClean="0"/>
+              <a:t>Click to edit Master title style</a:t>
+            </a:r>
+            <a:endParaRPr lang="en-US"/>
+          </a:p>
+        </p:txBody>
+      </p:sp>
+      <p:sp>
+        <p:nvSpPr>
+          <p:cNvPr id="3" name="Content Placeholder 2"/>
+          <p:cNvSpPr>
+            <a:spLocks noGrp="1"/>
+          </p:cNvSpPr>
+          <p:nvPr>
+            <p:ph idx="1"/>
+          </p:nvPr>
+        </p:nvSpPr>
+        <p:spPr/>
+        <p:txBody>
+          <a:bodyPr/>
+          <a:lstStyle>
+            <a:lvl1pPr marL="0" indent="0">
+              <a:buNone/>
+              <a:defRPr b="1">
+                <a:latin typeface="Consolas" pitchFamily="49" charset="0"/>
+                <a:cs typeface="Consolas" pitchFamily="49" charset="0"/>
+              </a:defRPr>
+            </a:lvl1pPr>
+          </a:lstStyle>
+          <a:p>
+            <a:pPr lvl="0"/>
+            <a:r>
+              <a:rPr lang="en-US" dirty="0" smtClean="0"/>
+              <a:t>Click to edit Master text styles</a:t>
+            </a:r>
+          </a:p>
+          <a:p>
+            <a:pPr lvl="1"/>
+            <a:r>
+              <a:rPr lang="en-US" dirty="0" smtClean="0"/>
+              <a:t>Second level</a:t>
+            </a:r>
+          </a:p>
+          <a:p>
+            <a:pPr lvl="2"/>
+            <a:r>
+              <a:rPr lang="en-US" dirty="0" smtClean="0"/>
+              <a:t>Third level</a:t>
+            </a:r>
+          </a:p>
+          <a:p>
+            <a:pPr lvl="3"/>
+            <a:r>
+              <a:rPr lang="en-US" dirty="0" smtClean="0"/>
+              <a:t>Fourth level</a:t>
+            </a:r>
+          </a:p>
+          <a:p>
+            <a:pPr lvl="4"/>
+            <a:r>
+              <a:rPr lang="en-US" dirty="0" smtClean="0"/>
+              <a:t>Fifth level</a:t>
+            </a:r>
+            <a:endParaRPr lang="en-US" dirty="0"/>
+          </a:p>
+        </p:txBody>
+      </p:sp>
+      <p:sp>
+        <p:nvSpPr>
+          <p:cNvPr id="4" name="Date Placeholder 3"/>
+          <p:cNvSpPr>
+            <a:spLocks noGrp="1"/>
+          </p:cNvSpPr>
+          <p:nvPr>
+            <p:ph type="dt" sz="half" idx="10"/>
+          </p:nvPr>
+        </p:nvSpPr>
+        <p:spPr/>
+        <p:txBody>
+          <a:bodyPr/>
+          <a:lstStyle/>
+          <a:p>
+            <a:fld id="{FF5D65A6-AB94-4435-B0B7-3743215FA46C}" type="datetime1">
+              <a:rPr lang="en-US" smtClean="0"/>
+              <a:t>10/13/2015</a:t>
+            </a:fld>
+            <a:endParaRPr lang="en-US"/>
+          </a:p>
+        </p:txBody>
+      </p:sp>
+      <p:sp>
+        <p:nvSpPr>
+          <p:cNvPr id="5" name="Footer Placeholder 4"/>
+          <p:cNvSpPr>
+            <a:spLocks noGrp="1"/>
+          </p:cNvSpPr>
+          <p:nvPr>
+            <p:ph type="ftr" sz="quarter" idx="11"/>
+          </p:nvPr>
+        </p:nvSpPr>
+        <p:spPr/>
+        <p:txBody>
+          <a:bodyPr/>
+          <a:lstStyle/>
+          <a:p>
+            <a:endParaRPr lang="en-US"/>
+          </a:p>
+        </p:txBody>
+      </p:sp>
+      <p:sp>
+        <p:nvSpPr>
+          <p:cNvPr id="6" name="Slide Number Placeholder 5"/>
+          <p:cNvSpPr>
+            <a:spLocks noGrp="1"/>
+          </p:cNvSpPr>
+          <p:nvPr>
+            <p:ph type="sldNum" sz="quarter" idx="12"/>
+          </p:nvPr>
+        </p:nvSpPr>
+        <p:spPr/>
+        <p:txBody>
+          <a:bodyPr/>
+          <a:lstStyle/>
+          <a:p>
+            <a:fld id="{2AF3B5EA-18B6-4040-9F78-6052AF49C681}" type="slidenum">
+              <a:rPr lang="en-US" smtClean="0"/>
+              <a:t>‹#›</a:t>
+            </a:fld>
+            <a:endParaRPr lang="en-US"/>
+          </a:p>
+        </p:txBody>
+      </p:sp>
+    </p:spTree>
+    <p:extLst>
+      <p:ext uri="{BB962C8B-B14F-4D97-AF65-F5344CB8AC3E}">
+        <p14:creationId xmlns:p14="http://schemas.microsoft.com/office/powerpoint/2010/main" val="1302457315"/>
+      </p:ext>
+    </p:extLst>
+  </p:cSld>
+  <p:clrMapOvr>
+    <a:masterClrMapping/>
+  </p:clrMapOvr>
+  <p:timing>
+    <p:tnLst>
+      <p:par>
+        <p:cTn id="1" dur="indefinite" restart="never" nodeType="tmRoot"/>
+      </p:par>
+    </p:tnLst>
+  </p:timing>
+</p:sldLayout>
+</file>
+
+<file path=ppt/slideLayouts/slideLayout5.xml><?xml version="1.0" encoding="utf-8"?>
+<p:sldLayout xmlns:a="http://schemas.openxmlformats.org/drawingml/2006/main" xmlns:r="http://schemas.openxmlformats.org/officeDocument/2006/relationships" xmlns:p="http://schemas.openxmlformats.org/presentationml/2006/main" type="obj" preserve="1">
+  <p:cSld name="Video Clip">
+    <p:spTree>
+      <p:nvGrpSpPr>
+        <p:cNvPr id="1" name=""/>
+        <p:cNvGrpSpPr/>
+        <p:nvPr/>
+      </p:nvGrpSpPr>
+      <p:grpSpPr>
+        <a:xfrm>
+          <a:off x="0" y="0"/>
+          <a:ext cx="0" cy="0"/>
+          <a:chOff x="0" y="0"/>
+          <a:chExt cx="0" cy="0"/>
+        </a:xfrm>
+      </p:grpSpPr>
+      <p:sp>
+        <p:nvSpPr>
+          <p:cNvPr id="2" name="Title 1"/>
+          <p:cNvSpPr>
+            <a:spLocks noGrp="1"/>
+          </p:cNvSpPr>
+          <p:nvPr>
+            <p:ph type="title"/>
+          </p:nvPr>
+        </p:nvSpPr>
+        <p:spPr/>
+        <p:txBody>
+          <a:bodyPr/>
+          <a:lstStyle/>
+          <a:p>
+            <a:r>
+              <a:rPr lang="en-US" smtClean="0"/>
+              <a:t>Click to edit Master title style</a:t>
+            </a:r>
+            <a:endParaRPr lang="en-US"/>
+          </a:p>
+        </p:txBody>
+      </p:sp>
+      <p:sp>
+        <p:nvSpPr>
+          <p:cNvPr id="3" name="Content Placeholder 2"/>
+          <p:cNvSpPr>
+            <a:spLocks noGrp="1"/>
+          </p:cNvSpPr>
+          <p:nvPr>
+            <p:ph idx="1"/>
+          </p:nvPr>
+        </p:nvSpPr>
+        <p:spPr/>
+        <p:txBody>
+          <a:bodyPr/>
+          <a:lstStyle>
+            <a:lvl1pPr marL="0" indent="0">
+              <a:buNone/>
+              <a:defRPr b="1">
+                <a:latin typeface="Consolas" pitchFamily="49" charset="0"/>
+                <a:cs typeface="Consolas" pitchFamily="49" charset="0"/>
+              </a:defRPr>
+            </a:lvl1pPr>
+          </a:lstStyle>
+          <a:p>
+            <a:pPr lvl="0"/>
+            <a:r>
+              <a:rPr lang="en-US" dirty="0" smtClean="0"/>
+              <a:t>Click to edit Master text styles</a:t>
+            </a:r>
+          </a:p>
+          <a:p>
+            <a:pPr lvl="1"/>
+            <a:r>
+              <a:rPr lang="en-US" dirty="0" smtClean="0"/>
+              <a:t>Second level</a:t>
+            </a:r>
+          </a:p>
+          <a:p>
+            <a:pPr lvl="2"/>
+            <a:r>
+              <a:rPr lang="en-US" dirty="0" smtClean="0"/>
+              <a:t>Third level</a:t>
+            </a:r>
+          </a:p>
+          <a:p>
+            <a:pPr lvl="3"/>
+            <a:r>
+              <a:rPr lang="en-US" dirty="0" smtClean="0"/>
+              <a:t>Fourth level</a:t>
+            </a:r>
+          </a:p>
+          <a:p>
+            <a:pPr lvl="4"/>
+            <a:r>
+              <a:rPr lang="en-US" dirty="0" smtClean="0"/>
+              <a:t>Fifth level</a:t>
+            </a:r>
+            <a:endParaRPr lang="en-US" dirty="0"/>
+          </a:p>
+        </p:txBody>
+      </p:sp>
+      <p:sp>
+        <p:nvSpPr>
+          <p:cNvPr id="4" name="Date Placeholder 3"/>
+          <p:cNvSpPr>
+            <a:spLocks noGrp="1"/>
+          </p:cNvSpPr>
+          <p:nvPr>
+            <p:ph type="dt" sz="half" idx="10"/>
+          </p:nvPr>
+        </p:nvSpPr>
+        <p:spPr/>
+        <p:txBody>
+          <a:bodyPr/>
+          <a:lstStyle/>
+          <a:p>
+            <a:fld id="{FF5D65A6-AB94-4435-B0B7-3743215FA46C}" type="datetime1">
+              <a:rPr lang="en-US" smtClean="0"/>
+              <a:t>10/13/2015</a:t>
+            </a:fld>
+            <a:endParaRPr lang="en-US"/>
+          </a:p>
+        </p:txBody>
+      </p:sp>
+      <p:sp>
+        <p:nvSpPr>
+          <p:cNvPr id="5" name="Footer Placeholder 4"/>
+          <p:cNvSpPr>
+            <a:spLocks noGrp="1"/>
+          </p:cNvSpPr>
+          <p:nvPr>
+            <p:ph type="ftr" sz="quarter" idx="11"/>
+          </p:nvPr>
+        </p:nvSpPr>
+        <p:spPr/>
+        <p:txBody>
+          <a:bodyPr/>
+          <a:lstStyle/>
+          <a:p>
+            <a:endParaRPr lang="en-US"/>
+          </a:p>
+        </p:txBody>
+      </p:sp>
+      <p:sp>
+        <p:nvSpPr>
+          <p:cNvPr id="7" name="Rectangle 6"/>
+          <p:cNvSpPr/>
+          <p:nvPr userDrawn="1"/>
+        </p:nvSpPr>
+        <p:spPr>
+          <a:xfrm>
+            <a:off x="609600" y="1676400"/>
+            <a:ext cx="7924800" cy="4343400"/>
+          </a:xfrm>
+          <a:prstGeom prst="rect">
+            <a:avLst/>
+          </a:prstGeom>
+          <a:noFill/>
+          <a:ln/>
+        </p:spPr>
+        <p:style>
+          <a:lnRef idx="2">
+            <a:schemeClr val="dk1"/>
+          </a:lnRef>
+          <a:fillRef idx="1">
+            <a:schemeClr val="lt1"/>
+          </a:fillRef>
+          <a:effectRef idx="0">
+            <a:schemeClr val="dk1"/>
+          </a:effectRef>
+          <a:fontRef idx="minor">
+            <a:schemeClr val="dk1"/>
+          </a:fontRef>
+        </p:style>
+        <p:txBody>
+          <a:bodyPr rot="0" spcFirstLastPara="0" vertOverflow="overflow" horzOverflow="overflow" vert="horz" wrap="square" lIns="91440" tIns="45720" rIns="91440" bIns="45720" numCol="1" spcCol="0" rtlCol="0" fromWordArt="0" anchor="ctr" anchorCtr="0" forceAA="0" compatLnSpc="1">
+            <a:prstTxWarp prst="textNoShape">
+              <a:avLst/>
+            </a:prstTxWarp>
+            <a:noAutofit/>
+          </a:bodyPr>
+          <a:lstStyle/>
+          <a:p>
+            <a:pPr algn="ctr"/>
+            <a:endParaRPr lang="en-US" dirty="0">
+              <a:solidFill>
+                <a:schemeClr val="tx1"/>
+              </a:solidFill>
+            </a:endParaRPr>
+          </a:p>
+        </p:txBody>
+      </p:sp>
+      <p:sp>
+        <p:nvSpPr>
+          <p:cNvPr id="6" name="Slide Number Placeholder 5"/>
+          <p:cNvSpPr>
+            <a:spLocks noGrp="1"/>
+          </p:cNvSpPr>
+          <p:nvPr>
+            <p:ph type="sldNum" sz="quarter" idx="12"/>
+          </p:nvPr>
+        </p:nvSpPr>
+        <p:spPr/>
+        <p:txBody>
+          <a:bodyPr/>
+          <a:lstStyle/>
+          <a:p>
+            <a:fld id="{2AF3B5EA-18B6-4040-9F78-6052AF49C681}" type="slidenum">
+              <a:rPr lang="en-US" smtClean="0"/>
+              <a:t>‹#›</a:t>
+            </a:fld>
+            <a:endParaRPr lang="en-US"/>
+          </a:p>
+        </p:txBody>
+      </p:sp>
+    </p:spTree>
+    <p:extLst>
+      <p:ext uri="{BB962C8B-B14F-4D97-AF65-F5344CB8AC3E}">
+        <p14:creationId xmlns:p14="http://schemas.microsoft.com/office/powerpoint/2010/main" val="1115695589"/>
+      </p:ext>
+    </p:extLst>
+  </p:cSld>
+  <p:clrMapOvr>
+    <a:masterClrMapping/>
+  </p:clrMapOvr>
+  <p:timing>
+    <p:tnLst>
+      <p:par>
+        <p:cTn id="1" dur="indefinite" restart="never" nodeType="tmRoot"/>
+      </p:par>
+    </p:tnLst>
+  </p:timing>
+</p:sldLayout>
+</file>
+
+<file path=ppt/slideLayouts/slideLayout6.xml><?xml version="1.0" encoding="utf-8"?>
 <p:sldLayout xmlns:a="http://schemas.openxmlformats.org/drawingml/2006/main" xmlns:r="http://schemas.openxmlformats.org/officeDocument/2006/relationships" xmlns:p="http://schemas.openxmlformats.org/presentationml/2006/main" type="secHead" preserve="1">
   <p:cSld name="Section Header">
     <p:spTree>
@@ -3084,9 +3968,9 @@
           <a:bodyPr/>
           <a:lstStyle/>
           <a:p>
-            <a:fld id="{7E3C5CA0-53AF-40BE-8C28-364B75841059}" type="datetime1">
+            <a:fld id="{7C193DC4-6EF0-48C9-B29C-616106A645E1}" type="datetime1">
               <a:rPr lang="en-US" smtClean="0"/>
-              <a:t>10/16/2014</a:t>
+              <a:t>10/13/2015</a:t>
             </a:fld>
             <a:endParaRPr lang="en-US"/>
           </a:p>
@@ -3126,7 +4010,7 @@
           <a:bodyPr/>
           <a:lstStyle/>
           <a:p>
-            <a:fld id="{C1D4534E-1B22-4A44-850A-B3E8E9EE687A}" type="slidenum">
+            <a:fld id="{2AF3B5EA-18B6-4040-9F78-6052AF49C681}" type="slidenum">
               <a:rPr lang="en-US" smtClean="0"/>
               <a:t>‹#›</a:t>
             </a:fld>
@@ -3137,7 +4021,7 @@
     </p:spTree>
     <p:extLst>
       <p:ext uri="{BB962C8B-B14F-4D97-AF65-F5344CB8AC3E}">
-        <p14:creationId xmlns:p14="http://schemas.microsoft.com/office/powerpoint/2010/main" val="139009286"/>
+        <p14:creationId xmlns:p14="http://schemas.microsoft.com/office/powerpoint/2010/main" val="347449486"/>
       </p:ext>
     </p:extLst>
   </p:cSld>
@@ -3147,7 +4031,7 @@
 </p:sldLayout>
 </file>
 
-<file path=ppt/slideLayouts/slideLayout5.xml><?xml version="1.0" encoding="utf-8"?>
+<file path=ppt/slideLayouts/slideLayout7.xml><?xml version="1.0" encoding="utf-8"?>
 <p:sldLayout xmlns:a="http://schemas.openxmlformats.org/drawingml/2006/main" xmlns:r="http://schemas.openxmlformats.org/officeDocument/2006/relationships" xmlns:p="http://schemas.openxmlformats.org/presentationml/2006/main" type="twoObj" preserve="1">
   <p:cSld name="Two Content">
     <p:spTree>
@@ -3372,9 +4256,9 @@
           <a:bodyPr/>
           <a:lstStyle/>
           <a:p>
-            <a:fld id="{A3750F65-F1AA-46ED-9049-E770B085EB70}" type="datetime1">
+            <a:fld id="{5D1846AD-9252-4647-9435-4C2AC365653A}" type="datetime1">
               <a:rPr lang="en-US" smtClean="0"/>
-              <a:t>10/16/2014</a:t>
+              <a:t>10/13/2015</a:t>
             </a:fld>
             <a:endParaRPr lang="en-US"/>
           </a:p>
@@ -3414,7 +4298,7 @@
           <a:bodyPr/>
           <a:lstStyle/>
           <a:p>
-            <a:fld id="{C1D4534E-1B22-4A44-850A-B3E8E9EE687A}" type="slidenum">
+            <a:fld id="{2AF3B5EA-18B6-4040-9F78-6052AF49C681}" type="slidenum">
               <a:rPr lang="en-US" smtClean="0"/>
               <a:t>‹#›</a:t>
             </a:fld>
@@ -3425,7 +4309,7 @@
     </p:spTree>
     <p:extLst>
       <p:ext uri="{BB962C8B-B14F-4D97-AF65-F5344CB8AC3E}">
-        <p14:creationId xmlns:p14="http://schemas.microsoft.com/office/powerpoint/2010/main" val="2824650460"/>
+        <p14:creationId xmlns:p14="http://schemas.microsoft.com/office/powerpoint/2010/main" val="99851633"/>
       </p:ext>
     </p:extLst>
   </p:cSld>
@@ -3435,7 +4319,7 @@
 </p:sldLayout>
 </file>
 
-<file path=ppt/slideLayouts/slideLayout6.xml><?xml version="1.0" encoding="utf-8"?>
+<file path=ppt/slideLayouts/slideLayout8.xml><?xml version="1.0" encoding="utf-8"?>
 <p:sldLayout xmlns:a="http://schemas.openxmlformats.org/drawingml/2006/main" xmlns:r="http://schemas.openxmlformats.org/officeDocument/2006/relationships" xmlns:p="http://schemas.openxmlformats.org/presentationml/2006/main" type="twoTxTwoObj" preserve="1">
   <p:cSld name="Comparison">
     <p:spTree>
@@ -3794,9 +4678,9 @@
           <a:bodyPr/>
           <a:lstStyle/>
           <a:p>
-            <a:fld id="{20ACCE8D-5FA9-4122-9954-E9DFC6D771E7}" type="datetime1">
+            <a:fld id="{CE56DC10-3561-4063-A6AF-C1CC7A41040A}" type="datetime1">
               <a:rPr lang="en-US" smtClean="0"/>
-              <a:t>10/16/2014</a:t>
+              <a:t>10/13/2015</a:t>
             </a:fld>
             <a:endParaRPr lang="en-US"/>
           </a:p>
@@ -3836,7 +4720,7 @@
           <a:bodyPr/>
           <a:lstStyle/>
           <a:p>
-            <a:fld id="{C1D4534E-1B22-4A44-850A-B3E8E9EE687A}" type="slidenum">
+            <a:fld id="{2AF3B5EA-18B6-4040-9F78-6052AF49C681}" type="slidenum">
               <a:rPr lang="en-US" smtClean="0"/>
               <a:t>‹#›</a:t>
             </a:fld>
@@ -3847,7 +4731,7 @@
     </p:spTree>
     <p:extLst>
       <p:ext uri="{BB962C8B-B14F-4D97-AF65-F5344CB8AC3E}">
-        <p14:creationId xmlns:p14="http://schemas.microsoft.com/office/powerpoint/2010/main" val="2269996778"/>
+        <p14:creationId xmlns:p14="http://schemas.microsoft.com/office/powerpoint/2010/main" val="3473593797"/>
       </p:ext>
     </p:extLst>
   </p:cSld>
@@ -3857,7 +4741,7 @@
 </p:sldLayout>
 </file>
 
-<file path=ppt/slideLayouts/slideLayout7.xml><?xml version="1.0" encoding="utf-8"?>
+<file path=ppt/slideLayouts/slideLayout9.xml><?xml version="1.0" encoding="utf-8"?>
 <p:sldLayout xmlns:a="http://schemas.openxmlformats.org/drawingml/2006/main" xmlns:r="http://schemas.openxmlformats.org/officeDocument/2006/relationships" xmlns:p="http://schemas.openxmlformats.org/presentationml/2006/main" type="titleOnly" preserve="1">
   <p:cSld name="Title Only">
     <p:spTree>
@@ -3912,9 +4796,9 @@
           <a:bodyPr/>
           <a:lstStyle/>
           <a:p>
-            <a:fld id="{F22A7544-22BB-4FFC-A20E-7253BF3EC462}" type="datetime1">
+            <a:fld id="{2F7B77F5-1464-4F6B-92A8-64FC8A508293}" type="datetime1">
               <a:rPr lang="en-US" smtClean="0"/>
-              <a:t>10/16/2014</a:t>
+              <a:t>10/13/2015</a:t>
             </a:fld>
             <a:endParaRPr lang="en-US"/>
           </a:p>
@@ -3954,7 +4838,7 @@
           <a:bodyPr/>
           <a:lstStyle/>
           <a:p>
-            <a:fld id="{C1D4534E-1B22-4A44-850A-B3E8E9EE687A}" type="slidenum">
+            <a:fld id="{2AF3B5EA-18B6-4040-9F78-6052AF49C681}" type="slidenum">
               <a:rPr lang="en-US" smtClean="0"/>
               <a:t>‹#›</a:t>
             </a:fld>
@@ -3965,390 +4849,25 @@
     </p:spTree>
     <p:extLst>
       <p:ext uri="{BB962C8B-B14F-4D97-AF65-F5344CB8AC3E}">
-        <p14:creationId xmlns:p14="http://schemas.microsoft.com/office/powerpoint/2010/main" val="2843692314"/>
+        <p14:creationId xmlns:p14="http://schemas.microsoft.com/office/powerpoint/2010/main" val="3221197585"/>
       </p:ext>
     </p:extLst>
   </p:cSld>
   <p:clrMapOvr>
     <a:masterClrMapping/>
   </p:clrMapOvr>
-</p:sldLayout>
-</file>
-
-<file path=ppt/slideLayouts/slideLayout8.xml><?xml version="1.0" encoding="utf-8"?>
-<p:sldLayout xmlns:a="http://schemas.openxmlformats.org/drawingml/2006/main" xmlns:r="http://schemas.openxmlformats.org/officeDocument/2006/relationships" xmlns:p="http://schemas.openxmlformats.org/presentationml/2006/main" type="blank" preserve="1">
-  <p:cSld name="Blank">
-    <p:spTree>
-      <p:nvGrpSpPr>
-        <p:cNvPr id="1" name=""/>
-        <p:cNvGrpSpPr/>
-        <p:nvPr/>
-      </p:nvGrpSpPr>
-      <p:grpSpPr>
-        <a:xfrm>
-          <a:off x="0" y="0"/>
-          <a:ext cx="0" cy="0"/>
-          <a:chOff x="0" y="0"/>
-          <a:chExt cx="0" cy="0"/>
-        </a:xfrm>
-      </p:grpSpPr>
-      <p:sp>
-        <p:nvSpPr>
-          <p:cNvPr id="2" name="Date Placeholder 1"/>
-          <p:cNvSpPr>
-            <a:spLocks noGrp="1"/>
-          </p:cNvSpPr>
-          <p:nvPr>
-            <p:ph type="dt" sz="half" idx="10"/>
-          </p:nvPr>
-        </p:nvSpPr>
-        <p:spPr/>
-        <p:txBody>
-          <a:bodyPr/>
-          <a:lstStyle/>
-          <a:p>
-            <a:fld id="{6E2705F4-0C71-48E5-B95E-BBC824AA6655}" type="datetime1">
-              <a:rPr lang="en-US" smtClean="0"/>
-              <a:t>10/16/2014</a:t>
-            </a:fld>
-            <a:endParaRPr lang="en-US"/>
-          </a:p>
-        </p:txBody>
-      </p:sp>
-      <p:sp>
-        <p:nvSpPr>
-          <p:cNvPr id="3" name="Footer Placeholder 2"/>
-          <p:cNvSpPr>
-            <a:spLocks noGrp="1"/>
-          </p:cNvSpPr>
-          <p:nvPr>
-            <p:ph type="ftr" sz="quarter" idx="11"/>
-          </p:nvPr>
-        </p:nvSpPr>
-        <p:spPr/>
-        <p:txBody>
-          <a:bodyPr/>
-          <a:lstStyle/>
-          <a:p>
-            <a:endParaRPr lang="en-US"/>
-          </a:p>
-        </p:txBody>
-      </p:sp>
-      <p:sp>
-        <p:nvSpPr>
-          <p:cNvPr id="4" name="Slide Number Placeholder 3"/>
-          <p:cNvSpPr>
-            <a:spLocks noGrp="1"/>
-          </p:cNvSpPr>
-          <p:nvPr>
-            <p:ph type="sldNum" sz="quarter" idx="12"/>
-          </p:nvPr>
-        </p:nvSpPr>
-        <p:spPr/>
-        <p:txBody>
-          <a:bodyPr/>
-          <a:lstStyle/>
-          <a:p>
-            <a:fld id="{C1D4534E-1B22-4A44-850A-B3E8E9EE687A}" type="slidenum">
-              <a:rPr lang="en-US" smtClean="0"/>
-              <a:t>‹#›</a:t>
-            </a:fld>
-            <a:endParaRPr lang="en-US"/>
-          </a:p>
-        </p:txBody>
-      </p:sp>
-    </p:spTree>
-    <p:extLst>
-      <p:ext uri="{BB962C8B-B14F-4D97-AF65-F5344CB8AC3E}">
-        <p14:creationId xmlns:p14="http://schemas.microsoft.com/office/powerpoint/2010/main" val="647820881"/>
-      </p:ext>
-    </p:extLst>
-  </p:cSld>
-  <p:clrMapOvr>
-    <a:masterClrMapping/>
-  </p:clrMapOvr>
-</p:sldLayout>
-</file>
-
-<file path=ppt/slideLayouts/slideLayout9.xml><?xml version="1.0" encoding="utf-8"?>
-<p:sldLayout xmlns:a="http://schemas.openxmlformats.org/drawingml/2006/main" xmlns:r="http://schemas.openxmlformats.org/officeDocument/2006/relationships" xmlns:p="http://schemas.openxmlformats.org/presentationml/2006/main" type="objTx" preserve="1">
-  <p:cSld name="Content with Caption">
-    <p:spTree>
-      <p:nvGrpSpPr>
-        <p:cNvPr id="1" name=""/>
-        <p:cNvGrpSpPr/>
-        <p:nvPr/>
-      </p:nvGrpSpPr>
-      <p:grpSpPr>
-        <a:xfrm>
-          <a:off x="0" y="0"/>
-          <a:ext cx="0" cy="0"/>
-          <a:chOff x="0" y="0"/>
-          <a:chExt cx="0" cy="0"/>
-        </a:xfrm>
-      </p:grpSpPr>
-      <p:sp>
-        <p:nvSpPr>
-          <p:cNvPr id="2" name="Title 1"/>
-          <p:cNvSpPr>
-            <a:spLocks noGrp="1"/>
-          </p:cNvSpPr>
-          <p:nvPr>
-            <p:ph type="title"/>
-          </p:nvPr>
-        </p:nvSpPr>
-        <p:spPr>
-          <a:xfrm>
-            <a:off x="457200" y="273050"/>
-            <a:ext cx="3008313" cy="1162050"/>
-          </a:xfrm>
-        </p:spPr>
-        <p:txBody>
-          <a:bodyPr anchor="b"/>
-          <a:lstStyle>
-            <a:lvl1pPr algn="l">
-              <a:defRPr sz="2000" b="1"/>
-            </a:lvl1pPr>
-          </a:lstStyle>
-          <a:p>
-            <a:r>
-              <a:rPr lang="en-US" smtClean="0"/>
-              <a:t>Click to edit Master title style</a:t>
-            </a:r>
-            <a:endParaRPr lang="en-US"/>
-          </a:p>
-        </p:txBody>
-      </p:sp>
-      <p:sp>
-        <p:nvSpPr>
-          <p:cNvPr id="3" name="Content Placeholder 2"/>
-          <p:cNvSpPr>
-            <a:spLocks noGrp="1"/>
-          </p:cNvSpPr>
-          <p:nvPr>
-            <p:ph idx="1"/>
-          </p:nvPr>
-        </p:nvSpPr>
-        <p:spPr>
-          <a:xfrm>
-            <a:off x="3575050" y="273050"/>
-            <a:ext cx="5111750" cy="5853113"/>
-          </a:xfrm>
-        </p:spPr>
-        <p:txBody>
-          <a:bodyPr/>
-          <a:lstStyle>
-            <a:lvl1pPr>
-              <a:defRPr sz="3200"/>
-            </a:lvl1pPr>
-            <a:lvl2pPr>
-              <a:defRPr sz="2800"/>
-            </a:lvl2pPr>
-            <a:lvl3pPr>
-              <a:defRPr sz="2400"/>
-            </a:lvl3pPr>
-            <a:lvl4pPr>
-              <a:defRPr sz="2000"/>
-            </a:lvl4pPr>
-            <a:lvl5pPr>
-              <a:defRPr sz="2000"/>
-            </a:lvl5pPr>
-            <a:lvl6pPr>
-              <a:defRPr sz="2000"/>
-            </a:lvl6pPr>
-            <a:lvl7pPr>
-              <a:defRPr sz="2000"/>
-            </a:lvl7pPr>
-            <a:lvl8pPr>
-              <a:defRPr sz="2000"/>
-            </a:lvl8pPr>
-            <a:lvl9pPr>
-              <a:defRPr sz="2000"/>
-            </a:lvl9pPr>
-          </a:lstStyle>
-          <a:p>
-            <a:pPr lvl="0"/>
-            <a:r>
-              <a:rPr lang="en-US" smtClean="0"/>
-              <a:t>Click to edit Master text styles</a:t>
-            </a:r>
-          </a:p>
-          <a:p>
-            <a:pPr lvl="1"/>
-            <a:r>
-              <a:rPr lang="en-US" smtClean="0"/>
-              <a:t>Second level</a:t>
-            </a:r>
-          </a:p>
-          <a:p>
-            <a:pPr lvl="2"/>
-            <a:r>
-              <a:rPr lang="en-US" smtClean="0"/>
-              <a:t>Third level</a:t>
-            </a:r>
-          </a:p>
-          <a:p>
-            <a:pPr lvl="3"/>
-            <a:r>
-              <a:rPr lang="en-US" smtClean="0"/>
-              <a:t>Fourth level</a:t>
-            </a:r>
-          </a:p>
-          <a:p>
-            <a:pPr lvl="4"/>
-            <a:r>
-              <a:rPr lang="en-US" smtClean="0"/>
-              <a:t>Fifth level</a:t>
-            </a:r>
-            <a:endParaRPr lang="en-US"/>
-          </a:p>
-        </p:txBody>
-      </p:sp>
-      <p:sp>
-        <p:nvSpPr>
-          <p:cNvPr id="4" name="Text Placeholder 3"/>
-          <p:cNvSpPr>
-            <a:spLocks noGrp="1"/>
-          </p:cNvSpPr>
-          <p:nvPr>
-            <p:ph type="body" sz="half" idx="2"/>
-          </p:nvPr>
-        </p:nvSpPr>
-        <p:spPr>
-          <a:xfrm>
-            <a:off x="457200" y="1435100"/>
-            <a:ext cx="3008313" cy="4691063"/>
-          </a:xfrm>
-        </p:spPr>
-        <p:txBody>
-          <a:bodyPr/>
-          <a:lstStyle>
-            <a:lvl1pPr marL="0" indent="0">
-              <a:buNone/>
-              <a:defRPr sz="1400"/>
-            </a:lvl1pPr>
-            <a:lvl2pPr marL="457200" indent="0">
-              <a:buNone/>
-              <a:defRPr sz="1200"/>
-            </a:lvl2pPr>
-            <a:lvl3pPr marL="914400" indent="0">
-              <a:buNone/>
-              <a:defRPr sz="1000"/>
-            </a:lvl3pPr>
-            <a:lvl4pPr marL="1371600" indent="0">
-              <a:buNone/>
-              <a:defRPr sz="900"/>
-            </a:lvl4pPr>
-            <a:lvl5pPr marL="1828800" indent="0">
-              <a:buNone/>
-              <a:defRPr sz="900"/>
-            </a:lvl5pPr>
-            <a:lvl6pPr marL="2286000" indent="0">
-              <a:buNone/>
-              <a:defRPr sz="900"/>
-            </a:lvl6pPr>
-            <a:lvl7pPr marL="2743200" indent="0">
-              <a:buNone/>
-              <a:defRPr sz="900"/>
-            </a:lvl7pPr>
-            <a:lvl8pPr marL="3200400" indent="0">
-              <a:buNone/>
-              <a:defRPr sz="900"/>
-            </a:lvl8pPr>
-            <a:lvl9pPr marL="3657600" indent="0">
-              <a:buNone/>
-              <a:defRPr sz="900"/>
-            </a:lvl9pPr>
-          </a:lstStyle>
-          <a:p>
-            <a:pPr lvl="0"/>
-            <a:r>
-              <a:rPr lang="en-US" smtClean="0"/>
-              <a:t>Click to edit Master text styles</a:t>
-            </a:r>
-          </a:p>
-        </p:txBody>
-      </p:sp>
-      <p:sp>
-        <p:nvSpPr>
-          <p:cNvPr id="5" name="Date Placeholder 4"/>
-          <p:cNvSpPr>
-            <a:spLocks noGrp="1"/>
-          </p:cNvSpPr>
-          <p:nvPr>
-            <p:ph type="dt" sz="half" idx="10"/>
-          </p:nvPr>
-        </p:nvSpPr>
-        <p:spPr/>
-        <p:txBody>
-          <a:bodyPr/>
-          <a:lstStyle/>
-          <a:p>
-            <a:fld id="{E99D61EF-CC70-404F-9FC5-5C1EA847ADE5}" type="datetime1">
-              <a:rPr lang="en-US" smtClean="0"/>
-              <a:t>10/16/2014</a:t>
-            </a:fld>
-            <a:endParaRPr lang="en-US"/>
-          </a:p>
-        </p:txBody>
-      </p:sp>
-      <p:sp>
-        <p:nvSpPr>
-          <p:cNvPr id="6" name="Footer Placeholder 5"/>
-          <p:cNvSpPr>
-            <a:spLocks noGrp="1"/>
-          </p:cNvSpPr>
-          <p:nvPr>
-            <p:ph type="ftr" sz="quarter" idx="11"/>
-          </p:nvPr>
-        </p:nvSpPr>
-        <p:spPr/>
-        <p:txBody>
-          <a:bodyPr/>
-          <a:lstStyle/>
-          <a:p>
-            <a:endParaRPr lang="en-US"/>
-          </a:p>
-        </p:txBody>
-      </p:sp>
-      <p:sp>
-        <p:nvSpPr>
-          <p:cNvPr id="7" name="Slide Number Placeholder 6"/>
-          <p:cNvSpPr>
-            <a:spLocks noGrp="1"/>
-          </p:cNvSpPr>
-          <p:nvPr>
-            <p:ph type="sldNum" sz="quarter" idx="12"/>
-          </p:nvPr>
-        </p:nvSpPr>
-        <p:spPr/>
-        <p:txBody>
-          <a:bodyPr/>
-          <a:lstStyle/>
-          <a:p>
-            <a:fld id="{C1D4534E-1B22-4A44-850A-B3E8E9EE687A}" type="slidenum">
-              <a:rPr lang="en-US" smtClean="0"/>
-              <a:t>‹#›</a:t>
-            </a:fld>
-            <a:endParaRPr lang="en-US"/>
-          </a:p>
-        </p:txBody>
-      </p:sp>
-    </p:spTree>
-    <p:extLst>
-      <p:ext uri="{BB962C8B-B14F-4D97-AF65-F5344CB8AC3E}">
-        <p14:creationId xmlns:p14="http://schemas.microsoft.com/office/powerpoint/2010/main" val="1376030434"/>
-      </p:ext>
-    </p:extLst>
-  </p:cSld>
-  <p:clrMapOvr>
-    <a:masterClrMapping/>
-  </p:clrMapOvr>
+  <p:timing>
+    <p:tnLst>
+      <p:par>
+        <p:cTn id="1" dur="indefinite" restart="never" nodeType="tmRoot"/>
+      </p:par>
+    </p:tnLst>
+  </p:timing>
 </p:sldLayout>
 </file>
 
 <file path=ppt/slideMasters/slideMaster1.xml><?xml version="1.0" encoding="utf-8"?>
-<p:sldMaster xmlns:a="http://schemas.openxmlformats.org/drawingml/2006/main" xmlns:r="http://schemas.openxmlformats.org/officeDocument/2006/relationships" xmlns:p="http://schemas.openxmlformats.org/presentationml/2006/main">
+<p:sldMaster xmlns:a="http://schemas.openxmlformats.org/drawingml/2006/main" xmlns:r="http://schemas.openxmlformats.org/officeDocument/2006/relationships" xmlns:p="http://schemas.openxmlformats.org/presentationml/2006/main" preserve="1">
   <p:cSld>
     <p:bg>
       <p:bgRef idx="1001">
@@ -4388,6 +4907,18 @@
             <a:avLst/>
           </a:prstGeom>
         </p:spPr>
+        <p:style>
+          <a:lnRef idx="2">
+            <a:schemeClr val="accent1"/>
+          </a:lnRef>
+          <a:fillRef idx="1">
+            <a:schemeClr val="lt1"/>
+          </a:fillRef>
+          <a:effectRef idx="0">
+            <a:schemeClr val="accent1"/>
+          </a:effectRef>
+          <a:fontRef idx="none"/>
+        </p:style>
         <p:txBody>
           <a:bodyPr vert="horz" lIns="91440" tIns="45720" rIns="91440" bIns="45720" rtlCol="0" anchor="ctr">
             <a:normAutofit/>
@@ -4497,9 +5028,9 @@
             </a:lvl1pPr>
           </a:lstStyle>
           <a:p>
-            <a:fld id="{D23AA579-4873-45FD-A35D-514930127178}" type="datetime1">
+            <a:fld id="{02B3F677-983B-48DB-ADFD-63FE6CBC7FB2}" type="datetime1">
               <a:rPr lang="en-US" smtClean="0"/>
-              <a:t>10/16/2014</a:t>
+              <a:t>10/13/2015</a:t>
             </a:fld>
             <a:endParaRPr lang="en-US"/>
           </a:p>
@@ -4575,7 +5106,7 @@
             </a:lvl1pPr>
           </a:lstStyle>
           <a:p>
-            <a:fld id="{C1D4534E-1B22-4A44-850A-B3E8E9EE687A}" type="slidenum">
+            <a:fld id="{2AF3B5EA-18B6-4040-9F78-6052AF49C681}" type="slidenum">
               <a:rPr lang="en-US" smtClean="0"/>
               <a:t>‹#›</a:t>
             </a:fld>
@@ -4586,24 +5117,26 @@
     </p:spTree>
     <p:extLst>
       <p:ext uri="{BB962C8B-B14F-4D97-AF65-F5344CB8AC3E}">
-        <p14:creationId xmlns:p14="http://schemas.microsoft.com/office/powerpoint/2010/main" val="2083059765"/>
+        <p14:creationId xmlns:p14="http://schemas.microsoft.com/office/powerpoint/2010/main" val="3713190393"/>
       </p:ext>
     </p:extLst>
   </p:cSld>
   <p:clrMap bg1="lt1" tx1="dk1" bg2="lt2" tx2="dk2" accent1="accent1" accent2="accent2" accent3="accent3" accent4="accent4" accent5="accent5" accent6="accent6" hlink="hlink" folHlink="folHlink"/>
   <p:sldLayoutIdLst>
-    <p:sldLayoutId id="2147483649" r:id="rId1"/>
-    <p:sldLayoutId id="2147483650" r:id="rId2"/>
-    <p:sldLayoutId id="2147483660" r:id="rId3"/>
-    <p:sldLayoutId id="2147483651" r:id="rId4"/>
-    <p:sldLayoutId id="2147483652" r:id="rId5"/>
-    <p:sldLayoutId id="2147483653" r:id="rId6"/>
-    <p:sldLayoutId id="2147483654" r:id="rId7"/>
-    <p:sldLayoutId id="2147483655" r:id="rId8"/>
-    <p:sldLayoutId id="2147483656" r:id="rId9"/>
-    <p:sldLayoutId id="2147483657" r:id="rId10"/>
-    <p:sldLayoutId id="2147483658" r:id="rId11"/>
-    <p:sldLayoutId id="2147483659" r:id="rId12"/>
+    <p:sldLayoutId id="2147483662" r:id="rId1"/>
+    <p:sldLayoutId id="2147483663" r:id="rId2"/>
+    <p:sldLayoutId id="2147483664" r:id="rId3"/>
+    <p:sldLayoutId id="2147483665" r:id="rId4"/>
+    <p:sldLayoutId id="2147483666" r:id="rId5"/>
+    <p:sldLayoutId id="2147483667" r:id="rId6"/>
+    <p:sldLayoutId id="2147483668" r:id="rId7"/>
+    <p:sldLayoutId id="2147483669" r:id="rId8"/>
+    <p:sldLayoutId id="2147483670" r:id="rId9"/>
+    <p:sldLayoutId id="2147483671" r:id="rId10"/>
+    <p:sldLayoutId id="2147483672" r:id="rId11"/>
+    <p:sldLayoutId id="2147483673" r:id="rId12"/>
+    <p:sldLayoutId id="2147483674" r:id="rId13"/>
+    <p:sldLayoutId id="2147483675" r:id="rId14"/>
   </p:sldLayoutIdLst>
   <p:timing>
     <p:tnLst>
@@ -4945,6 +5478,29 @@
           </a:p>
         </p:txBody>
       </p:sp>
+      <p:sp>
+        <p:nvSpPr>
+          <p:cNvPr id="10" name="Slide Number Placeholder 9"/>
+          <p:cNvSpPr>
+            <a:spLocks noGrp="1"/>
+          </p:cNvSpPr>
+          <p:nvPr>
+            <p:ph type="sldNum" sz="quarter" idx="12"/>
+          </p:nvPr>
+        </p:nvSpPr>
+        <p:spPr/>
+        <p:txBody>
+          <a:bodyPr/>
+          <a:lstStyle/>
+          <a:p>
+            <a:fld id="{C1D4534E-1B22-4A44-850A-B3E8E9EE687A}" type="slidenum">
+              <a:rPr lang="en-US" smtClean="0"/>
+              <a:t>1</a:t>
+            </a:fld>
+            <a:endParaRPr lang="en-US"/>
+          </a:p>
+        </p:txBody>
+      </p:sp>
       <p:grpSp>
         <p:nvGrpSpPr>
           <p:cNvPr id="7" name="Group 6"/>
@@ -5074,29 +5630,6 @@
           </p:txBody>
         </p:sp>
       </p:grpSp>
-      <p:sp>
-        <p:nvSpPr>
-          <p:cNvPr id="10" name="Slide Number Placeholder 9"/>
-          <p:cNvSpPr>
-            <a:spLocks noGrp="1"/>
-          </p:cNvSpPr>
-          <p:nvPr>
-            <p:ph type="sldNum" sz="quarter" idx="12"/>
-          </p:nvPr>
-        </p:nvSpPr>
-        <p:spPr/>
-        <p:txBody>
-          <a:bodyPr/>
-          <a:lstStyle/>
-          <a:p>
-            <a:fld id="{C1D4534E-1B22-4A44-850A-B3E8E9EE687A}" type="slidenum">
-              <a:rPr lang="en-US" smtClean="0"/>
-              <a:t>1</a:t>
-            </a:fld>
-            <a:endParaRPr lang="en-US"/>
-          </a:p>
-        </p:txBody>
-      </p:sp>
     </p:spTree>
     <p:extLst>
       <p:ext uri="{BB962C8B-B14F-4D97-AF65-F5344CB8AC3E}">
@@ -5504,6 +6037,29 @@
               <a:latin typeface="Consolas" pitchFamily="49" charset="0"/>
               <a:cs typeface="Consolas" pitchFamily="49" charset="0"/>
             </a:endParaRPr>
+          </a:p>
+        </p:txBody>
+      </p:sp>
+      <p:sp>
+        <p:nvSpPr>
+          <p:cNvPr id="4" name="Slide Number Placeholder 3"/>
+          <p:cNvSpPr>
+            <a:spLocks noGrp="1"/>
+          </p:cNvSpPr>
+          <p:nvPr>
+            <p:ph type="sldNum" sz="quarter" idx="12"/>
+          </p:nvPr>
+        </p:nvSpPr>
+        <p:spPr/>
+        <p:txBody>
+          <a:bodyPr/>
+          <a:lstStyle/>
+          <a:p>
+            <a:fld id="{C1D4534E-1B22-4A44-850A-B3E8E9EE687A}" type="slidenum">
+              <a:rPr lang="en-US" smtClean="0"/>
+              <a:t>10</a:t>
+            </a:fld>
+            <a:endParaRPr lang="en-US"/>
           </a:p>
         </p:txBody>
       </p:sp>
@@ -6100,29 +6656,6 @@
           </p:style>
         </p:cxnSp>
       </p:grpSp>
-      <p:sp>
-        <p:nvSpPr>
-          <p:cNvPr id="4" name="Slide Number Placeholder 3"/>
-          <p:cNvSpPr>
-            <a:spLocks noGrp="1"/>
-          </p:cNvSpPr>
-          <p:nvPr>
-            <p:ph type="sldNum" sz="quarter" idx="12"/>
-          </p:nvPr>
-        </p:nvSpPr>
-        <p:spPr/>
-        <p:txBody>
-          <a:bodyPr/>
-          <a:lstStyle/>
-          <a:p>
-            <a:fld id="{C1D4534E-1B22-4A44-850A-B3E8E9EE687A}" type="slidenum">
-              <a:rPr lang="en-US" smtClean="0"/>
-              <a:t>10</a:t>
-            </a:fld>
-            <a:endParaRPr lang="en-US"/>
-          </a:p>
-        </p:txBody>
-      </p:sp>
     </p:spTree>
     <p:extLst>
       <p:ext uri="{BB962C8B-B14F-4D97-AF65-F5344CB8AC3E}">
@@ -6454,8 +6987,19 @@
                 <a:latin typeface="Consolas" pitchFamily="49" charset="0"/>
                 <a:cs typeface="Consolas" pitchFamily="49" charset="0"/>
               </a:rPr>
-              <a:t>;; STRATEGY: Structural Decomposition on p : Person</a:t>
-            </a:r>
+              <a:t>;; STRATEGY: </a:t>
+            </a:r>
+            <a:r>
+              <a:rPr lang="en-US" sz="2000" b="1" dirty="0" smtClean="0">
+                <a:latin typeface="Consolas" pitchFamily="49" charset="0"/>
+                <a:cs typeface="Consolas" pitchFamily="49" charset="0"/>
+              </a:rPr>
+              <a:t>Use template for Person on p</a:t>
+            </a:r>
+            <a:endParaRPr lang="en-US" sz="2000" b="1" dirty="0" smtClean="0">
+              <a:latin typeface="Consolas" pitchFamily="49" charset="0"/>
+              <a:cs typeface="Consolas" pitchFamily="49" charset="0"/>
+            </a:endParaRPr>
           </a:p>
           <a:p>
             <a:pPr>
@@ -6506,13 +7050,36 @@
       </p:sp>
       <p:sp>
         <p:nvSpPr>
+          <p:cNvPr id="6" name="Slide Number Placeholder 5"/>
+          <p:cNvSpPr>
+            <a:spLocks noGrp="1"/>
+          </p:cNvSpPr>
+          <p:nvPr>
+            <p:ph type="sldNum" sz="quarter" idx="12"/>
+          </p:nvPr>
+        </p:nvSpPr>
+        <p:spPr/>
+        <p:txBody>
+          <a:bodyPr/>
+          <a:lstStyle/>
+          <a:p>
+            <a:fld id="{C1D4534E-1B22-4A44-850A-B3E8E9EE687A}" type="slidenum">
+              <a:rPr lang="en-US" smtClean="0"/>
+              <a:t>12</a:t>
+            </a:fld>
+            <a:endParaRPr lang="en-US"/>
+          </a:p>
+        </p:txBody>
+      </p:sp>
+      <p:sp>
+        <p:nvSpPr>
           <p:cNvPr id="5" name="Rectangle 4"/>
           <p:cNvSpPr/>
           <p:nvPr/>
         </p:nvSpPr>
         <p:spPr>
           <a:xfrm>
-            <a:off x="4457700" y="4800600"/>
+            <a:off x="4440702" y="5211763"/>
             <a:ext cx="3276600" cy="914400"/>
           </a:xfrm>
           <a:prstGeom prst="rect">
@@ -6614,7 +7181,7 @@
         </p:nvGrpSpPr>
         <p:grpSpPr>
           <a:xfrm>
-            <a:off x="990600" y="4191000"/>
+            <a:off x="685800" y="4602163"/>
             <a:ext cx="3048000" cy="1524000"/>
             <a:chOff x="990600" y="4191000"/>
             <a:chExt cx="3048000" cy="1524000"/>
@@ -6734,29 +7301,6 @@
           </p:style>
         </p:cxnSp>
       </p:grpSp>
-      <p:sp>
-        <p:nvSpPr>
-          <p:cNvPr id="6" name="Slide Number Placeholder 5"/>
-          <p:cNvSpPr>
-            <a:spLocks noGrp="1"/>
-          </p:cNvSpPr>
-          <p:nvPr>
-            <p:ph type="sldNum" sz="quarter" idx="12"/>
-          </p:nvPr>
-        </p:nvSpPr>
-        <p:spPr/>
-        <p:txBody>
-          <a:bodyPr/>
-          <a:lstStyle/>
-          <a:p>
-            <a:fld id="{C1D4534E-1B22-4A44-850A-B3E8E9EE687A}" type="slidenum">
-              <a:rPr lang="en-US" smtClean="0"/>
-              <a:t>12</a:t>
-            </a:fld>
-            <a:endParaRPr lang="en-US"/>
-          </a:p>
-        </p:txBody>
-      </p:sp>
     </p:spTree>
     <p:extLst>
       <p:ext uri="{BB962C8B-B14F-4D97-AF65-F5344CB8AC3E}">
@@ -6959,12 +7503,7 @@
             <p:ph idx="1"/>
           </p:nvPr>
         </p:nvSpPr>
-        <p:spPr>
-          <a:xfrm>
-            <a:off x="457200" y="1600200"/>
-            <a:ext cx="8229600" cy="4525963"/>
-          </a:xfrm>
-        </p:spPr>
+        <p:spPr/>
         <p:txBody>
           <a:bodyPr>
             <a:normAutofit/>
@@ -7289,6 +7828,29 @@
               <a:latin typeface="Consolas" pitchFamily="49" charset="0"/>
               <a:cs typeface="Consolas" pitchFamily="49" charset="0"/>
             </a:endParaRPr>
+          </a:p>
+        </p:txBody>
+      </p:sp>
+      <p:sp>
+        <p:nvSpPr>
+          <p:cNvPr id="5" name="Slide Number Placeholder 4"/>
+          <p:cNvSpPr>
+            <a:spLocks noGrp="1"/>
+          </p:cNvSpPr>
+          <p:nvPr>
+            <p:ph type="sldNum" sz="quarter" idx="12"/>
+          </p:nvPr>
+        </p:nvSpPr>
+        <p:spPr/>
+        <p:txBody>
+          <a:bodyPr/>
+          <a:lstStyle/>
+          <a:p>
+            <a:fld id="{C1D4534E-1B22-4A44-850A-B3E8E9EE687A}" type="slidenum">
+              <a:rPr lang="en-US" smtClean="0"/>
+              <a:t>13</a:t>
+            </a:fld>
+            <a:endParaRPr lang="en-US"/>
           </a:p>
         </p:txBody>
       </p:sp>
@@ -7826,29 +8388,6 @@
               <a:latin typeface="Consolas" pitchFamily="49" charset="0"/>
               <a:cs typeface="Consolas" pitchFamily="49" charset="0"/>
             </a:endParaRPr>
-          </a:p>
-        </p:txBody>
-      </p:sp>
-      <p:sp>
-        <p:nvSpPr>
-          <p:cNvPr id="5" name="Slide Number Placeholder 4"/>
-          <p:cNvSpPr>
-            <a:spLocks noGrp="1"/>
-          </p:cNvSpPr>
-          <p:nvPr>
-            <p:ph type="sldNum" sz="quarter" idx="12"/>
-          </p:nvPr>
-        </p:nvSpPr>
-        <p:spPr/>
-        <p:txBody>
-          <a:bodyPr/>
-          <a:lstStyle/>
-          <a:p>
-            <a:fld id="{C1D4534E-1B22-4A44-850A-B3E8E9EE687A}" type="slidenum">
-              <a:rPr lang="en-US" smtClean="0"/>
-              <a:t>13</a:t>
-            </a:fld>
-            <a:endParaRPr lang="en-US"/>
           </a:p>
         </p:txBody>
       </p:sp>
@@ -8106,7 +8645,11 @@
           <a:p>
             <a:r>
               <a:rPr lang="en-US" sz="1800" dirty="0" smtClean="0"/>
-              <a:t>;; STRATEGY: Structural decomposition on p : Person</a:t>
+              <a:t>;; STRATEGY: </a:t>
+            </a:r>
+            <a:r>
+              <a:rPr lang="en-US" sz="1800" dirty="0" smtClean="0"/>
+              <a:t>Use template for Person on p</a:t>
             </a:r>
             <a:endParaRPr lang="en-US" sz="1800" dirty="0"/>
           </a:p>
@@ -8169,25 +8712,14 @@
               <a:t>;; STRATEGY: </a:t>
             </a:r>
             <a:r>
-              <a:rPr lang="en-US" sz="1800" dirty="0"/>
-              <a:t>Structural decomposition on </a:t>
+              <a:rPr lang="en-US" sz="1800" dirty="0" smtClean="0"/>
+              <a:t>Use template for Persons on </a:t>
             </a:r>
             <a:r>
               <a:rPr lang="en-US" sz="1800" dirty="0" err="1" smtClean="0"/>
               <a:t>ps</a:t>
             </a:r>
-            <a:r>
-              <a:rPr lang="en-US" sz="1800" dirty="0" smtClean="0"/>
-              <a:t> </a:t>
-            </a:r>
-            <a:r>
-              <a:rPr lang="en-US" sz="1800" dirty="0"/>
-              <a:t>: </a:t>
-            </a:r>
-            <a:r>
-              <a:rPr lang="en-US" sz="1800" dirty="0" smtClean="0"/>
-              <a:t>Persons</a:t>
-            </a:r>
+            <a:endParaRPr lang="en-US" sz="1800" dirty="0" smtClean="0"/>
           </a:p>
           <a:p>
             <a:r>
@@ -8393,7 +8925,15 @@
           <a:p>
             <a:r>
               <a:rPr lang="en-US" dirty="0" smtClean="0"/>
-              <a:t>We could use abstraction, too</a:t>
+              <a:t>We could use </a:t>
+            </a:r>
+            <a:r>
+              <a:rPr lang="en-US" dirty="0" smtClean="0"/>
+              <a:t>HOFs, </a:t>
+            </a:r>
+            <a:r>
+              <a:rPr lang="en-US" dirty="0" smtClean="0"/>
+              <a:t>too</a:t>
             </a:r>
             <a:endParaRPr lang="en-US" dirty="0"/>
           </a:p>
@@ -8424,7 +8964,11 @@
           <a:p>
             <a:r>
               <a:rPr lang="en-US" sz="1800" dirty="0" smtClean="0"/>
-              <a:t>;; STRATEGY: Structural decomposition on p : Person</a:t>
+              <a:t>;; STRATEGY: </a:t>
+            </a:r>
+            <a:r>
+              <a:rPr lang="en-US" sz="1800" dirty="0" smtClean="0"/>
+              <a:t>Use template for Person on p</a:t>
             </a:r>
             <a:endParaRPr lang="en-US" sz="1800" dirty="0"/>
           </a:p>
@@ -8472,8 +9016,17 @@
           <a:p>
             <a:r>
               <a:rPr lang="en-US" sz="1800" dirty="0" smtClean="0"/>
-              <a:t>;; STRATEGY: HOFC</a:t>
-            </a:r>
+              <a:t>;; STRATEGY: </a:t>
+            </a:r>
+            <a:r>
+              <a:rPr lang="en-US" sz="1800" dirty="0" smtClean="0"/>
+              <a:t>Use HOF map on </a:t>
+            </a:r>
+            <a:r>
+              <a:rPr lang="en-US" sz="1800" dirty="0" err="1" smtClean="0"/>
+              <a:t>ps</a:t>
+            </a:r>
+            <a:endParaRPr lang="en-US" sz="1800" dirty="0" smtClean="0"/>
           </a:p>
           <a:p>
             <a:r>
@@ -8547,6 +9100,30 @@
               <a:rPr lang="en-US" sz="1800" dirty="0"/>
               <a:t>  </a:t>
             </a:r>
+          </a:p>
+        </p:txBody>
+      </p:sp>
+      <p:sp>
+        <p:nvSpPr>
+          <p:cNvPr id="3" name="Slide Number Placeholder 2"/>
+          <p:cNvSpPr>
+            <a:spLocks noGrp="1"/>
+          </p:cNvSpPr>
+          <p:nvPr>
+            <p:ph type="sldNum" sz="quarter" idx="12"/>
+          </p:nvPr>
+        </p:nvSpPr>
+        <p:spPr/>
+        <p:txBody>
+          <a:bodyPr/>
+          <a:lstStyle/>
+          <a:p>
+            <a:fld id="{9F4492BD-6A9C-48FC-AC76-0B4FE11194A1}" type="slidenum">
+              <a:rPr lang="en-US" smtClean="0"/>
+              <a:pPr/>
+              <a:t>15</a:t>
+            </a:fld>
+            <a:endParaRPr lang="en-US"/>
           </a:p>
         </p:txBody>
       </p:sp>
@@ -8615,30 +9192,6 @@
               <a:rPr lang="en-US" dirty="0"/>
               <a:t>.   This will often be the case.</a:t>
             </a:r>
-          </a:p>
-        </p:txBody>
-      </p:sp>
-      <p:sp>
-        <p:nvSpPr>
-          <p:cNvPr id="3" name="Slide Number Placeholder 2"/>
-          <p:cNvSpPr>
-            <a:spLocks noGrp="1"/>
-          </p:cNvSpPr>
-          <p:nvPr>
-            <p:ph type="sldNum" sz="quarter" idx="12"/>
-          </p:nvPr>
-        </p:nvSpPr>
-        <p:spPr/>
-        <p:txBody>
-          <a:bodyPr/>
-          <a:lstStyle/>
-          <a:p>
-            <a:fld id="{9F4492BD-6A9C-48FC-AC76-0B4FE11194A1}" type="slidenum">
-              <a:rPr lang="en-US" smtClean="0"/>
-              <a:pPr/>
-              <a:t>15</a:t>
-            </a:fld>
-            <a:endParaRPr lang="en-US"/>
           </a:p>
         </p:txBody>
       </p:sp>
@@ -8758,6 +9311,29 @@
       </p:sp>
       <p:sp>
         <p:nvSpPr>
+          <p:cNvPr id="4" name="Slide Number Placeholder 3"/>
+          <p:cNvSpPr>
+            <a:spLocks noGrp="1"/>
+          </p:cNvSpPr>
+          <p:nvPr>
+            <p:ph type="sldNum" sz="quarter" idx="12"/>
+          </p:nvPr>
+        </p:nvSpPr>
+        <p:spPr/>
+        <p:txBody>
+          <a:bodyPr/>
+          <a:lstStyle/>
+          <a:p>
+            <a:fld id="{C1D4534E-1B22-4A44-850A-B3E8E9EE687A}" type="slidenum">
+              <a:rPr lang="en-US" smtClean="0"/>
+              <a:t>16</a:t>
+            </a:fld>
+            <a:endParaRPr lang="en-US"/>
+          </a:p>
+        </p:txBody>
+      </p:sp>
+      <p:sp>
+        <p:nvSpPr>
           <p:cNvPr id="5" name="Rectangle 4"/>
           <p:cNvSpPr/>
           <p:nvPr/>
@@ -8809,29 +9385,6 @@
               </a:rPr>
               <a:t>Here's a slightly harder task.</a:t>
             </a:r>
-          </a:p>
-        </p:txBody>
-      </p:sp>
-      <p:sp>
-        <p:nvSpPr>
-          <p:cNvPr id="4" name="Slide Number Placeholder 3"/>
-          <p:cNvSpPr>
-            <a:spLocks noGrp="1"/>
-          </p:cNvSpPr>
-          <p:nvPr>
-            <p:ph type="sldNum" sz="quarter" idx="12"/>
-          </p:nvPr>
-        </p:nvSpPr>
-        <p:spPr/>
-        <p:txBody>
-          <a:bodyPr/>
-          <a:lstStyle/>
-          <a:p>
-            <a:fld id="{C1D4534E-1B22-4A44-850A-B3E8E9EE687A}" type="slidenum">
-              <a:rPr lang="en-US" smtClean="0"/>
-              <a:t>16</a:t>
-            </a:fld>
-            <a:endParaRPr lang="en-US"/>
           </a:p>
         </p:txBody>
       </p:sp>
@@ -9005,6 +9558,29 @@
       </p:sp>
       <p:sp>
         <p:nvSpPr>
+          <p:cNvPr id="4" name="Slide Number Placeholder 3"/>
+          <p:cNvSpPr>
+            <a:spLocks noGrp="1"/>
+          </p:cNvSpPr>
+          <p:nvPr>
+            <p:ph type="sldNum" sz="quarter" idx="12"/>
+          </p:nvPr>
+        </p:nvSpPr>
+        <p:spPr/>
+        <p:txBody>
+          <a:bodyPr/>
+          <a:lstStyle/>
+          <a:p>
+            <a:fld id="{C1D4534E-1B22-4A44-850A-B3E8E9EE687A}" type="slidenum">
+              <a:rPr lang="en-US" smtClean="0"/>
+              <a:t>17</a:t>
+            </a:fld>
+            <a:endParaRPr lang="en-US"/>
+          </a:p>
+        </p:txBody>
+      </p:sp>
+      <p:sp>
+        <p:nvSpPr>
           <p:cNvPr id="5" name="Rectangle 4"/>
           <p:cNvSpPr/>
           <p:nvPr/>
@@ -9122,29 +9698,6 @@
               </a:rPr>
               <a:t>here.</a:t>
             </a:r>
-          </a:p>
-        </p:txBody>
-      </p:sp>
-      <p:sp>
-        <p:nvSpPr>
-          <p:cNvPr id="4" name="Slide Number Placeholder 3"/>
-          <p:cNvSpPr>
-            <a:spLocks noGrp="1"/>
-          </p:cNvSpPr>
-          <p:nvPr>
-            <p:ph type="sldNum" sz="quarter" idx="12"/>
-          </p:nvPr>
-        </p:nvSpPr>
-        <p:spPr/>
-        <p:txBody>
-          <a:bodyPr/>
-          <a:lstStyle/>
-          <a:p>
-            <a:fld id="{C1D4534E-1B22-4A44-850A-B3E8E9EE687A}" type="slidenum">
-              <a:rPr lang="en-US" smtClean="0"/>
-              <a:t>17</a:t>
-            </a:fld>
-            <a:endParaRPr lang="en-US"/>
           </a:p>
         </p:txBody>
       </p:sp>
@@ -9441,6 +9994,29 @@
               <a:latin typeface="Courier New" pitchFamily="49" charset="0"/>
               <a:cs typeface="Courier New" pitchFamily="49" charset="0"/>
             </a:endParaRPr>
+          </a:p>
+        </p:txBody>
+      </p:sp>
+      <p:sp>
+        <p:nvSpPr>
+          <p:cNvPr id="4" name="Slide Number Placeholder 3"/>
+          <p:cNvSpPr>
+            <a:spLocks noGrp="1"/>
+          </p:cNvSpPr>
+          <p:nvPr>
+            <p:ph type="sldNum" sz="quarter" idx="12"/>
+          </p:nvPr>
+        </p:nvSpPr>
+        <p:spPr/>
+        <p:txBody>
+          <a:bodyPr/>
+          <a:lstStyle/>
+          <a:p>
+            <a:fld id="{C1D4534E-1B22-4A44-850A-B3E8E9EE687A}" type="slidenum">
+              <a:rPr lang="en-US" smtClean="0"/>
+              <a:t>18</a:t>
+            </a:fld>
+            <a:endParaRPr lang="en-US"/>
           </a:p>
         </p:txBody>
       </p:sp>
@@ -10037,29 +10613,6 @@
           </p:style>
         </p:cxnSp>
       </p:grpSp>
-      <p:sp>
-        <p:nvSpPr>
-          <p:cNvPr id="4" name="Slide Number Placeholder 3"/>
-          <p:cNvSpPr>
-            <a:spLocks noGrp="1"/>
-          </p:cNvSpPr>
-          <p:nvPr>
-            <p:ph type="sldNum" sz="quarter" idx="12"/>
-          </p:nvPr>
-        </p:nvSpPr>
-        <p:spPr/>
-        <p:txBody>
-          <a:bodyPr/>
-          <a:lstStyle/>
-          <a:p>
-            <a:fld id="{C1D4534E-1B22-4A44-850A-B3E8E9EE687A}" type="slidenum">
-              <a:rPr lang="en-US" smtClean="0"/>
-              <a:t>18</a:t>
-            </a:fld>
-            <a:endParaRPr lang="en-US"/>
-          </a:p>
-        </p:txBody>
-      </p:sp>
     </p:spTree>
     <p:extLst>
       <p:ext uri="{BB962C8B-B14F-4D97-AF65-F5344CB8AC3E}">
@@ -10466,6 +11019,29 @@
               <a:buNone/>
             </a:pPr>
             <a:endParaRPr lang="en-US" dirty="0"/>
+          </a:p>
+        </p:txBody>
+      </p:sp>
+      <p:sp>
+        <p:nvSpPr>
+          <p:cNvPr id="4" name="Slide Number Placeholder 3"/>
+          <p:cNvSpPr>
+            <a:spLocks noGrp="1"/>
+          </p:cNvSpPr>
+          <p:nvPr>
+            <p:ph type="sldNum" sz="quarter" idx="12"/>
+          </p:nvPr>
+        </p:nvSpPr>
+        <p:spPr/>
+        <p:txBody>
+          <a:bodyPr/>
+          <a:lstStyle/>
+          <a:p>
+            <a:fld id="{C1D4534E-1B22-4A44-850A-B3E8E9EE687A}" type="slidenum">
+              <a:rPr lang="en-US" smtClean="0"/>
+              <a:t>19</a:t>
+            </a:fld>
+            <a:endParaRPr lang="en-US"/>
           </a:p>
         </p:txBody>
       </p:sp>
@@ -10812,29 +11388,6 @@
           </p:style>
         </p:cxnSp>
       </p:grpSp>
-      <p:sp>
-        <p:nvSpPr>
-          <p:cNvPr id="4" name="Slide Number Placeholder 3"/>
-          <p:cNvSpPr>
-            <a:spLocks noGrp="1"/>
-          </p:cNvSpPr>
-          <p:nvPr>
-            <p:ph type="sldNum" sz="quarter" idx="12"/>
-          </p:nvPr>
-        </p:nvSpPr>
-        <p:spPr/>
-        <p:txBody>
-          <a:bodyPr/>
-          <a:lstStyle/>
-          <a:p>
-            <a:fld id="{C1D4534E-1B22-4A44-850A-B3E8E9EE687A}" type="slidenum">
-              <a:rPr lang="en-US" smtClean="0"/>
-              <a:t>19</a:t>
-            </a:fld>
-            <a:endParaRPr lang="en-US"/>
-          </a:p>
-        </p:txBody>
-      </p:sp>
     </p:spTree>
     <p:extLst>
       <p:ext uri="{BB962C8B-B14F-4D97-AF65-F5344CB8AC3E}">
@@ -11430,22 +11983,19 @@
                 <a:latin typeface="Consolas" pitchFamily="49" charset="0"/>
                 <a:cs typeface="Consolas" pitchFamily="49" charset="0"/>
               </a:rPr>
-              <a:t>;; STRATEGY: Struct. </a:t>
-            </a:r>
-            <a:r>
-              <a:rPr lang="en-US" sz="2000" b="1" dirty="0" err="1" smtClean="0">
-                <a:latin typeface="Consolas" pitchFamily="49" charset="0"/>
-                <a:cs typeface="Consolas" pitchFamily="49" charset="0"/>
-              </a:rPr>
-              <a:t>Decomp</a:t>
-            </a:r>
-            <a:r>
-              <a:rPr lang="en-US" sz="2000" b="1" dirty="0" smtClean="0">
-                <a:latin typeface="Consolas" pitchFamily="49" charset="0"/>
-                <a:cs typeface="Consolas" pitchFamily="49" charset="0"/>
-              </a:rPr>
-              <a:t>. on p : Person</a:t>
-            </a:r>
+              <a:t>;; STRATEGY: </a:t>
+            </a:r>
+            <a:r>
+              <a:rPr lang="en-US" sz="2000" b="1" dirty="0" smtClean="0">
+                <a:latin typeface="Consolas" pitchFamily="49" charset="0"/>
+                <a:cs typeface="Consolas" pitchFamily="49" charset="0"/>
+              </a:rPr>
+              <a:t>Use template for Person on p</a:t>
+            </a:r>
+            <a:endParaRPr lang="en-US" sz="2000" b="1" dirty="0" smtClean="0">
+              <a:latin typeface="Consolas" pitchFamily="49" charset="0"/>
+              <a:cs typeface="Consolas" pitchFamily="49" charset="0"/>
+            </a:endParaRPr>
           </a:p>
           <a:p>
             <a:pPr>
@@ -11532,36 +12082,26 @@
                 <a:latin typeface="Consolas" pitchFamily="49" charset="0"/>
                 <a:cs typeface="Consolas" pitchFamily="49" charset="0"/>
               </a:rPr>
-              <a:t>;; STRATEGY: Struct. </a:t>
+              <a:t>;; STRATEGY: </a:t>
+            </a:r>
+            <a:r>
+              <a:rPr lang="en-US" sz="2000" b="1" dirty="0" smtClean="0">
+                <a:latin typeface="Consolas" pitchFamily="49" charset="0"/>
+                <a:cs typeface="Consolas" pitchFamily="49" charset="0"/>
+              </a:rPr>
+              <a:t>Use template for Persons on </a:t>
             </a:r>
             <a:r>
               <a:rPr lang="en-US" sz="2000" b="1" dirty="0" err="1" smtClean="0">
                 <a:latin typeface="Consolas" pitchFamily="49" charset="0"/>
                 <a:cs typeface="Consolas" pitchFamily="49" charset="0"/>
               </a:rPr>
-              <a:t>Decomp</a:t>
-            </a:r>
-            <a:r>
-              <a:rPr lang="en-US" sz="2000" b="1" dirty="0" smtClean="0">
-                <a:latin typeface="Consolas" pitchFamily="49" charset="0"/>
-                <a:cs typeface="Consolas" pitchFamily="49" charset="0"/>
-              </a:rPr>
-              <a:t>. on </a:t>
-            </a:r>
-            <a:r>
-              <a:rPr lang="en-US" sz="2000" b="1" dirty="0" err="1" smtClean="0">
-                <a:latin typeface="Consolas" pitchFamily="49" charset="0"/>
-                <a:cs typeface="Consolas" pitchFamily="49" charset="0"/>
-              </a:rPr>
               <a:t>ps</a:t>
             </a:r>
-            <a:r>
-              <a:rPr lang="en-US" sz="2000" b="1" dirty="0" smtClean="0">
-                <a:latin typeface="Consolas" pitchFamily="49" charset="0"/>
-                <a:cs typeface="Consolas" pitchFamily="49" charset="0"/>
-              </a:rPr>
-              <a:t> : Persons</a:t>
-            </a:r>
+            <a:endParaRPr lang="en-US" sz="2000" b="1" dirty="0" smtClean="0">
+              <a:latin typeface="Consolas" pitchFamily="49" charset="0"/>
+              <a:cs typeface="Consolas" pitchFamily="49" charset="0"/>
+            </a:endParaRPr>
           </a:p>
           <a:p>
             <a:pPr>
@@ -11785,22 +12325,19 @@
                 <a:latin typeface="Consolas" pitchFamily="49" charset="0"/>
                 <a:cs typeface="Consolas" pitchFamily="49" charset="0"/>
               </a:rPr>
-              <a:t>;; STRATEGY: Struct. </a:t>
-            </a:r>
-            <a:r>
-              <a:rPr lang="en-US" sz="2000" b="1" dirty="0" err="1" smtClean="0">
-                <a:latin typeface="Consolas" pitchFamily="49" charset="0"/>
-                <a:cs typeface="Consolas" pitchFamily="49" charset="0"/>
-              </a:rPr>
-              <a:t>Decomp</a:t>
-            </a:r>
-            <a:r>
-              <a:rPr lang="en-US" sz="2000" b="1" dirty="0" smtClean="0">
-                <a:latin typeface="Consolas" pitchFamily="49" charset="0"/>
-                <a:cs typeface="Consolas" pitchFamily="49" charset="0"/>
-              </a:rPr>
-              <a:t>. on p : Person</a:t>
-            </a:r>
+              <a:t>;; STRATEGY: </a:t>
+            </a:r>
+            <a:r>
+              <a:rPr lang="en-US" sz="2000" b="1" dirty="0" smtClean="0">
+                <a:latin typeface="Consolas" pitchFamily="49" charset="0"/>
+                <a:cs typeface="Consolas" pitchFamily="49" charset="0"/>
+              </a:rPr>
+              <a:t>Use template for Person on p</a:t>
+            </a:r>
+            <a:endParaRPr lang="en-US" sz="2000" b="1" dirty="0" smtClean="0">
+              <a:latin typeface="Consolas" pitchFamily="49" charset="0"/>
+              <a:cs typeface="Consolas" pitchFamily="49" charset="0"/>
+            </a:endParaRPr>
           </a:p>
           <a:p>
             <a:pPr>
@@ -11890,36 +12427,26 @@
                 <a:latin typeface="Consolas" pitchFamily="49" charset="0"/>
                 <a:cs typeface="Consolas" pitchFamily="49" charset="0"/>
               </a:rPr>
-              <a:t>;; STRATEGY: Struct. </a:t>
+              <a:t>;; STRATEGY: </a:t>
+            </a:r>
+            <a:r>
+              <a:rPr lang="en-US" sz="2000" b="1" dirty="0" smtClean="0">
+                <a:latin typeface="Consolas" pitchFamily="49" charset="0"/>
+                <a:cs typeface="Consolas" pitchFamily="49" charset="0"/>
+              </a:rPr>
+              <a:t>Use template for Persons on </a:t>
             </a:r>
             <a:r>
               <a:rPr lang="en-US" sz="2000" b="1" dirty="0" err="1" smtClean="0">
                 <a:latin typeface="Consolas" pitchFamily="49" charset="0"/>
                 <a:cs typeface="Consolas" pitchFamily="49" charset="0"/>
               </a:rPr>
-              <a:t>Decomp</a:t>
-            </a:r>
-            <a:r>
-              <a:rPr lang="en-US" sz="2000" b="1" dirty="0" smtClean="0">
-                <a:latin typeface="Consolas" pitchFamily="49" charset="0"/>
-                <a:cs typeface="Consolas" pitchFamily="49" charset="0"/>
-              </a:rPr>
-              <a:t>. on </a:t>
-            </a:r>
-            <a:r>
-              <a:rPr lang="en-US" sz="2000" b="1" dirty="0" err="1" smtClean="0">
-                <a:latin typeface="Consolas" pitchFamily="49" charset="0"/>
-                <a:cs typeface="Consolas" pitchFamily="49" charset="0"/>
-              </a:rPr>
               <a:t>ps</a:t>
             </a:r>
-            <a:r>
-              <a:rPr lang="en-US" sz="2000" b="1" dirty="0" smtClean="0">
-                <a:latin typeface="Consolas" pitchFamily="49" charset="0"/>
-                <a:cs typeface="Consolas" pitchFamily="49" charset="0"/>
-              </a:rPr>
-              <a:t> : Persons</a:t>
-            </a:r>
+            <a:endParaRPr lang="en-US" sz="2000" b="1" dirty="0" smtClean="0">
+              <a:latin typeface="Consolas" pitchFamily="49" charset="0"/>
+              <a:cs typeface="Consolas" pitchFamily="49" charset="0"/>
+            </a:endParaRPr>
           </a:p>
           <a:p>
             <a:pPr>
@@ -12095,6 +12622,29 @@
               <a:latin typeface="Courier New" pitchFamily="49" charset="0"/>
               <a:cs typeface="Courier New" pitchFamily="49" charset="0"/>
             </a:endParaRPr>
+          </a:p>
+        </p:txBody>
+      </p:sp>
+      <p:sp>
+        <p:nvSpPr>
+          <p:cNvPr id="6" name="Slide Number Placeholder 5"/>
+          <p:cNvSpPr>
+            <a:spLocks noGrp="1"/>
+          </p:cNvSpPr>
+          <p:nvPr>
+            <p:ph type="sldNum" sz="quarter" idx="12"/>
+          </p:nvPr>
+        </p:nvSpPr>
+        <p:spPr/>
+        <p:txBody>
+          <a:bodyPr/>
+          <a:lstStyle/>
+          <a:p>
+            <a:fld id="{C1D4534E-1B22-4A44-850A-B3E8E9EE687A}" type="slidenum">
+              <a:rPr lang="en-US" smtClean="0"/>
+              <a:t>20</a:t>
+            </a:fld>
+            <a:endParaRPr lang="en-US"/>
           </a:p>
         </p:txBody>
       </p:sp>
@@ -12197,29 +12747,6 @@
               </a:rPr>
               <a:t>We fill in the blanks in the template with the answers to the template questions.</a:t>
             </a:r>
-          </a:p>
-        </p:txBody>
-      </p:sp>
-      <p:sp>
-        <p:nvSpPr>
-          <p:cNvPr id="6" name="Slide Number Placeholder 5"/>
-          <p:cNvSpPr>
-            <a:spLocks noGrp="1"/>
-          </p:cNvSpPr>
-          <p:nvPr>
-            <p:ph type="sldNum" sz="quarter" idx="12"/>
-          </p:nvPr>
-        </p:nvSpPr>
-        <p:spPr/>
-        <p:txBody>
-          <a:bodyPr/>
-          <a:lstStyle/>
-          <a:p>
-            <a:fld id="{C1D4534E-1B22-4A44-850A-B3E8E9EE687A}" type="slidenum">
-              <a:rPr lang="en-US" smtClean="0"/>
-              <a:t>20</a:t>
-            </a:fld>
-            <a:endParaRPr lang="en-US"/>
           </a:p>
         </p:txBody>
       </p:sp>
@@ -12437,7 +12964,11 @@
           <a:p>
             <a:r>
               <a:rPr lang="en-US" dirty="0" smtClean="0"/>
-              <a:t>Or, with the abstractions</a:t>
+              <a:t>Or, with the </a:t>
+            </a:r>
+            <a:r>
+              <a:rPr lang="en-US" dirty="0" smtClean="0"/>
+              <a:t>HOFs</a:t>
             </a:r>
             <a:endParaRPr lang="en-US" dirty="0"/>
           </a:p>
@@ -12480,22 +13011,19 @@
                 <a:latin typeface="Consolas" pitchFamily="49" charset="0"/>
                 <a:cs typeface="Consolas" pitchFamily="49" charset="0"/>
               </a:rPr>
-              <a:t>;; STRATEGY: Struct. </a:t>
-            </a:r>
-            <a:r>
-              <a:rPr lang="en-US" sz="2000" b="1" dirty="0" err="1" smtClean="0">
-                <a:latin typeface="Consolas" pitchFamily="49" charset="0"/>
-                <a:cs typeface="Consolas" pitchFamily="49" charset="0"/>
-              </a:rPr>
-              <a:t>Decomp</a:t>
-            </a:r>
-            <a:r>
-              <a:rPr lang="en-US" sz="2000" b="1" dirty="0" smtClean="0">
-                <a:latin typeface="Consolas" pitchFamily="49" charset="0"/>
-                <a:cs typeface="Consolas" pitchFamily="49" charset="0"/>
-              </a:rPr>
-              <a:t>. on p : Person</a:t>
-            </a:r>
+              <a:t>;; STRATEGY: </a:t>
+            </a:r>
+            <a:r>
+              <a:rPr lang="en-US" sz="2000" b="1" dirty="0" smtClean="0">
+                <a:latin typeface="Consolas" pitchFamily="49" charset="0"/>
+                <a:cs typeface="Consolas" pitchFamily="49" charset="0"/>
+              </a:rPr>
+              <a:t>Use template for Person on p</a:t>
+            </a:r>
+            <a:endParaRPr lang="en-US" sz="2000" b="1" dirty="0" smtClean="0">
+              <a:latin typeface="Consolas" pitchFamily="49" charset="0"/>
+              <a:cs typeface="Consolas" pitchFamily="49" charset="0"/>
+            </a:endParaRPr>
           </a:p>
           <a:p>
             <a:pPr>
@@ -12575,8 +13103,26 @@
                 <a:latin typeface="Consolas" pitchFamily="49" charset="0"/>
                 <a:cs typeface="Consolas" pitchFamily="49" charset="0"/>
               </a:rPr>
-              <a:t>;; STRATEGY: HOFC</a:t>
-            </a:r>
+              <a:t>;; STRATEGY: </a:t>
+            </a:r>
+            <a:r>
+              <a:rPr lang="en-US" sz="2000" b="1" dirty="0" smtClean="0">
+                <a:latin typeface="Consolas" pitchFamily="49" charset="0"/>
+                <a:cs typeface="Consolas" pitchFamily="49" charset="0"/>
+              </a:rPr>
+              <a:t>Use HOF map followed by </a:t>
+            </a:r>
+            <a:r>
+              <a:rPr lang="en-US" sz="2000" b="1" dirty="0" err="1" smtClean="0">
+                <a:latin typeface="Consolas" pitchFamily="49" charset="0"/>
+                <a:cs typeface="Consolas" pitchFamily="49" charset="0"/>
+              </a:rPr>
+              <a:t>foldr</a:t>
+            </a:r>
+            <a:endParaRPr lang="en-US" sz="2000" b="1" dirty="0" smtClean="0">
+              <a:latin typeface="Consolas" pitchFamily="49" charset="0"/>
+              <a:cs typeface="Consolas" pitchFamily="49" charset="0"/>
+            </a:endParaRPr>
           </a:p>
           <a:p>
             <a:pPr>
@@ -12671,6 +13217,29 @@
               <a:latin typeface="Courier New" pitchFamily="49" charset="0"/>
               <a:cs typeface="Courier New" pitchFamily="49" charset="0"/>
             </a:endParaRPr>
+          </a:p>
+        </p:txBody>
+      </p:sp>
+      <p:sp>
+        <p:nvSpPr>
+          <p:cNvPr id="5" name="Slide Number Placeholder 4"/>
+          <p:cNvSpPr>
+            <a:spLocks noGrp="1"/>
+          </p:cNvSpPr>
+          <p:nvPr>
+            <p:ph type="sldNum" sz="quarter" idx="12"/>
+          </p:nvPr>
+        </p:nvSpPr>
+        <p:spPr/>
+        <p:txBody>
+          <a:bodyPr/>
+          <a:lstStyle/>
+          <a:p>
+            <a:fld id="{C1D4534E-1B22-4A44-850A-B3E8E9EE687A}" type="slidenum">
+              <a:rPr lang="en-US" smtClean="0"/>
+              <a:t>21</a:t>
+            </a:fld>
+            <a:endParaRPr lang="en-US"/>
           </a:p>
         </p:txBody>
       </p:sp>
@@ -12790,7 +13359,7 @@
         </p:nvSpPr>
         <p:spPr>
           <a:xfrm>
-            <a:off x="5715000" y="4138828"/>
+            <a:off x="5334000" y="4888436"/>
             <a:ext cx="2819400" cy="1957172"/>
           </a:xfrm>
           <a:prstGeom prst="rect">
@@ -12835,29 +13404,6 @@
               </a:rPr>
               <a:t>As we did before, we could replace the structural decomposition on Persons with Higher-Order Function Composition.  The functions are still mutually recursive.</a:t>
             </a:r>
-          </a:p>
-        </p:txBody>
-      </p:sp>
-      <p:sp>
-        <p:nvSpPr>
-          <p:cNvPr id="5" name="Slide Number Placeholder 4"/>
-          <p:cNvSpPr>
-            <a:spLocks noGrp="1"/>
-          </p:cNvSpPr>
-          <p:nvPr>
-            <p:ph type="sldNum" sz="quarter" idx="12"/>
-          </p:nvPr>
-        </p:nvSpPr>
-        <p:spPr/>
-        <p:txBody>
-          <a:bodyPr/>
-          <a:lstStyle/>
-          <a:p>
-            <a:fld id="{C1D4534E-1B22-4A44-850A-B3E8E9EE687A}" type="slidenum">
-              <a:rPr lang="en-US" smtClean="0"/>
-              <a:t>21</a:t>
-            </a:fld>
-            <a:endParaRPr lang="en-US"/>
           </a:p>
         </p:txBody>
       </p:sp>
@@ -13944,6 +14490,29 @@
       </p:sp>
       <p:sp>
         <p:nvSpPr>
+          <p:cNvPr id="4" name="Slide Number Placeholder 3"/>
+          <p:cNvSpPr>
+            <a:spLocks noGrp="1"/>
+          </p:cNvSpPr>
+          <p:nvPr>
+            <p:ph type="sldNum" sz="quarter" idx="12"/>
+          </p:nvPr>
+        </p:nvSpPr>
+        <p:spPr/>
+        <p:txBody>
+          <a:bodyPr/>
+          <a:lstStyle/>
+          <a:p>
+            <a:fld id="{C1D4534E-1B22-4A44-850A-B3E8E9EE687A}" type="slidenum">
+              <a:rPr lang="en-US" smtClean="0"/>
+              <a:t>24</a:t>
+            </a:fld>
+            <a:endParaRPr lang="en-US"/>
+          </a:p>
+        </p:txBody>
+      </p:sp>
+      <p:sp>
+        <p:nvSpPr>
           <p:cNvPr id="13" name="Right Arrow 12"/>
           <p:cNvSpPr/>
           <p:nvPr/>
@@ -14419,29 +14988,6 @@
               </a:rPr>
               <a:t>.</a:t>
             </a:r>
-          </a:p>
-        </p:txBody>
-      </p:sp>
-      <p:sp>
-        <p:nvSpPr>
-          <p:cNvPr id="4" name="Slide Number Placeholder 3"/>
-          <p:cNvSpPr>
-            <a:spLocks noGrp="1"/>
-          </p:cNvSpPr>
-          <p:nvPr>
-            <p:ph type="sldNum" sz="quarter" idx="12"/>
-          </p:nvPr>
-        </p:nvSpPr>
-        <p:spPr/>
-        <p:txBody>
-          <a:bodyPr/>
-          <a:lstStyle/>
-          <a:p>
-            <a:fld id="{C1D4534E-1B22-4A44-850A-B3E8E9EE687A}" type="slidenum">
-              <a:rPr lang="en-US" smtClean="0"/>
-              <a:t>24</a:t>
-            </a:fld>
-            <a:endParaRPr lang="en-US"/>
           </a:p>
         </p:txBody>
       </p:sp>
@@ -15279,6 +15825,29 @@
               <a:latin typeface="Consolas" pitchFamily="49" charset="0"/>
               <a:cs typeface="Consolas" pitchFamily="49" charset="0"/>
             </a:endParaRPr>
+          </a:p>
+        </p:txBody>
+      </p:sp>
+      <p:sp>
+        <p:nvSpPr>
+          <p:cNvPr id="5" name="Slide Number Placeholder 4"/>
+          <p:cNvSpPr>
+            <a:spLocks noGrp="1"/>
+          </p:cNvSpPr>
+          <p:nvPr>
+            <p:ph type="sldNum" sz="quarter" idx="12"/>
+          </p:nvPr>
+        </p:nvSpPr>
+        <p:spPr/>
+        <p:txBody>
+          <a:bodyPr/>
+          <a:lstStyle/>
+          <a:p>
+            <a:fld id="{C1D4534E-1B22-4A44-850A-B3E8E9EE687A}" type="slidenum">
+              <a:rPr lang="en-US" smtClean="0"/>
+              <a:t>4</a:t>
+            </a:fld>
+            <a:endParaRPr lang="en-US"/>
           </a:p>
         </p:txBody>
       </p:sp>
@@ -15637,29 +16206,6 @@
           </a:p>
         </p:txBody>
       </p:sp>
-      <p:sp>
-        <p:nvSpPr>
-          <p:cNvPr id="5" name="Slide Number Placeholder 4"/>
-          <p:cNvSpPr>
-            <a:spLocks noGrp="1"/>
-          </p:cNvSpPr>
-          <p:nvPr>
-            <p:ph type="sldNum" sz="quarter" idx="12"/>
-          </p:nvPr>
-        </p:nvSpPr>
-        <p:spPr/>
-        <p:txBody>
-          <a:bodyPr/>
-          <a:lstStyle/>
-          <a:p>
-            <a:fld id="{C1D4534E-1B22-4A44-850A-B3E8E9EE687A}" type="slidenum">
-              <a:rPr lang="en-US" smtClean="0"/>
-              <a:t>4</a:t>
-            </a:fld>
-            <a:endParaRPr lang="en-US"/>
-          </a:p>
-        </p:txBody>
-      </p:sp>
     </p:spTree>
     <p:extLst>
       <p:ext uri="{BB962C8B-B14F-4D97-AF65-F5344CB8AC3E}">
@@ -15942,6 +16488,29 @@
       </p:sp>
       <p:sp>
         <p:nvSpPr>
+          <p:cNvPr id="7" name="Slide Number Placeholder 6"/>
+          <p:cNvSpPr>
+            <a:spLocks noGrp="1"/>
+          </p:cNvSpPr>
+          <p:nvPr>
+            <p:ph type="sldNum" sz="quarter" idx="12"/>
+          </p:nvPr>
+        </p:nvSpPr>
+        <p:spPr/>
+        <p:txBody>
+          <a:bodyPr/>
+          <a:lstStyle/>
+          <a:p>
+            <a:fld id="{C1D4534E-1B22-4A44-850A-B3E8E9EE687A}" type="slidenum">
+              <a:rPr lang="en-US" smtClean="0"/>
+              <a:t>5</a:t>
+            </a:fld>
+            <a:endParaRPr lang="en-US"/>
+          </a:p>
+        </p:txBody>
+      </p:sp>
+      <p:sp>
+        <p:nvSpPr>
           <p:cNvPr id="4" name="Right Arrow 3"/>
           <p:cNvSpPr/>
           <p:nvPr/>
@@ -16173,29 +16742,6 @@
               </a:rPr>
               <a:t>So now we have a pair of mutually-recursive data definitions.</a:t>
             </a:r>
-          </a:p>
-        </p:txBody>
-      </p:sp>
-      <p:sp>
-        <p:nvSpPr>
-          <p:cNvPr id="7" name="Slide Number Placeholder 6"/>
-          <p:cNvSpPr>
-            <a:spLocks noGrp="1"/>
-          </p:cNvSpPr>
-          <p:nvPr>
-            <p:ph type="sldNum" sz="quarter" idx="12"/>
-          </p:nvPr>
-        </p:nvSpPr>
-        <p:spPr/>
-        <p:txBody>
-          <a:bodyPr/>
-          <a:lstStyle/>
-          <a:p>
-            <a:fld id="{C1D4534E-1B22-4A44-850A-B3E8E9EE687A}" type="slidenum">
-              <a:rPr lang="en-US" smtClean="0"/>
-              <a:t>5</a:t>
-            </a:fld>
-            <a:endParaRPr lang="en-US"/>
           </a:p>
         </p:txBody>
       </p:sp>
@@ -16575,6 +17121,29 @@
       </p:sp>
       <p:sp>
         <p:nvSpPr>
+          <p:cNvPr id="8" name="Slide Number Placeholder 7"/>
+          <p:cNvSpPr>
+            <a:spLocks noGrp="1"/>
+          </p:cNvSpPr>
+          <p:nvPr>
+            <p:ph type="sldNum" sz="quarter" idx="12"/>
+          </p:nvPr>
+        </p:nvSpPr>
+        <p:spPr/>
+        <p:txBody>
+          <a:bodyPr/>
+          <a:lstStyle/>
+          <a:p>
+            <a:fld id="{C1D4534E-1B22-4A44-850A-B3E8E9EE687A}" type="slidenum">
+              <a:rPr lang="en-US" smtClean="0"/>
+              <a:t>6</a:t>
+            </a:fld>
+            <a:endParaRPr lang="en-US"/>
+          </a:p>
+        </p:txBody>
+      </p:sp>
+      <p:sp>
+        <p:nvSpPr>
           <p:cNvPr id="4" name="Curved Down Arrow 3"/>
           <p:cNvSpPr/>
           <p:nvPr/>
@@ -16728,29 +17297,6 @@
               <a:t>defined in terms of </a:t>
             </a:r>
             <a:endParaRPr lang="en-US" sz="2400" dirty="0"/>
-          </a:p>
-        </p:txBody>
-      </p:sp>
-      <p:sp>
-        <p:nvSpPr>
-          <p:cNvPr id="8" name="Slide Number Placeholder 7"/>
-          <p:cNvSpPr>
-            <a:spLocks noGrp="1"/>
-          </p:cNvSpPr>
-          <p:nvPr>
-            <p:ph type="sldNum" sz="quarter" idx="12"/>
-          </p:nvPr>
-        </p:nvSpPr>
-        <p:spPr/>
-        <p:txBody>
-          <a:bodyPr/>
-          <a:lstStyle/>
-          <a:p>
-            <a:fld id="{C1D4534E-1B22-4A44-850A-B3E8E9EE687A}" type="slidenum">
-              <a:rPr lang="en-US" smtClean="0"/>
-              <a:t>6</a:t>
-            </a:fld>
-            <a:endParaRPr lang="en-US"/>
           </a:p>
         </p:txBody>
       </p:sp>
@@ -17105,6 +17651,29 @@
       </p:graphicFrame>
       <p:sp>
         <p:nvSpPr>
+          <p:cNvPr id="3" name="Slide Number Placeholder 2"/>
+          <p:cNvSpPr>
+            <a:spLocks noGrp="1"/>
+          </p:cNvSpPr>
+          <p:nvPr>
+            <p:ph type="sldNum" sz="quarter" idx="12"/>
+          </p:nvPr>
+        </p:nvSpPr>
+        <p:spPr/>
+        <p:txBody>
+          <a:bodyPr/>
+          <a:lstStyle/>
+          <a:p>
+            <a:fld id="{C1D4534E-1B22-4A44-850A-B3E8E9EE687A}" type="slidenum">
+              <a:rPr lang="en-US" smtClean="0"/>
+              <a:t>7</a:t>
+            </a:fld>
+            <a:endParaRPr lang="en-US"/>
+          </a:p>
+        </p:txBody>
+      </p:sp>
+      <p:sp>
+        <p:nvSpPr>
           <p:cNvPr id="5" name="Rectangle 4"/>
           <p:cNvSpPr/>
           <p:nvPr/>
@@ -17169,29 +17738,6 @@
                 <a:schemeClr val="tx1"/>
               </a:solidFill>
             </a:endParaRPr>
-          </a:p>
-        </p:txBody>
-      </p:sp>
-      <p:sp>
-        <p:nvSpPr>
-          <p:cNvPr id="3" name="Slide Number Placeholder 2"/>
-          <p:cNvSpPr>
-            <a:spLocks noGrp="1"/>
-          </p:cNvSpPr>
-          <p:nvPr>
-            <p:ph type="sldNum" sz="quarter" idx="12"/>
-          </p:nvPr>
-        </p:nvSpPr>
-        <p:spPr/>
-        <p:txBody>
-          <a:bodyPr/>
-          <a:lstStyle/>
-          <a:p>
-            <a:fld id="{C1D4534E-1B22-4A44-850A-B3E8E9EE687A}" type="slidenum">
-              <a:rPr lang="en-US" smtClean="0"/>
-              <a:t>7</a:t>
-            </a:fld>
-            <a:endParaRPr lang="en-US"/>
           </a:p>
         </p:txBody>
       </p:sp>
@@ -17606,6 +18152,29 @@
       </p:sp>
       <p:sp>
         <p:nvSpPr>
+          <p:cNvPr id="7" name="Slide Number Placeholder 6"/>
+          <p:cNvSpPr>
+            <a:spLocks noGrp="1"/>
+          </p:cNvSpPr>
+          <p:nvPr>
+            <p:ph type="sldNum" sz="quarter" idx="12"/>
+          </p:nvPr>
+        </p:nvSpPr>
+        <p:spPr/>
+        <p:txBody>
+          <a:bodyPr/>
+          <a:lstStyle/>
+          <a:p>
+            <a:fld id="{C1D4534E-1B22-4A44-850A-B3E8E9EE687A}" type="slidenum">
+              <a:rPr lang="en-US" smtClean="0"/>
+              <a:t>8</a:t>
+            </a:fld>
+            <a:endParaRPr lang="en-US"/>
+          </a:p>
+        </p:txBody>
+      </p:sp>
+      <p:sp>
+        <p:nvSpPr>
           <p:cNvPr id="4" name="Right Arrow 3"/>
           <p:cNvSpPr/>
           <p:nvPr/>
@@ -17825,29 +18394,6 @@
               </a:rPr>
               <a:t>They are mutually recursive, as you might expect.</a:t>
             </a:r>
-          </a:p>
-        </p:txBody>
-      </p:sp>
-      <p:sp>
-        <p:nvSpPr>
-          <p:cNvPr id="7" name="Slide Number Placeholder 6"/>
-          <p:cNvSpPr>
-            <a:spLocks noGrp="1"/>
-          </p:cNvSpPr>
-          <p:nvPr>
-            <p:ph type="sldNum" sz="quarter" idx="12"/>
-          </p:nvPr>
-        </p:nvSpPr>
-        <p:spPr/>
-        <p:txBody>
-          <a:bodyPr/>
-          <a:lstStyle/>
-          <a:p>
-            <a:fld id="{C1D4534E-1B22-4A44-850A-B3E8E9EE687A}" type="slidenum">
-              <a:rPr lang="en-US" smtClean="0"/>
-              <a:t>8</a:t>
-            </a:fld>
-            <a:endParaRPr lang="en-US"/>
           </a:p>
         </p:txBody>
       </p:sp>
@@ -18417,6 +18963,29 @@
               <a:buNone/>
             </a:pPr>
             <a:endParaRPr lang="en-US" dirty="0"/>
+          </a:p>
+        </p:txBody>
+      </p:sp>
+      <p:sp>
+        <p:nvSpPr>
+          <p:cNvPr id="4" name="Slide Number Placeholder 3"/>
+          <p:cNvSpPr>
+            <a:spLocks noGrp="1"/>
+          </p:cNvSpPr>
+          <p:nvPr>
+            <p:ph type="sldNum" sz="quarter" idx="12"/>
+          </p:nvPr>
+        </p:nvSpPr>
+        <p:spPr/>
+        <p:txBody>
+          <a:bodyPr/>
+          <a:lstStyle/>
+          <a:p>
+            <a:fld id="{C1D4534E-1B22-4A44-850A-B3E8E9EE687A}" type="slidenum">
+              <a:rPr lang="en-US" smtClean="0"/>
+              <a:t>9</a:t>
+            </a:fld>
+            <a:endParaRPr lang="en-US"/>
           </a:p>
         </p:txBody>
       </p:sp>
@@ -18763,29 +19332,6 @@
           </p:style>
         </p:cxnSp>
       </p:grpSp>
-      <p:sp>
-        <p:nvSpPr>
-          <p:cNvPr id="4" name="Slide Number Placeholder 3"/>
-          <p:cNvSpPr>
-            <a:spLocks noGrp="1"/>
-          </p:cNvSpPr>
-          <p:nvPr>
-            <p:ph type="sldNum" sz="quarter" idx="12"/>
-          </p:nvPr>
-        </p:nvSpPr>
-        <p:spPr/>
-        <p:txBody>
-          <a:bodyPr/>
-          <a:lstStyle/>
-          <a:p>
-            <a:fld id="{C1D4534E-1B22-4A44-850A-B3E8E9EE687A}" type="slidenum">
-              <a:rPr lang="en-US" smtClean="0"/>
-              <a:t>9</a:t>
-            </a:fld>
-            <a:endParaRPr lang="en-US"/>
-          </a:p>
-        </p:txBody>
-      </p:sp>
     </p:spTree>
     <p:extLst>
       <p:ext uri="{BB962C8B-B14F-4D97-AF65-F5344CB8AC3E}">
@@ -19024,7 +19570,7 @@
 </file>
 
 <file path=ppt/theme/theme1.xml><?xml version="1.0" encoding="utf-8"?>
-<a:theme xmlns:a="http://schemas.openxmlformats.org/drawingml/2006/main" name="Office Theme">
+<a:theme xmlns:a="http://schemas.openxmlformats.org/drawingml/2006/main" name="1_Office Theme">
   <a:themeElements>
     <a:clrScheme name="Office">
       <a:dk1>
@@ -19321,8 +19867,8 @@
         <a:noAutofit/>
       </a:bodyPr>
       <a:lstStyle>
-        <a:defPPr algn="ctr">
-          <a:defRPr dirty="0" smtClean="0">
+        <a:defPPr>
+          <a:defRPr dirty="0">
             <a:solidFill>
               <a:schemeClr val="tx1"/>
             </a:solidFill>
@@ -19344,6 +19890,30 @@
         </a:fontRef>
       </a:style>
     </a:spDef>
+    <a:lnDef>
+      <a:spPr>
+        <a:ln w="19050">
+          <a:headEnd type="none" w="med" len="med"/>
+          <a:tailEnd type="arrow" w="med" len="med"/>
+        </a:ln>
+      </a:spPr>
+      <a:bodyPr/>
+      <a:lstStyle/>
+      <a:style>
+        <a:lnRef idx="1">
+          <a:schemeClr val="accent1"/>
+        </a:lnRef>
+        <a:fillRef idx="0">
+          <a:schemeClr val="accent1"/>
+        </a:fillRef>
+        <a:effectRef idx="0">
+          <a:schemeClr val="accent1"/>
+        </a:effectRef>
+        <a:fontRef idx="minor">
+          <a:schemeClr val="tx1"/>
+        </a:fontRef>
+      </a:style>
+    </a:lnDef>
   </a:objectDefaults>
   <a:extraClrSchemeLst/>
 </a:theme>

--- a/Slides/Lesson 6.6 Multi-Way Trees.pptx
+++ b/Slides/Lesson 6.6 Multi-Way Trees.pptx
@@ -242,7 +242,7 @@
           <a:p>
             <a:fld id="{1AC50D25-69DA-4251-A3B1-10895C6A89D6}" type="datetimeFigureOut">
               <a:rPr lang="en-US" smtClean="0"/>
-              <a:t>10/13/2015</a:t>
+              <a:t>10/19/2015</a:t>
             </a:fld>
             <a:endParaRPr lang="en-US"/>
           </a:p>
@@ -1867,7 +1867,7 @@
           <a:p>
             <a:fld id="{2F1F79F5-7BEC-496A-AFC7-876E38F64D71}" type="datetime1">
               <a:rPr lang="en-US" smtClean="0"/>
-              <a:t>10/13/2015</a:t>
+              <a:t>10/19/2015</a:t>
             </a:fld>
             <a:endParaRPr lang="en-US"/>
           </a:p>
@@ -1969,7 +1969,7 @@
           <a:p>
             <a:fld id="{0A05703A-7669-4FEA-9056-25299B4D29D4}" type="datetime1">
               <a:rPr lang="en-US" smtClean="0"/>
-              <a:t>10/13/2015</a:t>
+              <a:t>10/19/2015</a:t>
             </a:fld>
             <a:endParaRPr lang="en-US"/>
           </a:p>
@@ -2246,7 +2246,7 @@
           <a:p>
             <a:fld id="{6E5077B5-BB57-49DB-88CA-226A139E5C01}" type="datetime1">
               <a:rPr lang="en-US" smtClean="0"/>
-              <a:t>10/13/2015</a:t>
+              <a:t>10/19/2015</a:t>
             </a:fld>
             <a:endParaRPr lang="en-US"/>
           </a:p>
@@ -2499,7 +2499,7 @@
           <a:p>
             <a:fld id="{C48D9447-CBD6-49A1-89FD-8512A8CF8999}" type="datetime1">
               <a:rPr lang="en-US" smtClean="0"/>
-              <a:t>10/13/2015</a:t>
+              <a:t>10/19/2015</a:t>
             </a:fld>
             <a:endParaRPr lang="en-US"/>
           </a:p>
@@ -2669,7 +2669,7 @@
           <a:p>
             <a:fld id="{A3639A2A-823D-48B7-9ACE-7FAF42870BA9}" type="datetime1">
               <a:rPr lang="en-US" smtClean="0"/>
-              <a:t>10/13/2015</a:t>
+              <a:t>10/19/2015</a:t>
             </a:fld>
             <a:endParaRPr lang="en-US"/>
           </a:p>
@@ -2849,7 +2849,7 @@
           <a:p>
             <a:fld id="{ED1B6996-82E9-463C-972C-7B56056E426C}" type="datetime1">
               <a:rPr lang="en-US" smtClean="0"/>
-              <a:t>10/13/2015</a:t>
+              <a:t>10/19/2015</a:t>
             </a:fld>
             <a:endParaRPr lang="en-US"/>
           </a:p>
@@ -3032,7 +3032,7 @@
           <a:p>
             <a:fld id="{E22ED4DA-448D-4BB1-B935-CC112220207B}" type="datetime1">
               <a:rPr lang="en-US" smtClean="0"/>
-              <a:t>10/13/2015</a:t>
+              <a:t>10/19/2015</a:t>
             </a:fld>
             <a:endParaRPr lang="en-US"/>
           </a:p>
@@ -3214,7 +3214,7 @@
           <a:p>
             <a:fld id="{E22ED4DA-448D-4BB1-B935-CC112220207B}" type="datetime1">
               <a:rPr lang="en-US" smtClean="0"/>
-              <a:t>10/13/2015</a:t>
+              <a:t>10/19/2015</a:t>
             </a:fld>
             <a:endParaRPr lang="en-US"/>
           </a:p>
@@ -3483,7 +3483,7 @@
           <a:p>
             <a:fld id="{FF5D65A6-AB94-4435-B0B7-3743215FA46C}" type="datetime1">
               <a:rPr lang="en-US" smtClean="0"/>
-              <a:t>10/13/2015</a:t>
+              <a:t>10/19/2015</a:t>
             </a:fld>
             <a:endParaRPr lang="en-US"/>
           </a:p>
@@ -3668,7 +3668,7 @@
           <a:p>
             <a:fld id="{FF5D65A6-AB94-4435-B0B7-3743215FA46C}" type="datetime1">
               <a:rPr lang="en-US" smtClean="0"/>
-              <a:t>10/13/2015</a:t>
+              <a:t>10/19/2015</a:t>
             </a:fld>
             <a:endParaRPr lang="en-US"/>
           </a:p>
@@ -3970,7 +3970,7 @@
           <a:p>
             <a:fld id="{7C193DC4-6EF0-48C9-B29C-616106A645E1}" type="datetime1">
               <a:rPr lang="en-US" smtClean="0"/>
-              <a:t>10/13/2015</a:t>
+              <a:t>10/19/2015</a:t>
             </a:fld>
             <a:endParaRPr lang="en-US"/>
           </a:p>
@@ -4258,7 +4258,7 @@
           <a:p>
             <a:fld id="{5D1846AD-9252-4647-9435-4C2AC365653A}" type="datetime1">
               <a:rPr lang="en-US" smtClean="0"/>
-              <a:t>10/13/2015</a:t>
+              <a:t>10/19/2015</a:t>
             </a:fld>
             <a:endParaRPr lang="en-US"/>
           </a:p>
@@ -4680,7 +4680,7 @@
           <a:p>
             <a:fld id="{CE56DC10-3561-4063-A6AF-C1CC7A41040A}" type="datetime1">
               <a:rPr lang="en-US" smtClean="0"/>
-              <a:t>10/13/2015</a:t>
+              <a:t>10/19/2015</a:t>
             </a:fld>
             <a:endParaRPr lang="en-US"/>
           </a:p>
@@ -4798,7 +4798,7 @@
           <a:p>
             <a:fld id="{2F7B77F5-1464-4F6B-92A8-64FC8A508293}" type="datetime1">
               <a:rPr lang="en-US" smtClean="0"/>
-              <a:t>10/13/2015</a:t>
+              <a:t>10/19/2015</a:t>
             </a:fld>
             <a:endParaRPr lang="en-US"/>
           </a:p>
@@ -5030,7 +5030,7 @@
           <a:p>
             <a:fld id="{02B3F677-983B-48DB-ADFD-63FE6CBC7FB2}" type="datetime1">
               <a:rPr lang="en-US" smtClean="0"/>
-              <a:t>10/13/2015</a:t>
+              <a:t>10/19/2015</a:t>
             </a:fld>
             <a:endParaRPr lang="en-US"/>
           </a:p>
@@ -6987,19 +6987,8 @@
                 <a:latin typeface="Consolas" pitchFamily="49" charset="0"/>
                 <a:cs typeface="Consolas" pitchFamily="49" charset="0"/>
               </a:rPr>
-              <a:t>;; STRATEGY: </a:t>
-            </a:r>
-            <a:r>
-              <a:rPr lang="en-US" sz="2000" b="1" dirty="0" smtClean="0">
-                <a:latin typeface="Consolas" pitchFamily="49" charset="0"/>
-                <a:cs typeface="Consolas" pitchFamily="49" charset="0"/>
-              </a:rPr>
-              <a:t>Use template for Person on p</a:t>
-            </a:r>
-            <a:endParaRPr lang="en-US" sz="2000" b="1" dirty="0" smtClean="0">
-              <a:latin typeface="Consolas" pitchFamily="49" charset="0"/>
-              <a:cs typeface="Consolas" pitchFamily="49" charset="0"/>
-            </a:endParaRPr>
+              <a:t>;; STRATEGY: Use template for Person on p</a:t>
+            </a:r>
           </a:p>
           <a:p>
             <a:pPr>
@@ -8645,11 +8634,7 @@
           <a:p>
             <a:r>
               <a:rPr lang="en-US" sz="1800" dirty="0" smtClean="0"/>
-              <a:t>;; STRATEGY: </a:t>
-            </a:r>
-            <a:r>
-              <a:rPr lang="en-US" sz="1800" dirty="0" smtClean="0"/>
-              <a:t>Use template for Person on p</a:t>
+              <a:t>;; STRATEGY: Use template for Person on p</a:t>
             </a:r>
             <a:endParaRPr lang="en-US" sz="1800" dirty="0"/>
           </a:p>
@@ -8709,11 +8694,7 @@
           <a:p>
             <a:r>
               <a:rPr lang="en-US" sz="1800" dirty="0" smtClean="0"/>
-              <a:t>;; STRATEGY: </a:t>
-            </a:r>
-            <a:r>
-              <a:rPr lang="en-US" sz="1800" dirty="0" smtClean="0"/>
-              <a:t>Use template for Persons on </a:t>
+              <a:t>;; STRATEGY: Use template for Persons on </a:t>
             </a:r>
             <a:r>
               <a:rPr lang="en-US" sz="1800" dirty="0" err="1" smtClean="0"/>
@@ -8925,15 +8906,7 @@
           <a:p>
             <a:r>
               <a:rPr lang="en-US" dirty="0" smtClean="0"/>
-              <a:t>We could use </a:t>
-            </a:r>
-            <a:r>
-              <a:rPr lang="en-US" dirty="0" smtClean="0"/>
-              <a:t>HOFs, </a:t>
-            </a:r>
-            <a:r>
-              <a:rPr lang="en-US" dirty="0" smtClean="0"/>
-              <a:t>too</a:t>
+              <a:t>We could use HOFs, too</a:t>
             </a:r>
             <a:endParaRPr lang="en-US" dirty="0"/>
           </a:p>
@@ -8964,11 +8937,7 @@
           <a:p>
             <a:r>
               <a:rPr lang="en-US" sz="1800" dirty="0" smtClean="0"/>
-              <a:t>;; STRATEGY: </a:t>
-            </a:r>
-            <a:r>
-              <a:rPr lang="en-US" sz="1800" dirty="0" smtClean="0"/>
-              <a:t>Use template for Person on p</a:t>
+              <a:t>;; STRATEGY: Use template for Person on p</a:t>
             </a:r>
             <a:endParaRPr lang="en-US" sz="1800" dirty="0"/>
           </a:p>
@@ -9016,11 +8985,7 @@
           <a:p>
             <a:r>
               <a:rPr lang="en-US" sz="1800" dirty="0" smtClean="0"/>
-              <a:t>;; STRATEGY: </a:t>
-            </a:r>
-            <a:r>
-              <a:rPr lang="en-US" sz="1800" dirty="0" smtClean="0"/>
-              <a:t>Use HOF map on </a:t>
+              <a:t>;; STRATEGY: Use HOF map on </a:t>
             </a:r>
             <a:r>
               <a:rPr lang="en-US" sz="1800" dirty="0" err="1" smtClean="0"/>
@@ -11983,19 +11948,8 @@
                 <a:latin typeface="Consolas" pitchFamily="49" charset="0"/>
                 <a:cs typeface="Consolas" pitchFamily="49" charset="0"/>
               </a:rPr>
-              <a:t>;; STRATEGY: </a:t>
-            </a:r>
-            <a:r>
-              <a:rPr lang="en-US" sz="2000" b="1" dirty="0" smtClean="0">
-                <a:latin typeface="Consolas" pitchFamily="49" charset="0"/>
-                <a:cs typeface="Consolas" pitchFamily="49" charset="0"/>
-              </a:rPr>
-              <a:t>Use template for Person on p</a:t>
-            </a:r>
-            <a:endParaRPr lang="en-US" sz="2000" b="1" dirty="0" smtClean="0">
-              <a:latin typeface="Consolas" pitchFamily="49" charset="0"/>
-              <a:cs typeface="Consolas" pitchFamily="49" charset="0"/>
-            </a:endParaRPr>
+              <a:t>;; STRATEGY: Use template for Person on p</a:t>
+            </a:r>
           </a:p>
           <a:p>
             <a:pPr>
@@ -12082,14 +12036,7 @@
                 <a:latin typeface="Consolas" pitchFamily="49" charset="0"/>
                 <a:cs typeface="Consolas" pitchFamily="49" charset="0"/>
               </a:rPr>
-              <a:t>;; STRATEGY: </a:t>
-            </a:r>
-            <a:r>
-              <a:rPr lang="en-US" sz="2000" b="1" dirty="0" smtClean="0">
-                <a:latin typeface="Consolas" pitchFamily="49" charset="0"/>
-                <a:cs typeface="Consolas" pitchFamily="49" charset="0"/>
-              </a:rPr>
-              <a:t>Use template for Persons on </a:t>
+              <a:t>;; STRATEGY: Use template for Persons on </a:t>
             </a:r>
             <a:r>
               <a:rPr lang="en-US" sz="2000" b="1" dirty="0" err="1" smtClean="0">
@@ -12325,19 +12272,8 @@
                 <a:latin typeface="Consolas" pitchFamily="49" charset="0"/>
                 <a:cs typeface="Consolas" pitchFamily="49" charset="0"/>
               </a:rPr>
-              <a:t>;; STRATEGY: </a:t>
-            </a:r>
-            <a:r>
-              <a:rPr lang="en-US" sz="2000" b="1" dirty="0" smtClean="0">
-                <a:latin typeface="Consolas" pitchFamily="49" charset="0"/>
-                <a:cs typeface="Consolas" pitchFamily="49" charset="0"/>
-              </a:rPr>
-              <a:t>Use template for Person on p</a:t>
-            </a:r>
-            <a:endParaRPr lang="en-US" sz="2000" b="1" dirty="0" smtClean="0">
-              <a:latin typeface="Consolas" pitchFamily="49" charset="0"/>
-              <a:cs typeface="Consolas" pitchFamily="49" charset="0"/>
-            </a:endParaRPr>
+              <a:t>;; STRATEGY: Use template for Person on p</a:t>
+            </a:r>
           </a:p>
           <a:p>
             <a:pPr>
@@ -12427,14 +12363,7 @@
                 <a:latin typeface="Consolas" pitchFamily="49" charset="0"/>
                 <a:cs typeface="Consolas" pitchFamily="49" charset="0"/>
               </a:rPr>
-              <a:t>;; STRATEGY: </a:t>
-            </a:r>
-            <a:r>
-              <a:rPr lang="en-US" sz="2000" b="1" dirty="0" smtClean="0">
-                <a:latin typeface="Consolas" pitchFamily="49" charset="0"/>
-                <a:cs typeface="Consolas" pitchFamily="49" charset="0"/>
-              </a:rPr>
-              <a:t>Use template for Persons on </a:t>
+              <a:t>;; STRATEGY: Use template for Persons on </a:t>
             </a:r>
             <a:r>
               <a:rPr lang="en-US" sz="2000" b="1" dirty="0" err="1" smtClean="0">
@@ -12964,11 +12893,7 @@
           <a:p>
             <a:r>
               <a:rPr lang="en-US" dirty="0" smtClean="0"/>
-              <a:t>Or, with the </a:t>
-            </a:r>
-            <a:r>
-              <a:rPr lang="en-US" dirty="0" smtClean="0"/>
-              <a:t>HOFs</a:t>
+              <a:t>Or, with the HOFs</a:t>
             </a:r>
             <a:endParaRPr lang="en-US" dirty="0"/>
           </a:p>
@@ -13011,19 +12936,8 @@
                 <a:latin typeface="Consolas" pitchFamily="49" charset="0"/>
                 <a:cs typeface="Consolas" pitchFamily="49" charset="0"/>
               </a:rPr>
-              <a:t>;; STRATEGY: </a:t>
-            </a:r>
-            <a:r>
-              <a:rPr lang="en-US" sz="2000" b="1" dirty="0" smtClean="0">
-                <a:latin typeface="Consolas" pitchFamily="49" charset="0"/>
-                <a:cs typeface="Consolas" pitchFamily="49" charset="0"/>
-              </a:rPr>
-              <a:t>Use template for Person on p</a:t>
-            </a:r>
-            <a:endParaRPr lang="en-US" sz="2000" b="1" dirty="0" smtClean="0">
-              <a:latin typeface="Consolas" pitchFamily="49" charset="0"/>
-              <a:cs typeface="Consolas" pitchFamily="49" charset="0"/>
-            </a:endParaRPr>
+              <a:t>;; STRATEGY: Use template for Person on p</a:t>
+            </a:r>
           </a:p>
           <a:p>
             <a:pPr>
@@ -13103,14 +13017,7 @@
                 <a:latin typeface="Consolas" pitchFamily="49" charset="0"/>
                 <a:cs typeface="Consolas" pitchFamily="49" charset="0"/>
               </a:rPr>
-              <a:t>;; STRATEGY: </a:t>
-            </a:r>
-            <a:r>
-              <a:rPr lang="en-US" sz="2000" b="1" dirty="0" smtClean="0">
-                <a:latin typeface="Consolas" pitchFamily="49" charset="0"/>
-                <a:cs typeface="Consolas" pitchFamily="49" charset="0"/>
-              </a:rPr>
-              <a:t>Use HOF map followed by </a:t>
+              <a:t>;; STRATEGY: Use HOF map followed by </a:t>
             </a:r>
             <a:r>
               <a:rPr lang="en-US" sz="2000" b="1" dirty="0" err="1" smtClean="0">
@@ -15221,7 +15128,22 @@
           <a:p>
             <a:r>
               <a:rPr lang="en-US" dirty="0" smtClean="0"/>
-              <a:t>If you have questions about this lesson, ask them on the Discussion Board</a:t>
+              <a:t>Study the file 06-6-descendants.rkt in the </a:t>
+            </a:r>
+            <a:r>
+              <a:rPr lang="en-US" smtClean="0"/>
+              <a:t>Examples folder</a:t>
+            </a:r>
+            <a:endParaRPr lang="en-US" dirty="0" smtClean="0"/>
+          </a:p>
+          <a:p>
+            <a:r>
+              <a:rPr lang="en-US" dirty="0" smtClean="0"/>
+              <a:t>If </a:t>
+            </a:r>
+            <a:r>
+              <a:rPr lang="en-US" dirty="0" smtClean="0"/>
+              <a:t>you have questions about this lesson, ask them on the Discussion Board</a:t>
             </a:r>
           </a:p>
           <a:p>

--- a/Slides/Lesson 6.6 Multi-Way Trees.pptx
+++ b/Slides/Lesson 6.6 Multi-Way Trees.pptx
@@ -242,7 +242,7 @@
           <a:p>
             <a:fld id="{1AC50D25-69DA-4251-A3B1-10895C6A89D6}" type="datetimeFigureOut">
               <a:rPr lang="en-US" smtClean="0"/>
-              <a:t>10/19/2015</a:t>
+              <a:t>9/6/2016</a:t>
             </a:fld>
             <a:endParaRPr lang="en-US"/>
           </a:p>
@@ -306,38 +306,37 @@
           <a:p>
             <a:pPr lvl="0"/>
             <a:r>
-              <a:rPr lang="en-US" smtClean="0"/>
+              <a:rPr lang="en-US"/>
               <a:t>Click to edit Master text styles</a:t>
             </a:r>
           </a:p>
           <a:p>
             <a:pPr lvl="1"/>
             <a:r>
-              <a:rPr lang="en-US" smtClean="0"/>
+              <a:rPr lang="en-US"/>
               <a:t>Second level</a:t>
             </a:r>
           </a:p>
           <a:p>
             <a:pPr lvl="2"/>
             <a:r>
-              <a:rPr lang="en-US" smtClean="0"/>
+              <a:rPr lang="en-US"/>
               <a:t>Third level</a:t>
             </a:r>
           </a:p>
           <a:p>
             <a:pPr lvl="3"/>
             <a:r>
-              <a:rPr lang="en-US" smtClean="0"/>
+              <a:rPr lang="en-US"/>
               <a:t>Fourth level</a:t>
             </a:r>
           </a:p>
           <a:p>
             <a:pPr lvl="4"/>
             <a:r>
-              <a:rPr lang="en-US" smtClean="0"/>
+              <a:rPr lang="en-US"/>
               <a:t>Fifth level</a:t>
             </a:r>
-            <a:endParaRPr lang="en-US"/>
           </a:p>
         </p:txBody>
       </p:sp>
@@ -1552,7 +1551,7 @@
           <a:bodyPr/>
           <a:lstStyle/>
           <a:p>
-            <a:endParaRPr lang="en-US" dirty="0" smtClean="0"/>
+            <a:endParaRPr lang="en-US" dirty="0"/>
           </a:p>
         </p:txBody>
       </p:sp>
@@ -1724,10 +1723,9 @@
           <a:lstStyle/>
           <a:p>
             <a:r>
-              <a:rPr lang="en-US" smtClean="0"/>
+              <a:rPr lang="en-US"/>
               <a:t>Click to edit Master title style</a:t>
             </a:r>
-            <a:endParaRPr lang="en-US"/>
           </a:p>
         </p:txBody>
       </p:sp>
@@ -1843,10 +1841,9 @@
           </a:lstStyle>
           <a:p>
             <a:r>
-              <a:rPr lang="en-US" smtClean="0"/>
+              <a:rPr lang="en-US"/>
               <a:t>Click to edit Master subtitle style</a:t>
             </a:r>
-            <a:endParaRPr lang="en-US"/>
           </a:p>
         </p:txBody>
       </p:sp>
@@ -1867,7 +1864,7 @@
           <a:p>
             <a:fld id="{2F1F79F5-7BEC-496A-AFC7-876E38F64D71}" type="datetime1">
               <a:rPr lang="en-US" smtClean="0"/>
-              <a:t>10/19/2015</a:t>
+              <a:t>9/6/2016</a:t>
             </a:fld>
             <a:endParaRPr lang="en-US"/>
           </a:p>
@@ -1925,13 +1922,6 @@
   <p:clrMapOvr>
     <a:masterClrMapping/>
   </p:clrMapOvr>
-  <p:timing>
-    <p:tnLst>
-      <p:par>
-        <p:cTn id="1" dur="indefinite" restart="never" nodeType="tmRoot"/>
-      </p:par>
-    </p:tnLst>
-  </p:timing>
 </p:sldLayout>
 </file>
 
@@ -1969,7 +1959,7 @@
           <a:p>
             <a:fld id="{0A05703A-7669-4FEA-9056-25299B4D29D4}" type="datetime1">
               <a:rPr lang="en-US" smtClean="0"/>
-              <a:t>10/19/2015</a:t>
+              <a:t>9/6/2016</a:t>
             </a:fld>
             <a:endParaRPr lang="en-US"/>
           </a:p>
@@ -2072,10 +2062,9 @@
           </a:lstStyle>
           <a:p>
             <a:r>
-              <a:rPr lang="en-US" smtClean="0"/>
+              <a:rPr lang="en-US"/>
               <a:t>Click to edit Master title style</a:t>
             </a:r>
-            <a:endParaRPr lang="en-US"/>
           </a:p>
         </p:txBody>
       </p:sp>
@@ -2129,38 +2118,37 @@
           <a:p>
             <a:pPr lvl="0"/>
             <a:r>
-              <a:rPr lang="en-US" smtClean="0"/>
+              <a:rPr lang="en-US"/>
               <a:t>Click to edit Master text styles</a:t>
             </a:r>
           </a:p>
           <a:p>
             <a:pPr lvl="1"/>
             <a:r>
-              <a:rPr lang="en-US" smtClean="0"/>
+              <a:rPr lang="en-US"/>
               <a:t>Second level</a:t>
             </a:r>
           </a:p>
           <a:p>
             <a:pPr lvl="2"/>
             <a:r>
-              <a:rPr lang="en-US" smtClean="0"/>
+              <a:rPr lang="en-US"/>
               <a:t>Third level</a:t>
             </a:r>
           </a:p>
           <a:p>
             <a:pPr lvl="3"/>
             <a:r>
-              <a:rPr lang="en-US" smtClean="0"/>
+              <a:rPr lang="en-US"/>
               <a:t>Fourth level</a:t>
             </a:r>
           </a:p>
           <a:p>
             <a:pPr lvl="4"/>
             <a:r>
-              <a:rPr lang="en-US" smtClean="0"/>
+              <a:rPr lang="en-US"/>
               <a:t>Fifth level</a:t>
             </a:r>
-            <a:endParaRPr lang="en-US"/>
           </a:p>
         </p:txBody>
       </p:sp>
@@ -2223,7 +2211,7 @@
           <a:p>
             <a:pPr lvl="0"/>
             <a:r>
-              <a:rPr lang="en-US" smtClean="0"/>
+              <a:rPr lang="en-US"/>
               <a:t>Click to edit Master text styles</a:t>
             </a:r>
           </a:p>
@@ -2246,7 +2234,7 @@
           <a:p>
             <a:fld id="{6E5077B5-BB57-49DB-88CA-226A139E5C01}" type="datetime1">
               <a:rPr lang="en-US" smtClean="0"/>
-              <a:t>10/19/2015</a:t>
+              <a:t>9/6/2016</a:t>
             </a:fld>
             <a:endParaRPr lang="en-US"/>
           </a:p>
@@ -2349,10 +2337,9 @@
           </a:lstStyle>
           <a:p>
             <a:r>
-              <a:rPr lang="en-US" smtClean="0"/>
+              <a:rPr lang="en-US"/>
               <a:t>Click to edit Master title style</a:t>
             </a:r>
-            <a:endParaRPr lang="en-US"/>
           </a:p>
         </p:txBody>
       </p:sp>
@@ -2476,7 +2463,7 @@
           <a:p>
             <a:pPr lvl="0"/>
             <a:r>
-              <a:rPr lang="en-US" smtClean="0"/>
+              <a:rPr lang="en-US"/>
               <a:t>Click to edit Master text styles</a:t>
             </a:r>
           </a:p>
@@ -2499,7 +2486,7 @@
           <a:p>
             <a:fld id="{C48D9447-CBD6-49A1-89FD-8512A8CF8999}" type="datetime1">
               <a:rPr lang="en-US" smtClean="0"/>
-              <a:t>10/19/2015</a:t>
+              <a:t>9/6/2016</a:t>
             </a:fld>
             <a:endParaRPr lang="en-US"/>
           </a:p>
@@ -2593,10 +2580,9 @@
           <a:lstStyle/>
           <a:p>
             <a:r>
-              <a:rPr lang="en-US" smtClean="0"/>
+              <a:rPr lang="en-US"/>
               <a:t>Click to edit Master title style</a:t>
             </a:r>
-            <a:endParaRPr lang="en-US"/>
           </a:p>
         </p:txBody>
       </p:sp>
@@ -2617,38 +2603,37 @@
           <a:p>
             <a:pPr lvl="0"/>
             <a:r>
-              <a:rPr lang="en-US" smtClean="0"/>
+              <a:rPr lang="en-US"/>
               <a:t>Click to edit Master text styles</a:t>
             </a:r>
           </a:p>
           <a:p>
             <a:pPr lvl="1"/>
             <a:r>
-              <a:rPr lang="en-US" smtClean="0"/>
+              <a:rPr lang="en-US"/>
               <a:t>Second level</a:t>
             </a:r>
           </a:p>
           <a:p>
             <a:pPr lvl="2"/>
             <a:r>
-              <a:rPr lang="en-US" smtClean="0"/>
+              <a:rPr lang="en-US"/>
               <a:t>Third level</a:t>
             </a:r>
           </a:p>
           <a:p>
             <a:pPr lvl="3"/>
             <a:r>
-              <a:rPr lang="en-US" smtClean="0"/>
+              <a:rPr lang="en-US"/>
               <a:t>Fourth level</a:t>
             </a:r>
           </a:p>
           <a:p>
             <a:pPr lvl="4"/>
             <a:r>
-              <a:rPr lang="en-US" smtClean="0"/>
+              <a:rPr lang="en-US"/>
               <a:t>Fifth level</a:t>
             </a:r>
-            <a:endParaRPr lang="en-US"/>
           </a:p>
         </p:txBody>
       </p:sp>
@@ -2669,7 +2654,7 @@
           <a:p>
             <a:fld id="{A3639A2A-823D-48B7-9ACE-7FAF42870BA9}" type="datetime1">
               <a:rPr lang="en-US" smtClean="0"/>
-              <a:t>10/19/2015</a:t>
+              <a:t>9/6/2016</a:t>
             </a:fld>
             <a:endParaRPr lang="en-US"/>
           </a:p>
@@ -2768,10 +2753,9 @@
           <a:lstStyle/>
           <a:p>
             <a:r>
-              <a:rPr lang="en-US" smtClean="0"/>
+              <a:rPr lang="en-US"/>
               <a:t>Click to edit Master title style</a:t>
             </a:r>
-            <a:endParaRPr lang="en-US"/>
           </a:p>
         </p:txBody>
       </p:sp>
@@ -2797,38 +2781,37 @@
           <a:p>
             <a:pPr lvl="0"/>
             <a:r>
-              <a:rPr lang="en-US" smtClean="0"/>
+              <a:rPr lang="en-US"/>
               <a:t>Click to edit Master text styles</a:t>
             </a:r>
           </a:p>
           <a:p>
             <a:pPr lvl="1"/>
             <a:r>
-              <a:rPr lang="en-US" smtClean="0"/>
+              <a:rPr lang="en-US"/>
               <a:t>Second level</a:t>
             </a:r>
           </a:p>
           <a:p>
             <a:pPr lvl="2"/>
             <a:r>
-              <a:rPr lang="en-US" smtClean="0"/>
+              <a:rPr lang="en-US"/>
               <a:t>Third level</a:t>
             </a:r>
           </a:p>
           <a:p>
             <a:pPr lvl="3"/>
             <a:r>
-              <a:rPr lang="en-US" smtClean="0"/>
+              <a:rPr lang="en-US"/>
               <a:t>Fourth level</a:t>
             </a:r>
           </a:p>
           <a:p>
             <a:pPr lvl="4"/>
             <a:r>
-              <a:rPr lang="en-US" smtClean="0"/>
+              <a:rPr lang="en-US"/>
               <a:t>Fifth level</a:t>
             </a:r>
-            <a:endParaRPr lang="en-US"/>
           </a:p>
         </p:txBody>
       </p:sp>
@@ -2849,7 +2832,7 @@
           <a:p>
             <a:fld id="{ED1B6996-82E9-463C-972C-7B56056E426C}" type="datetime1">
               <a:rPr lang="en-US" smtClean="0"/>
-              <a:t>10/19/2015</a:t>
+              <a:t>9/6/2016</a:t>
             </a:fld>
             <a:endParaRPr lang="en-US"/>
           </a:p>
@@ -2907,13 +2890,6 @@
   <p:clrMapOvr>
     <a:masterClrMapping/>
   </p:clrMapOvr>
-  <p:timing>
-    <p:tnLst>
-      <p:par>
-        <p:cTn id="1" dur="indefinite" restart="never" nodeType="tmRoot"/>
-      </p:par>
-    </p:tnLst>
-  </p:timing>
 </p:sldLayout>
 </file>
 
@@ -2956,10 +2932,9 @@
           <a:lstStyle/>
           <a:p>
             <a:r>
-              <a:rPr lang="en-US" dirty="0" smtClean="0"/>
+              <a:rPr lang="en-US" dirty="0"/>
               <a:t>Click to edit Master title style</a:t>
             </a:r>
-            <a:endParaRPr lang="en-US" dirty="0"/>
           </a:p>
         </p:txBody>
       </p:sp>
@@ -2980,38 +2955,37 @@
           <a:p>
             <a:pPr lvl="0"/>
             <a:r>
-              <a:rPr lang="en-US" smtClean="0"/>
+              <a:rPr lang="en-US"/>
               <a:t>Click to edit Master text styles</a:t>
             </a:r>
           </a:p>
           <a:p>
             <a:pPr lvl="1"/>
             <a:r>
-              <a:rPr lang="en-US" smtClean="0"/>
+              <a:rPr lang="en-US"/>
               <a:t>Second level</a:t>
             </a:r>
           </a:p>
           <a:p>
             <a:pPr lvl="2"/>
             <a:r>
-              <a:rPr lang="en-US" smtClean="0"/>
+              <a:rPr lang="en-US"/>
               <a:t>Third level</a:t>
             </a:r>
           </a:p>
           <a:p>
             <a:pPr lvl="3"/>
             <a:r>
-              <a:rPr lang="en-US" smtClean="0"/>
+              <a:rPr lang="en-US"/>
               <a:t>Fourth level</a:t>
             </a:r>
           </a:p>
           <a:p>
             <a:pPr lvl="4"/>
             <a:r>
-              <a:rPr lang="en-US" smtClean="0"/>
+              <a:rPr lang="en-US"/>
               <a:t>Fifth level</a:t>
             </a:r>
-            <a:endParaRPr lang="en-US"/>
           </a:p>
         </p:txBody>
       </p:sp>
@@ -3032,7 +3006,7 @@
           <a:p>
             <a:fld id="{E22ED4DA-448D-4BB1-B935-CC112220207B}" type="datetime1">
               <a:rPr lang="en-US" smtClean="0"/>
-              <a:t>10/19/2015</a:t>
+              <a:t>9/6/2016</a:t>
             </a:fld>
             <a:endParaRPr lang="en-US"/>
           </a:p>
@@ -3090,13 +3064,6 @@
   <p:clrMapOvr>
     <a:masterClrMapping/>
   </p:clrMapOvr>
-  <p:timing>
-    <p:tnLst>
-      <p:par>
-        <p:cTn id="1" dur="indefinite" restart="never" nodeType="tmRoot"/>
-      </p:par>
-    </p:tnLst>
-  </p:timing>
 </p:sldLayout>
 </file>
 
@@ -3133,10 +3100,9 @@
           <a:lstStyle/>
           <a:p>
             <a:r>
-              <a:rPr lang="en-US" smtClean="0"/>
+              <a:rPr lang="en-US"/>
               <a:t>Click to edit Master title style</a:t>
             </a:r>
-            <a:endParaRPr lang="en-US"/>
           </a:p>
         </p:txBody>
       </p:sp>
@@ -3162,38 +3128,37 @@
           <a:p>
             <a:pPr lvl="0"/>
             <a:r>
-              <a:rPr lang="en-US" dirty="0" smtClean="0"/>
+              <a:rPr lang="en-US" dirty="0"/>
               <a:t>Click to edit Master text styles</a:t>
             </a:r>
           </a:p>
           <a:p>
             <a:pPr lvl="1"/>
             <a:r>
-              <a:rPr lang="en-US" dirty="0" smtClean="0"/>
+              <a:rPr lang="en-US" dirty="0"/>
               <a:t>Second level</a:t>
             </a:r>
           </a:p>
           <a:p>
             <a:pPr lvl="2"/>
             <a:r>
-              <a:rPr lang="en-US" dirty="0" smtClean="0"/>
+              <a:rPr lang="en-US" dirty="0"/>
               <a:t>Third level</a:t>
             </a:r>
           </a:p>
           <a:p>
             <a:pPr lvl="3"/>
             <a:r>
-              <a:rPr lang="en-US" dirty="0" smtClean="0"/>
+              <a:rPr lang="en-US" dirty="0"/>
               <a:t>Fourth level</a:t>
             </a:r>
           </a:p>
           <a:p>
             <a:pPr lvl="4"/>
             <a:r>
-              <a:rPr lang="en-US" dirty="0" smtClean="0"/>
+              <a:rPr lang="en-US" dirty="0"/>
               <a:t>Fifth level</a:t>
             </a:r>
-            <a:endParaRPr lang="en-US" dirty="0"/>
           </a:p>
         </p:txBody>
       </p:sp>
@@ -3214,7 +3179,7 @@
           <a:p>
             <a:fld id="{E22ED4DA-448D-4BB1-B935-CC112220207B}" type="datetime1">
               <a:rPr lang="en-US" smtClean="0"/>
-              <a:t>10/19/2015</a:t>
+              <a:t>9/6/2016</a:t>
             </a:fld>
             <a:endParaRPr lang="en-US"/>
           </a:p>
@@ -3304,7 +3269,7 @@
           <a:lstStyle/>
           <a:p>
             <a:pPr algn="ctr"/>
-            <a:endParaRPr lang="en-US" dirty="0" smtClean="0">
+            <a:endParaRPr lang="en-US" dirty="0">
               <a:solidFill>
                 <a:schemeClr val="tx1"/>
               </a:solidFill>
@@ -3335,11 +3300,11 @@
           <a:lstStyle/>
           <a:p>
             <a:r>
-              <a:rPr lang="en-US" dirty="0" smtClean="0"/>
+              <a:rPr lang="en-US" dirty="0"/>
               <a:t>Resize video to this</a:t>
             </a:r>
             <a:r>
-              <a:rPr lang="en-US" baseline="0" dirty="0" smtClean="0"/>
+              <a:rPr lang="en-US" baseline="0" dirty="0"/>
               <a:t> box.</a:t>
             </a:r>
             <a:endParaRPr lang="en-US" dirty="0"/>
@@ -3356,13 +3321,6 @@
   <p:clrMapOvr>
     <a:masterClrMapping/>
   </p:clrMapOvr>
-  <p:timing>
-    <p:tnLst>
-      <p:par>
-        <p:cTn id="1" dur="indefinite" restart="never" nodeType="tmRoot"/>
-      </p:par>
-    </p:tnLst>
-  </p:timing>
 </p:sldLayout>
 </file>
 
@@ -3399,10 +3357,9 @@
           <a:lstStyle/>
           <a:p>
             <a:r>
-              <a:rPr lang="en-US" smtClean="0"/>
+              <a:rPr lang="en-US"/>
               <a:t>Click to edit Master title style</a:t>
             </a:r>
-            <a:endParaRPr lang="en-US"/>
           </a:p>
         </p:txBody>
       </p:sp>
@@ -3431,38 +3388,37 @@
           <a:p>
             <a:pPr lvl="0"/>
             <a:r>
-              <a:rPr lang="en-US" dirty="0" smtClean="0"/>
+              <a:rPr lang="en-US" dirty="0"/>
               <a:t>Click to edit Master text styles</a:t>
             </a:r>
           </a:p>
           <a:p>
             <a:pPr lvl="1"/>
             <a:r>
-              <a:rPr lang="en-US" dirty="0" smtClean="0"/>
+              <a:rPr lang="en-US" dirty="0"/>
               <a:t>Second level</a:t>
             </a:r>
           </a:p>
           <a:p>
             <a:pPr lvl="2"/>
             <a:r>
-              <a:rPr lang="en-US" dirty="0" smtClean="0"/>
+              <a:rPr lang="en-US" dirty="0"/>
               <a:t>Third level</a:t>
             </a:r>
           </a:p>
           <a:p>
             <a:pPr lvl="3"/>
             <a:r>
-              <a:rPr lang="en-US" dirty="0" smtClean="0"/>
+              <a:rPr lang="en-US" dirty="0"/>
               <a:t>Fourth level</a:t>
             </a:r>
           </a:p>
           <a:p>
             <a:pPr lvl="4"/>
             <a:r>
-              <a:rPr lang="en-US" dirty="0" smtClean="0"/>
+              <a:rPr lang="en-US" dirty="0"/>
               <a:t>Fifth level</a:t>
             </a:r>
-            <a:endParaRPr lang="en-US" dirty="0"/>
           </a:p>
         </p:txBody>
       </p:sp>
@@ -3483,7 +3439,7 @@
           <a:p>
             <a:fld id="{FF5D65A6-AB94-4435-B0B7-3743215FA46C}" type="datetime1">
               <a:rPr lang="en-US" smtClean="0"/>
-              <a:t>10/19/2015</a:t>
+              <a:t>9/6/2016</a:t>
             </a:fld>
             <a:endParaRPr lang="en-US"/>
           </a:p>
@@ -3541,13 +3497,6 @@
   <p:clrMapOvr>
     <a:masterClrMapping/>
   </p:clrMapOvr>
-  <p:timing>
-    <p:tnLst>
-      <p:par>
-        <p:cTn id="1" dur="indefinite" restart="never" nodeType="tmRoot"/>
-      </p:par>
-    </p:tnLst>
-  </p:timing>
 </p:sldLayout>
 </file>
 
@@ -3584,10 +3533,9 @@
           <a:lstStyle/>
           <a:p>
             <a:r>
-              <a:rPr lang="en-US" smtClean="0"/>
+              <a:rPr lang="en-US"/>
               <a:t>Click to edit Master title style</a:t>
             </a:r>
-            <a:endParaRPr lang="en-US"/>
           </a:p>
         </p:txBody>
       </p:sp>
@@ -3616,38 +3564,37 @@
           <a:p>
             <a:pPr lvl="0"/>
             <a:r>
-              <a:rPr lang="en-US" dirty="0" smtClean="0"/>
+              <a:rPr lang="en-US" dirty="0"/>
               <a:t>Click to edit Master text styles</a:t>
             </a:r>
           </a:p>
           <a:p>
             <a:pPr lvl="1"/>
             <a:r>
-              <a:rPr lang="en-US" dirty="0" smtClean="0"/>
+              <a:rPr lang="en-US" dirty="0"/>
               <a:t>Second level</a:t>
             </a:r>
           </a:p>
           <a:p>
             <a:pPr lvl="2"/>
             <a:r>
-              <a:rPr lang="en-US" dirty="0" smtClean="0"/>
+              <a:rPr lang="en-US" dirty="0"/>
               <a:t>Third level</a:t>
             </a:r>
           </a:p>
           <a:p>
             <a:pPr lvl="3"/>
             <a:r>
-              <a:rPr lang="en-US" dirty="0" smtClean="0"/>
+              <a:rPr lang="en-US" dirty="0"/>
               <a:t>Fourth level</a:t>
             </a:r>
           </a:p>
           <a:p>
             <a:pPr lvl="4"/>
             <a:r>
-              <a:rPr lang="en-US" dirty="0" smtClean="0"/>
+              <a:rPr lang="en-US" dirty="0"/>
               <a:t>Fifth level</a:t>
             </a:r>
-            <a:endParaRPr lang="en-US" dirty="0"/>
           </a:p>
         </p:txBody>
       </p:sp>
@@ -3668,7 +3615,7 @@
           <a:p>
             <a:fld id="{FF5D65A6-AB94-4435-B0B7-3743215FA46C}" type="datetime1">
               <a:rPr lang="en-US" smtClean="0"/>
-              <a:t>10/19/2015</a:t>
+              <a:t>9/6/2016</a:t>
             </a:fld>
             <a:endParaRPr lang="en-US"/>
           </a:p>
@@ -3775,13 +3722,6 @@
   <p:clrMapOvr>
     <a:masterClrMapping/>
   </p:clrMapOvr>
-  <p:timing>
-    <p:tnLst>
-      <p:par>
-        <p:cTn id="1" dur="indefinite" restart="never" nodeType="tmRoot"/>
-      </p:par>
-    </p:tnLst>
-  </p:timing>
 </p:sldLayout>
 </file>
 
@@ -3827,10 +3767,9 @@
           </a:lstStyle>
           <a:p>
             <a:r>
-              <a:rPr lang="en-US" smtClean="0"/>
+              <a:rPr lang="en-US"/>
               <a:t>Click to edit Master title style</a:t>
             </a:r>
-            <a:endParaRPr lang="en-US"/>
           </a:p>
         </p:txBody>
       </p:sp>
@@ -3947,7 +3886,7 @@
           <a:p>
             <a:pPr lvl="0"/>
             <a:r>
-              <a:rPr lang="en-US" smtClean="0"/>
+              <a:rPr lang="en-US"/>
               <a:t>Click to edit Master text styles</a:t>
             </a:r>
           </a:p>
@@ -3970,7 +3909,7 @@
           <a:p>
             <a:fld id="{7C193DC4-6EF0-48C9-B29C-616106A645E1}" type="datetime1">
               <a:rPr lang="en-US" smtClean="0"/>
-              <a:t>10/19/2015</a:t>
+              <a:t>9/6/2016</a:t>
             </a:fld>
             <a:endParaRPr lang="en-US"/>
           </a:p>
@@ -4064,10 +4003,9 @@
           <a:lstStyle/>
           <a:p>
             <a:r>
-              <a:rPr lang="en-US" smtClean="0"/>
+              <a:rPr lang="en-US"/>
               <a:t>Click to edit Master title style</a:t>
             </a:r>
-            <a:endParaRPr lang="en-US"/>
           </a:p>
         </p:txBody>
       </p:sp>
@@ -4121,38 +4059,37 @@
           <a:p>
             <a:pPr lvl="0"/>
             <a:r>
-              <a:rPr lang="en-US" smtClean="0"/>
+              <a:rPr lang="en-US"/>
               <a:t>Click to edit Master text styles</a:t>
             </a:r>
           </a:p>
           <a:p>
             <a:pPr lvl="1"/>
             <a:r>
-              <a:rPr lang="en-US" smtClean="0"/>
+              <a:rPr lang="en-US"/>
               <a:t>Second level</a:t>
             </a:r>
           </a:p>
           <a:p>
             <a:pPr lvl="2"/>
             <a:r>
-              <a:rPr lang="en-US" smtClean="0"/>
+              <a:rPr lang="en-US"/>
               <a:t>Third level</a:t>
             </a:r>
           </a:p>
           <a:p>
             <a:pPr lvl="3"/>
             <a:r>
-              <a:rPr lang="en-US" smtClean="0"/>
+              <a:rPr lang="en-US"/>
               <a:t>Fourth level</a:t>
             </a:r>
           </a:p>
           <a:p>
             <a:pPr lvl="4"/>
             <a:r>
-              <a:rPr lang="en-US" smtClean="0"/>
+              <a:rPr lang="en-US"/>
               <a:t>Fifth level</a:t>
             </a:r>
-            <a:endParaRPr lang="en-US"/>
           </a:p>
         </p:txBody>
       </p:sp>
@@ -4206,38 +4143,37 @@
           <a:p>
             <a:pPr lvl="0"/>
             <a:r>
-              <a:rPr lang="en-US" smtClean="0"/>
+              <a:rPr lang="en-US"/>
               <a:t>Click to edit Master text styles</a:t>
             </a:r>
           </a:p>
           <a:p>
             <a:pPr lvl="1"/>
             <a:r>
-              <a:rPr lang="en-US" smtClean="0"/>
+              <a:rPr lang="en-US"/>
               <a:t>Second level</a:t>
             </a:r>
           </a:p>
           <a:p>
             <a:pPr lvl="2"/>
             <a:r>
-              <a:rPr lang="en-US" smtClean="0"/>
+              <a:rPr lang="en-US"/>
               <a:t>Third level</a:t>
             </a:r>
           </a:p>
           <a:p>
             <a:pPr lvl="3"/>
             <a:r>
-              <a:rPr lang="en-US" smtClean="0"/>
+              <a:rPr lang="en-US"/>
               <a:t>Fourth level</a:t>
             </a:r>
           </a:p>
           <a:p>
             <a:pPr lvl="4"/>
             <a:r>
-              <a:rPr lang="en-US" smtClean="0"/>
+              <a:rPr lang="en-US"/>
               <a:t>Fifth level</a:t>
             </a:r>
-            <a:endParaRPr lang="en-US"/>
           </a:p>
         </p:txBody>
       </p:sp>
@@ -4258,7 +4194,7 @@
           <a:p>
             <a:fld id="{5D1846AD-9252-4647-9435-4C2AC365653A}" type="datetime1">
               <a:rPr lang="en-US" smtClean="0"/>
-              <a:t>10/19/2015</a:t>
+              <a:t>9/6/2016</a:t>
             </a:fld>
             <a:endParaRPr lang="en-US"/>
           </a:p>
@@ -4356,10 +4292,9 @@
           </a:lstStyle>
           <a:p>
             <a:r>
-              <a:rPr lang="en-US" smtClean="0"/>
+              <a:rPr lang="en-US"/>
               <a:t>Click to edit Master title style</a:t>
             </a:r>
-            <a:endParaRPr lang="en-US"/>
           </a:p>
         </p:txBody>
       </p:sp>
@@ -4422,7 +4357,7 @@
           <a:p>
             <a:pPr lvl="0"/>
             <a:r>
-              <a:rPr lang="en-US" smtClean="0"/>
+              <a:rPr lang="en-US"/>
               <a:t>Click to edit Master text styles</a:t>
             </a:r>
           </a:p>
@@ -4478,38 +4413,37 @@
           <a:p>
             <a:pPr lvl="0"/>
             <a:r>
-              <a:rPr lang="en-US" smtClean="0"/>
+              <a:rPr lang="en-US"/>
               <a:t>Click to edit Master text styles</a:t>
             </a:r>
           </a:p>
           <a:p>
             <a:pPr lvl="1"/>
             <a:r>
-              <a:rPr lang="en-US" smtClean="0"/>
+              <a:rPr lang="en-US"/>
               <a:t>Second level</a:t>
             </a:r>
           </a:p>
           <a:p>
             <a:pPr lvl="2"/>
             <a:r>
-              <a:rPr lang="en-US" smtClean="0"/>
+              <a:rPr lang="en-US"/>
               <a:t>Third level</a:t>
             </a:r>
           </a:p>
           <a:p>
             <a:pPr lvl="3"/>
             <a:r>
-              <a:rPr lang="en-US" smtClean="0"/>
+              <a:rPr lang="en-US"/>
               <a:t>Fourth level</a:t>
             </a:r>
           </a:p>
           <a:p>
             <a:pPr lvl="4"/>
             <a:r>
-              <a:rPr lang="en-US" smtClean="0"/>
+              <a:rPr lang="en-US"/>
               <a:t>Fifth level</a:t>
             </a:r>
-            <a:endParaRPr lang="en-US"/>
           </a:p>
         </p:txBody>
       </p:sp>
@@ -4572,7 +4506,7 @@
           <a:p>
             <a:pPr lvl="0"/>
             <a:r>
-              <a:rPr lang="en-US" smtClean="0"/>
+              <a:rPr lang="en-US"/>
               <a:t>Click to edit Master text styles</a:t>
             </a:r>
           </a:p>
@@ -4628,38 +4562,37 @@
           <a:p>
             <a:pPr lvl="0"/>
             <a:r>
-              <a:rPr lang="en-US" smtClean="0"/>
+              <a:rPr lang="en-US"/>
               <a:t>Click to edit Master text styles</a:t>
             </a:r>
           </a:p>
           <a:p>
             <a:pPr lvl="1"/>
             <a:r>
-              <a:rPr lang="en-US" smtClean="0"/>
+              <a:rPr lang="en-US"/>
               <a:t>Second level</a:t>
             </a:r>
           </a:p>
           <a:p>
             <a:pPr lvl="2"/>
             <a:r>
-              <a:rPr lang="en-US" smtClean="0"/>
+              <a:rPr lang="en-US"/>
               <a:t>Third level</a:t>
             </a:r>
           </a:p>
           <a:p>
             <a:pPr lvl="3"/>
             <a:r>
-              <a:rPr lang="en-US" smtClean="0"/>
+              <a:rPr lang="en-US"/>
               <a:t>Fourth level</a:t>
             </a:r>
           </a:p>
           <a:p>
             <a:pPr lvl="4"/>
             <a:r>
-              <a:rPr lang="en-US" smtClean="0"/>
+              <a:rPr lang="en-US"/>
               <a:t>Fifth level</a:t>
             </a:r>
-            <a:endParaRPr lang="en-US"/>
           </a:p>
         </p:txBody>
       </p:sp>
@@ -4680,7 +4613,7 @@
           <a:p>
             <a:fld id="{CE56DC10-3561-4063-A6AF-C1CC7A41040A}" type="datetime1">
               <a:rPr lang="en-US" smtClean="0"/>
-              <a:t>10/19/2015</a:t>
+              <a:t>9/6/2016</a:t>
             </a:fld>
             <a:endParaRPr lang="en-US"/>
           </a:p>
@@ -4774,10 +4707,9 @@
           <a:lstStyle/>
           <a:p>
             <a:r>
-              <a:rPr lang="en-US" smtClean="0"/>
+              <a:rPr lang="en-US"/>
               <a:t>Click to edit Master title style</a:t>
             </a:r>
-            <a:endParaRPr lang="en-US"/>
           </a:p>
         </p:txBody>
       </p:sp>
@@ -4798,7 +4730,7 @@
           <a:p>
             <a:fld id="{2F7B77F5-1464-4F6B-92A8-64FC8A508293}" type="datetime1">
               <a:rPr lang="en-US" smtClean="0"/>
-              <a:t>10/19/2015</a:t>
+              <a:t>9/6/2016</a:t>
             </a:fld>
             <a:endParaRPr lang="en-US"/>
           </a:p>
@@ -4856,13 +4788,6 @@
   <p:clrMapOvr>
     <a:masterClrMapping/>
   </p:clrMapOvr>
-  <p:timing>
-    <p:tnLst>
-      <p:par>
-        <p:cTn id="1" dur="indefinite" restart="never" nodeType="tmRoot"/>
-      </p:par>
-    </p:tnLst>
-  </p:timing>
 </p:sldLayout>
 </file>
 
@@ -4926,10 +4851,9 @@
           <a:lstStyle/>
           <a:p>
             <a:r>
-              <a:rPr lang="en-US" smtClean="0"/>
+              <a:rPr lang="en-US"/>
               <a:t>Click to edit Master title style</a:t>
             </a:r>
-            <a:endParaRPr lang="en-US"/>
           </a:p>
         </p:txBody>
       </p:sp>
@@ -4960,38 +4884,37 @@
           <a:p>
             <a:pPr lvl="0"/>
             <a:r>
-              <a:rPr lang="en-US" smtClean="0"/>
+              <a:rPr lang="en-US"/>
               <a:t>Click to edit Master text styles</a:t>
             </a:r>
           </a:p>
           <a:p>
             <a:pPr lvl="1"/>
             <a:r>
-              <a:rPr lang="en-US" smtClean="0"/>
+              <a:rPr lang="en-US"/>
               <a:t>Second level</a:t>
             </a:r>
           </a:p>
           <a:p>
             <a:pPr lvl="2"/>
             <a:r>
-              <a:rPr lang="en-US" smtClean="0"/>
+              <a:rPr lang="en-US"/>
               <a:t>Third level</a:t>
             </a:r>
           </a:p>
           <a:p>
             <a:pPr lvl="3"/>
             <a:r>
-              <a:rPr lang="en-US" smtClean="0"/>
+              <a:rPr lang="en-US"/>
               <a:t>Fourth level</a:t>
             </a:r>
           </a:p>
           <a:p>
             <a:pPr lvl="4"/>
             <a:r>
-              <a:rPr lang="en-US" smtClean="0"/>
+              <a:rPr lang="en-US"/>
               <a:t>Fifth level</a:t>
             </a:r>
-            <a:endParaRPr lang="en-US"/>
           </a:p>
         </p:txBody>
       </p:sp>
@@ -5030,7 +4953,7 @@
           <a:p>
             <a:fld id="{02B3F677-983B-48DB-ADFD-63FE6CBC7FB2}" type="datetime1">
               <a:rPr lang="en-US" smtClean="0"/>
-              <a:t>10/19/2015</a:t>
+              <a:t>9/6/2016</a:t>
             </a:fld>
             <a:endParaRPr lang="en-US"/>
           </a:p>
@@ -5138,13 +5061,6 @@
     <p:sldLayoutId id="2147483674" r:id="rId13"/>
     <p:sldLayoutId id="2147483675" r:id="rId14"/>
   </p:sldLayoutIdLst>
-  <p:timing>
-    <p:tnLst>
-      <p:par>
-        <p:cTn id="1" dur="indefinite" restart="never" nodeType="tmRoot"/>
-      </p:par>
-    </p:tnLst>
-  </p:timing>
   <p:hf hdr="0" ftr="0" dt="0"/>
   <p:txStyles>
     <p:titleStyle>
@@ -5432,10 +5348,9 @@
           <a:lstStyle/>
           <a:p>
             <a:r>
-              <a:rPr lang="en-US" dirty="0" smtClean="0"/>
+              <a:rPr lang="en-US" dirty="0"/>
               <a:t>Multi-way Trees</a:t>
             </a:r>
-            <a:endParaRPr lang="en-US" dirty="0"/>
           </a:p>
         </p:txBody>
       </p:sp>
@@ -5455,21 +5370,21 @@
           <a:lstStyle/>
           <a:p>
             <a:r>
-              <a:rPr lang="en-US" dirty="0" smtClean="0"/>
+              <a:rPr lang="en-US" dirty="0"/>
               <a:t>CS 5010 Program Design Paradigms “</a:t>
             </a:r>
             <a:r>
-              <a:rPr lang="en-US" dirty="0" err="1" smtClean="0"/>
+              <a:rPr lang="en-US" dirty="0" err="1"/>
               <a:t>Bootcamp</a:t>
             </a:r>
             <a:r>
-              <a:rPr lang="en-US" dirty="0" smtClean="0"/>
+              <a:rPr lang="en-US" dirty="0"/>
               <a:t>”</a:t>
             </a:r>
           </a:p>
           <a:p>
             <a:r>
-              <a:rPr lang="en-US" dirty="0" smtClean="0"/>
+              <a:rPr lang="en-US" dirty="0"/>
               <a:t>Lesson 6.6</a:t>
             </a:r>
           </a:p>
@@ -5569,27 +5484,13 @@
             <a:p>
               <a:r>
                 <a:rPr lang="en-US" sz="1000" dirty="0"/>
-                <a:t>© Mitchell Wand, </a:t>
-              </a:r>
-              <a:r>
-                <a:rPr lang="en-US" sz="1000" dirty="0" smtClean="0"/>
-                <a:t>2012-2014</a:t>
+                <a:t>© Mitchell Wand, 2012-2014</a:t>
               </a:r>
             </a:p>
             <a:p>
               <a:r>
-                <a:rPr lang="en-US" sz="1000" dirty="0" smtClean="0"/>
+                <a:rPr lang="en-US" sz="1000" dirty="0"/>
                 <a:t>This work is licensed under a </a:t>
-              </a:r>
-              <a:r>
-                <a:rPr lang="en-US" altLang="en-US" sz="1000" dirty="0" smtClean="0">
-                  <a:solidFill>
-                    <a:srgbClr val="4374B7"/>
-                  </a:solidFill>
-                  <a:latin typeface="Helvetica Neue"/>
-                  <a:hlinkClick r:id="rId4"/>
-                </a:rPr>
-                <a:t>Creative </a:t>
               </a:r>
               <a:r>
                 <a:rPr lang="en-US" altLang="en-US" sz="1000" dirty="0">
@@ -5599,7 +5500,7 @@
                   <a:latin typeface="Helvetica Neue"/>
                   <a:hlinkClick r:id="rId4"/>
                 </a:rPr>
-                <a:t>Commons Attribution-</a:t>
+                <a:t>Creative Commons Attribution-</a:t>
               </a:r>
               <a:r>
                 <a:rPr lang="en-US" altLang="en-US" sz="1000" dirty="0" err="1">
@@ -5622,10 +5523,9 @@
                 <a:t> 4.0 International License</a:t>
               </a:r>
               <a:r>
-                <a:rPr lang="en-US" sz="1000" dirty="0" smtClean="0"/>
+                <a:rPr lang="en-US" sz="1000" dirty="0"/>
                 <a:t>.</a:t>
               </a:r>
-              <a:endParaRPr lang="en-US" sz="1000" dirty="0"/>
             </a:p>
           </p:txBody>
         </p:sp>
@@ -5640,13 +5540,6 @@
   <p:clrMapOvr>
     <a:masterClrMapping/>
   </p:clrMapOvr>
-  <p:timing>
-    <p:tnLst>
-      <p:par>
-        <p:cTn id="1" dur="indefinite" restart="never" nodeType="tmRoot"/>
-      </p:par>
-    </p:tnLst>
-  </p:timing>
 </p:sld>
 </file>
 
@@ -5683,10 +5576,9 @@
           <a:lstStyle/>
           <a:p>
             <a:r>
-              <a:rPr lang="en-US" dirty="0" smtClean="0"/>
+              <a:rPr lang="en-US" dirty="0"/>
               <a:t>Examples</a:t>
             </a:r>
-            <a:endParaRPr lang="en-US" dirty="0"/>
           </a:p>
         </p:txBody>
       </p:sp>
@@ -5714,35 +5606,35 @@
               </a:tabLst>
             </a:pPr>
             <a:r>
-              <a:rPr lang="en-US" sz="2000" b="1" dirty="0" smtClean="0">
+              <a:rPr lang="en-US" sz="2000" b="1" dirty="0">
                 <a:latin typeface="Consolas" pitchFamily="49" charset="0"/>
                 <a:cs typeface="Consolas" pitchFamily="49" charset="0"/>
               </a:rPr>
               <a:t>(define </a:t>
             </a:r>
             <a:r>
-              <a:rPr lang="en-US" sz="2000" b="1" dirty="0" err="1" smtClean="0">
+              <a:rPr lang="en-US" sz="2000" b="1" dirty="0" err="1">
                 <a:latin typeface="Consolas" pitchFamily="49" charset="0"/>
                 <a:cs typeface="Consolas" pitchFamily="49" charset="0"/>
               </a:rPr>
               <a:t>alice</a:t>
             </a:r>
             <a:r>
-              <a:rPr lang="en-US" sz="2000" b="1" dirty="0" smtClean="0">
+              <a:rPr lang="en-US" sz="2000" b="1" dirty="0">
                 <a:latin typeface="Consolas" pitchFamily="49" charset="0"/>
                 <a:cs typeface="Consolas" pitchFamily="49" charset="0"/>
               </a:rPr>
               <a:t> (make-person "</a:t>
             </a:r>
             <a:r>
-              <a:rPr lang="en-US" sz="2000" b="1" dirty="0" err="1" smtClean="0">
+              <a:rPr lang="en-US" sz="2000" b="1" dirty="0" err="1">
                 <a:latin typeface="Consolas" pitchFamily="49" charset="0"/>
                 <a:cs typeface="Consolas" pitchFamily="49" charset="0"/>
               </a:rPr>
               <a:t>alice</a:t>
             </a:r>
             <a:r>
-              <a:rPr lang="en-US" sz="2000" b="1" dirty="0" smtClean="0">
+              <a:rPr lang="en-US" sz="2000" b="1" dirty="0">
                 <a:latin typeface="Consolas" pitchFamily="49" charset="0"/>
                 <a:cs typeface="Consolas" pitchFamily="49" charset="0"/>
               </a:rPr>
@@ -5757,7 +5649,7 @@
               </a:tabLst>
             </a:pPr>
             <a:r>
-              <a:rPr lang="en-US" sz="2000" b="1" dirty="0" smtClean="0">
+              <a:rPr lang="en-US" sz="2000" b="1" dirty="0">
                 <a:latin typeface="Consolas" pitchFamily="49" charset="0"/>
                 <a:cs typeface="Consolas" pitchFamily="49" charset="0"/>
               </a:rPr>
@@ -5772,21 +5664,21 @@
               </a:tabLst>
             </a:pPr>
             <a:r>
-              <a:rPr lang="en-US" sz="2000" b="1" dirty="0" smtClean="0">
+              <a:rPr lang="en-US" sz="2000" b="1" dirty="0">
                 <a:latin typeface="Consolas" pitchFamily="49" charset="0"/>
                 <a:cs typeface="Consolas" pitchFamily="49" charset="0"/>
               </a:rPr>
               <a:t>(define chuck (make-person "chuck" (list </a:t>
             </a:r>
             <a:r>
-              <a:rPr lang="en-US" sz="2000" b="1" dirty="0" err="1" smtClean="0">
+              <a:rPr lang="en-US" sz="2000" b="1" dirty="0" err="1">
                 <a:latin typeface="Consolas" pitchFamily="49" charset="0"/>
                 <a:cs typeface="Consolas" pitchFamily="49" charset="0"/>
               </a:rPr>
               <a:t>alice</a:t>
             </a:r>
             <a:r>
-              <a:rPr lang="en-US" sz="2000" b="1" dirty="0" smtClean="0">
+              <a:rPr lang="en-US" sz="2000" b="1" dirty="0">
                 <a:latin typeface="Consolas" pitchFamily="49" charset="0"/>
                 <a:cs typeface="Consolas" pitchFamily="49" charset="0"/>
               </a:rPr>
@@ -5800,7 +5692,7 @@
                 <a:tab pos="287338" algn="l"/>
               </a:tabLst>
             </a:pPr>
-            <a:endParaRPr lang="en-US" sz="2000" b="1" dirty="0" smtClean="0">
+            <a:endParaRPr lang="en-US" sz="2000" b="1" dirty="0">
               <a:latin typeface="Consolas" pitchFamily="49" charset="0"/>
               <a:cs typeface="Consolas" pitchFamily="49" charset="0"/>
             </a:endParaRPr>
@@ -5813,35 +5705,35 @@
               </a:tabLst>
             </a:pPr>
             <a:r>
-              <a:rPr lang="en-US" sz="2000" b="1" dirty="0" smtClean="0">
+              <a:rPr lang="en-US" sz="2000" b="1" dirty="0">
                 <a:latin typeface="Consolas" pitchFamily="49" charset="0"/>
                 <a:cs typeface="Consolas" pitchFamily="49" charset="0"/>
               </a:rPr>
               <a:t>(define </a:t>
             </a:r>
             <a:r>
-              <a:rPr lang="en-US" sz="2000" b="1" dirty="0" err="1" smtClean="0">
+              <a:rPr lang="en-US" sz="2000" b="1" dirty="0" err="1">
                 <a:latin typeface="Consolas" pitchFamily="49" charset="0"/>
                 <a:cs typeface="Consolas" pitchFamily="49" charset="0"/>
               </a:rPr>
               <a:t>dave</a:t>
             </a:r>
             <a:r>
-              <a:rPr lang="en-US" sz="2000" b="1" dirty="0" smtClean="0">
+              <a:rPr lang="en-US" sz="2000" b="1" dirty="0">
                 <a:latin typeface="Consolas" pitchFamily="49" charset="0"/>
                 <a:cs typeface="Consolas" pitchFamily="49" charset="0"/>
               </a:rPr>
               <a:t> (make-person "</a:t>
             </a:r>
             <a:r>
-              <a:rPr lang="en-US" sz="2000" b="1" dirty="0" err="1" smtClean="0">
+              <a:rPr lang="en-US" sz="2000" b="1" dirty="0" err="1">
                 <a:latin typeface="Consolas" pitchFamily="49" charset="0"/>
                 <a:cs typeface="Consolas" pitchFamily="49" charset="0"/>
               </a:rPr>
               <a:t>dave</a:t>
             </a:r>
             <a:r>
-              <a:rPr lang="en-US" sz="2000" b="1" dirty="0" smtClean="0">
+              <a:rPr lang="en-US" sz="2000" b="1" dirty="0">
                 <a:latin typeface="Consolas" pitchFamily="49" charset="0"/>
                 <a:cs typeface="Consolas" pitchFamily="49" charset="0"/>
               </a:rPr>
@@ -5856,21 +5748,21 @@
               </a:tabLst>
             </a:pPr>
             <a:r>
-              <a:rPr lang="en-US" sz="2000" b="1" dirty="0" smtClean="0">
+              <a:rPr lang="en-US" sz="2000" b="1" dirty="0">
                 <a:latin typeface="Consolas" pitchFamily="49" charset="0"/>
                 <a:cs typeface="Consolas" pitchFamily="49" charset="0"/>
               </a:rPr>
               <a:t>(define </a:t>
             </a:r>
             <a:r>
-              <a:rPr lang="en-US" sz="2000" b="1" dirty="0" err="1" smtClean="0">
+              <a:rPr lang="en-US" sz="2000" b="1" dirty="0" err="1">
                 <a:latin typeface="Consolas" pitchFamily="49" charset="0"/>
                 <a:cs typeface="Consolas" pitchFamily="49" charset="0"/>
               </a:rPr>
               <a:t>eddie</a:t>
             </a:r>
             <a:r>
-              <a:rPr lang="en-US" sz="2000" b="1" dirty="0" smtClean="0">
+              <a:rPr lang="en-US" sz="2000" b="1" dirty="0">
                 <a:latin typeface="Consolas" pitchFamily="49" charset="0"/>
                 <a:cs typeface="Consolas" pitchFamily="49" charset="0"/>
               </a:rPr>
@@ -5885,35 +5777,35 @@
               </a:tabLst>
             </a:pPr>
             <a:r>
-              <a:rPr lang="en-US" sz="2000" b="1" dirty="0" smtClean="0">
+              <a:rPr lang="en-US" sz="2000" b="1" dirty="0">
                 <a:latin typeface="Consolas" pitchFamily="49" charset="0"/>
                 <a:cs typeface="Consolas" pitchFamily="49" charset="0"/>
               </a:rPr>
               <a:t> (make-person "</a:t>
             </a:r>
             <a:r>
-              <a:rPr lang="en-US" sz="2000" b="1" dirty="0" err="1" smtClean="0">
+              <a:rPr lang="en-US" sz="2000" b="1" dirty="0" err="1">
                 <a:latin typeface="Consolas" pitchFamily="49" charset="0"/>
                 <a:cs typeface="Consolas" pitchFamily="49" charset="0"/>
               </a:rPr>
               <a:t>eddie</a:t>
             </a:r>
             <a:r>
-              <a:rPr lang="en-US" sz="2000" b="1" dirty="0" smtClean="0">
+              <a:rPr lang="en-US" sz="2000" b="1" dirty="0">
                 <a:latin typeface="Consolas" pitchFamily="49" charset="0"/>
                 <a:cs typeface="Consolas" pitchFamily="49" charset="0"/>
               </a:rPr>
               <a:t>" (list </a:t>
             </a:r>
             <a:r>
-              <a:rPr lang="en-US" sz="2000" b="1" dirty="0" err="1" smtClean="0">
+              <a:rPr lang="en-US" sz="2000" b="1" dirty="0" err="1">
                 <a:latin typeface="Consolas" pitchFamily="49" charset="0"/>
                 <a:cs typeface="Consolas" pitchFamily="49" charset="0"/>
               </a:rPr>
               <a:t>dave</a:t>
             </a:r>
             <a:r>
-              <a:rPr lang="en-US" sz="2000" b="1" dirty="0" smtClean="0">
+              <a:rPr lang="en-US" sz="2000" b="1" dirty="0">
                 <a:latin typeface="Consolas" pitchFamily="49" charset="0"/>
                 <a:cs typeface="Consolas" pitchFamily="49" charset="0"/>
               </a:rPr>
@@ -5927,7 +5819,7 @@
                 <a:tab pos="287338" algn="l"/>
               </a:tabLst>
             </a:pPr>
-            <a:endParaRPr lang="en-US" sz="2000" b="1" dirty="0" smtClean="0">
+            <a:endParaRPr lang="en-US" sz="2000" b="1" dirty="0">
               <a:latin typeface="Consolas" pitchFamily="49" charset="0"/>
               <a:cs typeface="Consolas" pitchFamily="49" charset="0"/>
             </a:endParaRPr>
@@ -5940,21 +5832,21 @@
               </a:tabLst>
             </a:pPr>
             <a:r>
-              <a:rPr lang="en-US" sz="2000" b="1" dirty="0" smtClean="0">
+              <a:rPr lang="en-US" sz="2000" b="1" dirty="0">
                 <a:latin typeface="Consolas" pitchFamily="49" charset="0"/>
                 <a:cs typeface="Consolas" pitchFamily="49" charset="0"/>
               </a:rPr>
               <a:t>(define </a:t>
             </a:r>
             <a:r>
-              <a:rPr lang="en-US" sz="2000" b="1" dirty="0" err="1" smtClean="0">
+              <a:rPr lang="en-US" sz="2000" b="1" dirty="0" err="1">
                 <a:latin typeface="Consolas" pitchFamily="49" charset="0"/>
                 <a:cs typeface="Consolas" pitchFamily="49" charset="0"/>
               </a:rPr>
               <a:t>fred</a:t>
             </a:r>
             <a:r>
-              <a:rPr lang="en-US" sz="2000" b="1" dirty="0" smtClean="0">
+              <a:rPr lang="en-US" sz="2000" b="1" dirty="0">
                 <a:latin typeface="Consolas" pitchFamily="49" charset="0"/>
                 <a:cs typeface="Consolas" pitchFamily="49" charset="0"/>
               </a:rPr>
@@ -5969,7 +5861,7 @@
               </a:tabLst>
             </a:pPr>
             <a:r>
-              <a:rPr lang="en-US" sz="2000" b="1" dirty="0" smtClean="0">
+              <a:rPr lang="en-US" sz="2000" b="1" dirty="0">
                 <a:latin typeface="Consolas" pitchFamily="49" charset="0"/>
                 <a:cs typeface="Consolas" pitchFamily="49" charset="0"/>
               </a:rPr>
@@ -5984,21 +5876,21 @@
               </a:tabLst>
             </a:pPr>
             <a:r>
-              <a:rPr lang="en-US" sz="2000" b="1" dirty="0" smtClean="0">
+              <a:rPr lang="en-US" sz="2000" b="1" dirty="0">
                 <a:latin typeface="Consolas" pitchFamily="49" charset="0"/>
                 <a:cs typeface="Consolas" pitchFamily="49" charset="0"/>
               </a:rPr>
               <a:t>  "</a:t>
             </a:r>
             <a:r>
-              <a:rPr lang="en-US" sz="2000" b="1" dirty="0" err="1" smtClean="0">
+              <a:rPr lang="en-US" sz="2000" b="1" dirty="0" err="1">
                 <a:latin typeface="Consolas" pitchFamily="49" charset="0"/>
                 <a:cs typeface="Consolas" pitchFamily="49" charset="0"/>
               </a:rPr>
               <a:t>fred</a:t>
             </a:r>
             <a:r>
-              <a:rPr lang="en-US" sz="2000" b="1" dirty="0" smtClean="0">
+              <a:rPr lang="en-US" sz="2000" b="1" dirty="0">
                 <a:latin typeface="Consolas" pitchFamily="49" charset="0"/>
                 <a:cs typeface="Consolas" pitchFamily="49" charset="0"/>
               </a:rPr>
@@ -6013,30 +5905,26 @@
               </a:tabLst>
             </a:pPr>
             <a:r>
-              <a:rPr lang="en-US" sz="2000" b="1" dirty="0" smtClean="0">
+              <a:rPr lang="en-US" sz="2000" b="1" dirty="0">
                 <a:latin typeface="Consolas" pitchFamily="49" charset="0"/>
                 <a:cs typeface="Consolas" pitchFamily="49" charset="0"/>
               </a:rPr>
               <a:t>  (list chuck </a:t>
             </a:r>
             <a:r>
-              <a:rPr lang="en-US" sz="2000" b="1" dirty="0" err="1" smtClean="0">
+              <a:rPr lang="en-US" sz="2000" b="1" dirty="0" err="1">
                 <a:latin typeface="Consolas" pitchFamily="49" charset="0"/>
                 <a:cs typeface="Consolas" pitchFamily="49" charset="0"/>
               </a:rPr>
               <a:t>eddie</a:t>
             </a:r>
             <a:r>
-              <a:rPr lang="en-US" sz="2000" b="1" dirty="0" smtClean="0">
+              <a:rPr lang="en-US" sz="2000" b="1" dirty="0">
                 <a:latin typeface="Consolas" pitchFamily="49" charset="0"/>
                 <a:cs typeface="Consolas" pitchFamily="49" charset="0"/>
               </a:rPr>
               <a:t>)))</a:t>
             </a:r>
-            <a:endParaRPr lang="en-US" sz="2000" b="1" dirty="0">
-              <a:latin typeface="Consolas" pitchFamily="49" charset="0"/>
-              <a:cs typeface="Consolas" pitchFamily="49" charset="0"/>
-            </a:endParaRPr>
           </a:p>
         </p:txBody>
       </p:sp>
@@ -6139,14 +6027,14 @@
               <a:p>
                 <a:pPr algn="ctr"/>
                 <a:r>
-                  <a:rPr lang="en-US" b="1" dirty="0" err="1" smtClean="0">
+                  <a:rPr lang="en-US" b="1" dirty="0" err="1">
                     <a:solidFill>
                       <a:schemeClr val="tx1"/>
                     </a:solidFill>
                   </a:rPr>
                   <a:t>fred</a:t>
                 </a:r>
-                <a:endParaRPr lang="en-US" b="1" dirty="0" smtClean="0">
+                <a:endParaRPr lang="en-US" b="1" dirty="0">
                   <a:solidFill>
                     <a:schemeClr val="tx1"/>
                   </a:solidFill>
@@ -6202,7 +6090,7 @@
               <a:p>
                 <a:pPr algn="ctr"/>
                 <a:r>
-                  <a:rPr lang="en-US" b="1" dirty="0" smtClean="0">
+                  <a:rPr lang="en-US" b="1" dirty="0">
                     <a:solidFill>
                       <a:schemeClr val="tx1"/>
                     </a:solidFill>
@@ -6260,14 +6148,14 @@
               <a:p>
                 <a:pPr algn="ctr"/>
                 <a:r>
-                  <a:rPr lang="en-US" b="1" dirty="0" err="1" smtClean="0">
+                  <a:rPr lang="en-US" b="1" dirty="0" err="1">
                     <a:solidFill>
                       <a:schemeClr val="tx1"/>
                     </a:solidFill>
                   </a:rPr>
                   <a:t>eddie</a:t>
                 </a:r>
-                <a:endParaRPr lang="en-US" b="1" dirty="0" smtClean="0">
+                <a:endParaRPr lang="en-US" b="1" dirty="0">
                   <a:solidFill>
                     <a:schemeClr val="tx1"/>
                   </a:solidFill>
@@ -6323,14 +6211,14 @@
               <a:p>
                 <a:pPr algn="ctr"/>
                 <a:r>
-                  <a:rPr lang="en-US" b="1" dirty="0" err="1" smtClean="0">
+                  <a:rPr lang="en-US" b="1" dirty="0" err="1">
                     <a:solidFill>
                       <a:schemeClr val="tx1"/>
                     </a:solidFill>
                   </a:rPr>
                   <a:t>alice</a:t>
                 </a:r>
-                <a:endParaRPr lang="en-US" b="1" dirty="0" smtClean="0">
+                <a:endParaRPr lang="en-US" b="1" dirty="0">
                   <a:solidFill>
                     <a:schemeClr val="tx1"/>
                   </a:solidFill>
@@ -6386,7 +6274,7 @@
               <a:p>
                 <a:pPr algn="ctr"/>
                 <a:r>
-                  <a:rPr lang="en-US" b="1" dirty="0" smtClean="0">
+                  <a:rPr lang="en-US" b="1" dirty="0">
                     <a:solidFill>
                       <a:schemeClr val="tx1"/>
                     </a:solidFill>
@@ -6444,14 +6332,14 @@
               <a:p>
                 <a:pPr algn="ctr"/>
                 <a:r>
-                  <a:rPr lang="en-US" b="1" dirty="0" err="1" smtClean="0">
+                  <a:rPr lang="en-US" b="1" dirty="0" err="1">
                     <a:solidFill>
                       <a:schemeClr val="tx1"/>
                     </a:solidFill>
                   </a:rPr>
                   <a:t>dave</a:t>
                 </a:r>
-                <a:endParaRPr lang="en-US" b="1" dirty="0" smtClean="0">
+                <a:endParaRPr lang="en-US" b="1" dirty="0">
                   <a:solidFill>
                     <a:schemeClr val="tx1"/>
                   </a:solidFill>
@@ -6666,13 +6554,6 @@
   <p:clrMapOvr>
     <a:masterClrMapping/>
   </p:clrMapOvr>
-  <p:timing>
-    <p:tnLst>
-      <p:par>
-        <p:cTn id="1" dur="indefinite" restart="never" nodeType="tmRoot"/>
-      </p:par>
-    </p:tnLst>
-  </p:timing>
 </p:sld>
 </file>
 
@@ -6709,10 +6590,9 @@
           <a:lstStyle/>
           <a:p>
             <a:r>
-              <a:rPr lang="en-US" dirty="0" smtClean="0"/>
+              <a:rPr lang="en-US" dirty="0"/>
               <a:t>Vocabulary</a:t>
             </a:r>
-            <a:endParaRPr lang="en-US" dirty="0"/>
           </a:p>
         </p:txBody>
       </p:sp>
@@ -6732,48 +6612,47 @@
           <a:lstStyle/>
           <a:p>
             <a:r>
-              <a:rPr lang="en-US" dirty="0" smtClean="0"/>
+              <a:rPr lang="en-US" dirty="0"/>
               <a:t>A tree where each node contains a list of </a:t>
             </a:r>
             <a:r>
-              <a:rPr lang="en-US" dirty="0" err="1" smtClean="0"/>
+              <a:rPr lang="en-US" dirty="0" err="1"/>
               <a:t>subtrees</a:t>
             </a:r>
             <a:r>
-              <a:rPr lang="en-US" dirty="0" smtClean="0"/>
+              <a:rPr lang="en-US" dirty="0"/>
               <a:t> is called a </a:t>
             </a:r>
             <a:r>
-              <a:rPr lang="en-US" i="1" dirty="0" smtClean="0"/>
+              <a:rPr lang="en-US" i="1" dirty="0"/>
               <a:t>multi-way tree</a:t>
             </a:r>
             <a:r>
-              <a:rPr lang="en-US" dirty="0" smtClean="0"/>
+              <a:rPr lang="en-US" dirty="0"/>
               <a:t>, or a </a:t>
             </a:r>
             <a:r>
-              <a:rPr lang="en-US" i="1" dirty="0" smtClean="0"/>
+              <a:rPr lang="en-US" i="1" dirty="0"/>
               <a:t>rose tree</a:t>
             </a:r>
             <a:r>
-              <a:rPr lang="en-US" dirty="0" smtClean="0"/>
+              <a:rPr lang="en-US" dirty="0"/>
               <a:t>.</a:t>
             </a:r>
           </a:p>
           <a:p>
             <a:r>
-              <a:rPr lang="en-US" dirty="0" smtClean="0"/>
+              <a:rPr lang="en-US" dirty="0"/>
               <a:t>Observe that the "base case" is a tree containing an empty list of </a:t>
             </a:r>
             <a:r>
-              <a:rPr lang="en-US" dirty="0" err="1" smtClean="0"/>
+              <a:rPr lang="en-US" dirty="0" err="1"/>
               <a:t>subtrees</a:t>
             </a:r>
             <a:r>
-              <a:rPr lang="en-US" dirty="0" smtClean="0"/>
+              <a:rPr lang="en-US" dirty="0"/>
               <a:t>.</a:t>
             </a:r>
-            <a:endParaRPr lang="en-US" dirty="0"/>
           </a:p>
         </p:txBody>
       </p:sp>
@@ -6810,13 +6689,6 @@
   <p:clrMapOvr>
     <a:masterClrMapping/>
   </p:clrMapOvr>
-  <p:timing>
-    <p:tnLst>
-      <p:par>
-        <p:cTn id="1" dur="indefinite" restart="never" nodeType="tmRoot"/>
-      </p:par>
-    </p:tnLst>
-  </p:timing>
 </p:sld>
 </file>
 
@@ -6853,10 +6725,9 @@
           <a:lstStyle/>
           <a:p>
             <a:r>
-              <a:rPr lang="en-US" dirty="0" smtClean="0"/>
+              <a:rPr lang="en-US" dirty="0"/>
               <a:t>Grandchildren</a:t>
             </a:r>
-            <a:endParaRPr lang="en-US" dirty="0"/>
           </a:p>
         </p:txBody>
       </p:sp>
@@ -6881,7 +6752,7 @@
               <a:buNone/>
             </a:pPr>
             <a:r>
-              <a:rPr lang="en-US" sz="2000" b="1" dirty="0" smtClean="0">
+              <a:rPr lang="en-US" sz="2000" b="1" dirty="0">
                 <a:latin typeface="Consolas" pitchFamily="49" charset="0"/>
                 <a:cs typeface="Consolas" pitchFamily="49" charset="0"/>
               </a:rPr>
@@ -6893,7 +6764,7 @@
               <a:buNone/>
             </a:pPr>
             <a:r>
-              <a:rPr lang="en-US" sz="2000" b="1" dirty="0" smtClean="0">
+              <a:rPr lang="en-US" sz="2000" b="1" dirty="0">
                 <a:latin typeface="Consolas" pitchFamily="49" charset="0"/>
                 <a:cs typeface="Consolas" pitchFamily="49" charset="0"/>
               </a:rPr>
@@ -6905,7 +6776,7 @@
               <a:buNone/>
             </a:pPr>
             <a:r>
-              <a:rPr lang="en-US" sz="2000" b="1" dirty="0" smtClean="0">
+              <a:rPr lang="en-US" sz="2000" b="1" dirty="0">
                 <a:latin typeface="Consolas" pitchFamily="49" charset="0"/>
                 <a:cs typeface="Consolas" pitchFamily="49" charset="0"/>
               </a:rPr>
@@ -6917,7 +6788,7 @@
               <a:buNone/>
             </a:pPr>
             <a:r>
-              <a:rPr lang="en-US" sz="2000" b="1" dirty="0" smtClean="0">
+              <a:rPr lang="en-US" sz="2000" b="1" dirty="0">
                 <a:latin typeface="Consolas" pitchFamily="49" charset="0"/>
                 <a:cs typeface="Consolas" pitchFamily="49" charset="0"/>
               </a:rPr>
@@ -6929,49 +6800,49 @@
               <a:buNone/>
             </a:pPr>
             <a:r>
-              <a:rPr lang="en-US" sz="2000" b="1" dirty="0" smtClean="0">
+              <a:rPr lang="en-US" sz="2000" b="1" dirty="0">
                 <a:latin typeface="Consolas" pitchFamily="49" charset="0"/>
                 <a:cs typeface="Consolas" pitchFamily="49" charset="0"/>
               </a:rPr>
               <a:t>;; EXAMPLE: (grandchildren </a:t>
             </a:r>
             <a:r>
-              <a:rPr lang="en-US" sz="2000" b="1" dirty="0" err="1" smtClean="0">
+              <a:rPr lang="en-US" sz="2000" b="1" dirty="0" err="1">
                 <a:latin typeface="Consolas" pitchFamily="49" charset="0"/>
                 <a:cs typeface="Consolas" pitchFamily="49" charset="0"/>
               </a:rPr>
               <a:t>fred</a:t>
             </a:r>
             <a:r>
-              <a:rPr lang="en-US" sz="2000" b="1" dirty="0" smtClean="0">
+              <a:rPr lang="en-US" sz="2000" b="1" dirty="0">
                 <a:latin typeface="Consolas" pitchFamily="49" charset="0"/>
                 <a:cs typeface="Consolas" pitchFamily="49" charset="0"/>
               </a:rPr>
               <a:t>) = (list </a:t>
             </a:r>
             <a:r>
-              <a:rPr lang="en-US" sz="2000" b="1" dirty="0" err="1" smtClean="0">
+              <a:rPr lang="en-US" sz="2000" b="1" dirty="0" err="1">
                 <a:latin typeface="Consolas" pitchFamily="49" charset="0"/>
                 <a:cs typeface="Consolas" pitchFamily="49" charset="0"/>
               </a:rPr>
               <a:t>alice</a:t>
             </a:r>
             <a:r>
-              <a:rPr lang="en-US" sz="2000" b="1" dirty="0" smtClean="0">
+              <a:rPr lang="en-US" sz="2000" b="1" dirty="0">
                 <a:latin typeface="Consolas" pitchFamily="49" charset="0"/>
                 <a:cs typeface="Consolas" pitchFamily="49" charset="0"/>
               </a:rPr>
               <a:t> bob </a:t>
             </a:r>
             <a:r>
-              <a:rPr lang="en-US" sz="2000" b="1" dirty="0" err="1" smtClean="0">
+              <a:rPr lang="en-US" sz="2000" b="1" dirty="0" err="1">
                 <a:latin typeface="Consolas" pitchFamily="49" charset="0"/>
                 <a:cs typeface="Consolas" pitchFamily="49" charset="0"/>
               </a:rPr>
               <a:t>dave</a:t>
             </a:r>
             <a:r>
-              <a:rPr lang="en-US" sz="2000" b="1" dirty="0" smtClean="0">
+              <a:rPr lang="en-US" sz="2000" b="1" dirty="0">
                 <a:latin typeface="Consolas" pitchFamily="49" charset="0"/>
                 <a:cs typeface="Consolas" pitchFamily="49" charset="0"/>
               </a:rPr>
@@ -6983,7 +6854,7 @@
               <a:buNone/>
             </a:pPr>
             <a:r>
-              <a:rPr lang="en-US" sz="2000" b="1" dirty="0" smtClean="0">
+              <a:rPr lang="en-US" sz="2000" b="1" dirty="0">
                 <a:latin typeface="Consolas" pitchFamily="49" charset="0"/>
                 <a:cs typeface="Consolas" pitchFamily="49" charset="0"/>
               </a:rPr>
@@ -6995,14 +6866,14 @@
               <a:buNone/>
             </a:pPr>
             <a:r>
-              <a:rPr lang="en-US" sz="2000" b="1" dirty="0" smtClean="0">
+              <a:rPr lang="en-US" sz="2000" b="1" dirty="0">
                 <a:latin typeface="Consolas" pitchFamily="49" charset="0"/>
                 <a:cs typeface="Consolas" pitchFamily="49" charset="0"/>
               </a:rPr>
               <a:t>(define (</a:t>
             </a:r>
             <a:r>
-              <a:rPr lang="en-US" sz="2000" b="1" dirty="0" smtClean="0">
+              <a:rPr lang="en-US" sz="2000" b="1" dirty="0">
                 <a:solidFill>
                   <a:srgbClr val="FF0000"/>
                 </a:solidFill>
@@ -7012,7 +6883,7 @@
               <a:t>grandchildren</a:t>
             </a:r>
             <a:r>
-              <a:rPr lang="en-US" sz="2000" b="1" dirty="0" smtClean="0">
+              <a:rPr lang="en-US" sz="2000" b="1" dirty="0">
                 <a:latin typeface="Consolas" pitchFamily="49" charset="0"/>
                 <a:cs typeface="Consolas" pitchFamily="49" charset="0"/>
               </a:rPr>
@@ -7024,16 +6895,12 @@
               <a:buNone/>
             </a:pPr>
             <a:r>
-              <a:rPr lang="en-US" sz="2000" b="1" dirty="0" smtClean="0">
+              <a:rPr lang="en-US" sz="2000" b="1" dirty="0">
                 <a:latin typeface="Consolas" pitchFamily="49" charset="0"/>
                 <a:cs typeface="Consolas" pitchFamily="49" charset="0"/>
               </a:rPr>
               <a:t>  (... (person-children p)))</a:t>
             </a:r>
-            <a:endParaRPr lang="en-US" sz="2000" b="1" dirty="0">
-              <a:latin typeface="Consolas" pitchFamily="49" charset="0"/>
-              <a:cs typeface="Consolas" pitchFamily="49" charset="0"/>
-            </a:endParaRPr>
           </a:p>
         </p:txBody>
       </p:sp>
@@ -7096,7 +6963,7 @@
           <a:p>
             <a:pPr algn="ctr"/>
             <a:r>
-              <a:rPr lang="en-US" dirty="0" smtClean="0">
+              <a:rPr lang="en-US" dirty="0">
                 <a:solidFill>
                   <a:schemeClr val="tx1"/>
                 </a:solidFill>
@@ -7212,7 +7079,7 @@
             <a:p>
               <a:pPr algn="ctr"/>
               <a:r>
-                <a:rPr lang="en-US" dirty="0" smtClean="0">
+                <a:rPr lang="en-US" dirty="0">
                   <a:solidFill>
                     <a:schemeClr val="tx1"/>
                   </a:solidFill>
@@ -7220,7 +7087,7 @@
                 <a:t>Q: Given </a:t>
               </a:r>
               <a:r>
-                <a:rPr lang="en-US" dirty="0" err="1" smtClean="0">
+                <a:rPr lang="en-US" dirty="0" err="1">
                   <a:solidFill>
                     <a:schemeClr val="tx1"/>
                   </a:solidFill>
@@ -7228,7 +7095,7 @@
                 <a:t>p’s</a:t>
               </a:r>
               <a:r>
-                <a:rPr lang="en-US" dirty="0" smtClean="0">
+                <a:rPr lang="en-US" dirty="0">
                   <a:solidFill>
                     <a:schemeClr val="tx1"/>
                   </a:solidFill>
@@ -7236,7 +7103,7 @@
                 <a:t> children, how do we find </a:t>
               </a:r>
               <a:r>
-                <a:rPr lang="en-US" dirty="0" err="1" smtClean="0">
+                <a:rPr lang="en-US" dirty="0" err="1">
                   <a:solidFill>
                     <a:schemeClr val="tx1"/>
                   </a:solidFill>
@@ -7244,7 +7111,7 @@
                 <a:t>p’s</a:t>
               </a:r>
               <a:r>
-                <a:rPr lang="en-US" dirty="0" smtClean="0">
+                <a:rPr lang="en-US" dirty="0">
                   <a:solidFill>
                     <a:schemeClr val="tx1"/>
                   </a:solidFill>
@@ -7475,10 +7342,9 @@
           <a:lstStyle/>
           <a:p>
             <a:r>
-              <a:rPr lang="en-US" dirty="0" smtClean="0"/>
+              <a:rPr lang="en-US" dirty="0"/>
               <a:t>persons-all-children</a:t>
             </a:r>
-            <a:endParaRPr lang="en-US" dirty="0"/>
           </a:p>
         </p:txBody>
       </p:sp>
@@ -7503,7 +7369,7 @@
               <a:buNone/>
             </a:pPr>
             <a:r>
-              <a:rPr lang="en-US" sz="2000" b="1" dirty="0" smtClean="0">
+              <a:rPr lang="en-US" sz="2000" b="1" dirty="0">
                 <a:latin typeface="Consolas" pitchFamily="49" charset="0"/>
                 <a:cs typeface="Consolas" pitchFamily="49" charset="0"/>
               </a:rPr>
@@ -7515,7 +7381,7 @@
               <a:buNone/>
             </a:pPr>
             <a:r>
-              <a:rPr lang="en-US" sz="2000" b="1" dirty="0" smtClean="0">
+              <a:rPr lang="en-US" sz="2000" b="1" dirty="0">
                 <a:latin typeface="Consolas" pitchFamily="49" charset="0"/>
                 <a:cs typeface="Consolas" pitchFamily="49" charset="0"/>
               </a:rPr>
@@ -7527,7 +7393,7 @@
               <a:buNone/>
             </a:pPr>
             <a:r>
-              <a:rPr lang="en-US" sz="2000" b="1" dirty="0" smtClean="0">
+              <a:rPr lang="en-US" sz="2000" b="1" dirty="0">
                 <a:latin typeface="Consolas" pitchFamily="49" charset="0"/>
                 <a:cs typeface="Consolas" pitchFamily="49" charset="0"/>
               </a:rPr>
@@ -7539,35 +7405,35 @@
               <a:buNone/>
             </a:pPr>
             <a:r>
-              <a:rPr lang="en-US" sz="2000" b="1" dirty="0" smtClean="0">
+              <a:rPr lang="en-US" sz="2000" b="1" dirty="0">
                 <a:latin typeface="Consolas" pitchFamily="49" charset="0"/>
                 <a:cs typeface="Consolas" pitchFamily="49" charset="0"/>
               </a:rPr>
               <a:t>;; (persons-all-children (list </a:t>
             </a:r>
             <a:r>
-              <a:rPr lang="en-US" sz="2000" b="1" dirty="0" err="1" smtClean="0">
+              <a:rPr lang="en-US" sz="2000" b="1" dirty="0" err="1">
                 <a:latin typeface="Consolas" pitchFamily="49" charset="0"/>
                 <a:cs typeface="Consolas" pitchFamily="49" charset="0"/>
               </a:rPr>
               <a:t>fred</a:t>
             </a:r>
             <a:r>
-              <a:rPr lang="en-US" sz="2000" b="1" dirty="0" smtClean="0">
+              <a:rPr lang="en-US" sz="2000" b="1" dirty="0">
                 <a:latin typeface="Consolas" pitchFamily="49" charset="0"/>
                 <a:cs typeface="Consolas" pitchFamily="49" charset="0"/>
               </a:rPr>
               <a:t> </a:t>
             </a:r>
             <a:r>
-              <a:rPr lang="en-US" sz="2000" b="1" dirty="0" err="1" smtClean="0">
+              <a:rPr lang="en-US" sz="2000" b="1" dirty="0" err="1">
                 <a:latin typeface="Consolas" pitchFamily="49" charset="0"/>
                 <a:cs typeface="Consolas" pitchFamily="49" charset="0"/>
               </a:rPr>
               <a:t>eddie</a:t>
             </a:r>
             <a:r>
-              <a:rPr lang="en-US" sz="2000" b="1" dirty="0" smtClean="0">
+              <a:rPr lang="en-US" sz="2000" b="1" dirty="0">
                 <a:latin typeface="Consolas" pitchFamily="49" charset="0"/>
                 <a:cs typeface="Consolas" pitchFamily="49" charset="0"/>
               </a:rPr>
@@ -7579,35 +7445,35 @@
               <a:buNone/>
             </a:pPr>
             <a:r>
-              <a:rPr lang="en-US" sz="2000" b="1" dirty="0" smtClean="0">
+              <a:rPr lang="en-US" sz="2000" b="1" dirty="0">
                 <a:latin typeface="Consolas" pitchFamily="49" charset="0"/>
                 <a:cs typeface="Consolas" pitchFamily="49" charset="0"/>
               </a:rPr>
               <a:t>;;  = (list chuck </a:t>
             </a:r>
             <a:r>
-              <a:rPr lang="en-US" sz="2000" b="1" dirty="0" err="1" smtClean="0">
+              <a:rPr lang="en-US" sz="2000" b="1" dirty="0" err="1">
                 <a:latin typeface="Consolas" pitchFamily="49" charset="0"/>
                 <a:cs typeface="Consolas" pitchFamily="49" charset="0"/>
               </a:rPr>
               <a:t>eddie</a:t>
             </a:r>
             <a:r>
-              <a:rPr lang="en-US" sz="2000" b="1" dirty="0" smtClean="0">
+              <a:rPr lang="en-US" sz="2000" b="1" dirty="0">
                 <a:latin typeface="Consolas" pitchFamily="49" charset="0"/>
                 <a:cs typeface="Consolas" pitchFamily="49" charset="0"/>
               </a:rPr>
               <a:t> </a:t>
             </a:r>
             <a:r>
-              <a:rPr lang="en-US" sz="2000" b="1" dirty="0" err="1" smtClean="0">
+              <a:rPr lang="en-US" sz="2000" b="1" dirty="0" err="1">
                 <a:latin typeface="Consolas" pitchFamily="49" charset="0"/>
                 <a:cs typeface="Consolas" pitchFamily="49" charset="0"/>
               </a:rPr>
               <a:t>dave</a:t>
             </a:r>
             <a:r>
-              <a:rPr lang="en-US" sz="2000" b="1" dirty="0" smtClean="0">
+              <a:rPr lang="en-US" sz="2000" b="1" dirty="0">
                 <a:latin typeface="Consolas" pitchFamily="49" charset="0"/>
                 <a:cs typeface="Consolas" pitchFamily="49" charset="0"/>
               </a:rPr>
@@ -7619,14 +7485,14 @@
               <a:buNone/>
             </a:pPr>
             <a:r>
-              <a:rPr lang="en-US" sz="2000" b="1" dirty="0" smtClean="0">
+              <a:rPr lang="en-US" sz="2000" b="1" dirty="0">
                 <a:latin typeface="Consolas" pitchFamily="49" charset="0"/>
                 <a:cs typeface="Consolas" pitchFamily="49" charset="0"/>
               </a:rPr>
               <a:t>(define (</a:t>
             </a:r>
             <a:r>
-              <a:rPr lang="en-US" sz="2000" b="1" dirty="0" smtClean="0">
+              <a:rPr lang="en-US" sz="2000" b="1" dirty="0">
                 <a:solidFill>
                   <a:schemeClr val="accent1"/>
                 </a:solidFill>
@@ -7636,21 +7502,21 @@
               <a:t>persons-all-children</a:t>
             </a:r>
             <a:r>
-              <a:rPr lang="en-US" sz="2000" b="1" dirty="0" smtClean="0">
+              <a:rPr lang="en-US" sz="2000" b="1" dirty="0">
                 <a:latin typeface="Consolas" pitchFamily="49" charset="0"/>
                 <a:cs typeface="Consolas" pitchFamily="49" charset="0"/>
               </a:rPr>
               <a:t> </a:t>
             </a:r>
             <a:r>
-              <a:rPr lang="en-US" sz="2000" b="1" dirty="0" err="1" smtClean="0">
+              <a:rPr lang="en-US" sz="2000" b="1" dirty="0" err="1">
                 <a:latin typeface="Consolas" pitchFamily="49" charset="0"/>
                 <a:cs typeface="Consolas" pitchFamily="49" charset="0"/>
               </a:rPr>
               <a:t>ps</a:t>
             </a:r>
             <a:r>
-              <a:rPr lang="en-US" sz="2000" b="1" dirty="0" smtClean="0">
+              <a:rPr lang="en-US" sz="2000" b="1" dirty="0">
                 <a:latin typeface="Consolas" pitchFamily="49" charset="0"/>
                 <a:cs typeface="Consolas" pitchFamily="49" charset="0"/>
               </a:rPr>
@@ -7662,161 +7528,157 @@
               <a:buNone/>
             </a:pPr>
             <a:r>
-              <a:rPr lang="en-US" sz="2000" b="1" dirty="0" smtClean="0">
+              <a:rPr lang="en-US" sz="2000" b="1" dirty="0">
                 <a:latin typeface="Consolas" pitchFamily="49" charset="0"/>
                 <a:cs typeface="Consolas" pitchFamily="49" charset="0"/>
               </a:rPr>
               <a:t>  (</a:t>
             </a:r>
             <a:r>
-              <a:rPr lang="en-US" sz="2000" b="1" dirty="0" err="1" smtClean="0">
+              <a:rPr lang="en-US" sz="2000" b="1" dirty="0" err="1">
                 <a:latin typeface="Consolas" pitchFamily="49" charset="0"/>
                 <a:cs typeface="Consolas" pitchFamily="49" charset="0"/>
               </a:rPr>
               <a:t>cond</a:t>
-            </a:r>
-            <a:endParaRPr lang="en-US" sz="2000" b="1" dirty="0" smtClean="0">
-              <a:latin typeface="Consolas" pitchFamily="49" charset="0"/>
-              <a:cs typeface="Consolas" pitchFamily="49" charset="0"/>
-            </a:endParaRPr>
-          </a:p>
-          <a:p>
-            <a:pPr>
-              <a:buNone/>
-            </a:pPr>
-            <a:r>
-              <a:rPr lang="en-US" sz="2000" b="1" dirty="0" smtClean="0">
-                <a:latin typeface="Consolas" pitchFamily="49" charset="0"/>
-                <a:cs typeface="Consolas" pitchFamily="49" charset="0"/>
-              </a:rPr>
-              <a:t>    [(empty? </a:t>
-            </a:r>
-            <a:r>
-              <a:rPr lang="en-US" sz="2000" b="1" dirty="0" err="1" smtClean="0">
-                <a:latin typeface="Consolas" pitchFamily="49" charset="0"/>
-                <a:cs typeface="Consolas" pitchFamily="49" charset="0"/>
-              </a:rPr>
-              <a:t>ps</a:t>
-            </a:r>
-            <a:r>
-              <a:rPr lang="en-US" sz="2000" b="1" dirty="0" smtClean="0">
-                <a:latin typeface="Consolas" pitchFamily="49" charset="0"/>
-                <a:cs typeface="Consolas" pitchFamily="49" charset="0"/>
-              </a:rPr>
-              <a:t>) </a:t>
-            </a:r>
-            <a:r>
-              <a:rPr lang="en-US" sz="2000" b="1" dirty="0" smtClean="0">
-                <a:solidFill>
-                  <a:srgbClr val="FF0000"/>
-                </a:solidFill>
-                <a:latin typeface="Consolas" pitchFamily="49" charset="0"/>
-                <a:cs typeface="Consolas" pitchFamily="49" charset="0"/>
-              </a:rPr>
-              <a:t>empty</a:t>
-            </a:r>
-            <a:r>
-              <a:rPr lang="en-US" sz="2000" b="1" dirty="0" smtClean="0">
-                <a:latin typeface="Consolas" pitchFamily="49" charset="0"/>
-                <a:cs typeface="Consolas" pitchFamily="49" charset="0"/>
-              </a:rPr>
-              <a:t>]</a:t>
-            </a:r>
-          </a:p>
-          <a:p>
-            <a:pPr>
-              <a:buNone/>
-            </a:pPr>
-            <a:r>
-              <a:rPr lang="en-US" sz="2000" b="1" dirty="0" smtClean="0">
-                <a:latin typeface="Consolas" pitchFamily="49" charset="0"/>
-                <a:cs typeface="Consolas" pitchFamily="49" charset="0"/>
-              </a:rPr>
-              <a:t>    [else (</a:t>
-            </a:r>
-            <a:r>
-              <a:rPr lang="en-US" sz="2000" b="1" dirty="0" smtClean="0">
-                <a:solidFill>
-                  <a:srgbClr val="FF0000"/>
-                </a:solidFill>
-                <a:latin typeface="Consolas" pitchFamily="49" charset="0"/>
-                <a:cs typeface="Consolas" pitchFamily="49" charset="0"/>
-              </a:rPr>
-              <a:t>append</a:t>
-            </a:r>
-          </a:p>
-          <a:p>
-            <a:pPr>
-              <a:buNone/>
-            </a:pPr>
-            <a:r>
-              <a:rPr lang="en-US" sz="2000" b="1" dirty="0" smtClean="0">
-                <a:latin typeface="Consolas" pitchFamily="49" charset="0"/>
-                <a:cs typeface="Consolas" pitchFamily="49" charset="0"/>
-              </a:rPr>
-              <a:t>           (person-children (first </a:t>
-            </a:r>
-            <a:r>
-              <a:rPr lang="en-US" sz="2000" b="1" dirty="0" err="1" smtClean="0">
-                <a:latin typeface="Consolas" pitchFamily="49" charset="0"/>
-                <a:cs typeface="Consolas" pitchFamily="49" charset="0"/>
-              </a:rPr>
-              <a:t>ps</a:t>
-            </a:r>
-            <a:r>
-              <a:rPr lang="en-US" sz="2000" b="1" dirty="0" smtClean="0">
-                <a:latin typeface="Consolas" pitchFamily="49" charset="0"/>
-                <a:cs typeface="Consolas" pitchFamily="49" charset="0"/>
-              </a:rPr>
-              <a:t>))</a:t>
-            </a:r>
-          </a:p>
-          <a:p>
-            <a:pPr>
-              <a:buNone/>
-            </a:pPr>
-            <a:r>
-              <a:rPr lang="en-US" sz="2000" b="1" dirty="0" smtClean="0">
-                <a:latin typeface="Consolas" pitchFamily="49" charset="0"/>
-                <a:cs typeface="Consolas" pitchFamily="49" charset="0"/>
-              </a:rPr>
-              <a:t>           (</a:t>
-            </a:r>
-            <a:r>
-              <a:rPr lang="en-US" sz="2000" b="1" dirty="0" smtClean="0">
-                <a:solidFill>
-                  <a:schemeClr val="accent1"/>
-                </a:solidFill>
-                <a:latin typeface="Consolas" pitchFamily="49" charset="0"/>
-                <a:cs typeface="Consolas" pitchFamily="49" charset="0"/>
-              </a:rPr>
-              <a:t>persons-all-children</a:t>
-            </a:r>
-            <a:r>
-              <a:rPr lang="en-US" sz="2000" b="1" dirty="0" smtClean="0">
-                <a:latin typeface="Consolas" pitchFamily="49" charset="0"/>
-                <a:cs typeface="Consolas" pitchFamily="49" charset="0"/>
-              </a:rPr>
-              <a:t> (rest </a:t>
-            </a:r>
-            <a:r>
-              <a:rPr lang="en-US" sz="2000" b="1" dirty="0" err="1" smtClean="0">
-                <a:latin typeface="Consolas" pitchFamily="49" charset="0"/>
-                <a:cs typeface="Consolas" pitchFamily="49" charset="0"/>
-              </a:rPr>
-              <a:t>ps</a:t>
-            </a:r>
-            <a:r>
-              <a:rPr lang="en-US" sz="2000" b="1" dirty="0" smtClean="0">
-                <a:latin typeface="Consolas" pitchFamily="49" charset="0"/>
-                <a:cs typeface="Consolas" pitchFamily="49" charset="0"/>
-              </a:rPr>
-              <a:t>)))]))</a:t>
             </a:r>
             <a:endParaRPr lang="en-US" sz="2000" b="1" dirty="0">
               <a:latin typeface="Consolas" pitchFamily="49" charset="0"/>
               <a:cs typeface="Consolas" pitchFamily="49" charset="0"/>
             </a:endParaRPr>
+          </a:p>
+          <a:p>
+            <a:pPr>
+              <a:buNone/>
+            </a:pPr>
+            <a:r>
+              <a:rPr lang="en-US" sz="2000" b="1" dirty="0">
+                <a:latin typeface="Consolas" pitchFamily="49" charset="0"/>
+                <a:cs typeface="Consolas" pitchFamily="49" charset="0"/>
+              </a:rPr>
+              <a:t>    [(empty? </a:t>
+            </a:r>
+            <a:r>
+              <a:rPr lang="en-US" sz="2000" b="1" dirty="0" err="1">
+                <a:latin typeface="Consolas" pitchFamily="49" charset="0"/>
+                <a:cs typeface="Consolas" pitchFamily="49" charset="0"/>
+              </a:rPr>
+              <a:t>ps</a:t>
+            </a:r>
+            <a:r>
+              <a:rPr lang="en-US" sz="2000" b="1" dirty="0">
+                <a:latin typeface="Consolas" pitchFamily="49" charset="0"/>
+                <a:cs typeface="Consolas" pitchFamily="49" charset="0"/>
+              </a:rPr>
+              <a:t>) </a:t>
+            </a:r>
+            <a:r>
+              <a:rPr lang="en-US" sz="2000" b="1" dirty="0">
+                <a:solidFill>
+                  <a:srgbClr val="FF0000"/>
+                </a:solidFill>
+                <a:latin typeface="Consolas" pitchFamily="49" charset="0"/>
+                <a:cs typeface="Consolas" pitchFamily="49" charset="0"/>
+              </a:rPr>
+              <a:t>empty</a:t>
+            </a:r>
+            <a:r>
+              <a:rPr lang="en-US" sz="2000" b="1" dirty="0">
+                <a:latin typeface="Consolas" pitchFamily="49" charset="0"/>
+                <a:cs typeface="Consolas" pitchFamily="49" charset="0"/>
+              </a:rPr>
+              <a:t>]</a:t>
+            </a:r>
+          </a:p>
+          <a:p>
+            <a:pPr>
+              <a:buNone/>
+            </a:pPr>
+            <a:r>
+              <a:rPr lang="en-US" sz="2000" b="1" dirty="0">
+                <a:latin typeface="Consolas" pitchFamily="49" charset="0"/>
+                <a:cs typeface="Consolas" pitchFamily="49" charset="0"/>
+              </a:rPr>
+              <a:t>    [else (</a:t>
+            </a:r>
+            <a:r>
+              <a:rPr lang="en-US" sz="2000" b="1" dirty="0">
+                <a:solidFill>
+                  <a:srgbClr val="FF0000"/>
+                </a:solidFill>
+                <a:latin typeface="Consolas" pitchFamily="49" charset="0"/>
+                <a:cs typeface="Consolas" pitchFamily="49" charset="0"/>
+              </a:rPr>
+              <a:t>append</a:t>
+            </a:r>
+          </a:p>
+          <a:p>
+            <a:pPr>
+              <a:buNone/>
+            </a:pPr>
+            <a:r>
+              <a:rPr lang="en-US" sz="2000" b="1" dirty="0">
+                <a:latin typeface="Consolas" pitchFamily="49" charset="0"/>
+                <a:cs typeface="Consolas" pitchFamily="49" charset="0"/>
+              </a:rPr>
+              <a:t>           (person-children (first </a:t>
+            </a:r>
+            <a:r>
+              <a:rPr lang="en-US" sz="2000" b="1" dirty="0" err="1">
+                <a:latin typeface="Consolas" pitchFamily="49" charset="0"/>
+                <a:cs typeface="Consolas" pitchFamily="49" charset="0"/>
+              </a:rPr>
+              <a:t>ps</a:t>
+            </a:r>
+            <a:r>
+              <a:rPr lang="en-US" sz="2000" b="1" dirty="0">
+                <a:latin typeface="Consolas" pitchFamily="49" charset="0"/>
+                <a:cs typeface="Consolas" pitchFamily="49" charset="0"/>
+              </a:rPr>
+              <a:t>))</a:t>
+            </a:r>
+          </a:p>
+          <a:p>
+            <a:pPr>
+              <a:buNone/>
+            </a:pPr>
+            <a:r>
+              <a:rPr lang="en-US" sz="2000" b="1" dirty="0">
+                <a:latin typeface="Consolas" pitchFamily="49" charset="0"/>
+                <a:cs typeface="Consolas" pitchFamily="49" charset="0"/>
+              </a:rPr>
+              <a:t>           (</a:t>
+            </a:r>
+            <a:r>
+              <a:rPr lang="en-US" sz="2000" b="1" dirty="0">
+                <a:solidFill>
+                  <a:schemeClr val="accent1"/>
+                </a:solidFill>
+                <a:latin typeface="Consolas" pitchFamily="49" charset="0"/>
+                <a:cs typeface="Consolas" pitchFamily="49" charset="0"/>
+              </a:rPr>
+              <a:t>persons-all-children</a:t>
+            </a:r>
+            <a:r>
+              <a:rPr lang="en-US" sz="2000" b="1" dirty="0">
+                <a:latin typeface="Consolas" pitchFamily="49" charset="0"/>
+                <a:cs typeface="Consolas" pitchFamily="49" charset="0"/>
+              </a:rPr>
+              <a:t> (rest </a:t>
+            </a:r>
+            <a:r>
+              <a:rPr lang="en-US" sz="2000" b="1" dirty="0" err="1">
+                <a:latin typeface="Consolas" pitchFamily="49" charset="0"/>
+                <a:cs typeface="Consolas" pitchFamily="49" charset="0"/>
+              </a:rPr>
+              <a:t>ps</a:t>
+            </a:r>
+            <a:r>
+              <a:rPr lang="en-US" sz="2000" b="1" dirty="0">
+                <a:latin typeface="Consolas" pitchFamily="49" charset="0"/>
+                <a:cs typeface="Consolas" pitchFamily="49" charset="0"/>
+              </a:rPr>
+              <a:t>)))]))</a:t>
+            </a:r>
           </a:p>
         </p:txBody>
       </p:sp>
@@ -7879,7 +7741,7 @@
           <a:p>
             <a:pPr algn="ctr"/>
             <a:r>
-              <a:rPr lang="en-US" dirty="0" smtClean="0">
+              <a:rPr lang="en-US" dirty="0">
                 <a:solidFill>
                   <a:schemeClr val="tx1"/>
                 </a:solidFill>
@@ -8053,7 +7915,7 @@
               <a:buNone/>
             </a:pPr>
             <a:r>
-              <a:rPr lang="en-US" sz="2000" b="1" dirty="0" smtClean="0">
+              <a:rPr lang="en-US" sz="2000" b="1" dirty="0">
                 <a:latin typeface="Consolas" pitchFamily="49" charset="0"/>
                 <a:cs typeface="Consolas" pitchFamily="49" charset="0"/>
               </a:rPr>
@@ -8066,7 +7928,7 @@
               <a:buNone/>
             </a:pPr>
             <a:r>
-              <a:rPr lang="en-US" sz="2000" b="1" dirty="0" smtClean="0">
+              <a:rPr lang="en-US" sz="2000" b="1" dirty="0">
                 <a:latin typeface="Consolas" pitchFamily="49" charset="0"/>
                 <a:cs typeface="Consolas" pitchFamily="49" charset="0"/>
               </a:rPr>
@@ -8079,7 +7941,7 @@
               <a:buNone/>
             </a:pPr>
             <a:r>
-              <a:rPr lang="en-US" sz="2000" b="1" dirty="0" smtClean="0">
+              <a:rPr lang="en-US" sz="2000" b="1" dirty="0">
                 <a:latin typeface="Consolas" pitchFamily="49" charset="0"/>
                 <a:cs typeface="Consolas" pitchFamily="49" charset="0"/>
               </a:rPr>
@@ -8092,35 +7954,35 @@
               <a:buNone/>
             </a:pPr>
             <a:r>
-              <a:rPr lang="en-US" sz="2000" b="1" dirty="0" smtClean="0">
+              <a:rPr lang="en-US" sz="2000" b="1" dirty="0">
                 <a:latin typeface="Consolas" pitchFamily="49" charset="0"/>
                 <a:cs typeface="Consolas" pitchFamily="49" charset="0"/>
               </a:rPr>
               <a:t>;; (persons-all-children (list </a:t>
             </a:r>
             <a:r>
-              <a:rPr lang="en-US" sz="2000" b="1" dirty="0" err="1" smtClean="0">
+              <a:rPr lang="en-US" sz="2000" b="1" dirty="0" err="1">
                 <a:latin typeface="Consolas" pitchFamily="49" charset="0"/>
                 <a:cs typeface="Consolas" pitchFamily="49" charset="0"/>
               </a:rPr>
               <a:t>fred</a:t>
             </a:r>
             <a:r>
-              <a:rPr lang="en-US" sz="2000" b="1" dirty="0" smtClean="0">
+              <a:rPr lang="en-US" sz="2000" b="1" dirty="0">
                 <a:latin typeface="Consolas" pitchFamily="49" charset="0"/>
                 <a:cs typeface="Consolas" pitchFamily="49" charset="0"/>
               </a:rPr>
               <a:t> </a:t>
             </a:r>
             <a:r>
-              <a:rPr lang="en-US" sz="2000" b="1" dirty="0" err="1" smtClean="0">
+              <a:rPr lang="en-US" sz="2000" b="1" dirty="0" err="1">
                 <a:latin typeface="Consolas" pitchFamily="49" charset="0"/>
                 <a:cs typeface="Consolas" pitchFamily="49" charset="0"/>
               </a:rPr>
               <a:t>eddie</a:t>
             </a:r>
             <a:r>
-              <a:rPr lang="en-US" sz="2000" b="1" dirty="0" smtClean="0">
+              <a:rPr lang="en-US" sz="2000" b="1" dirty="0">
                 <a:latin typeface="Consolas" pitchFamily="49" charset="0"/>
                 <a:cs typeface="Consolas" pitchFamily="49" charset="0"/>
               </a:rPr>
@@ -8133,35 +7995,35 @@
               <a:buNone/>
             </a:pPr>
             <a:r>
-              <a:rPr lang="en-US" sz="2000" b="1" dirty="0" smtClean="0">
+              <a:rPr lang="en-US" sz="2000" b="1" dirty="0">
                 <a:latin typeface="Consolas" pitchFamily="49" charset="0"/>
                 <a:cs typeface="Consolas" pitchFamily="49" charset="0"/>
               </a:rPr>
               <a:t>;;  = (list chuck </a:t>
             </a:r>
             <a:r>
-              <a:rPr lang="en-US" sz="2000" b="1" dirty="0" err="1" smtClean="0">
+              <a:rPr lang="en-US" sz="2000" b="1" dirty="0" err="1">
                 <a:latin typeface="Consolas" pitchFamily="49" charset="0"/>
                 <a:cs typeface="Consolas" pitchFamily="49" charset="0"/>
               </a:rPr>
               <a:t>eddie</a:t>
             </a:r>
             <a:r>
-              <a:rPr lang="en-US" sz="2000" b="1" dirty="0" smtClean="0">
+              <a:rPr lang="en-US" sz="2000" b="1" dirty="0">
                 <a:latin typeface="Consolas" pitchFamily="49" charset="0"/>
                 <a:cs typeface="Consolas" pitchFamily="49" charset="0"/>
               </a:rPr>
               <a:t> </a:t>
             </a:r>
             <a:r>
-              <a:rPr lang="en-US" sz="2000" b="1" dirty="0" err="1" smtClean="0">
+              <a:rPr lang="en-US" sz="2000" b="1" dirty="0" err="1">
                 <a:latin typeface="Consolas" pitchFamily="49" charset="0"/>
                 <a:cs typeface="Consolas" pitchFamily="49" charset="0"/>
               </a:rPr>
               <a:t>dave</a:t>
             </a:r>
             <a:r>
-              <a:rPr lang="en-US" sz="2000" b="1" dirty="0" smtClean="0">
+              <a:rPr lang="en-US" sz="2000" b="1" dirty="0">
                 <a:latin typeface="Consolas" pitchFamily="49" charset="0"/>
                 <a:cs typeface="Consolas" pitchFamily="49" charset="0"/>
               </a:rPr>
@@ -8174,14 +8036,14 @@
               <a:buNone/>
             </a:pPr>
             <a:r>
-              <a:rPr lang="en-US" sz="2000" b="1" dirty="0" smtClean="0">
+              <a:rPr lang="en-US" sz="2000" b="1" dirty="0">
                 <a:latin typeface="Consolas" pitchFamily="49" charset="0"/>
                 <a:cs typeface="Consolas" pitchFamily="49" charset="0"/>
               </a:rPr>
               <a:t>(define (</a:t>
             </a:r>
             <a:r>
-              <a:rPr lang="en-US" sz="2000" b="1" dirty="0" smtClean="0">
+              <a:rPr lang="en-US" sz="2000" b="1" dirty="0">
                 <a:solidFill>
                   <a:schemeClr val="accent1"/>
                 </a:solidFill>
@@ -8191,21 +8053,21 @@
               <a:t>persons-all-children</a:t>
             </a:r>
             <a:r>
-              <a:rPr lang="en-US" sz="2000" b="1" dirty="0" smtClean="0">
+              <a:rPr lang="en-US" sz="2000" b="1" dirty="0">
                 <a:latin typeface="Consolas" pitchFamily="49" charset="0"/>
                 <a:cs typeface="Consolas" pitchFamily="49" charset="0"/>
               </a:rPr>
               <a:t> </a:t>
             </a:r>
             <a:r>
-              <a:rPr lang="en-US" sz="2000" b="1" dirty="0" err="1" smtClean="0">
+              <a:rPr lang="en-US" sz="2000" b="1" dirty="0" err="1">
                 <a:latin typeface="Consolas" pitchFamily="49" charset="0"/>
                 <a:cs typeface="Consolas" pitchFamily="49" charset="0"/>
               </a:rPr>
               <a:t>ps</a:t>
             </a:r>
             <a:r>
-              <a:rPr lang="en-US" sz="2000" b="1" dirty="0" smtClean="0">
+              <a:rPr lang="en-US" sz="2000" b="1" dirty="0">
                 <a:latin typeface="Consolas" pitchFamily="49" charset="0"/>
                 <a:cs typeface="Consolas" pitchFamily="49" charset="0"/>
               </a:rPr>
@@ -8218,165 +8080,161 @@
               <a:buNone/>
             </a:pPr>
             <a:r>
-              <a:rPr lang="en-US" sz="2000" b="1" dirty="0" smtClean="0">
+              <a:rPr lang="en-US" sz="2000" b="1" dirty="0">
                 <a:latin typeface="Consolas" pitchFamily="49" charset="0"/>
                 <a:cs typeface="Consolas" pitchFamily="49" charset="0"/>
               </a:rPr>
               <a:t>  (</a:t>
             </a:r>
             <a:r>
-              <a:rPr lang="en-US" sz="2000" b="1" dirty="0" err="1" smtClean="0">
+              <a:rPr lang="en-US" sz="2000" b="1" dirty="0" err="1">
                 <a:latin typeface="Consolas" pitchFamily="49" charset="0"/>
                 <a:cs typeface="Consolas" pitchFamily="49" charset="0"/>
               </a:rPr>
               <a:t>cond</a:t>
-            </a:r>
-            <a:endParaRPr lang="en-US" sz="2000" b="1" dirty="0" smtClean="0">
-              <a:latin typeface="Consolas" pitchFamily="49" charset="0"/>
-              <a:cs typeface="Consolas" pitchFamily="49" charset="0"/>
-            </a:endParaRPr>
-          </a:p>
-          <a:p>
-            <a:pPr>
-              <a:buFont typeface="Arial" pitchFamily="34" charset="0"/>
-              <a:buNone/>
-            </a:pPr>
-            <a:r>
-              <a:rPr lang="en-US" sz="2000" b="1" dirty="0" smtClean="0">
-                <a:latin typeface="Consolas" pitchFamily="49" charset="0"/>
-                <a:cs typeface="Consolas" pitchFamily="49" charset="0"/>
-              </a:rPr>
-              <a:t>    [(empty? </a:t>
-            </a:r>
-            <a:r>
-              <a:rPr lang="en-US" sz="2000" b="1" dirty="0" err="1" smtClean="0">
-                <a:latin typeface="Consolas" pitchFamily="49" charset="0"/>
-                <a:cs typeface="Consolas" pitchFamily="49" charset="0"/>
-              </a:rPr>
-              <a:t>ps</a:t>
-            </a:r>
-            <a:r>
-              <a:rPr lang="en-US" sz="2000" b="1" dirty="0" smtClean="0">
-                <a:latin typeface="Consolas" pitchFamily="49" charset="0"/>
-                <a:cs typeface="Consolas" pitchFamily="49" charset="0"/>
-              </a:rPr>
-              <a:t>) </a:t>
-            </a:r>
-            <a:r>
-              <a:rPr lang="en-US" sz="2000" b="1" dirty="0" smtClean="0">
-                <a:solidFill>
-                  <a:srgbClr val="FF0000"/>
-                </a:solidFill>
-                <a:latin typeface="Consolas" pitchFamily="49" charset="0"/>
-                <a:cs typeface="Consolas" pitchFamily="49" charset="0"/>
-              </a:rPr>
-              <a:t>...  </a:t>
-            </a:r>
-            <a:r>
-              <a:rPr lang="en-US" sz="2000" b="1" dirty="0" smtClean="0">
-                <a:latin typeface="Consolas" pitchFamily="49" charset="0"/>
-                <a:cs typeface="Consolas" pitchFamily="49" charset="0"/>
-              </a:rPr>
-              <a:t>]</a:t>
-            </a:r>
-          </a:p>
-          <a:p>
-            <a:pPr>
-              <a:buFont typeface="Arial" pitchFamily="34" charset="0"/>
-              <a:buNone/>
-            </a:pPr>
-            <a:r>
-              <a:rPr lang="en-US" sz="2000" b="1" dirty="0" smtClean="0">
-                <a:latin typeface="Consolas" pitchFamily="49" charset="0"/>
-                <a:cs typeface="Consolas" pitchFamily="49" charset="0"/>
-              </a:rPr>
-              <a:t>    [else (</a:t>
-            </a:r>
-            <a:r>
-              <a:rPr lang="en-US" sz="2000" b="1" dirty="0" smtClean="0">
-                <a:solidFill>
-                  <a:srgbClr val="FF0000"/>
-                </a:solidFill>
-                <a:latin typeface="Consolas" pitchFamily="49" charset="0"/>
-                <a:cs typeface="Consolas" pitchFamily="49" charset="0"/>
-              </a:rPr>
-              <a:t>...</a:t>
-            </a:r>
-          </a:p>
-          <a:p>
-            <a:pPr>
-              <a:buFont typeface="Arial" pitchFamily="34" charset="0"/>
-              <a:buNone/>
-            </a:pPr>
-            <a:r>
-              <a:rPr lang="en-US" sz="2000" b="1" dirty="0" smtClean="0">
-                <a:latin typeface="Consolas" pitchFamily="49" charset="0"/>
-                <a:cs typeface="Consolas" pitchFamily="49" charset="0"/>
-              </a:rPr>
-              <a:t>           (person-children (first </a:t>
-            </a:r>
-            <a:r>
-              <a:rPr lang="en-US" sz="2000" b="1" dirty="0" err="1" smtClean="0">
-                <a:latin typeface="Consolas" pitchFamily="49" charset="0"/>
-                <a:cs typeface="Consolas" pitchFamily="49" charset="0"/>
-              </a:rPr>
-              <a:t>ps</a:t>
-            </a:r>
-            <a:r>
-              <a:rPr lang="en-US" sz="2000" b="1" dirty="0" smtClean="0">
-                <a:latin typeface="Consolas" pitchFamily="49" charset="0"/>
-                <a:cs typeface="Consolas" pitchFamily="49" charset="0"/>
-              </a:rPr>
-              <a:t>))</a:t>
-            </a:r>
-          </a:p>
-          <a:p>
-            <a:pPr>
-              <a:buFont typeface="Arial" pitchFamily="34" charset="0"/>
-              <a:buNone/>
-            </a:pPr>
-            <a:r>
-              <a:rPr lang="en-US" sz="2000" b="1" dirty="0" smtClean="0">
-                <a:latin typeface="Consolas" pitchFamily="49" charset="0"/>
-                <a:cs typeface="Consolas" pitchFamily="49" charset="0"/>
-              </a:rPr>
-              <a:t>           (</a:t>
-            </a:r>
-            <a:r>
-              <a:rPr lang="en-US" sz="2000" b="1" dirty="0" smtClean="0">
-                <a:solidFill>
-                  <a:schemeClr val="accent1"/>
-                </a:solidFill>
-                <a:latin typeface="Consolas" pitchFamily="49" charset="0"/>
-                <a:cs typeface="Consolas" pitchFamily="49" charset="0"/>
-              </a:rPr>
-              <a:t>persons-all-children</a:t>
-            </a:r>
-            <a:r>
-              <a:rPr lang="en-US" sz="2000" b="1" dirty="0" smtClean="0">
-                <a:latin typeface="Consolas" pitchFamily="49" charset="0"/>
-                <a:cs typeface="Consolas" pitchFamily="49" charset="0"/>
-              </a:rPr>
-              <a:t> (rest </a:t>
-            </a:r>
-            <a:r>
-              <a:rPr lang="en-US" sz="2000" b="1" dirty="0" err="1" smtClean="0">
-                <a:latin typeface="Consolas" pitchFamily="49" charset="0"/>
-                <a:cs typeface="Consolas" pitchFamily="49" charset="0"/>
-              </a:rPr>
-              <a:t>ps</a:t>
-            </a:r>
-            <a:r>
-              <a:rPr lang="en-US" sz="2000" b="1" dirty="0" smtClean="0">
-                <a:latin typeface="Consolas" pitchFamily="49" charset="0"/>
-                <a:cs typeface="Consolas" pitchFamily="49" charset="0"/>
-              </a:rPr>
-              <a:t>)))]))</a:t>
             </a:r>
             <a:endParaRPr lang="en-US" sz="2000" b="1" dirty="0">
               <a:latin typeface="Consolas" pitchFamily="49" charset="0"/>
               <a:cs typeface="Consolas" pitchFamily="49" charset="0"/>
             </a:endParaRPr>
+          </a:p>
+          <a:p>
+            <a:pPr>
+              <a:buFont typeface="Arial" pitchFamily="34" charset="0"/>
+              <a:buNone/>
+            </a:pPr>
+            <a:r>
+              <a:rPr lang="en-US" sz="2000" b="1" dirty="0">
+                <a:latin typeface="Consolas" pitchFamily="49" charset="0"/>
+                <a:cs typeface="Consolas" pitchFamily="49" charset="0"/>
+              </a:rPr>
+              <a:t>    [(empty? </a:t>
+            </a:r>
+            <a:r>
+              <a:rPr lang="en-US" sz="2000" b="1" dirty="0" err="1">
+                <a:latin typeface="Consolas" pitchFamily="49" charset="0"/>
+                <a:cs typeface="Consolas" pitchFamily="49" charset="0"/>
+              </a:rPr>
+              <a:t>ps</a:t>
+            </a:r>
+            <a:r>
+              <a:rPr lang="en-US" sz="2000" b="1" dirty="0">
+                <a:latin typeface="Consolas" pitchFamily="49" charset="0"/>
+                <a:cs typeface="Consolas" pitchFamily="49" charset="0"/>
+              </a:rPr>
+              <a:t>) </a:t>
+            </a:r>
+            <a:r>
+              <a:rPr lang="en-US" sz="2000" b="1" dirty="0">
+                <a:solidFill>
+                  <a:srgbClr val="FF0000"/>
+                </a:solidFill>
+                <a:latin typeface="Consolas" pitchFamily="49" charset="0"/>
+                <a:cs typeface="Consolas" pitchFamily="49" charset="0"/>
+              </a:rPr>
+              <a:t>...  </a:t>
+            </a:r>
+            <a:r>
+              <a:rPr lang="en-US" sz="2000" b="1" dirty="0">
+                <a:latin typeface="Consolas" pitchFamily="49" charset="0"/>
+                <a:cs typeface="Consolas" pitchFamily="49" charset="0"/>
+              </a:rPr>
+              <a:t>]</a:t>
+            </a:r>
+          </a:p>
+          <a:p>
+            <a:pPr>
+              <a:buFont typeface="Arial" pitchFamily="34" charset="0"/>
+              <a:buNone/>
+            </a:pPr>
+            <a:r>
+              <a:rPr lang="en-US" sz="2000" b="1" dirty="0">
+                <a:latin typeface="Consolas" pitchFamily="49" charset="0"/>
+                <a:cs typeface="Consolas" pitchFamily="49" charset="0"/>
+              </a:rPr>
+              <a:t>    [else (</a:t>
+            </a:r>
+            <a:r>
+              <a:rPr lang="en-US" sz="2000" b="1" dirty="0">
+                <a:solidFill>
+                  <a:srgbClr val="FF0000"/>
+                </a:solidFill>
+                <a:latin typeface="Consolas" pitchFamily="49" charset="0"/>
+                <a:cs typeface="Consolas" pitchFamily="49" charset="0"/>
+              </a:rPr>
+              <a:t>...</a:t>
+            </a:r>
+          </a:p>
+          <a:p>
+            <a:pPr>
+              <a:buFont typeface="Arial" pitchFamily="34" charset="0"/>
+              <a:buNone/>
+            </a:pPr>
+            <a:r>
+              <a:rPr lang="en-US" sz="2000" b="1" dirty="0">
+                <a:latin typeface="Consolas" pitchFamily="49" charset="0"/>
+                <a:cs typeface="Consolas" pitchFamily="49" charset="0"/>
+              </a:rPr>
+              <a:t>           (person-children (first </a:t>
+            </a:r>
+            <a:r>
+              <a:rPr lang="en-US" sz="2000" b="1" dirty="0" err="1">
+                <a:latin typeface="Consolas" pitchFamily="49" charset="0"/>
+                <a:cs typeface="Consolas" pitchFamily="49" charset="0"/>
+              </a:rPr>
+              <a:t>ps</a:t>
+            </a:r>
+            <a:r>
+              <a:rPr lang="en-US" sz="2000" b="1" dirty="0">
+                <a:latin typeface="Consolas" pitchFamily="49" charset="0"/>
+                <a:cs typeface="Consolas" pitchFamily="49" charset="0"/>
+              </a:rPr>
+              <a:t>))</a:t>
+            </a:r>
+          </a:p>
+          <a:p>
+            <a:pPr>
+              <a:buFont typeface="Arial" pitchFamily="34" charset="0"/>
+              <a:buNone/>
+            </a:pPr>
+            <a:r>
+              <a:rPr lang="en-US" sz="2000" b="1" dirty="0">
+                <a:latin typeface="Consolas" pitchFamily="49" charset="0"/>
+                <a:cs typeface="Consolas" pitchFamily="49" charset="0"/>
+              </a:rPr>
+              <a:t>           (</a:t>
+            </a:r>
+            <a:r>
+              <a:rPr lang="en-US" sz="2000" b="1" dirty="0">
+                <a:solidFill>
+                  <a:schemeClr val="accent1"/>
+                </a:solidFill>
+                <a:latin typeface="Consolas" pitchFamily="49" charset="0"/>
+                <a:cs typeface="Consolas" pitchFamily="49" charset="0"/>
+              </a:rPr>
+              <a:t>persons-all-children</a:t>
+            </a:r>
+            <a:r>
+              <a:rPr lang="en-US" sz="2000" b="1" dirty="0">
+                <a:latin typeface="Consolas" pitchFamily="49" charset="0"/>
+                <a:cs typeface="Consolas" pitchFamily="49" charset="0"/>
+              </a:rPr>
+              <a:t> (rest </a:t>
+            </a:r>
+            <a:r>
+              <a:rPr lang="en-US" sz="2000" b="1" dirty="0" err="1">
+                <a:latin typeface="Consolas" pitchFamily="49" charset="0"/>
+                <a:cs typeface="Consolas" pitchFamily="49" charset="0"/>
+              </a:rPr>
+              <a:t>ps</a:t>
+            </a:r>
+            <a:r>
+              <a:rPr lang="en-US" sz="2000" b="1" dirty="0">
+                <a:latin typeface="Consolas" pitchFamily="49" charset="0"/>
+                <a:cs typeface="Consolas" pitchFamily="49" charset="0"/>
+              </a:rPr>
+              <a:t>)))]))</a:t>
+            </a:r>
           </a:p>
         </p:txBody>
       </p:sp>
@@ -8602,10 +8460,9 @@
           <a:lstStyle/>
           <a:p>
             <a:r>
-              <a:rPr lang="en-US" dirty="0" smtClean="0"/>
+              <a:rPr lang="en-US" dirty="0"/>
               <a:t>Putting it together</a:t>
             </a:r>
-            <a:endParaRPr lang="en-US" dirty="0"/>
           </a:p>
         </p:txBody>
       </p:sp>
@@ -8633,10 +8490,9 @@
           </a:p>
           <a:p>
             <a:r>
-              <a:rPr lang="en-US" sz="1800" dirty="0" smtClean="0"/>
+              <a:rPr lang="en-US" sz="1800" dirty="0"/>
               <a:t>;; STRATEGY: Use template for Person on p</a:t>
             </a:r>
-            <a:endParaRPr lang="en-US" sz="1800" dirty="0"/>
           </a:p>
           <a:p>
             <a:r>
@@ -8659,57 +8515,7 @@
           <a:p>
             <a:r>
               <a:rPr lang="en-US" sz="1800" dirty="0"/>
-              <a:t>  </a:t>
-            </a:r>
-            <a:r>
-              <a:rPr lang="en-US" sz="1800" dirty="0" smtClean="0"/>
-              <a:t>(</a:t>
-            </a:r>
-            <a:r>
-              <a:rPr lang="en-US" sz="1800" dirty="0" smtClean="0">
-                <a:solidFill>
-                  <a:schemeClr val="accent1"/>
-                </a:solidFill>
-              </a:rPr>
-              <a:t>persons-all-children</a:t>
-            </a:r>
-            <a:r>
-              <a:rPr lang="en-US" sz="1800" dirty="0" smtClean="0"/>
-              <a:t> </a:t>
-            </a:r>
-            <a:r>
-              <a:rPr lang="en-US" sz="1800" dirty="0"/>
-              <a:t>(person-children p)))</a:t>
-            </a:r>
-          </a:p>
-          <a:p>
-            <a:endParaRPr lang="en-US" sz="1800" dirty="0" smtClean="0"/>
-          </a:p>
-          <a:p>
-            <a:r>
-              <a:rPr lang="en-US" sz="1800" dirty="0"/>
-              <a:t>;; persons-all-children : Persons -&gt; Persons</a:t>
-            </a:r>
-          </a:p>
-          <a:p>
-            <a:r>
-              <a:rPr lang="en-US" sz="1800" dirty="0" smtClean="0"/>
-              <a:t>;; STRATEGY: Use template for Persons on </a:t>
-            </a:r>
-            <a:r>
-              <a:rPr lang="en-US" sz="1800" dirty="0" err="1" smtClean="0"/>
-              <a:t>ps</a:t>
-            </a:r>
-            <a:endParaRPr lang="en-US" sz="1800" dirty="0" smtClean="0"/>
-          </a:p>
-          <a:p>
-            <a:r>
-              <a:rPr lang="en-US" sz="1800" dirty="0" smtClean="0"/>
-              <a:t>(</a:t>
-            </a:r>
-            <a:r>
-              <a:rPr lang="en-US" sz="1800" dirty="0"/>
-              <a:t>define (</a:t>
+              <a:t>  (</a:t>
             </a:r>
             <a:r>
               <a:rPr lang="en-US" sz="1800" dirty="0">
@@ -8721,12 +8527,50 @@
             </a:r>
             <a:r>
               <a:rPr lang="en-US" sz="1800" dirty="0"/>
-              <a:t> </a:t>
+              <a:t> (person-children p)))</a:t>
+            </a:r>
+          </a:p>
+          <a:p>
+            <a:endParaRPr lang="en-US" sz="1800" dirty="0"/>
+          </a:p>
+          <a:p>
+            <a:r>
+              <a:rPr lang="en-US" sz="1800" dirty="0"/>
+              <a:t>;; persons-all-children : Persons -&gt; Persons</a:t>
+            </a:r>
+          </a:p>
+          <a:p>
+            <a:r>
+              <a:rPr lang="en-US" sz="1800" dirty="0"/>
+              <a:t>;; STRATEGY: Use template for Persons on </a:t>
             </a:r>
             <a:r>
               <a:rPr lang="en-US" sz="1800" dirty="0" err="1"/>
               <a:t>ps</a:t>
             </a:r>
+            <a:endParaRPr lang="en-US" sz="1800" dirty="0"/>
+          </a:p>
+          <a:p>
+            <a:r>
+              <a:rPr lang="en-US" sz="1800" dirty="0"/>
+              <a:t>(define (</a:t>
+            </a:r>
+            <a:r>
+              <a:rPr lang="en-US" sz="1800" dirty="0">
+                <a:solidFill>
+                  <a:schemeClr val="accent1"/>
+                </a:solidFill>
+              </a:rPr>
+              <a:t>persons-all-children</a:t>
+            </a:r>
+            <a:r>
+              <a:rPr lang="en-US" sz="1800" dirty="0"/>
+              <a:t> </a:t>
+            </a:r>
+            <a:r>
+              <a:rPr lang="en-US" sz="1800" dirty="0" err="1"/>
+              <a:t>ps</a:t>
+            </a:r>
             <a:r>
               <a:rPr lang="en-US" sz="1800" dirty="0"/>
               <a:t>)</a:t>
@@ -8749,11 +8593,11 @@
               <a:t>    [(empty? </a:t>
             </a:r>
             <a:r>
-              <a:rPr lang="en-US" sz="1800" dirty="0" err="1" smtClean="0"/>
+              <a:rPr lang="en-US" sz="1800" dirty="0" err="1"/>
               <a:t>ps</a:t>
             </a:r>
             <a:r>
-              <a:rPr lang="en-US" sz="1800" dirty="0" smtClean="0"/>
+              <a:rPr lang="en-US" sz="1800" dirty="0"/>
               <a:t>) </a:t>
             </a:r>
             <a:r>
@@ -8862,13 +8706,6 @@
   <p:clrMapOvr>
     <a:masterClrMapping/>
   </p:clrMapOvr>
-  <p:timing>
-    <p:tnLst>
-      <p:par>
-        <p:cTn id="1" dur="indefinite" restart="never" nodeType="tmRoot"/>
-      </p:par>
-    </p:tnLst>
-  </p:timing>
 </p:sld>
 </file>
 
@@ -8905,10 +8742,9 @@
           <a:lstStyle/>
           <a:p>
             <a:r>
-              <a:rPr lang="en-US" dirty="0" smtClean="0"/>
+              <a:rPr lang="en-US" dirty="0"/>
               <a:t>We could use HOFs, too</a:t>
             </a:r>
-            <a:endParaRPr lang="en-US" dirty="0"/>
           </a:p>
         </p:txBody>
       </p:sp>
@@ -8936,10 +8772,9 @@
           </a:p>
           <a:p>
             <a:r>
-              <a:rPr lang="en-US" sz="1800" dirty="0" smtClean="0"/>
+              <a:rPr lang="en-US" sz="1800" dirty="0"/>
               <a:t>;; STRATEGY: Use template for Person on p</a:t>
             </a:r>
-            <a:endParaRPr lang="en-US" sz="1800" dirty="0"/>
           </a:p>
           <a:p>
             <a:r>
@@ -8962,19 +8797,11 @@
           <a:p>
             <a:r>
               <a:rPr lang="en-US" sz="1800" dirty="0"/>
-              <a:t>  </a:t>
-            </a:r>
-            <a:r>
-              <a:rPr lang="en-US" sz="1800" dirty="0" smtClean="0"/>
-              <a:t>(persons-all-children </a:t>
-            </a:r>
-            <a:r>
-              <a:rPr lang="en-US" sz="1800" dirty="0"/>
-              <a:t>(person-children p)))</a:t>
-            </a:r>
-          </a:p>
-          <a:p>
-            <a:endParaRPr lang="en-US" sz="1800" dirty="0" smtClean="0"/>
+              <a:t>  (persons-all-children (person-children p)))</a:t>
+            </a:r>
+          </a:p>
+          <a:p>
+            <a:endParaRPr lang="en-US" sz="1800" dirty="0"/>
           </a:p>
           <a:p>
             <a:r>
@@ -8984,23 +8811,19 @@
           </a:p>
           <a:p>
             <a:r>
-              <a:rPr lang="en-US" sz="1800" dirty="0" smtClean="0"/>
+              <a:rPr lang="en-US" sz="1800" dirty="0"/>
               <a:t>;; STRATEGY: Use HOF map on </a:t>
             </a:r>
             <a:r>
-              <a:rPr lang="en-US" sz="1800" dirty="0" err="1" smtClean="0"/>
+              <a:rPr lang="en-US" sz="1800" dirty="0" err="1"/>
               <a:t>ps</a:t>
             </a:r>
-            <a:endParaRPr lang="en-US" sz="1800" dirty="0" smtClean="0"/>
-          </a:p>
-          <a:p>
-            <a:r>
-              <a:rPr lang="en-US" sz="1800" dirty="0" smtClean="0"/>
-              <a:t>(</a:t>
-            </a:r>
+            <a:endParaRPr lang="en-US" sz="1800" dirty="0"/>
+          </a:p>
+          <a:p>
             <a:r>
               <a:rPr lang="en-US" sz="1800" dirty="0"/>
-              <a:t>define (</a:t>
+              <a:t>(define (</a:t>
             </a:r>
             <a:r>
               <a:rPr lang="en-US" sz="1800" dirty="0">
@@ -9019,46 +8842,37 @@
               <a:t>ps</a:t>
             </a:r>
             <a:r>
-              <a:rPr lang="en-US" sz="1800" dirty="0" smtClean="0"/>
+              <a:rPr lang="en-US" sz="1800" dirty="0"/>
               <a:t>)</a:t>
             </a:r>
           </a:p>
           <a:p>
             <a:r>
               <a:rPr lang="en-US" sz="1800" dirty="0"/>
-              <a:t> </a:t>
-            </a:r>
-            <a:r>
-              <a:rPr lang="en-US" sz="1800" dirty="0" smtClean="0"/>
-              <a:t> (</a:t>
-            </a:r>
-            <a:r>
-              <a:rPr lang="en-US" sz="1800" dirty="0" err="1" smtClean="0"/>
+              <a:t>  (</a:t>
+            </a:r>
+            <a:r>
+              <a:rPr lang="en-US" sz="1800" dirty="0" err="1"/>
               <a:t>foldr</a:t>
             </a:r>
             <a:r>
-              <a:rPr lang="en-US" sz="1800" dirty="0" smtClean="0"/>
+              <a:rPr lang="en-US" sz="1800" dirty="0"/>
               <a:t> append empty</a:t>
             </a:r>
           </a:p>
           <a:p>
             <a:r>
               <a:rPr lang="en-US" sz="1800" dirty="0"/>
-              <a:t> </a:t>
-            </a:r>
-            <a:r>
-              <a:rPr lang="en-US" sz="1800" dirty="0" smtClean="0"/>
-              <a:t>   (map person-children </a:t>
-            </a:r>
-            <a:r>
-              <a:rPr lang="en-US" sz="1800" dirty="0" err="1" smtClean="0"/>
+              <a:t>    (map person-children </a:t>
+            </a:r>
+            <a:r>
+              <a:rPr lang="en-US" sz="1800" dirty="0" err="1"/>
               <a:t>ps</a:t>
             </a:r>
             <a:r>
-              <a:rPr lang="en-US" sz="1800" dirty="0" smtClean="0"/>
+              <a:rPr lang="en-US" sz="1800" dirty="0"/>
               <a:t>)))</a:t>
             </a:r>
-            <a:endParaRPr lang="en-US" sz="1800" dirty="0"/>
           </a:p>
           <a:p>
             <a:r>
@@ -9170,13 +8984,6 @@
   <p:clrMapOvr>
     <a:masterClrMapping/>
   </p:clrMapOvr>
-  <p:timing>
-    <p:tnLst>
-      <p:par>
-        <p:cTn id="1" dur="indefinite" restart="never" nodeType="tmRoot"/>
-      </p:par>
-    </p:tnLst>
-  </p:timing>
 </p:sld>
 </file>
 
@@ -9213,10 +9020,9 @@
           <a:lstStyle/>
           <a:p>
             <a:r>
-              <a:rPr lang="en-US" dirty="0" smtClean="0"/>
+              <a:rPr lang="en-US" dirty="0"/>
               <a:t>descendants</a:t>
             </a:r>
-            <a:endParaRPr lang="en-US" dirty="0"/>
           </a:p>
         </p:txBody>
       </p:sp>
@@ -9236,33 +9042,33 @@
           <a:lstStyle/>
           <a:p>
             <a:r>
-              <a:rPr lang="en-US" dirty="0" smtClean="0"/>
+              <a:rPr lang="en-US" dirty="0"/>
               <a:t>Given a person, find all his/her descendants.</a:t>
             </a:r>
           </a:p>
           <a:p>
             <a:r>
-              <a:rPr lang="en-US" dirty="0" smtClean="0"/>
+              <a:rPr lang="en-US" dirty="0"/>
               <a:t>What’s a descendant?</a:t>
             </a:r>
           </a:p>
           <a:p>
             <a:pPr lvl="1"/>
             <a:r>
-              <a:rPr lang="en-US" dirty="0" smtClean="0"/>
+              <a:rPr lang="en-US" dirty="0"/>
               <a:t>a person’s children are his/her descendants.</a:t>
             </a:r>
           </a:p>
           <a:p>
             <a:pPr lvl="1"/>
             <a:r>
-              <a:rPr lang="en-US" dirty="0" smtClean="0"/>
+              <a:rPr lang="en-US" dirty="0"/>
               <a:t>any descendant of any of a person’s children is also that person’s descendant.</a:t>
             </a:r>
           </a:p>
           <a:p>
             <a:r>
-              <a:rPr lang="en-US" dirty="0" smtClean="0"/>
+              <a:rPr lang="en-US" dirty="0"/>
               <a:t>Hey:  this definition is recursive!</a:t>
             </a:r>
           </a:p>
@@ -9363,13 +9169,6 @@
   <p:clrMapOvr>
     <a:masterClrMapping/>
   </p:clrMapOvr>
-  <p:timing>
-    <p:tnLst>
-      <p:par>
-        <p:cTn id="1" dur="indefinite" restart="never" nodeType="tmRoot"/>
-      </p:par>
-    </p:tnLst>
-  </p:timing>
 </p:sld>
 </file>
 
@@ -9406,10 +9205,9 @@
           <a:lstStyle/>
           <a:p>
             <a:r>
-              <a:rPr lang="en-US" dirty="0" smtClean="0"/>
+              <a:rPr lang="en-US" dirty="0"/>
               <a:t>Contracts and Purpose Statements</a:t>
             </a:r>
-            <a:endParaRPr lang="en-US" dirty="0"/>
           </a:p>
         </p:txBody>
       </p:sp>
@@ -9434,7 +9232,7 @@
               <a:buNone/>
             </a:pPr>
             <a:r>
-              <a:rPr lang="en-US" sz="2000" b="1" dirty="0" smtClean="0">
+              <a:rPr lang="en-US" sz="2000" b="1" dirty="0">
                 <a:latin typeface="Consolas" pitchFamily="49" charset="0"/>
                 <a:cs typeface="Consolas" pitchFamily="49" charset="0"/>
               </a:rPr>
@@ -9446,7 +9244,7 @@
               <a:buNone/>
             </a:pPr>
             <a:r>
-              <a:rPr lang="en-US" sz="2000" b="1" dirty="0" smtClean="0">
+              <a:rPr lang="en-US" sz="2000" b="1" dirty="0">
                 <a:latin typeface="Consolas" pitchFamily="49" charset="0"/>
                 <a:cs typeface="Consolas" pitchFamily="49" charset="0"/>
               </a:rPr>
@@ -9458,7 +9256,7 @@
               <a:buNone/>
             </a:pPr>
             <a:r>
-              <a:rPr lang="en-US" sz="2000" b="1" dirty="0" smtClean="0">
+              <a:rPr lang="en-US" sz="2000" b="1" dirty="0">
                 <a:latin typeface="Consolas" pitchFamily="49" charset="0"/>
                 <a:cs typeface="Consolas" pitchFamily="49" charset="0"/>
               </a:rPr>
@@ -9469,7 +9267,7 @@
             <a:pPr>
               <a:buNone/>
             </a:pPr>
-            <a:endParaRPr lang="en-US" sz="2000" b="1" dirty="0" smtClean="0">
+            <a:endParaRPr lang="en-US" sz="2000" b="1" dirty="0">
               <a:latin typeface="Consolas" pitchFamily="49" charset="0"/>
               <a:cs typeface="Consolas" pitchFamily="49" charset="0"/>
             </a:endParaRPr>
@@ -9479,7 +9277,7 @@
               <a:buNone/>
             </a:pPr>
             <a:r>
-              <a:rPr lang="en-US" sz="2000" b="1" dirty="0" smtClean="0">
+              <a:rPr lang="en-US" sz="2000" b="1" dirty="0">
                 <a:latin typeface="Consolas" pitchFamily="49" charset="0"/>
                 <a:cs typeface="Consolas" pitchFamily="49" charset="0"/>
               </a:rPr>
@@ -9491,7 +9289,7 @@
               <a:buNone/>
             </a:pPr>
             <a:r>
-              <a:rPr lang="en-US" sz="2000" b="1" dirty="0" smtClean="0">
+              <a:rPr lang="en-US" sz="2000" b="1" dirty="0">
                 <a:latin typeface="Consolas" pitchFamily="49" charset="0"/>
                 <a:cs typeface="Consolas" pitchFamily="49" charset="0"/>
               </a:rPr>
@@ -9503,7 +9301,7 @@
               <a:buNone/>
             </a:pPr>
             <a:r>
-              <a:rPr lang="en-US" sz="2000" b="1" dirty="0" smtClean="0">
+              <a:rPr lang="en-US" sz="2000" b="1" dirty="0">
                 <a:latin typeface="Consolas" pitchFamily="49" charset="0"/>
                 <a:cs typeface="Consolas" pitchFamily="49" charset="0"/>
               </a:rPr>
@@ -9514,7 +9312,7 @@
             <a:pPr>
               <a:buNone/>
             </a:pPr>
-            <a:endParaRPr lang="en-US" sz="2000" b="1" dirty="0" smtClean="0">
+            <a:endParaRPr lang="en-US" sz="2000" b="1" dirty="0">
               <a:latin typeface="Courier New" pitchFamily="49" charset="0"/>
               <a:cs typeface="Courier New" pitchFamily="49" charset="0"/>
             </a:endParaRPr>
@@ -9605,15 +9403,31 @@
                   <a:schemeClr val="tx1"/>
                 </a:solidFill>
               </a:rPr>
-              <a:t>The task description talked about "</a:t>
-            </a:r>
-            <a:r>
-              <a:rPr lang="en-US" dirty="0" smtClean="0">
+              <a:t>The task description talked about "all the descendants of a person's children".   A person's children are a list of persons, so that gives us a clue that we will need the function we've called </a:t>
+            </a:r>
+            <a:r>
+              <a:rPr lang="en-US" b="1" dirty="0">
                 <a:solidFill>
                   <a:schemeClr val="tx1"/>
                 </a:solidFill>
               </a:rPr>
-              <a:t>all the </a:t>
+              <a:t>person</a:t>
+            </a:r>
+            <a:r>
+              <a:rPr lang="en-US" b="1" dirty="0">
+                <a:solidFill>
+                  <a:srgbClr val="FF0000"/>
+                </a:solidFill>
+              </a:rPr>
+              <a:t>s</a:t>
+            </a:r>
+            <a:r>
+              <a:rPr lang="en-US" b="1" dirty="0">
+                <a:solidFill>
+                  <a:schemeClr val="tx1"/>
+                </a:solidFill>
+              </a:rPr>
+              <a:t>-descendants</a:t>
             </a:r>
             <a:r>
               <a:rPr lang="en-US" dirty="0">
@@ -9621,47 +9435,7 @@
                   <a:schemeClr val="tx1"/>
                 </a:solidFill>
               </a:rPr>
-              <a:t>descendants of a person's children".   A person's children are a list of persons, so that gives us a clue that we will need the function we've called </a:t>
-            </a:r>
-            <a:r>
-              <a:rPr lang="en-US" b="1" dirty="0" smtClean="0">
-                <a:solidFill>
-                  <a:schemeClr val="tx1"/>
-                </a:solidFill>
-              </a:rPr>
-              <a:t>person</a:t>
-            </a:r>
-            <a:r>
-              <a:rPr lang="en-US" b="1" dirty="0" smtClean="0">
-                <a:solidFill>
-                  <a:srgbClr val="FF0000"/>
-                </a:solidFill>
-              </a:rPr>
-              <a:t>s</a:t>
-            </a:r>
-            <a:r>
-              <a:rPr lang="en-US" b="1" dirty="0" smtClean="0">
-                <a:solidFill>
-                  <a:schemeClr val="tx1"/>
-                </a:solidFill>
-              </a:rPr>
-              <a:t>-descendants</a:t>
-            </a:r>
-            <a:r>
-              <a:rPr lang="en-US" dirty="0" smtClean="0">
-                <a:solidFill>
-                  <a:schemeClr val="tx1"/>
-                </a:solidFill>
-              </a:rPr>
-              <a:t> </a:t>
-            </a:r>
-            <a:r>
-              <a:rPr lang="en-US" dirty="0">
-                <a:solidFill>
-                  <a:schemeClr val="tx1"/>
-                </a:solidFill>
-              </a:rPr>
-              <a:t>here.</a:t>
+              <a:t> here.</a:t>
             </a:r>
           </a:p>
         </p:txBody>
@@ -9676,13 +9450,6 @@
   <p:clrMapOvr>
     <a:masterClrMapping/>
   </p:clrMapOvr>
-  <p:timing>
-    <p:tnLst>
-      <p:par>
-        <p:cTn id="1" dur="indefinite" restart="never" nodeType="tmRoot"/>
-      </p:par>
-    </p:tnLst>
-  </p:timing>
 </p:sld>
 </file>
 
@@ -9719,10 +9486,9 @@
           <a:lstStyle/>
           <a:p>
             <a:r>
-              <a:rPr lang="en-US" dirty="0" smtClean="0"/>
+              <a:rPr lang="en-US" dirty="0"/>
               <a:t>Examples</a:t>
             </a:r>
-            <a:endParaRPr lang="en-US" dirty="0"/>
           </a:p>
         </p:txBody>
       </p:sp>
@@ -9746,7 +9512,7 @@
             <a:pPr>
               <a:buNone/>
             </a:pPr>
-            <a:endParaRPr lang="en-US" sz="2000" b="1" dirty="0" smtClean="0">
+            <a:endParaRPr lang="en-US" sz="2000" b="1" dirty="0">
               <a:latin typeface="Courier New" pitchFamily="49" charset="0"/>
               <a:cs typeface="Courier New" pitchFamily="49" charset="0"/>
             </a:endParaRPr>
@@ -9755,7 +9521,7 @@
             <a:pPr>
               <a:buNone/>
             </a:pPr>
-            <a:endParaRPr lang="en-US" sz="2000" b="1" dirty="0" smtClean="0">
+            <a:endParaRPr lang="en-US" sz="2000" b="1" dirty="0">
               <a:latin typeface="Courier New" pitchFamily="49" charset="0"/>
               <a:cs typeface="Courier New" pitchFamily="49" charset="0"/>
             </a:endParaRPr>
@@ -9764,7 +9530,7 @@
             <a:pPr>
               <a:buNone/>
             </a:pPr>
-            <a:endParaRPr lang="en-US" sz="2000" b="1" dirty="0" smtClean="0">
+            <a:endParaRPr lang="en-US" sz="2000" b="1" dirty="0">
               <a:latin typeface="Courier New" pitchFamily="49" charset="0"/>
               <a:cs typeface="Courier New" pitchFamily="49" charset="0"/>
             </a:endParaRPr>
@@ -9773,7 +9539,7 @@
             <a:pPr>
               <a:buNone/>
             </a:pPr>
-            <a:endParaRPr lang="en-US" sz="2000" b="1" dirty="0" smtClean="0">
+            <a:endParaRPr lang="en-US" sz="2000" b="1" dirty="0">
               <a:latin typeface="Courier New" pitchFamily="49" charset="0"/>
               <a:cs typeface="Courier New" pitchFamily="49" charset="0"/>
             </a:endParaRPr>
@@ -9782,7 +9548,7 @@
             <a:pPr>
               <a:buNone/>
             </a:pPr>
-            <a:endParaRPr lang="en-US" sz="2000" b="1" dirty="0" smtClean="0">
+            <a:endParaRPr lang="en-US" sz="2000" b="1" dirty="0">
               <a:latin typeface="Courier New" pitchFamily="49" charset="0"/>
               <a:cs typeface="Courier New" pitchFamily="49" charset="0"/>
             </a:endParaRPr>
@@ -9791,7 +9557,7 @@
             <a:pPr>
               <a:buNone/>
             </a:pPr>
-            <a:endParaRPr lang="en-US" sz="2000" b="1" dirty="0" smtClean="0">
+            <a:endParaRPr lang="en-US" sz="2000" b="1" dirty="0">
               <a:latin typeface="Courier New" pitchFamily="49" charset="0"/>
               <a:cs typeface="Courier New" pitchFamily="49" charset="0"/>
             </a:endParaRPr>
@@ -9801,21 +9567,21 @@
               <a:buNone/>
             </a:pPr>
             <a:r>
-              <a:rPr lang="en-US" sz="2000" b="1" dirty="0" smtClean="0">
+              <a:rPr lang="en-US" sz="2000" b="1" dirty="0">
                 <a:latin typeface="Consolas" pitchFamily="49" charset="0"/>
                 <a:cs typeface="Consolas" pitchFamily="49" charset="0"/>
               </a:rPr>
               <a:t>(person-descendants </a:t>
             </a:r>
             <a:r>
-              <a:rPr lang="en-US" sz="2000" b="1" dirty="0" err="1" smtClean="0">
+              <a:rPr lang="en-US" sz="2000" b="1" dirty="0" err="1">
                 <a:latin typeface="Consolas" pitchFamily="49" charset="0"/>
                 <a:cs typeface="Consolas" pitchFamily="49" charset="0"/>
               </a:rPr>
               <a:t>fred</a:t>
             </a:r>
             <a:r>
-              <a:rPr lang="en-US" sz="2000" b="1" dirty="0" smtClean="0">
+              <a:rPr lang="en-US" sz="2000" b="1" dirty="0">
                 <a:latin typeface="Consolas" pitchFamily="49" charset="0"/>
                 <a:cs typeface="Consolas" pitchFamily="49" charset="0"/>
               </a:rPr>
@@ -9827,49 +9593,49 @@
               <a:buNone/>
             </a:pPr>
             <a:r>
-              <a:rPr lang="en-US" sz="2000" b="1" dirty="0" smtClean="0">
+              <a:rPr lang="en-US" sz="2000" b="1" dirty="0">
                 <a:latin typeface="Consolas" pitchFamily="49" charset="0"/>
                 <a:cs typeface="Consolas" pitchFamily="49" charset="0"/>
               </a:rPr>
               <a:t>= (list chuck </a:t>
             </a:r>
             <a:r>
-              <a:rPr lang="en-US" sz="2000" b="1" dirty="0" err="1" smtClean="0">
+              <a:rPr lang="en-US" sz="2000" b="1" dirty="0" err="1">
                 <a:latin typeface="Consolas" pitchFamily="49" charset="0"/>
                 <a:cs typeface="Consolas" pitchFamily="49" charset="0"/>
               </a:rPr>
               <a:t>eddie</a:t>
             </a:r>
             <a:r>
-              <a:rPr lang="en-US" sz="2000" b="1" dirty="0" smtClean="0">
+              <a:rPr lang="en-US" sz="2000" b="1" dirty="0">
                 <a:latin typeface="Consolas" pitchFamily="49" charset="0"/>
                 <a:cs typeface="Consolas" pitchFamily="49" charset="0"/>
               </a:rPr>
               <a:t> </a:t>
             </a:r>
             <a:r>
-              <a:rPr lang="en-US" sz="2000" b="1" dirty="0" err="1" smtClean="0">
+              <a:rPr lang="en-US" sz="2000" b="1" dirty="0" err="1">
                 <a:latin typeface="Consolas" pitchFamily="49" charset="0"/>
                 <a:cs typeface="Consolas" pitchFamily="49" charset="0"/>
               </a:rPr>
               <a:t>alice</a:t>
             </a:r>
             <a:r>
-              <a:rPr lang="en-US" sz="2000" b="1" dirty="0" smtClean="0">
+              <a:rPr lang="en-US" sz="2000" b="1" dirty="0">
                 <a:latin typeface="Consolas" pitchFamily="49" charset="0"/>
                 <a:cs typeface="Consolas" pitchFamily="49" charset="0"/>
               </a:rPr>
               <a:t> bob </a:t>
             </a:r>
             <a:r>
-              <a:rPr lang="en-US" sz="2000" b="1" dirty="0" err="1" smtClean="0">
+              <a:rPr lang="en-US" sz="2000" b="1" dirty="0" err="1">
                 <a:latin typeface="Consolas" pitchFamily="49" charset="0"/>
                 <a:cs typeface="Consolas" pitchFamily="49" charset="0"/>
               </a:rPr>
               <a:t>dave</a:t>
             </a:r>
             <a:r>
-              <a:rPr lang="en-US" sz="2000" b="1" dirty="0" smtClean="0">
+              <a:rPr lang="en-US" sz="2000" b="1" dirty="0">
                 <a:latin typeface="Consolas" pitchFamily="49" charset="0"/>
                 <a:cs typeface="Consolas" pitchFamily="49" charset="0"/>
               </a:rPr>
@@ -9880,7 +9646,7 @@
             <a:pPr>
               <a:buNone/>
             </a:pPr>
-            <a:endParaRPr lang="en-US" sz="2000" b="1" dirty="0" smtClean="0">
+            <a:endParaRPr lang="en-US" sz="2000" b="1" dirty="0">
               <a:latin typeface="Consolas" pitchFamily="49" charset="0"/>
               <a:cs typeface="Consolas" pitchFamily="49" charset="0"/>
             </a:endParaRPr>
@@ -9890,21 +9656,21 @@
               <a:buNone/>
             </a:pPr>
             <a:r>
-              <a:rPr lang="en-US" sz="2000" b="1" dirty="0" smtClean="0">
+              <a:rPr lang="en-US" sz="2000" b="1" dirty="0">
                 <a:latin typeface="Consolas" pitchFamily="49" charset="0"/>
                 <a:cs typeface="Consolas" pitchFamily="49" charset="0"/>
               </a:rPr>
               <a:t>(persons-descendants (list chuck </a:t>
             </a:r>
             <a:r>
-              <a:rPr lang="en-US" sz="2000" b="1" dirty="0" err="1" smtClean="0">
+              <a:rPr lang="en-US" sz="2000" b="1" dirty="0" err="1">
                 <a:latin typeface="Consolas" pitchFamily="49" charset="0"/>
                 <a:cs typeface="Consolas" pitchFamily="49" charset="0"/>
               </a:rPr>
               <a:t>eddie</a:t>
             </a:r>
             <a:r>
-              <a:rPr lang="en-US" sz="2000" b="1" dirty="0" smtClean="0">
+              <a:rPr lang="en-US" sz="2000" b="1" dirty="0">
                 <a:latin typeface="Consolas" pitchFamily="49" charset="0"/>
                 <a:cs typeface="Consolas" pitchFamily="49" charset="0"/>
               </a:rPr>
@@ -9916,35 +9682,35 @@
               <a:buNone/>
             </a:pPr>
             <a:r>
-              <a:rPr lang="en-US" sz="2000" b="1" dirty="0" smtClean="0">
+              <a:rPr lang="en-US" sz="2000" b="1" dirty="0">
                 <a:latin typeface="Consolas" pitchFamily="49" charset="0"/>
                 <a:cs typeface="Consolas" pitchFamily="49" charset="0"/>
               </a:rPr>
               <a:t>= (list </a:t>
             </a:r>
             <a:r>
-              <a:rPr lang="en-US" sz="2000" b="1" dirty="0" err="1" smtClean="0">
+              <a:rPr lang="en-US" sz="2000" b="1" dirty="0" err="1">
                 <a:latin typeface="Consolas" pitchFamily="49" charset="0"/>
                 <a:cs typeface="Consolas" pitchFamily="49" charset="0"/>
               </a:rPr>
               <a:t>alice</a:t>
             </a:r>
             <a:r>
-              <a:rPr lang="en-US" sz="2000" b="1" dirty="0" smtClean="0">
+              <a:rPr lang="en-US" sz="2000" b="1" dirty="0">
                 <a:latin typeface="Consolas" pitchFamily="49" charset="0"/>
                 <a:cs typeface="Consolas" pitchFamily="49" charset="0"/>
               </a:rPr>
               <a:t> bob </a:t>
             </a:r>
             <a:r>
-              <a:rPr lang="en-US" sz="2000" b="1" dirty="0" err="1" smtClean="0">
+              <a:rPr lang="en-US" sz="2000" b="1" dirty="0" err="1">
                 <a:latin typeface="Consolas" pitchFamily="49" charset="0"/>
                 <a:cs typeface="Consolas" pitchFamily="49" charset="0"/>
               </a:rPr>
               <a:t>dave</a:t>
             </a:r>
             <a:r>
-              <a:rPr lang="en-US" sz="2000" b="1" dirty="0" smtClean="0">
+              <a:rPr lang="en-US" sz="2000" b="1" dirty="0">
                 <a:latin typeface="Consolas" pitchFamily="49" charset="0"/>
                 <a:cs typeface="Consolas" pitchFamily="49" charset="0"/>
               </a:rPr>
@@ -10061,14 +9827,14 @@
               <a:p>
                 <a:pPr algn="ctr"/>
                 <a:r>
-                  <a:rPr lang="en-US" b="1" dirty="0" err="1" smtClean="0">
+                  <a:rPr lang="en-US" b="1" dirty="0" err="1">
                     <a:solidFill>
                       <a:schemeClr val="tx1"/>
                     </a:solidFill>
                   </a:rPr>
                   <a:t>fred</a:t>
                 </a:r>
-                <a:endParaRPr lang="en-US" b="1" dirty="0" smtClean="0">
+                <a:endParaRPr lang="en-US" b="1" dirty="0">
                   <a:solidFill>
                     <a:schemeClr val="tx1"/>
                   </a:solidFill>
@@ -10124,7 +9890,7 @@
               <a:p>
                 <a:pPr algn="ctr"/>
                 <a:r>
-                  <a:rPr lang="en-US" b="1" dirty="0" smtClean="0">
+                  <a:rPr lang="en-US" b="1" dirty="0">
                     <a:solidFill>
                       <a:schemeClr val="tx1"/>
                     </a:solidFill>
@@ -10182,14 +9948,14 @@
               <a:p>
                 <a:pPr algn="ctr"/>
                 <a:r>
-                  <a:rPr lang="en-US" b="1" dirty="0" err="1" smtClean="0">
+                  <a:rPr lang="en-US" b="1" dirty="0" err="1">
                     <a:solidFill>
                       <a:schemeClr val="tx1"/>
                     </a:solidFill>
                   </a:rPr>
                   <a:t>eddie</a:t>
                 </a:r>
-                <a:endParaRPr lang="en-US" b="1" dirty="0" smtClean="0">
+                <a:endParaRPr lang="en-US" b="1" dirty="0">
                   <a:solidFill>
                     <a:schemeClr val="tx1"/>
                   </a:solidFill>
@@ -10245,14 +10011,14 @@
               <a:p>
                 <a:pPr algn="ctr"/>
                 <a:r>
-                  <a:rPr lang="en-US" b="1" dirty="0" err="1" smtClean="0">
+                  <a:rPr lang="en-US" b="1" dirty="0" err="1">
                     <a:solidFill>
                       <a:schemeClr val="tx1"/>
                     </a:solidFill>
                   </a:rPr>
                   <a:t>alice</a:t>
                 </a:r>
-                <a:endParaRPr lang="en-US" b="1" dirty="0" smtClean="0">
+                <a:endParaRPr lang="en-US" b="1" dirty="0">
                   <a:solidFill>
                     <a:schemeClr val="tx1"/>
                   </a:solidFill>
@@ -10308,7 +10074,7 @@
               <a:p>
                 <a:pPr algn="ctr"/>
                 <a:r>
-                  <a:rPr lang="en-US" b="1" dirty="0" smtClean="0">
+                  <a:rPr lang="en-US" b="1" dirty="0">
                     <a:solidFill>
                       <a:schemeClr val="tx1"/>
                     </a:solidFill>
@@ -10366,14 +10132,14 @@
               <a:p>
                 <a:pPr algn="ctr"/>
                 <a:r>
-                  <a:rPr lang="en-US" b="1" dirty="0" err="1" smtClean="0">
+                  <a:rPr lang="en-US" b="1" dirty="0" err="1">
                     <a:solidFill>
                       <a:schemeClr val="tx1"/>
                     </a:solidFill>
                   </a:rPr>
                   <a:t>dave</a:t>
                 </a:r>
-                <a:endParaRPr lang="en-US" b="1" dirty="0" smtClean="0">
+                <a:endParaRPr lang="en-US" b="1" dirty="0">
                   <a:solidFill>
                     <a:schemeClr val="tx1"/>
                   </a:solidFill>
@@ -10588,13 +10354,6 @@
   <p:clrMapOvr>
     <a:masterClrMapping/>
   </p:clrMapOvr>
-  <p:timing>
-    <p:tnLst>
-      <p:par>
-        <p:cTn id="1" dur="indefinite" restart="never" nodeType="tmRoot"/>
-      </p:par>
-    </p:tnLst>
-  </p:timing>
 </p:sld>
 </file>
 
@@ -10631,10 +10390,9 @@
           <a:lstStyle/>
           <a:p>
             <a:r>
-              <a:rPr lang="en-US" dirty="0" smtClean="0"/>
+              <a:rPr lang="en-US" dirty="0"/>
               <a:t>The template questions</a:t>
             </a:r>
-            <a:endParaRPr lang="en-US" dirty="0"/>
           </a:p>
         </p:txBody>
       </p:sp>
@@ -10659,7 +10417,7 @@
               <a:buNone/>
             </a:pPr>
             <a:r>
-              <a:rPr lang="en-US" sz="2400" b="1" dirty="0" smtClean="0">
+              <a:rPr lang="en-US" sz="2400" b="1" dirty="0">
                 <a:latin typeface="Consolas" pitchFamily="49" charset="0"/>
                 <a:cs typeface="Consolas" pitchFamily="49" charset="0"/>
               </a:rPr>
@@ -10671,14 +10429,14 @@
               <a:buNone/>
             </a:pPr>
             <a:r>
-              <a:rPr lang="en-US" sz="2400" b="1" dirty="0" smtClean="0">
+              <a:rPr lang="en-US" sz="2400" b="1" dirty="0">
                 <a:latin typeface="Consolas" pitchFamily="49" charset="0"/>
                 <a:cs typeface="Consolas" pitchFamily="49" charset="0"/>
               </a:rPr>
               <a:t>(define (</a:t>
             </a:r>
             <a:r>
-              <a:rPr lang="en-US" sz="2400" b="1" dirty="0" smtClean="0">
+              <a:rPr lang="en-US" sz="2400" b="1" dirty="0">
                 <a:solidFill>
                   <a:srgbClr val="FF0000"/>
                 </a:solidFill>
@@ -10688,7 +10446,7 @@
               <a:t>person-fn</a:t>
             </a:r>
             <a:r>
-              <a:rPr lang="en-US" sz="2400" b="1" dirty="0" smtClean="0">
+              <a:rPr lang="en-US" sz="2400" b="1" dirty="0">
                 <a:latin typeface="Consolas" pitchFamily="49" charset="0"/>
                 <a:cs typeface="Consolas" pitchFamily="49" charset="0"/>
               </a:rPr>
@@ -10700,7 +10458,7 @@
               <a:buNone/>
             </a:pPr>
             <a:r>
-              <a:rPr lang="en-US" sz="2400" b="1" dirty="0" smtClean="0">
+              <a:rPr lang="en-US" sz="2400" b="1" dirty="0">
                 <a:latin typeface="Consolas" pitchFamily="49" charset="0"/>
                 <a:cs typeface="Consolas" pitchFamily="49" charset="0"/>
               </a:rPr>
@@ -10712,14 +10470,14 @@
               <a:buNone/>
             </a:pPr>
             <a:r>
-              <a:rPr lang="en-US" sz="2400" b="1" dirty="0" smtClean="0">
+              <a:rPr lang="en-US" sz="2400" b="1" dirty="0">
                 <a:latin typeface="Consolas" pitchFamily="49" charset="0"/>
                 <a:cs typeface="Consolas" pitchFamily="49" charset="0"/>
               </a:rPr>
               <a:t>       (</a:t>
             </a:r>
             <a:r>
-              <a:rPr lang="en-US" sz="2400" b="1" dirty="0" smtClean="0">
+              <a:rPr lang="en-US" sz="2400" b="1" dirty="0">
                 <a:solidFill>
                   <a:schemeClr val="accent1"/>
                 </a:solidFill>
@@ -10729,7 +10487,7 @@
               <a:t>persons-</a:t>
             </a:r>
             <a:r>
-              <a:rPr lang="en-US" sz="2400" b="1" dirty="0" err="1" smtClean="0">
+              <a:rPr lang="en-US" sz="2400" b="1" dirty="0" err="1">
                 <a:solidFill>
                   <a:schemeClr val="accent1"/>
                 </a:solidFill>
@@ -10739,7 +10497,7 @@
               <a:t>fn</a:t>
             </a:r>
             <a:r>
-              <a:rPr lang="en-US" sz="2400" b="1" dirty="0" smtClean="0">
+              <a:rPr lang="en-US" sz="2400" b="1" dirty="0">
                 <a:latin typeface="Consolas" pitchFamily="49" charset="0"/>
                 <a:cs typeface="Consolas" pitchFamily="49" charset="0"/>
               </a:rPr>
@@ -10750,7 +10508,7 @@
             <a:pPr>
               <a:buNone/>
             </a:pPr>
-            <a:endParaRPr lang="en-US" sz="2400" b="1" dirty="0" smtClean="0">
+            <a:endParaRPr lang="en-US" sz="2400" b="1" dirty="0">
               <a:latin typeface="Consolas" pitchFamily="49" charset="0"/>
               <a:cs typeface="Consolas" pitchFamily="49" charset="0"/>
             </a:endParaRPr>
@@ -10760,21 +10518,21 @@
               <a:buNone/>
             </a:pPr>
             <a:r>
-              <a:rPr lang="en-US" sz="2400" b="1" dirty="0" smtClean="0">
+              <a:rPr lang="en-US" sz="2400" b="1" dirty="0">
                 <a:latin typeface="Consolas" pitchFamily="49" charset="0"/>
                 <a:cs typeface="Consolas" pitchFamily="49" charset="0"/>
               </a:rPr>
               <a:t>;; persons-</a:t>
             </a:r>
             <a:r>
-              <a:rPr lang="en-US" sz="2400" b="1" dirty="0" err="1" smtClean="0">
+              <a:rPr lang="en-US" sz="2400" b="1" dirty="0" err="1">
                 <a:latin typeface="Consolas" pitchFamily="49" charset="0"/>
                 <a:cs typeface="Consolas" pitchFamily="49" charset="0"/>
               </a:rPr>
               <a:t>fn</a:t>
             </a:r>
             <a:r>
-              <a:rPr lang="en-US" sz="2400" b="1" dirty="0" smtClean="0">
+              <a:rPr lang="en-US" sz="2400" b="1" dirty="0">
                 <a:latin typeface="Consolas" pitchFamily="49" charset="0"/>
                 <a:cs typeface="Consolas" pitchFamily="49" charset="0"/>
               </a:rPr>
@@ -10786,14 +10544,14 @@
               <a:buNone/>
             </a:pPr>
             <a:r>
-              <a:rPr lang="en-US" sz="2400" b="1" dirty="0" smtClean="0">
+              <a:rPr lang="en-US" sz="2400" b="1" dirty="0">
                 <a:latin typeface="Consolas" pitchFamily="49" charset="0"/>
                 <a:cs typeface="Consolas" pitchFamily="49" charset="0"/>
               </a:rPr>
               <a:t>(define (</a:t>
             </a:r>
             <a:r>
-              <a:rPr lang="en-US" sz="2400" b="1" dirty="0" smtClean="0">
+              <a:rPr lang="en-US" sz="2400" b="1" dirty="0">
                 <a:solidFill>
                   <a:schemeClr val="accent1"/>
                 </a:solidFill>
@@ -10803,7 +10561,7 @@
               <a:t>persons-</a:t>
             </a:r>
             <a:r>
-              <a:rPr lang="en-US" sz="2400" b="1" dirty="0" err="1" smtClean="0">
+              <a:rPr lang="en-US" sz="2400" b="1" dirty="0" err="1">
                 <a:solidFill>
                   <a:schemeClr val="accent1"/>
                 </a:solidFill>
@@ -10813,21 +10571,21 @@
               <a:t>fn</a:t>
             </a:r>
             <a:r>
-              <a:rPr lang="en-US" sz="2400" b="1" dirty="0" smtClean="0">
+              <a:rPr lang="en-US" sz="2400" b="1" dirty="0">
                 <a:latin typeface="Consolas" pitchFamily="49" charset="0"/>
                 <a:cs typeface="Consolas" pitchFamily="49" charset="0"/>
               </a:rPr>
               <a:t> </a:t>
             </a:r>
             <a:r>
-              <a:rPr lang="en-US" sz="2400" b="1" dirty="0" err="1" smtClean="0">
+              <a:rPr lang="en-US" sz="2400" b="1" dirty="0" err="1">
                 <a:latin typeface="Consolas" pitchFamily="49" charset="0"/>
                 <a:cs typeface="Consolas" pitchFamily="49" charset="0"/>
               </a:rPr>
               <a:t>ps</a:t>
             </a:r>
             <a:r>
-              <a:rPr lang="en-US" sz="2400" b="1" dirty="0" smtClean="0">
+              <a:rPr lang="en-US" sz="2400" b="1" dirty="0">
                 <a:latin typeface="Consolas" pitchFamily="49" charset="0"/>
                 <a:cs typeface="Consolas" pitchFamily="49" charset="0"/>
               </a:rPr>
@@ -10839,20 +10597,20 @@
               <a:buNone/>
             </a:pPr>
             <a:r>
-              <a:rPr lang="en-US" sz="2400" b="1" dirty="0" smtClean="0">
+              <a:rPr lang="en-US" sz="2400" b="1" dirty="0">
                 <a:latin typeface="Consolas" pitchFamily="49" charset="0"/>
                 <a:cs typeface="Consolas" pitchFamily="49" charset="0"/>
               </a:rPr>
               <a:t>  (</a:t>
             </a:r>
             <a:r>
-              <a:rPr lang="en-US" sz="2400" b="1" dirty="0" err="1" smtClean="0">
+              <a:rPr lang="en-US" sz="2400" b="1" dirty="0" err="1">
                 <a:latin typeface="Consolas" pitchFamily="49" charset="0"/>
                 <a:cs typeface="Consolas" pitchFamily="49" charset="0"/>
               </a:rPr>
               <a:t>cond</a:t>
             </a:r>
-            <a:endParaRPr lang="en-US" sz="2400" b="1" dirty="0" smtClean="0">
+            <a:endParaRPr lang="en-US" sz="2400" b="1" dirty="0">
               <a:latin typeface="Consolas" pitchFamily="49" charset="0"/>
               <a:cs typeface="Consolas" pitchFamily="49" charset="0"/>
             </a:endParaRPr>
@@ -10862,21 +10620,21 @@
               <a:buNone/>
             </a:pPr>
             <a:r>
-              <a:rPr lang="en-US" sz="2400" b="1" dirty="0" smtClean="0">
+              <a:rPr lang="en-US" sz="2400" b="1" dirty="0">
                 <a:latin typeface="Consolas" pitchFamily="49" charset="0"/>
                 <a:cs typeface="Consolas" pitchFamily="49" charset="0"/>
               </a:rPr>
               <a:t>    [(empty? </a:t>
             </a:r>
             <a:r>
-              <a:rPr lang="en-US" sz="2400" b="1" dirty="0" err="1" smtClean="0">
+              <a:rPr lang="en-US" sz="2400" b="1" dirty="0" err="1">
                 <a:latin typeface="Consolas" pitchFamily="49" charset="0"/>
                 <a:cs typeface="Consolas" pitchFamily="49" charset="0"/>
               </a:rPr>
               <a:t>ps</a:t>
             </a:r>
             <a:r>
-              <a:rPr lang="en-US" sz="2400" b="1" dirty="0" smtClean="0">
+              <a:rPr lang="en-US" sz="2400" b="1" dirty="0">
                 <a:latin typeface="Consolas" pitchFamily="49" charset="0"/>
                 <a:cs typeface="Consolas" pitchFamily="49" charset="0"/>
               </a:rPr>
@@ -10888,14 +10646,14 @@
               <a:buNone/>
             </a:pPr>
             <a:r>
-              <a:rPr lang="en-US" sz="2400" b="1" dirty="0" smtClean="0">
+              <a:rPr lang="en-US" sz="2400" b="1" dirty="0">
                 <a:latin typeface="Consolas" pitchFamily="49" charset="0"/>
                 <a:cs typeface="Consolas" pitchFamily="49" charset="0"/>
               </a:rPr>
               <a:t>    [else (... (</a:t>
             </a:r>
             <a:r>
-              <a:rPr lang="en-US" sz="2400" b="1" dirty="0" smtClean="0">
+              <a:rPr lang="en-US" sz="2400" b="1" dirty="0">
                 <a:solidFill>
                   <a:srgbClr val="FF0000"/>
                 </a:solidFill>
@@ -10905,21 +10663,21 @@
               <a:t>person-fn</a:t>
             </a:r>
             <a:r>
-              <a:rPr lang="en-US" sz="2400" b="1" dirty="0" smtClean="0">
+              <a:rPr lang="en-US" sz="2400" b="1" dirty="0">
                 <a:latin typeface="Consolas" pitchFamily="49" charset="0"/>
                 <a:cs typeface="Consolas" pitchFamily="49" charset="0"/>
               </a:rPr>
               <a:t> (first </a:t>
             </a:r>
             <a:r>
-              <a:rPr lang="en-US" sz="2400" b="1" dirty="0" err="1" smtClean="0">
+              <a:rPr lang="en-US" sz="2400" b="1" dirty="0" err="1">
                 <a:latin typeface="Consolas" pitchFamily="49" charset="0"/>
                 <a:cs typeface="Consolas" pitchFamily="49" charset="0"/>
               </a:rPr>
               <a:t>ps</a:t>
             </a:r>
             <a:r>
-              <a:rPr lang="en-US" sz="2400" b="1" dirty="0" smtClean="0">
+              <a:rPr lang="en-US" sz="2400" b="1" dirty="0">
                 <a:latin typeface="Consolas" pitchFamily="49" charset="0"/>
                 <a:cs typeface="Consolas" pitchFamily="49" charset="0"/>
               </a:rPr>
@@ -10931,14 +10689,14 @@
               <a:buNone/>
             </a:pPr>
             <a:r>
-              <a:rPr lang="en-US" sz="2400" b="1" dirty="0" smtClean="0">
+              <a:rPr lang="en-US" sz="2400" b="1" dirty="0">
                 <a:latin typeface="Consolas" pitchFamily="49" charset="0"/>
                 <a:cs typeface="Consolas" pitchFamily="49" charset="0"/>
               </a:rPr>
               <a:t>               (</a:t>
             </a:r>
             <a:r>
-              <a:rPr lang="en-US" sz="2400" b="1" dirty="0" smtClean="0">
+              <a:rPr lang="en-US" sz="2400" b="1" dirty="0">
                 <a:solidFill>
                   <a:schemeClr val="accent1"/>
                 </a:solidFill>
@@ -10948,7 +10706,7 @@
               <a:t>persons-</a:t>
             </a:r>
             <a:r>
-              <a:rPr lang="en-US" sz="2400" b="1" dirty="0" err="1" smtClean="0">
+              <a:rPr lang="en-US" sz="2400" b="1" dirty="0" err="1">
                 <a:solidFill>
                   <a:schemeClr val="accent1"/>
                 </a:solidFill>
@@ -10958,21 +10716,21 @@
               <a:t>fn</a:t>
             </a:r>
             <a:r>
-              <a:rPr lang="en-US" sz="2400" b="1" dirty="0" smtClean="0">
+              <a:rPr lang="en-US" sz="2400" b="1" dirty="0">
                 <a:latin typeface="Consolas" pitchFamily="49" charset="0"/>
                 <a:cs typeface="Consolas" pitchFamily="49" charset="0"/>
               </a:rPr>
               <a:t> (rest </a:t>
             </a:r>
             <a:r>
-              <a:rPr lang="en-US" sz="2400" b="1" dirty="0" err="1" smtClean="0">
+              <a:rPr lang="en-US" sz="2400" b="1" dirty="0" err="1">
                 <a:latin typeface="Consolas" pitchFamily="49" charset="0"/>
                 <a:cs typeface="Consolas" pitchFamily="49" charset="0"/>
               </a:rPr>
               <a:t>ps</a:t>
             </a:r>
             <a:r>
-              <a:rPr lang="en-US" sz="2400" b="1" dirty="0" smtClean="0">
+              <a:rPr lang="en-US" sz="2400" b="1" dirty="0">
                 <a:latin typeface="Consolas" pitchFamily="49" charset="0"/>
                 <a:cs typeface="Consolas" pitchFamily="49" charset="0"/>
               </a:rPr>
@@ -11117,7 +10875,7 @@
             <a:p>
               <a:pPr algn="ctr"/>
               <a:r>
-                <a:rPr lang="en-US" dirty="0" smtClean="0">
+                <a:rPr lang="en-US" dirty="0">
                   <a:solidFill>
                     <a:schemeClr val="tx1"/>
                   </a:solidFill>
@@ -11213,7 +10971,7 @@
             <a:p>
               <a:pPr algn="ctr"/>
               <a:r>
-                <a:rPr lang="en-US" dirty="0" smtClean="0">
+                <a:rPr lang="en-US" dirty="0">
                   <a:solidFill>
                     <a:schemeClr val="tx1"/>
                   </a:solidFill>
@@ -11309,7 +11067,7 @@
             <a:p>
               <a:pPr algn="ctr"/>
               <a:r>
-                <a:rPr lang="en-US" dirty="0" smtClean="0">
+                <a:rPr lang="en-US" dirty="0">
                   <a:solidFill>
                     <a:schemeClr val="tx1"/>
                   </a:solidFill>
@@ -11617,10 +11375,9 @@
           <a:lstStyle/>
           <a:p>
             <a:r>
-              <a:rPr lang="en-US" dirty="0" smtClean="0"/>
+              <a:rPr lang="en-US" dirty="0"/>
               <a:t>Introduction</a:t>
             </a:r>
-            <a:endParaRPr lang="en-US" dirty="0"/>
           </a:p>
         </p:txBody>
       </p:sp>
@@ -11642,68 +11399,67 @@
           <a:lstStyle/>
           <a:p>
             <a:r>
-              <a:rPr lang="en-US" dirty="0" smtClean="0"/>
+              <a:rPr lang="en-US" dirty="0"/>
               <a:t>We've talked about binary trees</a:t>
             </a:r>
           </a:p>
           <a:p>
             <a:r>
-              <a:rPr lang="en-US" dirty="0" smtClean="0"/>
+              <a:rPr lang="en-US" dirty="0"/>
               <a:t>Sometimes, we need to construct trees in which each node has an unbounded number of sons.  We call these </a:t>
             </a:r>
             <a:r>
-              <a:rPr lang="en-US" i="1" dirty="0" smtClean="0"/>
+              <a:rPr lang="en-US" i="1" dirty="0"/>
               <a:t>multi-way trees</a:t>
             </a:r>
             <a:r>
-              <a:rPr lang="en-US" dirty="0" smtClean="0"/>
+              <a:rPr lang="en-US" dirty="0"/>
               <a:t>.</a:t>
             </a:r>
           </a:p>
           <a:p>
             <a:pPr lvl="1"/>
             <a:r>
-              <a:rPr lang="en-US" dirty="0" smtClean="0"/>
+              <a:rPr lang="en-US" dirty="0"/>
               <a:t>example: a file system, in which a directory can have any number of files or directories in it.</a:t>
             </a:r>
           </a:p>
           <a:p>
             <a:pPr lvl="1"/>
             <a:r>
-              <a:rPr lang="en-US" dirty="0" smtClean="0"/>
+              <a:rPr lang="en-US" dirty="0"/>
               <a:t>example: S-expressions, in which a </a:t>
             </a:r>
             <a:r>
-              <a:rPr lang="en-US" dirty="0" err="1" smtClean="0"/>
+              <a:rPr lang="en-US" dirty="0" err="1"/>
               <a:t>LoSS</a:t>
             </a:r>
             <a:r>
-              <a:rPr lang="en-US" dirty="0" smtClean="0"/>
+              <a:rPr lang="en-US" dirty="0"/>
               <a:t> may contain any number of strings or </a:t>
             </a:r>
             <a:r>
-              <a:rPr lang="en-US" dirty="0" err="1" smtClean="0"/>
+              <a:rPr lang="en-US" dirty="0" err="1"/>
               <a:t>SoS's</a:t>
             </a:r>
             <a:r>
-              <a:rPr lang="en-US" dirty="0" smtClean="0"/>
+              <a:rPr lang="en-US" dirty="0"/>
               <a:t>.</a:t>
             </a:r>
           </a:p>
           <a:p>
             <a:pPr lvl="1"/>
             <a:r>
-              <a:rPr lang="en-US" dirty="0" smtClean="0"/>
+              <a:rPr lang="en-US" dirty="0"/>
               <a:t>an XML item.</a:t>
             </a:r>
           </a:p>
           <a:p>
             <a:pPr lvl="1"/>
             <a:r>
-              <a:rPr lang="en-US" dirty="0" smtClean="0"/>
+              <a:rPr lang="en-US" dirty="0"/>
               <a:t>in this lesson, we'll do a case study of one application of multi-way trees.</a:t>
             </a:r>
-            <a:endParaRPr lang="en-US" dirty="0"/>
           </a:p>
         </p:txBody>
       </p:sp>
@@ -11740,13 +11496,6 @@
   <p:clrMapOvr>
     <a:masterClrMapping/>
   </p:clrMapOvr>
-  <p:timing>
-    <p:tnLst>
-      <p:par>
-        <p:cTn id="1" dur="indefinite" restart="never" nodeType="tmRoot"/>
-      </p:par>
-    </p:tnLst>
-  </p:timing>
 </p:sld>
 </file>
 
@@ -11931,7 +11680,7 @@
               <a:buNone/>
             </a:pPr>
             <a:r>
-              <a:rPr lang="en-US" sz="2000" b="1" dirty="0" smtClean="0">
+              <a:rPr lang="en-US" sz="2000" b="1" dirty="0">
                 <a:latin typeface="Consolas" pitchFamily="49" charset="0"/>
                 <a:cs typeface="Consolas" pitchFamily="49" charset="0"/>
               </a:rPr>
@@ -11944,7 +11693,7 @@
               <a:buNone/>
             </a:pPr>
             <a:r>
-              <a:rPr lang="en-US" sz="2000" b="1" dirty="0" smtClean="0">
+              <a:rPr lang="en-US" sz="2000" b="1" dirty="0">
                 <a:latin typeface="Consolas" pitchFamily="49" charset="0"/>
                 <a:cs typeface="Consolas" pitchFamily="49" charset="0"/>
               </a:rPr>
@@ -11957,7 +11706,7 @@
               <a:buNone/>
             </a:pPr>
             <a:r>
-              <a:rPr lang="en-US" sz="2000" b="1" dirty="0" smtClean="0">
+              <a:rPr lang="en-US" sz="2000" b="1" dirty="0">
                 <a:latin typeface="Consolas" pitchFamily="49" charset="0"/>
                 <a:cs typeface="Consolas" pitchFamily="49" charset="0"/>
               </a:rPr>
@@ -11970,7 +11719,7 @@
               <a:buNone/>
             </a:pPr>
             <a:r>
-              <a:rPr lang="en-US" sz="2000" b="1" dirty="0" smtClean="0">
+              <a:rPr lang="en-US" sz="2000" b="1" dirty="0">
                 <a:latin typeface="Consolas" pitchFamily="49" charset="0"/>
                 <a:cs typeface="Consolas" pitchFamily="49" charset="0"/>
               </a:rPr>
@@ -11983,7 +11732,7 @@
               <a:buNone/>
             </a:pPr>
             <a:r>
-              <a:rPr lang="en-US" sz="2000" b="1" dirty="0" smtClean="0">
+              <a:rPr lang="en-US" sz="2000" b="1" dirty="0">
                 <a:latin typeface="Consolas" pitchFamily="49" charset="0"/>
                 <a:cs typeface="Consolas" pitchFamily="49" charset="0"/>
               </a:rPr>
@@ -11996,7 +11745,7 @@
               <a:buNone/>
             </a:pPr>
             <a:r>
-              <a:rPr lang="en-US" sz="2000" b="1" dirty="0" smtClean="0">
+              <a:rPr lang="en-US" sz="2000" b="1" dirty="0">
                 <a:latin typeface="Consolas" pitchFamily="49" charset="0"/>
                 <a:cs typeface="Consolas" pitchFamily="49" charset="0"/>
               </a:rPr>
@@ -12008,7 +11757,7 @@
               <a:buFont typeface="Arial" pitchFamily="34" charset="0"/>
               <a:buNone/>
             </a:pPr>
-            <a:endParaRPr lang="en-US" sz="2000" b="1" dirty="0" smtClean="0">
+            <a:endParaRPr lang="en-US" sz="2000" b="1" dirty="0">
               <a:latin typeface="Consolas" pitchFamily="49" charset="0"/>
               <a:cs typeface="Consolas" pitchFamily="49" charset="0"/>
             </a:endParaRPr>
@@ -12019,7 +11768,7 @@
               <a:buNone/>
             </a:pPr>
             <a:r>
-              <a:rPr lang="en-US" sz="2000" b="1" dirty="0" smtClean="0">
+              <a:rPr lang="en-US" sz="2000" b="1" dirty="0">
                 <a:latin typeface="Consolas" pitchFamily="49" charset="0"/>
                 <a:cs typeface="Consolas" pitchFamily="49" charset="0"/>
               </a:rPr>
@@ -12032,20 +11781,20 @@
               <a:buNone/>
             </a:pPr>
             <a:r>
-              <a:rPr lang="en-US" sz="2000" b="1" dirty="0" smtClean="0">
+              <a:rPr lang="en-US" sz="2000" b="1" dirty="0">
                 <a:latin typeface="Consolas" pitchFamily="49" charset="0"/>
                 <a:cs typeface="Consolas" pitchFamily="49" charset="0"/>
               </a:rPr>
               <a:t>;; STRATEGY: Use template for Persons on </a:t>
             </a:r>
             <a:r>
-              <a:rPr lang="en-US" sz="2000" b="1" dirty="0" err="1" smtClean="0">
+              <a:rPr lang="en-US" sz="2000" b="1" dirty="0" err="1">
                 <a:latin typeface="Consolas" pitchFamily="49" charset="0"/>
                 <a:cs typeface="Consolas" pitchFamily="49" charset="0"/>
               </a:rPr>
               <a:t>ps</a:t>
             </a:r>
-            <a:endParaRPr lang="en-US" sz="2000" b="1" dirty="0" smtClean="0">
+            <a:endParaRPr lang="en-US" sz="2000" b="1" dirty="0">
               <a:latin typeface="Consolas" pitchFamily="49" charset="0"/>
               <a:cs typeface="Consolas" pitchFamily="49" charset="0"/>
             </a:endParaRPr>
@@ -12056,21 +11805,21 @@
               <a:buNone/>
             </a:pPr>
             <a:r>
-              <a:rPr lang="en-US" sz="2000" b="1" dirty="0" smtClean="0">
+              <a:rPr lang="en-US" sz="2000" b="1" dirty="0">
                 <a:latin typeface="Consolas" pitchFamily="49" charset="0"/>
                 <a:cs typeface="Consolas" pitchFamily="49" charset="0"/>
               </a:rPr>
               <a:t>(define (persons-descendants </a:t>
             </a:r>
             <a:r>
-              <a:rPr lang="en-US" sz="2000" b="1" dirty="0" err="1" smtClean="0">
+              <a:rPr lang="en-US" sz="2000" b="1" dirty="0" err="1">
                 <a:latin typeface="Consolas" pitchFamily="49" charset="0"/>
                 <a:cs typeface="Consolas" pitchFamily="49" charset="0"/>
               </a:rPr>
               <a:t>ps</a:t>
             </a:r>
             <a:r>
-              <a:rPr lang="en-US" sz="2000" b="1" dirty="0" smtClean="0">
+              <a:rPr lang="en-US" sz="2000" b="1" dirty="0">
                 <a:latin typeface="Consolas" pitchFamily="49" charset="0"/>
                 <a:cs typeface="Consolas" pitchFamily="49" charset="0"/>
               </a:rPr>
@@ -12083,20 +11832,20 @@
               <a:buNone/>
             </a:pPr>
             <a:r>
-              <a:rPr lang="en-US" sz="2000" b="1" dirty="0" smtClean="0">
+              <a:rPr lang="en-US" sz="2000" b="1" dirty="0">
                 <a:latin typeface="Consolas" pitchFamily="49" charset="0"/>
                 <a:cs typeface="Consolas" pitchFamily="49" charset="0"/>
               </a:rPr>
               <a:t>  (</a:t>
             </a:r>
             <a:r>
-              <a:rPr lang="en-US" sz="2000" b="1" dirty="0" err="1" smtClean="0">
+              <a:rPr lang="en-US" sz="2000" b="1" dirty="0" err="1">
                 <a:latin typeface="Consolas" pitchFamily="49" charset="0"/>
                 <a:cs typeface="Consolas" pitchFamily="49" charset="0"/>
               </a:rPr>
               <a:t>cond</a:t>
             </a:r>
-            <a:endParaRPr lang="en-US" sz="2000" b="1" dirty="0" smtClean="0">
+            <a:endParaRPr lang="en-US" sz="2000" b="1" dirty="0">
               <a:latin typeface="Consolas" pitchFamily="49" charset="0"/>
               <a:cs typeface="Consolas" pitchFamily="49" charset="0"/>
             </a:endParaRPr>
@@ -12107,21 +11856,21 @@
               <a:buNone/>
             </a:pPr>
             <a:r>
-              <a:rPr lang="en-US" sz="2000" b="1" dirty="0" smtClean="0">
+              <a:rPr lang="en-US" sz="2000" b="1" dirty="0">
                 <a:latin typeface="Consolas" pitchFamily="49" charset="0"/>
                 <a:cs typeface="Consolas" pitchFamily="49" charset="0"/>
               </a:rPr>
               <a:t>    [(empty? </a:t>
             </a:r>
             <a:r>
-              <a:rPr lang="en-US" sz="2000" b="1" dirty="0" err="1" smtClean="0">
+              <a:rPr lang="en-US" sz="2000" b="1" dirty="0" err="1">
                 <a:latin typeface="Consolas" pitchFamily="49" charset="0"/>
                 <a:cs typeface="Consolas" pitchFamily="49" charset="0"/>
               </a:rPr>
               <a:t>ps</a:t>
             </a:r>
             <a:r>
-              <a:rPr lang="en-US" sz="2000" b="1" dirty="0" smtClean="0">
+              <a:rPr lang="en-US" sz="2000" b="1" dirty="0">
                 <a:latin typeface="Consolas" pitchFamily="49" charset="0"/>
                 <a:cs typeface="Consolas" pitchFamily="49" charset="0"/>
               </a:rPr>
@@ -12134,7 +11883,7 @@
               <a:buNone/>
             </a:pPr>
             <a:r>
-              <a:rPr lang="en-US" sz="2000" b="1" dirty="0" smtClean="0">
+              <a:rPr lang="en-US" sz="2000" b="1" dirty="0">
                 <a:latin typeface="Consolas" pitchFamily="49" charset="0"/>
                 <a:cs typeface="Consolas" pitchFamily="49" charset="0"/>
               </a:rPr>
@@ -12147,21 +11896,21 @@
               <a:buNone/>
             </a:pPr>
             <a:r>
-              <a:rPr lang="en-US" sz="2000" b="1" dirty="0" smtClean="0">
+              <a:rPr lang="en-US" sz="2000" b="1" dirty="0">
                 <a:latin typeface="Consolas" pitchFamily="49" charset="0"/>
                 <a:cs typeface="Consolas" pitchFamily="49" charset="0"/>
               </a:rPr>
               <a:t>           (person-descendants (first </a:t>
             </a:r>
             <a:r>
-              <a:rPr lang="en-US" sz="2000" b="1" dirty="0" err="1" smtClean="0">
+              <a:rPr lang="en-US" sz="2000" b="1" dirty="0" err="1">
                 <a:latin typeface="Consolas" pitchFamily="49" charset="0"/>
                 <a:cs typeface="Consolas" pitchFamily="49" charset="0"/>
               </a:rPr>
               <a:t>ps</a:t>
             </a:r>
             <a:r>
-              <a:rPr lang="en-US" sz="2000" b="1" dirty="0" smtClean="0">
+              <a:rPr lang="en-US" sz="2000" b="1" dirty="0">
                 <a:latin typeface="Consolas" pitchFamily="49" charset="0"/>
                 <a:cs typeface="Consolas" pitchFamily="49" charset="0"/>
               </a:rPr>
@@ -12174,21 +11923,21 @@
               <a:buNone/>
             </a:pPr>
             <a:r>
-              <a:rPr lang="en-US" sz="2000" b="1" dirty="0" smtClean="0">
+              <a:rPr lang="en-US" sz="2000" b="1" dirty="0">
                 <a:latin typeface="Consolas" pitchFamily="49" charset="0"/>
                 <a:cs typeface="Consolas" pitchFamily="49" charset="0"/>
               </a:rPr>
               <a:t>           (persons-descendants (rest </a:t>
             </a:r>
             <a:r>
-              <a:rPr lang="en-US" sz="2000" b="1" dirty="0" err="1" smtClean="0">
+              <a:rPr lang="en-US" sz="2000" b="1" dirty="0" err="1">
                 <a:latin typeface="Consolas" pitchFamily="49" charset="0"/>
                 <a:cs typeface="Consolas" pitchFamily="49" charset="0"/>
               </a:rPr>
               <a:t>ps</a:t>
             </a:r>
             <a:r>
-              <a:rPr lang="en-US" sz="2000" b="1" dirty="0" smtClean="0">
+              <a:rPr lang="en-US" sz="2000" b="1" dirty="0">
                 <a:latin typeface="Consolas" pitchFamily="49" charset="0"/>
                 <a:cs typeface="Consolas" pitchFamily="49" charset="0"/>
               </a:rPr>
@@ -12223,10 +11972,9 @@
           <a:lstStyle/>
           <a:p>
             <a:r>
-              <a:rPr lang="en-US" dirty="0" smtClean="0"/>
+              <a:rPr lang="en-US" dirty="0"/>
               <a:t>Function Definitions</a:t>
             </a:r>
-            <a:endParaRPr lang="en-US" dirty="0"/>
           </a:p>
         </p:txBody>
       </p:sp>
@@ -12256,7 +12004,7 @@
               <a:buNone/>
             </a:pPr>
             <a:r>
-              <a:rPr lang="en-US" sz="2000" b="1" dirty="0" smtClean="0">
+              <a:rPr lang="en-US" sz="2000" b="1" dirty="0">
                 <a:latin typeface="Consolas" pitchFamily="49" charset="0"/>
                 <a:cs typeface="Consolas" pitchFamily="49" charset="0"/>
               </a:rPr>
@@ -12268,7 +12016,7 @@
               <a:buNone/>
             </a:pPr>
             <a:r>
-              <a:rPr lang="en-US" sz="2000" b="1" dirty="0" smtClean="0">
+              <a:rPr lang="en-US" sz="2000" b="1" dirty="0">
                 <a:latin typeface="Consolas" pitchFamily="49" charset="0"/>
                 <a:cs typeface="Consolas" pitchFamily="49" charset="0"/>
               </a:rPr>
@@ -12280,7 +12028,7 @@
               <a:buNone/>
             </a:pPr>
             <a:r>
-              <a:rPr lang="en-US" sz="2000" b="1" dirty="0" smtClean="0">
+              <a:rPr lang="en-US" sz="2000" b="1" dirty="0">
                 <a:latin typeface="Consolas" pitchFamily="49" charset="0"/>
                 <a:cs typeface="Consolas" pitchFamily="49" charset="0"/>
               </a:rPr>
@@ -12292,14 +12040,14 @@
               <a:buNone/>
             </a:pPr>
             <a:r>
-              <a:rPr lang="en-US" sz="2000" b="1" dirty="0" smtClean="0">
+              <a:rPr lang="en-US" sz="2000" b="1" dirty="0">
                 <a:latin typeface="Consolas" pitchFamily="49" charset="0"/>
                 <a:cs typeface="Consolas" pitchFamily="49" charset="0"/>
               </a:rPr>
               <a:t>  (</a:t>
             </a:r>
             <a:r>
-              <a:rPr lang="en-US" sz="2000" b="1" dirty="0" smtClean="0">
+              <a:rPr lang="en-US" sz="2000" b="1" dirty="0">
                 <a:solidFill>
                   <a:srgbClr val="FF0000"/>
                 </a:solidFill>
@@ -12314,7 +12062,7 @@
               <a:buNone/>
             </a:pPr>
             <a:r>
-              <a:rPr lang="en-US" sz="2000" b="1" dirty="0" smtClean="0">
+              <a:rPr lang="en-US" sz="2000" b="1" dirty="0">
                 <a:latin typeface="Consolas" pitchFamily="49" charset="0"/>
                 <a:cs typeface="Consolas" pitchFamily="49" charset="0"/>
               </a:rPr>
@@ -12326,7 +12074,7 @@
               <a:buNone/>
             </a:pPr>
             <a:r>
-              <a:rPr lang="en-US" sz="2000" b="1" dirty="0" smtClean="0">
+              <a:rPr lang="en-US" sz="2000" b="1" dirty="0">
                 <a:latin typeface="Consolas" pitchFamily="49" charset="0"/>
                 <a:cs typeface="Consolas" pitchFamily="49" charset="0"/>
               </a:rPr>
@@ -12337,7 +12085,7 @@
             <a:pPr>
               <a:buNone/>
             </a:pPr>
-            <a:endParaRPr lang="en-US" sz="2000" b="1" dirty="0" smtClean="0">
+            <a:endParaRPr lang="en-US" sz="2000" b="1" dirty="0">
               <a:latin typeface="Consolas" pitchFamily="49" charset="0"/>
               <a:cs typeface="Consolas" pitchFamily="49" charset="0"/>
             </a:endParaRPr>
@@ -12347,7 +12095,7 @@
               <a:buNone/>
             </a:pPr>
             <a:r>
-              <a:rPr lang="en-US" sz="2000" b="1" dirty="0" smtClean="0">
+              <a:rPr lang="en-US" sz="2000" b="1" dirty="0">
                 <a:latin typeface="Consolas" pitchFamily="49" charset="0"/>
                 <a:cs typeface="Consolas" pitchFamily="49" charset="0"/>
               </a:rPr>
@@ -12359,20 +12107,20 @@
               <a:buNone/>
             </a:pPr>
             <a:r>
-              <a:rPr lang="en-US" sz="2000" b="1" dirty="0" smtClean="0">
+              <a:rPr lang="en-US" sz="2000" b="1" dirty="0">
                 <a:latin typeface="Consolas" pitchFamily="49" charset="0"/>
                 <a:cs typeface="Consolas" pitchFamily="49" charset="0"/>
               </a:rPr>
               <a:t>;; STRATEGY: Use template for Persons on </a:t>
             </a:r>
             <a:r>
-              <a:rPr lang="en-US" sz="2000" b="1" dirty="0" err="1" smtClean="0">
+              <a:rPr lang="en-US" sz="2000" b="1" dirty="0" err="1">
                 <a:latin typeface="Consolas" pitchFamily="49" charset="0"/>
                 <a:cs typeface="Consolas" pitchFamily="49" charset="0"/>
               </a:rPr>
               <a:t>ps</a:t>
             </a:r>
-            <a:endParaRPr lang="en-US" sz="2000" b="1" dirty="0" smtClean="0">
+            <a:endParaRPr lang="en-US" sz="2000" b="1" dirty="0">
               <a:latin typeface="Consolas" pitchFamily="49" charset="0"/>
               <a:cs typeface="Consolas" pitchFamily="49" charset="0"/>
             </a:endParaRPr>
@@ -12382,21 +12130,21 @@
               <a:buNone/>
             </a:pPr>
             <a:r>
-              <a:rPr lang="en-US" sz="2000" b="1" dirty="0" smtClean="0">
+              <a:rPr lang="en-US" sz="2000" b="1" dirty="0">
                 <a:latin typeface="Consolas" pitchFamily="49" charset="0"/>
                 <a:cs typeface="Consolas" pitchFamily="49" charset="0"/>
               </a:rPr>
               <a:t>(define (persons-descendants </a:t>
             </a:r>
             <a:r>
-              <a:rPr lang="en-US" sz="2000" b="1" dirty="0" err="1" smtClean="0">
+              <a:rPr lang="en-US" sz="2000" b="1" dirty="0" err="1">
                 <a:latin typeface="Consolas" pitchFamily="49" charset="0"/>
                 <a:cs typeface="Consolas" pitchFamily="49" charset="0"/>
               </a:rPr>
               <a:t>ps</a:t>
             </a:r>
             <a:r>
-              <a:rPr lang="en-US" sz="2000" b="1" dirty="0" smtClean="0">
+              <a:rPr lang="en-US" sz="2000" b="1" dirty="0">
                 <a:latin typeface="Consolas" pitchFamily="49" charset="0"/>
                 <a:cs typeface="Consolas" pitchFamily="49" charset="0"/>
               </a:rPr>
@@ -12408,20 +12156,20 @@
               <a:buNone/>
             </a:pPr>
             <a:r>
-              <a:rPr lang="en-US" sz="2000" b="1" dirty="0" smtClean="0">
+              <a:rPr lang="en-US" sz="2000" b="1" dirty="0">
                 <a:latin typeface="Consolas" pitchFamily="49" charset="0"/>
                 <a:cs typeface="Consolas" pitchFamily="49" charset="0"/>
               </a:rPr>
               <a:t>  (</a:t>
             </a:r>
             <a:r>
-              <a:rPr lang="en-US" sz="2000" b="1" dirty="0" err="1" smtClean="0">
+              <a:rPr lang="en-US" sz="2000" b="1" dirty="0" err="1">
                 <a:latin typeface="Consolas" pitchFamily="49" charset="0"/>
                 <a:cs typeface="Consolas" pitchFamily="49" charset="0"/>
               </a:rPr>
               <a:t>cond</a:t>
             </a:r>
-            <a:endParaRPr lang="en-US" sz="2000" b="1" dirty="0" smtClean="0">
+            <a:endParaRPr lang="en-US" sz="2000" b="1" dirty="0">
               <a:latin typeface="Consolas" pitchFamily="49" charset="0"/>
               <a:cs typeface="Consolas" pitchFamily="49" charset="0"/>
             </a:endParaRPr>
@@ -12431,28 +12179,28 @@
               <a:buNone/>
             </a:pPr>
             <a:r>
-              <a:rPr lang="en-US" sz="2000" b="1" dirty="0" smtClean="0">
+              <a:rPr lang="en-US" sz="2000" b="1" dirty="0">
                 <a:latin typeface="Consolas" pitchFamily="49" charset="0"/>
                 <a:cs typeface="Consolas" pitchFamily="49" charset="0"/>
               </a:rPr>
               <a:t>    [(empty? </a:t>
             </a:r>
             <a:r>
-              <a:rPr lang="en-US" sz="2000" b="1" dirty="0" err="1" smtClean="0">
+              <a:rPr lang="en-US" sz="2000" b="1" dirty="0" err="1">
                 <a:latin typeface="Consolas" pitchFamily="49" charset="0"/>
                 <a:cs typeface="Consolas" pitchFamily="49" charset="0"/>
               </a:rPr>
               <a:t>ps</a:t>
             </a:r>
             <a:r>
-              <a:rPr lang="en-US" sz="2000" b="1" dirty="0" smtClean="0">
+              <a:rPr lang="en-US" sz="2000" b="1" dirty="0">
                 <a:latin typeface="Consolas" pitchFamily="49" charset="0"/>
                 <a:cs typeface="Consolas" pitchFamily="49" charset="0"/>
               </a:rPr>
               <a:t>) </a:t>
             </a:r>
             <a:r>
-              <a:rPr lang="en-US" sz="2000" b="1" dirty="0" smtClean="0">
+              <a:rPr lang="en-US" sz="2000" b="1" dirty="0">
                 <a:solidFill>
                   <a:srgbClr val="FF0000"/>
                 </a:solidFill>
@@ -12462,7 +12210,7 @@
               <a:t>empty</a:t>
             </a:r>
             <a:r>
-              <a:rPr lang="en-US" sz="2000" b="1" dirty="0" smtClean="0">
+              <a:rPr lang="en-US" sz="2000" b="1" dirty="0">
                 <a:latin typeface="Consolas" pitchFamily="49" charset="0"/>
                 <a:cs typeface="Consolas" pitchFamily="49" charset="0"/>
               </a:rPr>
@@ -12474,14 +12222,14 @@
               <a:buNone/>
             </a:pPr>
             <a:r>
-              <a:rPr lang="en-US" sz="2000" b="1" dirty="0" smtClean="0">
+              <a:rPr lang="en-US" sz="2000" b="1" dirty="0">
                 <a:latin typeface="Consolas" pitchFamily="49" charset="0"/>
                 <a:cs typeface="Consolas" pitchFamily="49" charset="0"/>
               </a:rPr>
               <a:t>    [else (</a:t>
             </a:r>
             <a:r>
-              <a:rPr lang="en-US" sz="2000" b="1" dirty="0" smtClean="0">
+              <a:rPr lang="en-US" sz="2000" b="1" dirty="0">
                 <a:solidFill>
                   <a:srgbClr val="FF0000"/>
                 </a:solidFill>
@@ -12496,21 +12244,21 @@
               <a:buNone/>
             </a:pPr>
             <a:r>
-              <a:rPr lang="en-US" sz="2000" b="1" dirty="0" smtClean="0">
+              <a:rPr lang="en-US" sz="2000" b="1" dirty="0">
                 <a:latin typeface="Consolas" pitchFamily="49" charset="0"/>
                 <a:cs typeface="Consolas" pitchFamily="49" charset="0"/>
               </a:rPr>
               <a:t>           (person-descendants (first </a:t>
             </a:r>
             <a:r>
-              <a:rPr lang="en-US" sz="2000" b="1" dirty="0" err="1" smtClean="0">
+              <a:rPr lang="en-US" sz="2000" b="1" dirty="0" err="1">
                 <a:latin typeface="Consolas" pitchFamily="49" charset="0"/>
                 <a:cs typeface="Consolas" pitchFamily="49" charset="0"/>
               </a:rPr>
               <a:t>ps</a:t>
             </a:r>
             <a:r>
-              <a:rPr lang="en-US" sz="2000" b="1" dirty="0" smtClean="0">
+              <a:rPr lang="en-US" sz="2000" b="1" dirty="0">
                 <a:latin typeface="Consolas" pitchFamily="49" charset="0"/>
                 <a:cs typeface="Consolas" pitchFamily="49" charset="0"/>
               </a:rPr>
@@ -12522,21 +12270,21 @@
               <a:buNone/>
             </a:pPr>
             <a:r>
-              <a:rPr lang="en-US" sz="2000" b="1" dirty="0" smtClean="0">
+              <a:rPr lang="en-US" sz="2000" b="1" dirty="0">
                 <a:latin typeface="Consolas" pitchFamily="49" charset="0"/>
                 <a:cs typeface="Consolas" pitchFamily="49" charset="0"/>
               </a:rPr>
               <a:t>           (persons-descendants (rest </a:t>
             </a:r>
             <a:r>
-              <a:rPr lang="en-US" sz="2000" b="1" dirty="0" err="1" smtClean="0">
+              <a:rPr lang="en-US" sz="2000" b="1" dirty="0" err="1">
                 <a:latin typeface="Consolas" pitchFamily="49" charset="0"/>
                 <a:cs typeface="Consolas" pitchFamily="49" charset="0"/>
               </a:rPr>
               <a:t>ps</a:t>
             </a:r>
             <a:r>
-              <a:rPr lang="en-US" sz="2000" b="1" dirty="0" smtClean="0">
+              <a:rPr lang="en-US" sz="2000" b="1" dirty="0">
                 <a:latin typeface="Consolas" pitchFamily="49" charset="0"/>
                 <a:cs typeface="Consolas" pitchFamily="49" charset="0"/>
               </a:rPr>
@@ -12613,7 +12361,7 @@
           <a:p>
             <a:pPr algn="ctr"/>
             <a:r>
-              <a:rPr lang="en-US" dirty="0" smtClean="0">
+              <a:rPr lang="en-US" dirty="0">
                 <a:solidFill>
                   <a:schemeClr val="tx1"/>
                 </a:solidFill>
@@ -12892,10 +12640,9 @@
           <a:lstStyle/>
           <a:p>
             <a:r>
-              <a:rPr lang="en-US" dirty="0" smtClean="0"/>
+              <a:rPr lang="en-US" dirty="0"/>
               <a:t>Or, with the HOFs</a:t>
             </a:r>
-            <a:endParaRPr lang="en-US" dirty="0"/>
           </a:p>
         </p:txBody>
       </p:sp>
@@ -12920,7 +12667,7 @@
               <a:buNone/>
             </a:pPr>
             <a:r>
-              <a:rPr lang="en-US" sz="2000" b="1" dirty="0" smtClean="0">
+              <a:rPr lang="en-US" sz="2000" b="1" dirty="0">
                 <a:latin typeface="Consolas" pitchFamily="49" charset="0"/>
                 <a:cs typeface="Consolas" pitchFamily="49" charset="0"/>
               </a:rPr>
@@ -12932,7 +12679,7 @@
               <a:buNone/>
             </a:pPr>
             <a:r>
-              <a:rPr lang="en-US" sz="2000" b="1" dirty="0" smtClean="0">
+              <a:rPr lang="en-US" sz="2000" b="1" dirty="0">
                 <a:latin typeface="Consolas" pitchFamily="49" charset="0"/>
                 <a:cs typeface="Consolas" pitchFamily="49" charset="0"/>
               </a:rPr>
@@ -12944,7 +12691,7 @@
               <a:buNone/>
             </a:pPr>
             <a:r>
-              <a:rPr lang="en-US" sz="2000" b="1" dirty="0" smtClean="0">
+              <a:rPr lang="en-US" sz="2000" b="1" dirty="0">
                 <a:latin typeface="Consolas" pitchFamily="49" charset="0"/>
                 <a:cs typeface="Consolas" pitchFamily="49" charset="0"/>
               </a:rPr>
@@ -12956,7 +12703,7 @@
               <a:buNone/>
             </a:pPr>
             <a:r>
-              <a:rPr lang="en-US" sz="2000" b="1" dirty="0" smtClean="0">
+              <a:rPr lang="en-US" sz="2000" b="1" dirty="0">
                 <a:latin typeface="Consolas" pitchFamily="49" charset="0"/>
                 <a:cs typeface="Consolas" pitchFamily="49" charset="0"/>
               </a:rPr>
@@ -12968,7 +12715,7 @@
               <a:buNone/>
             </a:pPr>
             <a:r>
-              <a:rPr lang="en-US" sz="2000" b="1" dirty="0" smtClean="0">
+              <a:rPr lang="en-US" sz="2000" b="1" dirty="0">
                 <a:latin typeface="Consolas" pitchFamily="49" charset="0"/>
                 <a:cs typeface="Consolas" pitchFamily="49" charset="0"/>
               </a:rPr>
@@ -12980,7 +12727,7 @@
               <a:buNone/>
             </a:pPr>
             <a:r>
-              <a:rPr lang="en-US" sz="2000" b="1" dirty="0" smtClean="0">
+              <a:rPr lang="en-US" sz="2000" b="1" dirty="0">
                 <a:latin typeface="Consolas" pitchFamily="49" charset="0"/>
                 <a:cs typeface="Consolas" pitchFamily="49" charset="0"/>
               </a:rPr>
@@ -12991,7 +12738,7 @@
             <a:pPr>
               <a:buNone/>
             </a:pPr>
-            <a:endParaRPr lang="en-US" sz="2000" b="1" dirty="0" smtClean="0">
+            <a:endParaRPr lang="en-US" sz="2000" b="1" dirty="0">
               <a:latin typeface="Consolas" pitchFamily="49" charset="0"/>
               <a:cs typeface="Consolas" pitchFamily="49" charset="0"/>
             </a:endParaRPr>
@@ -13001,7 +12748,7 @@
               <a:buNone/>
             </a:pPr>
             <a:r>
-              <a:rPr lang="en-US" sz="2000" b="1" dirty="0" smtClean="0">
+              <a:rPr lang="en-US" sz="2000" b="1" dirty="0">
                 <a:latin typeface="Consolas" pitchFamily="49" charset="0"/>
                 <a:cs typeface="Consolas" pitchFamily="49" charset="0"/>
               </a:rPr>
@@ -13013,20 +12760,20 @@
               <a:buNone/>
             </a:pPr>
             <a:r>
-              <a:rPr lang="en-US" sz="2000" b="1" dirty="0" smtClean="0">
+              <a:rPr lang="en-US" sz="2000" b="1" dirty="0">
                 <a:latin typeface="Consolas" pitchFamily="49" charset="0"/>
                 <a:cs typeface="Consolas" pitchFamily="49" charset="0"/>
               </a:rPr>
               <a:t>;; STRATEGY: Use HOF map followed by </a:t>
             </a:r>
             <a:r>
-              <a:rPr lang="en-US" sz="2000" b="1" dirty="0" err="1" smtClean="0">
+              <a:rPr lang="en-US" sz="2000" b="1" dirty="0" err="1">
                 <a:latin typeface="Consolas" pitchFamily="49" charset="0"/>
                 <a:cs typeface="Consolas" pitchFamily="49" charset="0"/>
               </a:rPr>
               <a:t>foldr</a:t>
             </a:r>
-            <a:endParaRPr lang="en-US" sz="2000" b="1" dirty="0" smtClean="0">
+            <a:endParaRPr lang="en-US" sz="2000" b="1" dirty="0">
               <a:latin typeface="Consolas" pitchFamily="49" charset="0"/>
               <a:cs typeface="Consolas" pitchFamily="49" charset="0"/>
             </a:endParaRPr>
@@ -13036,21 +12783,21 @@
               <a:buNone/>
             </a:pPr>
             <a:r>
-              <a:rPr lang="en-US" sz="2000" b="1" dirty="0" smtClean="0">
+              <a:rPr lang="en-US" sz="2000" b="1" dirty="0">
                 <a:latin typeface="Consolas" pitchFamily="49" charset="0"/>
                 <a:cs typeface="Consolas" pitchFamily="49" charset="0"/>
               </a:rPr>
               <a:t>(define (persons-descendants </a:t>
             </a:r>
             <a:r>
-              <a:rPr lang="en-US" sz="2000" b="1" dirty="0" err="1" smtClean="0">
+              <a:rPr lang="en-US" sz="2000" b="1" dirty="0" err="1">
                 <a:latin typeface="Consolas" pitchFamily="49" charset="0"/>
                 <a:cs typeface="Consolas" pitchFamily="49" charset="0"/>
               </a:rPr>
               <a:t>ps</a:t>
             </a:r>
             <a:r>
-              <a:rPr lang="en-US" sz="2000" b="1" dirty="0" smtClean="0">
+              <a:rPr lang="en-US" sz="2000" b="1" dirty="0">
                 <a:latin typeface="Consolas" pitchFamily="49" charset="0"/>
                 <a:cs typeface="Consolas" pitchFamily="49" charset="0"/>
               </a:rPr>
@@ -13062,21 +12809,21 @@
               <a:buNone/>
             </a:pPr>
             <a:r>
-              <a:rPr lang="en-US" sz="2000" b="1" dirty="0" smtClean="0">
+              <a:rPr lang="en-US" sz="2000" b="1" dirty="0">
                 <a:latin typeface="Consolas" pitchFamily="49" charset="0"/>
                 <a:cs typeface="Consolas" pitchFamily="49" charset="0"/>
               </a:rPr>
               <a:t>  (</a:t>
             </a:r>
             <a:r>
-              <a:rPr lang="en-US" sz="2000" b="1" dirty="0" err="1" smtClean="0">
+              <a:rPr lang="en-US" sz="2000" b="1" dirty="0" err="1">
                 <a:latin typeface="Consolas" pitchFamily="49" charset="0"/>
                 <a:cs typeface="Consolas" pitchFamily="49" charset="0"/>
               </a:rPr>
               <a:t>foldr</a:t>
             </a:r>
             <a:r>
-              <a:rPr lang="en-US" sz="2000" b="1" dirty="0" smtClean="0">
+              <a:rPr lang="en-US" sz="2000" b="1" dirty="0">
                 <a:latin typeface="Consolas" pitchFamily="49" charset="0"/>
                 <a:cs typeface="Consolas" pitchFamily="49" charset="0"/>
               </a:rPr>
@@ -13092,24 +12839,17 @@
                 <a:latin typeface="Consolas" pitchFamily="49" charset="0"/>
                 <a:cs typeface="Consolas" pitchFamily="49" charset="0"/>
               </a:rPr>
-              <a:t> </a:t>
-            </a:r>
-            <a:r>
-              <a:rPr lang="en-US" sz="2000" b="1" dirty="0" smtClean="0">
-                <a:latin typeface="Consolas" pitchFamily="49" charset="0"/>
-                <a:cs typeface="Consolas" pitchFamily="49" charset="0"/>
-              </a:rPr>
-              <a:t>   (map person-descendants </a:t>
-            </a:r>
-            <a:r>
-              <a:rPr lang="en-US" sz="2000" b="1" dirty="0" err="1" smtClean="0">
+              <a:t>    (map person-descendants </a:t>
+            </a:r>
+            <a:r>
+              <a:rPr lang="en-US" sz="2000" b="1" dirty="0" err="1">
                 <a:latin typeface="Consolas" pitchFamily="49" charset="0"/>
                 <a:cs typeface="Consolas" pitchFamily="49" charset="0"/>
               </a:rPr>
               <a:t>ps</a:t>
             </a:r>
             <a:r>
-              <a:rPr lang="en-US" sz="2000" b="1" dirty="0" smtClean="0">
+              <a:rPr lang="en-US" sz="2000" b="1" dirty="0">
                 <a:latin typeface="Consolas" pitchFamily="49" charset="0"/>
                 <a:cs typeface="Consolas" pitchFamily="49" charset="0"/>
               </a:rPr>
@@ -13196,7 +12936,7 @@
           <a:lstStyle/>
           <a:p>
             <a:pPr algn="ctr"/>
-            <a:endParaRPr lang="en-US" dirty="0" smtClean="0">
+            <a:endParaRPr lang="en-US" dirty="0">
               <a:solidFill>
                 <a:schemeClr val="tx1"/>
               </a:solidFill>
@@ -13250,7 +12990,7 @@
           <a:lstStyle/>
           <a:p>
             <a:pPr algn="ctr"/>
-            <a:endParaRPr lang="en-US" dirty="0" smtClean="0">
+            <a:endParaRPr lang="en-US" dirty="0">
               <a:solidFill>
                 <a:schemeClr val="tx1"/>
               </a:solidFill>
@@ -13482,10 +13222,9 @@
           <a:lstStyle/>
           <a:p>
             <a:r>
-              <a:rPr lang="en-US" dirty="0" smtClean="0"/>
+              <a:rPr lang="en-US" dirty="0"/>
               <a:t>Tests</a:t>
             </a:r>
-            <a:endParaRPr lang="en-US" dirty="0"/>
           </a:p>
         </p:txBody>
       </p:sp>
@@ -13510,7 +13249,7 @@
               <a:buNone/>
             </a:pPr>
             <a:r>
-              <a:rPr lang="en-US" sz="2000" b="1" dirty="0" smtClean="0">
+              <a:rPr lang="en-US" sz="2000" b="1" dirty="0">
                 <a:latin typeface="Consolas" pitchFamily="49" charset="0"/>
                 <a:cs typeface="Consolas" pitchFamily="49" charset="0"/>
               </a:rPr>
@@ -13522,21 +13261,21 @@
               <a:buNone/>
             </a:pPr>
             <a:r>
-              <a:rPr lang="en-US" sz="2000" b="1" dirty="0" smtClean="0">
+              <a:rPr lang="en-US" sz="2000" b="1" dirty="0">
                 <a:latin typeface="Consolas" pitchFamily="49" charset="0"/>
                 <a:cs typeface="Consolas" pitchFamily="49" charset="0"/>
               </a:rPr>
               <a:t> (person-descendants </a:t>
             </a:r>
             <a:r>
-              <a:rPr lang="en-US" sz="2000" b="1" dirty="0" err="1" smtClean="0">
+              <a:rPr lang="en-US" sz="2000" b="1" dirty="0" err="1">
                 <a:latin typeface="Consolas" pitchFamily="49" charset="0"/>
                 <a:cs typeface="Consolas" pitchFamily="49" charset="0"/>
               </a:rPr>
               <a:t>fred</a:t>
             </a:r>
             <a:r>
-              <a:rPr lang="en-US" sz="2000" b="1" dirty="0" smtClean="0">
+              <a:rPr lang="en-US" sz="2000" b="1" dirty="0">
                 <a:latin typeface="Consolas" pitchFamily="49" charset="0"/>
                 <a:cs typeface="Consolas" pitchFamily="49" charset="0"/>
               </a:rPr>
@@ -13548,49 +13287,49 @@
               <a:buNone/>
             </a:pPr>
             <a:r>
-              <a:rPr lang="en-US" sz="2000" b="1" dirty="0" smtClean="0">
+              <a:rPr lang="en-US" sz="2000" b="1" dirty="0">
                 <a:latin typeface="Consolas" pitchFamily="49" charset="0"/>
                 <a:cs typeface="Consolas" pitchFamily="49" charset="0"/>
               </a:rPr>
               <a:t> (list chuck </a:t>
             </a:r>
             <a:r>
-              <a:rPr lang="en-US" sz="2000" b="1" dirty="0" err="1" smtClean="0">
+              <a:rPr lang="en-US" sz="2000" b="1" dirty="0" err="1">
                 <a:latin typeface="Consolas" pitchFamily="49" charset="0"/>
                 <a:cs typeface="Consolas" pitchFamily="49" charset="0"/>
               </a:rPr>
               <a:t>eddie</a:t>
             </a:r>
             <a:r>
-              <a:rPr lang="en-US" sz="2000" b="1" dirty="0" smtClean="0">
+              <a:rPr lang="en-US" sz="2000" b="1" dirty="0">
                 <a:latin typeface="Consolas" pitchFamily="49" charset="0"/>
                 <a:cs typeface="Consolas" pitchFamily="49" charset="0"/>
               </a:rPr>
               <a:t> </a:t>
             </a:r>
             <a:r>
-              <a:rPr lang="en-US" sz="2000" b="1" dirty="0" err="1" smtClean="0">
+              <a:rPr lang="en-US" sz="2000" b="1" dirty="0" err="1">
                 <a:latin typeface="Consolas" pitchFamily="49" charset="0"/>
                 <a:cs typeface="Consolas" pitchFamily="49" charset="0"/>
               </a:rPr>
               <a:t>alice</a:t>
             </a:r>
             <a:r>
-              <a:rPr lang="en-US" sz="2000" b="1" dirty="0" smtClean="0">
+              <a:rPr lang="en-US" sz="2000" b="1" dirty="0">
                 <a:latin typeface="Consolas" pitchFamily="49" charset="0"/>
                 <a:cs typeface="Consolas" pitchFamily="49" charset="0"/>
               </a:rPr>
               <a:t> bob </a:t>
             </a:r>
             <a:r>
-              <a:rPr lang="en-US" sz="2000" b="1" dirty="0" err="1" smtClean="0">
+              <a:rPr lang="en-US" sz="2000" b="1" dirty="0" err="1">
                 <a:latin typeface="Consolas" pitchFamily="49" charset="0"/>
                 <a:cs typeface="Consolas" pitchFamily="49" charset="0"/>
               </a:rPr>
               <a:t>dave</a:t>
             </a:r>
             <a:r>
-              <a:rPr lang="en-US" sz="2000" b="1" dirty="0" smtClean="0">
+              <a:rPr lang="en-US" sz="2000" b="1" dirty="0">
                 <a:latin typeface="Consolas" pitchFamily="49" charset="0"/>
                 <a:cs typeface="Consolas" pitchFamily="49" charset="0"/>
               </a:rPr>
@@ -13601,92 +13340,88 @@
             <a:pPr>
               <a:buNone/>
             </a:pPr>
-            <a:endParaRPr lang="en-US" sz="2000" b="1" dirty="0" smtClean="0">
-              <a:latin typeface="Consolas" pitchFamily="49" charset="0"/>
-              <a:cs typeface="Consolas" pitchFamily="49" charset="0"/>
-            </a:endParaRPr>
-          </a:p>
-          <a:p>
-            <a:pPr>
-              <a:buNone/>
-            </a:pPr>
-            <a:r>
-              <a:rPr lang="en-US" sz="2000" b="1" dirty="0" smtClean="0">
-                <a:latin typeface="Consolas" pitchFamily="49" charset="0"/>
-                <a:cs typeface="Consolas" pitchFamily="49" charset="0"/>
-              </a:rPr>
-              <a:t>(check-equal? </a:t>
-            </a:r>
-          </a:p>
-          <a:p>
-            <a:pPr>
-              <a:buNone/>
-            </a:pPr>
-            <a:r>
-              <a:rPr lang="en-US" sz="2000" b="1" dirty="0" smtClean="0">
-                <a:latin typeface="Consolas" pitchFamily="49" charset="0"/>
-                <a:cs typeface="Consolas" pitchFamily="49" charset="0"/>
-              </a:rPr>
-              <a:t> (persons-descendants (list chuck </a:t>
-            </a:r>
-            <a:r>
-              <a:rPr lang="en-US" sz="2000" b="1" dirty="0" err="1" smtClean="0">
-                <a:latin typeface="Consolas" pitchFamily="49" charset="0"/>
-                <a:cs typeface="Consolas" pitchFamily="49" charset="0"/>
-              </a:rPr>
-              <a:t>eddie</a:t>
-            </a:r>
-            <a:r>
-              <a:rPr lang="en-US" sz="2000" b="1" dirty="0" smtClean="0">
-                <a:latin typeface="Consolas" pitchFamily="49" charset="0"/>
-                <a:cs typeface="Consolas" pitchFamily="49" charset="0"/>
-              </a:rPr>
-              <a:t>)) </a:t>
-            </a:r>
-          </a:p>
-          <a:p>
-            <a:pPr>
-              <a:buNone/>
-            </a:pPr>
-            <a:r>
-              <a:rPr lang="en-US" sz="2000" b="1" dirty="0" smtClean="0">
-                <a:latin typeface="Consolas" pitchFamily="49" charset="0"/>
-                <a:cs typeface="Consolas" pitchFamily="49" charset="0"/>
-              </a:rPr>
-              <a:t> (list </a:t>
-            </a:r>
-            <a:r>
-              <a:rPr lang="en-US" sz="2000" b="1" dirty="0" err="1" smtClean="0">
-                <a:latin typeface="Consolas" pitchFamily="49" charset="0"/>
-                <a:cs typeface="Consolas" pitchFamily="49" charset="0"/>
-              </a:rPr>
-              <a:t>alice</a:t>
-            </a:r>
-            <a:r>
-              <a:rPr lang="en-US" sz="2000" b="1" dirty="0" smtClean="0">
-                <a:latin typeface="Consolas" pitchFamily="49" charset="0"/>
-                <a:cs typeface="Consolas" pitchFamily="49" charset="0"/>
-              </a:rPr>
-              <a:t> bob </a:t>
-            </a:r>
-            <a:r>
-              <a:rPr lang="en-US" sz="2000" b="1" dirty="0" err="1" smtClean="0">
-                <a:latin typeface="Consolas" pitchFamily="49" charset="0"/>
-                <a:cs typeface="Consolas" pitchFamily="49" charset="0"/>
-              </a:rPr>
-              <a:t>dave</a:t>
-            </a:r>
-            <a:r>
-              <a:rPr lang="en-US" sz="2000" b="1" dirty="0" smtClean="0">
-                <a:latin typeface="Consolas" pitchFamily="49" charset="0"/>
-                <a:cs typeface="Consolas" pitchFamily="49" charset="0"/>
-              </a:rPr>
-              <a:t>))</a:t>
-            </a:r>
             <a:endParaRPr lang="en-US" sz="2000" b="1" dirty="0">
               <a:latin typeface="Consolas" pitchFamily="49" charset="0"/>
               <a:cs typeface="Consolas" pitchFamily="49" charset="0"/>
             </a:endParaRPr>
+          </a:p>
+          <a:p>
+            <a:pPr>
+              <a:buNone/>
+            </a:pPr>
+            <a:r>
+              <a:rPr lang="en-US" sz="2000" b="1" dirty="0">
+                <a:latin typeface="Consolas" pitchFamily="49" charset="0"/>
+                <a:cs typeface="Consolas" pitchFamily="49" charset="0"/>
+              </a:rPr>
+              <a:t>(check-equal? </a:t>
+            </a:r>
+          </a:p>
+          <a:p>
+            <a:pPr>
+              <a:buNone/>
+            </a:pPr>
+            <a:r>
+              <a:rPr lang="en-US" sz="2000" b="1" dirty="0">
+                <a:latin typeface="Consolas" pitchFamily="49" charset="0"/>
+                <a:cs typeface="Consolas" pitchFamily="49" charset="0"/>
+              </a:rPr>
+              <a:t> (persons-descendants (list chuck </a:t>
+            </a:r>
+            <a:r>
+              <a:rPr lang="en-US" sz="2000" b="1" dirty="0" err="1">
+                <a:latin typeface="Consolas" pitchFamily="49" charset="0"/>
+                <a:cs typeface="Consolas" pitchFamily="49" charset="0"/>
+              </a:rPr>
+              <a:t>eddie</a:t>
+            </a:r>
+            <a:r>
+              <a:rPr lang="en-US" sz="2000" b="1" dirty="0">
+                <a:latin typeface="Consolas" pitchFamily="49" charset="0"/>
+                <a:cs typeface="Consolas" pitchFamily="49" charset="0"/>
+              </a:rPr>
+              <a:t>)) </a:t>
+            </a:r>
+          </a:p>
+          <a:p>
+            <a:pPr>
+              <a:buNone/>
+            </a:pPr>
+            <a:r>
+              <a:rPr lang="en-US" sz="2000" b="1" dirty="0">
+                <a:latin typeface="Consolas" pitchFamily="49" charset="0"/>
+                <a:cs typeface="Consolas" pitchFamily="49" charset="0"/>
+              </a:rPr>
+              <a:t> (list </a:t>
+            </a:r>
+            <a:r>
+              <a:rPr lang="en-US" sz="2000" b="1" dirty="0" err="1">
+                <a:latin typeface="Consolas" pitchFamily="49" charset="0"/>
+                <a:cs typeface="Consolas" pitchFamily="49" charset="0"/>
+              </a:rPr>
+              <a:t>alice</a:t>
+            </a:r>
+            <a:r>
+              <a:rPr lang="en-US" sz="2000" b="1" dirty="0">
+                <a:latin typeface="Consolas" pitchFamily="49" charset="0"/>
+                <a:cs typeface="Consolas" pitchFamily="49" charset="0"/>
+              </a:rPr>
+              <a:t> bob </a:t>
+            </a:r>
+            <a:r>
+              <a:rPr lang="en-US" sz="2000" b="1" dirty="0" err="1">
+                <a:latin typeface="Consolas" pitchFamily="49" charset="0"/>
+                <a:cs typeface="Consolas" pitchFamily="49" charset="0"/>
+              </a:rPr>
+              <a:t>dave</a:t>
+            </a:r>
+            <a:r>
+              <a:rPr lang="en-US" sz="2000" b="1" dirty="0">
+                <a:latin typeface="Consolas" pitchFamily="49" charset="0"/>
+                <a:cs typeface="Consolas" pitchFamily="49" charset="0"/>
+              </a:rPr>
+              <a:t>))</a:t>
+            </a:r>
           </a:p>
         </p:txBody>
       </p:sp>
@@ -13723,13 +13458,6 @@
   <p:clrMapOvr>
     <a:masterClrMapping/>
   </p:clrMapOvr>
-  <p:timing>
-    <p:tnLst>
-      <p:par>
-        <p:cTn id="1" dur="indefinite" restart="never" nodeType="tmRoot"/>
-      </p:par>
-    </p:tnLst>
-  </p:timing>
 </p:sld>
 </file>
 
@@ -13768,10 +13496,9 @@
           <a:lstStyle/>
           <a:p>
             <a:r>
-              <a:rPr lang="en-US" dirty="0" smtClean="0"/>
+              <a:rPr lang="en-US" dirty="0"/>
               <a:t>Are these good tests?</a:t>
             </a:r>
-            <a:endParaRPr lang="en-US" dirty="0"/>
           </a:p>
         </p:txBody>
       </p:sp>
@@ -13791,16 +13518,15 @@
           <a:lstStyle/>
           <a:p>
             <a:r>
-              <a:rPr lang="en-US" dirty="0" smtClean="0"/>
+              <a:rPr lang="en-US" dirty="0"/>
               <a:t>Could a program fail these tests but still be correct? If so, how?</a:t>
             </a:r>
           </a:p>
           <a:p>
             <a:r>
-              <a:rPr lang="en-US" dirty="0" smtClean="0"/>
+              <a:rPr lang="en-US" dirty="0"/>
               <a:t>Answer: Yes! It could produce the list of descendants in a different order.</a:t>
             </a:r>
-            <a:endParaRPr lang="en-US" dirty="0"/>
           </a:p>
         </p:txBody>
       </p:sp>
@@ -14004,10 +13730,9 @@
           <a:lstStyle/>
           <a:p>
             <a:r>
-              <a:rPr lang="en-US" dirty="0" smtClean="0"/>
+              <a:rPr lang="en-US" dirty="0"/>
               <a:t>Better Tests</a:t>
             </a:r>
-            <a:endParaRPr lang="en-US" dirty="0"/>
           </a:p>
         </p:txBody>
       </p:sp>
@@ -14032,7 +13757,7 @@
               <a:buNone/>
             </a:pPr>
             <a:r>
-              <a:rPr lang="en-US" sz="2000" b="1" dirty="0" smtClean="0">
+              <a:rPr lang="en-US" sz="2000" b="1" dirty="0">
                 <a:solidFill>
                   <a:srgbClr val="FF0000"/>
                 </a:solidFill>
@@ -14042,7 +13767,7 @@
               <a:t>(require "sets.rkt")   </a:t>
             </a:r>
             <a:r>
-              <a:rPr lang="en-US" sz="2000" b="1" dirty="0" smtClean="0">
+              <a:rPr lang="en-US" sz="2000" b="1" dirty="0">
                 <a:latin typeface="Consolas" pitchFamily="49" charset="0"/>
                 <a:cs typeface="Consolas" pitchFamily="49" charset="0"/>
               </a:rPr>
@@ -14053,345 +13778,341 @@
             <a:pPr>
               <a:buNone/>
             </a:pPr>
-            <a:endParaRPr lang="en-US" sz="2000" b="1" dirty="0" smtClean="0">
-              <a:latin typeface="Consolas" pitchFamily="49" charset="0"/>
-              <a:cs typeface="Consolas" pitchFamily="49" charset="0"/>
-            </a:endParaRPr>
-          </a:p>
-          <a:p>
-            <a:pPr>
-              <a:buNone/>
-            </a:pPr>
-            <a:r>
-              <a:rPr lang="en-US" sz="2000" b="1" dirty="0" smtClean="0">
-                <a:latin typeface="Consolas" pitchFamily="49" charset="0"/>
-                <a:cs typeface="Consolas" pitchFamily="49" charset="0"/>
-              </a:rPr>
-              <a:t>(check </a:t>
-            </a:r>
-            <a:r>
-              <a:rPr lang="en-US" sz="2000" b="1" dirty="0" smtClean="0">
-                <a:solidFill>
-                  <a:srgbClr val="FF0000"/>
-                </a:solidFill>
-                <a:latin typeface="Consolas" pitchFamily="49" charset="0"/>
-                <a:cs typeface="Consolas" pitchFamily="49" charset="0"/>
-              </a:rPr>
-              <a:t>set-equal?</a:t>
-            </a:r>
-            <a:r>
-              <a:rPr lang="en-US" sz="2000" b="1" dirty="0" smtClean="0">
-                <a:latin typeface="Consolas" pitchFamily="49" charset="0"/>
-                <a:cs typeface="Consolas" pitchFamily="49" charset="0"/>
-              </a:rPr>
-              <a:t> </a:t>
-            </a:r>
-          </a:p>
-          <a:p>
-            <a:pPr>
-              <a:buNone/>
-            </a:pPr>
-            <a:r>
-              <a:rPr lang="en-US" sz="2000" b="1" dirty="0" smtClean="0">
-                <a:latin typeface="Consolas" pitchFamily="49" charset="0"/>
-                <a:cs typeface="Consolas" pitchFamily="49" charset="0"/>
-              </a:rPr>
-              <a:t> (person-descendants </a:t>
-            </a:r>
-            <a:r>
-              <a:rPr lang="en-US" sz="2000" b="1" dirty="0" err="1" smtClean="0">
-                <a:latin typeface="Consolas" pitchFamily="49" charset="0"/>
-                <a:cs typeface="Consolas" pitchFamily="49" charset="0"/>
-              </a:rPr>
-              <a:t>fred</a:t>
-            </a:r>
-            <a:r>
-              <a:rPr lang="en-US" sz="2000" b="1" dirty="0" smtClean="0">
-                <a:latin typeface="Consolas" pitchFamily="49" charset="0"/>
-                <a:cs typeface="Consolas" pitchFamily="49" charset="0"/>
-              </a:rPr>
-              <a:t>) </a:t>
-            </a:r>
-          </a:p>
-          <a:p>
-            <a:pPr>
-              <a:buNone/>
-            </a:pPr>
-            <a:r>
-              <a:rPr lang="en-US" sz="2000" b="1" dirty="0" smtClean="0">
-                <a:latin typeface="Consolas" pitchFamily="49" charset="0"/>
-                <a:cs typeface="Consolas" pitchFamily="49" charset="0"/>
-              </a:rPr>
-              <a:t> (list chuck </a:t>
-            </a:r>
-            <a:r>
-              <a:rPr lang="en-US" sz="2000" b="1" dirty="0" err="1" smtClean="0">
-                <a:latin typeface="Consolas" pitchFamily="49" charset="0"/>
-                <a:cs typeface="Consolas" pitchFamily="49" charset="0"/>
-              </a:rPr>
-              <a:t>eddie</a:t>
-            </a:r>
-            <a:r>
-              <a:rPr lang="en-US" sz="2000" b="1" dirty="0" smtClean="0">
-                <a:latin typeface="Consolas" pitchFamily="49" charset="0"/>
-                <a:cs typeface="Consolas" pitchFamily="49" charset="0"/>
-              </a:rPr>
-              <a:t> </a:t>
-            </a:r>
-            <a:r>
-              <a:rPr lang="en-US" sz="2000" b="1" dirty="0" err="1" smtClean="0">
-                <a:latin typeface="Consolas" pitchFamily="49" charset="0"/>
-                <a:cs typeface="Consolas" pitchFamily="49" charset="0"/>
-              </a:rPr>
-              <a:t>alice</a:t>
-            </a:r>
-            <a:r>
-              <a:rPr lang="en-US" sz="2000" b="1" dirty="0" smtClean="0">
-                <a:latin typeface="Consolas" pitchFamily="49" charset="0"/>
-                <a:cs typeface="Consolas" pitchFamily="49" charset="0"/>
-              </a:rPr>
-              <a:t> bob </a:t>
-            </a:r>
-            <a:r>
-              <a:rPr lang="en-US" sz="2000" b="1" dirty="0" err="1" smtClean="0">
-                <a:latin typeface="Consolas" pitchFamily="49" charset="0"/>
-                <a:cs typeface="Consolas" pitchFamily="49" charset="0"/>
-              </a:rPr>
-              <a:t>dave</a:t>
-            </a:r>
-            <a:r>
-              <a:rPr lang="en-US" sz="2000" b="1" dirty="0" smtClean="0">
-                <a:latin typeface="Consolas" pitchFamily="49" charset="0"/>
-                <a:cs typeface="Consolas" pitchFamily="49" charset="0"/>
-              </a:rPr>
-              <a:t>))</a:t>
-            </a:r>
-          </a:p>
-          <a:p>
-            <a:pPr>
-              <a:buNone/>
-            </a:pPr>
-            <a:endParaRPr lang="en-US" sz="2000" b="1" dirty="0" smtClean="0">
-              <a:latin typeface="Consolas" pitchFamily="49" charset="0"/>
-              <a:cs typeface="Consolas" pitchFamily="49" charset="0"/>
-            </a:endParaRPr>
-          </a:p>
-          <a:p>
-            <a:pPr>
-              <a:buNone/>
-            </a:pPr>
-            <a:r>
-              <a:rPr lang="en-US" sz="2000" b="1" dirty="0" smtClean="0">
-                <a:latin typeface="Consolas" pitchFamily="49" charset="0"/>
-                <a:cs typeface="Consolas" pitchFamily="49" charset="0"/>
-              </a:rPr>
-              <a:t>(check </a:t>
-            </a:r>
-            <a:r>
-              <a:rPr lang="en-US" sz="2000" b="1" dirty="0" smtClean="0">
-                <a:solidFill>
-                  <a:srgbClr val="FF0000"/>
-                </a:solidFill>
-                <a:latin typeface="Consolas" pitchFamily="49" charset="0"/>
-                <a:cs typeface="Consolas" pitchFamily="49" charset="0"/>
-              </a:rPr>
-              <a:t>set-equal?</a:t>
-            </a:r>
-            <a:r>
-              <a:rPr lang="en-US" sz="2000" b="1" dirty="0" smtClean="0">
-                <a:latin typeface="Consolas" pitchFamily="49" charset="0"/>
-                <a:cs typeface="Consolas" pitchFamily="49" charset="0"/>
-              </a:rPr>
-              <a:t> </a:t>
-            </a:r>
-          </a:p>
-          <a:p>
-            <a:pPr>
-              <a:buNone/>
-            </a:pPr>
-            <a:r>
-              <a:rPr lang="en-US" sz="2000" b="1" dirty="0" smtClean="0">
-                <a:latin typeface="Consolas" pitchFamily="49" charset="0"/>
-                <a:cs typeface="Consolas" pitchFamily="49" charset="0"/>
-              </a:rPr>
-              <a:t> (person-descendants </a:t>
-            </a:r>
-            <a:r>
-              <a:rPr lang="en-US" sz="2000" b="1" dirty="0" err="1" smtClean="0">
-                <a:latin typeface="Consolas" pitchFamily="49" charset="0"/>
-                <a:cs typeface="Consolas" pitchFamily="49" charset="0"/>
-              </a:rPr>
-              <a:t>fred</a:t>
-            </a:r>
-            <a:r>
-              <a:rPr lang="en-US" sz="2000" b="1" dirty="0" smtClean="0">
-                <a:latin typeface="Consolas" pitchFamily="49" charset="0"/>
-                <a:cs typeface="Consolas" pitchFamily="49" charset="0"/>
-              </a:rPr>
-              <a:t>) </a:t>
-            </a:r>
-          </a:p>
-          <a:p>
-            <a:pPr>
-              <a:buNone/>
-            </a:pPr>
-            <a:r>
-              <a:rPr lang="en-US" sz="2000" b="1" dirty="0" smtClean="0">
-                <a:latin typeface="Consolas" pitchFamily="49" charset="0"/>
-                <a:cs typeface="Consolas" pitchFamily="49" charset="0"/>
-              </a:rPr>
-              <a:t> (list chuck </a:t>
-            </a:r>
-            <a:r>
-              <a:rPr lang="en-US" sz="2000" b="1" dirty="0" err="1" smtClean="0">
-                <a:latin typeface="Consolas" pitchFamily="49" charset="0"/>
-                <a:cs typeface="Consolas" pitchFamily="49" charset="0"/>
-              </a:rPr>
-              <a:t>eddie</a:t>
-            </a:r>
-            <a:r>
-              <a:rPr lang="en-US" sz="2000" b="1" dirty="0" smtClean="0">
-                <a:latin typeface="Consolas" pitchFamily="49" charset="0"/>
-                <a:cs typeface="Consolas" pitchFamily="49" charset="0"/>
-              </a:rPr>
-              <a:t> </a:t>
-            </a:r>
-            <a:r>
-              <a:rPr lang="en-US" sz="2000" b="1" dirty="0" err="1" smtClean="0">
-                <a:latin typeface="Consolas" pitchFamily="49" charset="0"/>
-                <a:cs typeface="Consolas" pitchFamily="49" charset="0"/>
-              </a:rPr>
-              <a:t>alice</a:t>
-            </a:r>
-            <a:r>
-              <a:rPr lang="en-US" sz="2000" b="1" dirty="0" smtClean="0">
-                <a:latin typeface="Consolas" pitchFamily="49" charset="0"/>
-                <a:cs typeface="Consolas" pitchFamily="49" charset="0"/>
-              </a:rPr>
-              <a:t> </a:t>
-            </a:r>
-            <a:r>
-              <a:rPr lang="en-US" sz="2000" b="1" dirty="0" err="1" smtClean="0">
-                <a:latin typeface="Consolas" pitchFamily="49" charset="0"/>
-                <a:cs typeface="Consolas" pitchFamily="49" charset="0"/>
-              </a:rPr>
-              <a:t>dave</a:t>
-            </a:r>
-            <a:r>
-              <a:rPr lang="en-US" sz="2000" b="1" dirty="0" smtClean="0">
-                <a:latin typeface="Consolas" pitchFamily="49" charset="0"/>
-                <a:cs typeface="Consolas" pitchFamily="49" charset="0"/>
-              </a:rPr>
-              <a:t> bob))</a:t>
-            </a:r>
-          </a:p>
-          <a:p>
-            <a:pPr>
-              <a:buNone/>
-            </a:pPr>
-            <a:endParaRPr lang="en-US" sz="2000" b="1" dirty="0" smtClean="0">
-              <a:latin typeface="Consolas" pitchFamily="49" charset="0"/>
-              <a:cs typeface="Consolas" pitchFamily="49" charset="0"/>
-            </a:endParaRPr>
-          </a:p>
-          <a:p>
-            <a:pPr>
-              <a:buNone/>
-            </a:pPr>
-            <a:r>
-              <a:rPr lang="en-US" sz="2000" b="1" dirty="0" smtClean="0">
-                <a:latin typeface="Consolas" pitchFamily="49" charset="0"/>
-                <a:cs typeface="Consolas" pitchFamily="49" charset="0"/>
-              </a:rPr>
-              <a:t>(check </a:t>
-            </a:r>
-            <a:r>
-              <a:rPr lang="en-US" sz="2000" b="1" dirty="0" smtClean="0">
-                <a:solidFill>
-                  <a:srgbClr val="FF0000"/>
-                </a:solidFill>
-                <a:latin typeface="Consolas" pitchFamily="49" charset="0"/>
-                <a:cs typeface="Consolas" pitchFamily="49" charset="0"/>
-              </a:rPr>
-              <a:t>set-equal?</a:t>
-            </a:r>
-            <a:r>
-              <a:rPr lang="en-US" sz="2000" b="1" dirty="0" smtClean="0">
-                <a:latin typeface="Consolas" pitchFamily="49" charset="0"/>
-                <a:cs typeface="Consolas" pitchFamily="49" charset="0"/>
-              </a:rPr>
-              <a:t> </a:t>
-            </a:r>
-          </a:p>
-          <a:p>
-            <a:pPr>
-              <a:buNone/>
-            </a:pPr>
-            <a:r>
-              <a:rPr lang="en-US" sz="2000" b="1" dirty="0" smtClean="0">
-                <a:latin typeface="Consolas" pitchFamily="49" charset="0"/>
-                <a:cs typeface="Consolas" pitchFamily="49" charset="0"/>
-              </a:rPr>
-              <a:t> (persons-descendants (list chuck </a:t>
-            </a:r>
-            <a:r>
-              <a:rPr lang="en-US" sz="2000" b="1" dirty="0" err="1" smtClean="0">
-                <a:latin typeface="Consolas" pitchFamily="49" charset="0"/>
-                <a:cs typeface="Consolas" pitchFamily="49" charset="0"/>
-              </a:rPr>
-              <a:t>eddie</a:t>
-            </a:r>
-            <a:r>
-              <a:rPr lang="en-US" sz="2000" b="1" dirty="0" smtClean="0">
-                <a:latin typeface="Consolas" pitchFamily="49" charset="0"/>
-                <a:cs typeface="Consolas" pitchFamily="49" charset="0"/>
-              </a:rPr>
-              <a:t>)) </a:t>
-            </a:r>
-          </a:p>
-          <a:p>
-            <a:pPr>
-              <a:buNone/>
-            </a:pPr>
-            <a:r>
-              <a:rPr lang="en-US" sz="2000" b="1" dirty="0" smtClean="0">
-                <a:latin typeface="Consolas" pitchFamily="49" charset="0"/>
-                <a:cs typeface="Consolas" pitchFamily="49" charset="0"/>
-              </a:rPr>
-              <a:t> (list </a:t>
-            </a:r>
-            <a:r>
-              <a:rPr lang="en-US" sz="2000" b="1" dirty="0" err="1" smtClean="0">
-                <a:latin typeface="Consolas" pitchFamily="49" charset="0"/>
-                <a:cs typeface="Consolas" pitchFamily="49" charset="0"/>
-              </a:rPr>
-              <a:t>alice</a:t>
-            </a:r>
-            <a:r>
-              <a:rPr lang="en-US" sz="2000" b="1" dirty="0" smtClean="0">
-                <a:latin typeface="Consolas" pitchFamily="49" charset="0"/>
-                <a:cs typeface="Consolas" pitchFamily="49" charset="0"/>
-              </a:rPr>
-              <a:t> bob </a:t>
-            </a:r>
-            <a:r>
-              <a:rPr lang="en-US" sz="2000" b="1" dirty="0" err="1" smtClean="0">
-                <a:latin typeface="Consolas" pitchFamily="49" charset="0"/>
-                <a:cs typeface="Consolas" pitchFamily="49" charset="0"/>
-              </a:rPr>
-              <a:t>dave</a:t>
-            </a:r>
-            <a:r>
-              <a:rPr lang="en-US" sz="2000" b="1" dirty="0" smtClean="0">
-                <a:latin typeface="Consolas" pitchFamily="49" charset="0"/>
-                <a:cs typeface="Consolas" pitchFamily="49" charset="0"/>
-              </a:rPr>
-              <a:t>))</a:t>
-            </a:r>
             <a:endParaRPr lang="en-US" sz="2000" b="1" dirty="0">
               <a:latin typeface="Consolas" pitchFamily="49" charset="0"/>
               <a:cs typeface="Consolas" pitchFamily="49" charset="0"/>
             </a:endParaRPr>
+          </a:p>
+          <a:p>
+            <a:pPr>
+              <a:buNone/>
+            </a:pPr>
+            <a:r>
+              <a:rPr lang="en-US" sz="2000" b="1" dirty="0">
+                <a:latin typeface="Consolas" pitchFamily="49" charset="0"/>
+                <a:cs typeface="Consolas" pitchFamily="49" charset="0"/>
+              </a:rPr>
+              <a:t>(check </a:t>
+            </a:r>
+            <a:r>
+              <a:rPr lang="en-US" sz="2000" b="1" dirty="0">
+                <a:solidFill>
+                  <a:srgbClr val="FF0000"/>
+                </a:solidFill>
+                <a:latin typeface="Consolas" pitchFamily="49" charset="0"/>
+                <a:cs typeface="Consolas" pitchFamily="49" charset="0"/>
+              </a:rPr>
+              <a:t>set-equal?</a:t>
+            </a:r>
+            <a:r>
+              <a:rPr lang="en-US" sz="2000" b="1" dirty="0">
+                <a:latin typeface="Consolas" pitchFamily="49" charset="0"/>
+                <a:cs typeface="Consolas" pitchFamily="49" charset="0"/>
+              </a:rPr>
+              <a:t> </a:t>
+            </a:r>
+          </a:p>
+          <a:p>
+            <a:pPr>
+              <a:buNone/>
+            </a:pPr>
+            <a:r>
+              <a:rPr lang="en-US" sz="2000" b="1" dirty="0">
+                <a:latin typeface="Consolas" pitchFamily="49" charset="0"/>
+                <a:cs typeface="Consolas" pitchFamily="49" charset="0"/>
+              </a:rPr>
+              <a:t> (person-descendants </a:t>
+            </a:r>
+            <a:r>
+              <a:rPr lang="en-US" sz="2000" b="1" dirty="0" err="1">
+                <a:latin typeface="Consolas" pitchFamily="49" charset="0"/>
+                <a:cs typeface="Consolas" pitchFamily="49" charset="0"/>
+              </a:rPr>
+              <a:t>fred</a:t>
+            </a:r>
+            <a:r>
+              <a:rPr lang="en-US" sz="2000" b="1" dirty="0">
+                <a:latin typeface="Consolas" pitchFamily="49" charset="0"/>
+                <a:cs typeface="Consolas" pitchFamily="49" charset="0"/>
+              </a:rPr>
+              <a:t>) </a:t>
+            </a:r>
+          </a:p>
+          <a:p>
+            <a:pPr>
+              <a:buNone/>
+            </a:pPr>
+            <a:r>
+              <a:rPr lang="en-US" sz="2000" b="1" dirty="0">
+                <a:latin typeface="Consolas" pitchFamily="49" charset="0"/>
+                <a:cs typeface="Consolas" pitchFamily="49" charset="0"/>
+              </a:rPr>
+              <a:t> (list chuck </a:t>
+            </a:r>
+            <a:r>
+              <a:rPr lang="en-US" sz="2000" b="1" dirty="0" err="1">
+                <a:latin typeface="Consolas" pitchFamily="49" charset="0"/>
+                <a:cs typeface="Consolas" pitchFamily="49" charset="0"/>
+              </a:rPr>
+              <a:t>eddie</a:t>
+            </a:r>
+            <a:r>
+              <a:rPr lang="en-US" sz="2000" b="1" dirty="0">
+                <a:latin typeface="Consolas" pitchFamily="49" charset="0"/>
+                <a:cs typeface="Consolas" pitchFamily="49" charset="0"/>
+              </a:rPr>
+              <a:t> </a:t>
+            </a:r>
+            <a:r>
+              <a:rPr lang="en-US" sz="2000" b="1" dirty="0" err="1">
+                <a:latin typeface="Consolas" pitchFamily="49" charset="0"/>
+                <a:cs typeface="Consolas" pitchFamily="49" charset="0"/>
+              </a:rPr>
+              <a:t>alice</a:t>
+            </a:r>
+            <a:r>
+              <a:rPr lang="en-US" sz="2000" b="1" dirty="0">
+                <a:latin typeface="Consolas" pitchFamily="49" charset="0"/>
+                <a:cs typeface="Consolas" pitchFamily="49" charset="0"/>
+              </a:rPr>
+              <a:t> bob </a:t>
+            </a:r>
+            <a:r>
+              <a:rPr lang="en-US" sz="2000" b="1" dirty="0" err="1">
+                <a:latin typeface="Consolas" pitchFamily="49" charset="0"/>
+                <a:cs typeface="Consolas" pitchFamily="49" charset="0"/>
+              </a:rPr>
+              <a:t>dave</a:t>
+            </a:r>
+            <a:r>
+              <a:rPr lang="en-US" sz="2000" b="1" dirty="0">
+                <a:latin typeface="Consolas" pitchFamily="49" charset="0"/>
+                <a:cs typeface="Consolas" pitchFamily="49" charset="0"/>
+              </a:rPr>
+              <a:t>))</a:t>
+            </a:r>
+          </a:p>
+          <a:p>
+            <a:pPr>
+              <a:buNone/>
+            </a:pPr>
+            <a:endParaRPr lang="en-US" sz="2000" b="1" dirty="0">
+              <a:latin typeface="Consolas" pitchFamily="49" charset="0"/>
+              <a:cs typeface="Consolas" pitchFamily="49" charset="0"/>
+            </a:endParaRPr>
+          </a:p>
+          <a:p>
+            <a:pPr>
+              <a:buNone/>
+            </a:pPr>
+            <a:r>
+              <a:rPr lang="en-US" sz="2000" b="1" dirty="0">
+                <a:latin typeface="Consolas" pitchFamily="49" charset="0"/>
+                <a:cs typeface="Consolas" pitchFamily="49" charset="0"/>
+              </a:rPr>
+              <a:t>(check </a:t>
+            </a:r>
+            <a:r>
+              <a:rPr lang="en-US" sz="2000" b="1" dirty="0">
+                <a:solidFill>
+                  <a:srgbClr val="FF0000"/>
+                </a:solidFill>
+                <a:latin typeface="Consolas" pitchFamily="49" charset="0"/>
+                <a:cs typeface="Consolas" pitchFamily="49" charset="0"/>
+              </a:rPr>
+              <a:t>set-equal?</a:t>
+            </a:r>
+            <a:r>
+              <a:rPr lang="en-US" sz="2000" b="1" dirty="0">
+                <a:latin typeface="Consolas" pitchFamily="49" charset="0"/>
+                <a:cs typeface="Consolas" pitchFamily="49" charset="0"/>
+              </a:rPr>
+              <a:t> </a:t>
+            </a:r>
+          </a:p>
+          <a:p>
+            <a:pPr>
+              <a:buNone/>
+            </a:pPr>
+            <a:r>
+              <a:rPr lang="en-US" sz="2000" b="1" dirty="0">
+                <a:latin typeface="Consolas" pitchFamily="49" charset="0"/>
+                <a:cs typeface="Consolas" pitchFamily="49" charset="0"/>
+              </a:rPr>
+              <a:t> (person-descendants </a:t>
+            </a:r>
+            <a:r>
+              <a:rPr lang="en-US" sz="2000" b="1" dirty="0" err="1">
+                <a:latin typeface="Consolas" pitchFamily="49" charset="0"/>
+                <a:cs typeface="Consolas" pitchFamily="49" charset="0"/>
+              </a:rPr>
+              <a:t>fred</a:t>
+            </a:r>
+            <a:r>
+              <a:rPr lang="en-US" sz="2000" b="1" dirty="0">
+                <a:latin typeface="Consolas" pitchFamily="49" charset="0"/>
+                <a:cs typeface="Consolas" pitchFamily="49" charset="0"/>
+              </a:rPr>
+              <a:t>) </a:t>
+            </a:r>
+          </a:p>
+          <a:p>
+            <a:pPr>
+              <a:buNone/>
+            </a:pPr>
+            <a:r>
+              <a:rPr lang="en-US" sz="2000" b="1" dirty="0">
+                <a:latin typeface="Consolas" pitchFamily="49" charset="0"/>
+                <a:cs typeface="Consolas" pitchFamily="49" charset="0"/>
+              </a:rPr>
+              <a:t> (list chuck </a:t>
+            </a:r>
+            <a:r>
+              <a:rPr lang="en-US" sz="2000" b="1" dirty="0" err="1">
+                <a:latin typeface="Consolas" pitchFamily="49" charset="0"/>
+                <a:cs typeface="Consolas" pitchFamily="49" charset="0"/>
+              </a:rPr>
+              <a:t>eddie</a:t>
+            </a:r>
+            <a:r>
+              <a:rPr lang="en-US" sz="2000" b="1" dirty="0">
+                <a:latin typeface="Consolas" pitchFamily="49" charset="0"/>
+                <a:cs typeface="Consolas" pitchFamily="49" charset="0"/>
+              </a:rPr>
+              <a:t> </a:t>
+            </a:r>
+            <a:r>
+              <a:rPr lang="en-US" sz="2000" b="1" dirty="0" err="1">
+                <a:latin typeface="Consolas" pitchFamily="49" charset="0"/>
+                <a:cs typeface="Consolas" pitchFamily="49" charset="0"/>
+              </a:rPr>
+              <a:t>alice</a:t>
+            </a:r>
+            <a:r>
+              <a:rPr lang="en-US" sz="2000" b="1" dirty="0">
+                <a:latin typeface="Consolas" pitchFamily="49" charset="0"/>
+                <a:cs typeface="Consolas" pitchFamily="49" charset="0"/>
+              </a:rPr>
+              <a:t> </a:t>
+            </a:r>
+            <a:r>
+              <a:rPr lang="en-US" sz="2000" b="1" dirty="0" err="1">
+                <a:latin typeface="Consolas" pitchFamily="49" charset="0"/>
+                <a:cs typeface="Consolas" pitchFamily="49" charset="0"/>
+              </a:rPr>
+              <a:t>dave</a:t>
+            </a:r>
+            <a:r>
+              <a:rPr lang="en-US" sz="2000" b="1" dirty="0">
+                <a:latin typeface="Consolas" pitchFamily="49" charset="0"/>
+                <a:cs typeface="Consolas" pitchFamily="49" charset="0"/>
+              </a:rPr>
+              <a:t> bob))</a:t>
+            </a:r>
+          </a:p>
+          <a:p>
+            <a:pPr>
+              <a:buNone/>
+            </a:pPr>
+            <a:endParaRPr lang="en-US" sz="2000" b="1" dirty="0">
+              <a:latin typeface="Consolas" pitchFamily="49" charset="0"/>
+              <a:cs typeface="Consolas" pitchFamily="49" charset="0"/>
+            </a:endParaRPr>
+          </a:p>
+          <a:p>
+            <a:pPr>
+              <a:buNone/>
+            </a:pPr>
+            <a:r>
+              <a:rPr lang="en-US" sz="2000" b="1" dirty="0">
+                <a:latin typeface="Consolas" pitchFamily="49" charset="0"/>
+                <a:cs typeface="Consolas" pitchFamily="49" charset="0"/>
+              </a:rPr>
+              <a:t>(check </a:t>
+            </a:r>
+            <a:r>
+              <a:rPr lang="en-US" sz="2000" b="1" dirty="0">
+                <a:solidFill>
+                  <a:srgbClr val="FF0000"/>
+                </a:solidFill>
+                <a:latin typeface="Consolas" pitchFamily="49" charset="0"/>
+                <a:cs typeface="Consolas" pitchFamily="49" charset="0"/>
+              </a:rPr>
+              <a:t>set-equal?</a:t>
+            </a:r>
+            <a:r>
+              <a:rPr lang="en-US" sz="2000" b="1" dirty="0">
+                <a:latin typeface="Consolas" pitchFamily="49" charset="0"/>
+                <a:cs typeface="Consolas" pitchFamily="49" charset="0"/>
+              </a:rPr>
+              <a:t> </a:t>
+            </a:r>
+          </a:p>
+          <a:p>
+            <a:pPr>
+              <a:buNone/>
+            </a:pPr>
+            <a:r>
+              <a:rPr lang="en-US" sz="2000" b="1" dirty="0">
+                <a:latin typeface="Consolas" pitchFamily="49" charset="0"/>
+                <a:cs typeface="Consolas" pitchFamily="49" charset="0"/>
+              </a:rPr>
+              <a:t> (persons-descendants (list chuck </a:t>
+            </a:r>
+            <a:r>
+              <a:rPr lang="en-US" sz="2000" b="1" dirty="0" err="1">
+                <a:latin typeface="Consolas" pitchFamily="49" charset="0"/>
+                <a:cs typeface="Consolas" pitchFamily="49" charset="0"/>
+              </a:rPr>
+              <a:t>eddie</a:t>
+            </a:r>
+            <a:r>
+              <a:rPr lang="en-US" sz="2000" b="1" dirty="0">
+                <a:latin typeface="Consolas" pitchFamily="49" charset="0"/>
+                <a:cs typeface="Consolas" pitchFamily="49" charset="0"/>
+              </a:rPr>
+              <a:t>)) </a:t>
+            </a:r>
+          </a:p>
+          <a:p>
+            <a:pPr>
+              <a:buNone/>
+            </a:pPr>
+            <a:r>
+              <a:rPr lang="en-US" sz="2000" b="1" dirty="0">
+                <a:latin typeface="Consolas" pitchFamily="49" charset="0"/>
+                <a:cs typeface="Consolas" pitchFamily="49" charset="0"/>
+              </a:rPr>
+              <a:t> (list </a:t>
+            </a:r>
+            <a:r>
+              <a:rPr lang="en-US" sz="2000" b="1" dirty="0" err="1">
+                <a:latin typeface="Consolas" pitchFamily="49" charset="0"/>
+                <a:cs typeface="Consolas" pitchFamily="49" charset="0"/>
+              </a:rPr>
+              <a:t>alice</a:t>
+            </a:r>
+            <a:r>
+              <a:rPr lang="en-US" sz="2000" b="1" dirty="0">
+                <a:latin typeface="Consolas" pitchFamily="49" charset="0"/>
+                <a:cs typeface="Consolas" pitchFamily="49" charset="0"/>
+              </a:rPr>
+              <a:t> bob </a:t>
+            </a:r>
+            <a:r>
+              <a:rPr lang="en-US" sz="2000" b="1" dirty="0" err="1">
+                <a:latin typeface="Consolas" pitchFamily="49" charset="0"/>
+                <a:cs typeface="Consolas" pitchFamily="49" charset="0"/>
+              </a:rPr>
+              <a:t>dave</a:t>
+            </a:r>
+            <a:r>
+              <a:rPr lang="en-US" sz="2000" b="1" dirty="0">
+                <a:latin typeface="Consolas" pitchFamily="49" charset="0"/>
+                <a:cs typeface="Consolas" pitchFamily="49" charset="0"/>
+              </a:rPr>
+              <a:t>))</a:t>
+            </a:r>
           </a:p>
         </p:txBody>
       </p:sp>
@@ -14464,7 +14185,7 @@
           <a:lstStyle/>
           <a:p>
             <a:pPr algn="ctr"/>
-            <a:endParaRPr lang="en-US" dirty="0" smtClean="0">
+            <a:endParaRPr lang="en-US" dirty="0">
               <a:solidFill>
                 <a:schemeClr val="tx1"/>
               </a:solidFill>
@@ -14516,7 +14237,7 @@
           <a:lstStyle/>
           <a:p>
             <a:pPr algn="ctr"/>
-            <a:endParaRPr lang="en-US" dirty="0" smtClean="0">
+            <a:endParaRPr lang="en-US" dirty="0">
               <a:solidFill>
                 <a:schemeClr val="tx1"/>
               </a:solidFill>
@@ -14581,47 +14302,23 @@
           <a:p>
             <a:pPr lvl="0"/>
             <a:r>
-              <a:rPr lang="en-US" sz="1200" dirty="0" smtClean="0">
-                <a:solidFill>
-                  <a:schemeClr val="tx1"/>
-                </a:solidFill>
-              </a:rPr>
-              <a:t>1. We </a:t>
-            </a:r>
-            <a:r>
               <a:rPr lang="en-US" sz="1200" dirty="0">
                 <a:solidFill>
                   <a:schemeClr val="tx1"/>
                 </a:solidFill>
               </a:rPr>
-              <a:t>could have our purpose statement specify the order in which the descendants are to be listed.</a:t>
+              <a:t>1. We could have our purpose statement specify the order in which the descendants are to be listed.</a:t>
             </a:r>
           </a:p>
           <a:p>
             <a:pPr lvl="0"/>
-            <a:r>
-              <a:rPr lang="en-US" sz="1200" dirty="0" smtClean="0">
-                <a:solidFill>
-                  <a:schemeClr val="tx1"/>
-                </a:solidFill>
-              </a:rPr>
-              <a:t>2. We </a:t>
-            </a:r>
             <a:r>
               <a:rPr lang="en-US" sz="1200" dirty="0">
                 <a:solidFill>
                   <a:schemeClr val="tx1"/>
                 </a:solidFill>
               </a:rPr>
-              <a:t>could use smarter tests that would accept the answer list in any order</a:t>
-            </a:r>
-            <a:r>
-              <a:rPr lang="en-US" sz="1200" dirty="0" smtClean="0">
-                <a:solidFill>
-                  <a:schemeClr val="tx1"/>
-                </a:solidFill>
-              </a:rPr>
-              <a:t>.</a:t>
+              <a:t>2. We could use smarter tests that would accept the answer list in any order.</a:t>
             </a:r>
           </a:p>
         </p:txBody>
@@ -14672,20 +14369,12 @@
           <a:lstStyle/>
           <a:p>
             <a:r>
-              <a:rPr lang="en-US" sz="1200" dirty="0" smtClean="0">
-                <a:solidFill>
-                  <a:schemeClr val="tx1"/>
-                </a:solidFill>
-              </a:rPr>
-              <a:t>Here </a:t>
-            </a:r>
-            <a:r>
               <a:rPr lang="en-US" sz="1200" dirty="0">
                 <a:solidFill>
                   <a:schemeClr val="tx1"/>
                 </a:solidFill>
               </a:rPr>
-              <a:t>we've adopted the second approach.  Instead of </a:t>
+              <a:t>Here we've adopted the second approach.  Instead of </a:t>
             </a:r>
             <a:r>
               <a:rPr lang="en-US" sz="1200" b="1" dirty="0">
@@ -14765,31 +14454,7 @@
                   <a:schemeClr val="tx1"/>
                 </a:solidFill>
               </a:rPr>
-              <a:t> in the Examples </a:t>
-            </a:r>
-            <a:r>
-              <a:rPr lang="en-US" sz="1200" dirty="0" smtClean="0">
-                <a:solidFill>
-                  <a:schemeClr val="tx1"/>
-                </a:solidFill>
-              </a:rPr>
-              <a:t>file </a:t>
-            </a:r>
-            <a:r>
-              <a:rPr lang="en-US" sz="1200" dirty="0">
-                <a:solidFill>
-                  <a:schemeClr val="tx1"/>
-                </a:solidFill>
-              </a:rPr>
-              <a:t>for this </a:t>
-            </a:r>
-            <a:r>
-              <a:rPr lang="en-US" sz="1200" dirty="0" smtClean="0">
-                <a:solidFill>
-                  <a:schemeClr val="tx1"/>
-                </a:solidFill>
-              </a:rPr>
-              <a:t>week. </a:t>
+              <a:t> in the Examples file for this week. </a:t>
             </a:r>
           </a:p>
         </p:txBody>
@@ -14840,20 +14505,12 @@
           <a:lstStyle/>
           <a:p>
             <a:r>
-              <a:rPr lang="en-US" sz="1200" dirty="0" smtClean="0">
-                <a:solidFill>
-                  <a:schemeClr val="tx1"/>
-                </a:solidFill>
-              </a:rPr>
-              <a:t>Here are some </a:t>
-            </a:r>
-            <a:r>
               <a:rPr lang="en-US" sz="1200" dirty="0">
                 <a:solidFill>
                   <a:schemeClr val="tx1"/>
                 </a:solidFill>
               </a:rPr>
-              <a:t>tests for </a:t>
+              <a:t>Here are some tests for </a:t>
             </a:r>
             <a:r>
               <a:rPr lang="en-US" sz="1200" b="1" dirty="0">
@@ -14885,15 +14542,7 @@
                   <a:schemeClr val="tx1"/>
                 </a:solidFill>
               </a:rPr>
-              <a:t>that list the answer in two different orders</a:t>
-            </a:r>
-            <a:r>
-              <a:rPr lang="en-US" sz="1200" dirty="0" smtClean="0">
-                <a:solidFill>
-                  <a:schemeClr val="tx1"/>
-                </a:solidFill>
-              </a:rPr>
-              <a:t>.</a:t>
+              <a:t>that list the answer in two different orders.</a:t>
             </a:r>
           </a:p>
         </p:txBody>
@@ -14908,13 +14557,6 @@
   <p:clrMapOvr>
     <a:masterClrMapping/>
   </p:clrMapOvr>
-  <p:timing>
-    <p:tnLst>
-      <p:par>
-        <p:cTn id="1" dur="indefinite" restart="never" nodeType="tmRoot"/>
-      </p:par>
-    </p:tnLst>
-  </p:timing>
 </p:sld>
 </file>
 
@@ -14951,10 +14593,9 @@
           <a:lstStyle/>
           <a:p>
             <a:r>
-              <a:rPr lang="en-US" dirty="0" smtClean="0"/>
+              <a:rPr lang="en-US" dirty="0"/>
               <a:t>Summary</a:t>
             </a:r>
-            <a:endParaRPr lang="en-US" dirty="0"/>
           </a:p>
         </p:txBody>
       </p:sp>
@@ -14974,47 +14615,30 @@
           <a:lstStyle/>
           <a:p>
             <a:r>
-              <a:rPr lang="en-US" dirty="0" smtClean="0"/>
-              <a:t>You should now be </a:t>
-            </a:r>
-            <a:r>
               <a:rPr lang="en-US" dirty="0"/>
-              <a:t>able to:</a:t>
+              <a:t>You should now be able to:</a:t>
             </a:r>
           </a:p>
           <a:p>
             <a:pPr lvl="1"/>
             <a:r>
               <a:rPr lang="en-US" dirty="0"/>
-              <a:t>recognize situations in which a </a:t>
-            </a:r>
-            <a:r>
-              <a:rPr lang="en-US" dirty="0" smtClean="0"/>
-              <a:t>structure </a:t>
-            </a:r>
+              <a:t>recognize situations in which a structure may have a component that is a list of similar structures</a:t>
+            </a:r>
+          </a:p>
+          <a:p>
+            <a:pPr lvl="1"/>
             <a:r>
               <a:rPr lang="en-US" dirty="0"/>
-              <a:t>may have a component that is a list of </a:t>
-            </a:r>
-            <a:r>
-              <a:rPr lang="en-US" dirty="0" smtClean="0"/>
-              <a:t>similar structures</a:t>
+              <a:t>write a data definition for such values</a:t>
             </a:r>
           </a:p>
           <a:p>
             <a:pPr lvl="1"/>
             <a:r>
-              <a:rPr lang="en-US" dirty="0" smtClean="0"/>
-              <a:t>write a data definition for such values</a:t>
-            </a:r>
-          </a:p>
-          <a:p>
-            <a:pPr lvl="1"/>
-            <a:r>
-              <a:rPr lang="en-US" dirty="0" smtClean="0"/>
+              <a:rPr lang="en-US" dirty="0"/>
               <a:t>write a template for such a structure</a:t>
             </a:r>
-            <a:endParaRPr lang="en-US" dirty="0"/>
           </a:p>
           <a:p>
             <a:pPr lvl="1"/>
@@ -15061,13 +14685,6 @@
   <p:clrMapOvr>
     <a:masterClrMapping/>
   </p:clrMapOvr>
-  <p:timing>
-    <p:tnLst>
-      <p:par>
-        <p:cTn id="1" dur="indefinite" restart="never" nodeType="tmRoot"/>
-      </p:par>
-    </p:tnLst>
-  </p:timing>
 </p:sld>
 </file>
 
@@ -15104,64 +14721,54 @@
           <a:lstStyle/>
           <a:p>
             <a:r>
-              <a:rPr lang="en-US" dirty="0" smtClean="0"/>
+              <a:rPr lang="en-US" dirty="0"/>
               <a:t>Next Steps</a:t>
             </a:r>
+          </a:p>
+        </p:txBody>
+      </p:sp>
+      <p:sp>
+        <p:nvSpPr>
+          <p:cNvPr id="3" name="Content Placeholder 2"/>
+          <p:cNvSpPr>
+            <a:spLocks noGrp="1"/>
+          </p:cNvSpPr>
+          <p:nvPr>
+            <p:ph idx="1"/>
+          </p:nvPr>
+        </p:nvSpPr>
+        <p:spPr/>
+        <p:txBody>
+          <a:bodyPr/>
+          <a:lstStyle/>
+          <a:p>
+            <a:r>
+              <a:rPr lang="en-US" dirty="0"/>
+              <a:t>Study the file 06-7-descendants.rkt in the Examples folder</a:t>
+            </a:r>
+          </a:p>
+          <a:p>
+            <a:r>
+              <a:rPr lang="en-US" dirty="0"/>
+              <a:t>If you have questions about this lesson, ask them on the Discussion Board</a:t>
+            </a:r>
+          </a:p>
+          <a:p>
+            <a:r>
+              <a:rPr lang="en-US" dirty="0"/>
+              <a:t>Do </a:t>
+            </a:r>
+            <a:r>
+              <a:rPr lang="en-US" dirty="0">
+                <a:hlinkClick r:id="rId2" action="ppaction://hlinkfile"/>
+              </a:rPr>
+              <a:t>Guided Practice 6.6</a:t>
+            </a:r>
             <a:endParaRPr lang="en-US" dirty="0"/>
           </a:p>
-        </p:txBody>
-      </p:sp>
-      <p:sp>
-        <p:nvSpPr>
-          <p:cNvPr id="3" name="Content Placeholder 2"/>
-          <p:cNvSpPr>
-            <a:spLocks noGrp="1"/>
-          </p:cNvSpPr>
-          <p:nvPr>
-            <p:ph idx="1"/>
-          </p:nvPr>
-        </p:nvSpPr>
-        <p:spPr/>
-        <p:txBody>
-          <a:bodyPr/>
-          <a:lstStyle/>
-          <a:p>
-            <a:r>
-              <a:rPr lang="en-US" dirty="0" smtClean="0"/>
-              <a:t>Study the file 06-6-descendants.rkt in the </a:t>
-            </a:r>
-            <a:r>
-              <a:rPr lang="en-US" smtClean="0"/>
-              <a:t>Examples folder</a:t>
-            </a:r>
-            <a:endParaRPr lang="en-US" dirty="0" smtClean="0"/>
-          </a:p>
-          <a:p>
-            <a:r>
-              <a:rPr lang="en-US" dirty="0" smtClean="0"/>
-              <a:t>If </a:t>
-            </a:r>
-            <a:r>
-              <a:rPr lang="en-US" dirty="0" smtClean="0"/>
-              <a:t>you have questions about this lesson, ask them on the Discussion Board</a:t>
-            </a:r>
-          </a:p>
-          <a:p>
-            <a:r>
-              <a:rPr lang="en-US" dirty="0" smtClean="0"/>
-              <a:t>Do </a:t>
-            </a:r>
-            <a:r>
-              <a:rPr lang="en-US" dirty="0" smtClean="0">
-                <a:hlinkClick r:id="rId2" action="ppaction://hlinkfile"/>
-              </a:rPr>
-              <a:t>Guided Practice 6.6</a:t>
-            </a:r>
-            <a:endParaRPr lang="en-US" dirty="0" smtClean="0"/>
-          </a:p>
-          <a:p>
-            <a:r>
-              <a:rPr lang="en-US" dirty="0" smtClean="0"/>
+          <a:p>
+            <a:r>
+              <a:rPr lang="en-US" dirty="0"/>
               <a:t>Do the problem set</a:t>
             </a:r>
           </a:p>
@@ -15200,13 +14807,6 @@
   <p:clrMapOvr>
     <a:masterClrMapping/>
   </p:clrMapOvr>
-  <p:timing>
-    <p:tnLst>
-      <p:par>
-        <p:cTn id="1" dur="indefinite" restart="never" nodeType="tmRoot"/>
-      </p:par>
-    </p:tnLst>
-  </p:timing>
 </p:sld>
 </file>
 
@@ -15243,10 +14843,9 @@
           <a:lstStyle/>
           <a:p>
             <a:r>
-              <a:rPr lang="en-US" dirty="0" smtClean="0"/>
+              <a:rPr lang="en-US" dirty="0"/>
               <a:t>Learning Objectives</a:t>
             </a:r>
-            <a:endParaRPr lang="en-US" dirty="0"/>
           </a:p>
         </p:txBody>
       </p:sp>
@@ -15274,35 +14873,22 @@
             <a:pPr lvl="1"/>
             <a:r>
               <a:rPr lang="en-US" dirty="0"/>
-              <a:t>recognize situations in which a </a:t>
-            </a:r>
-            <a:r>
-              <a:rPr lang="en-US" dirty="0" smtClean="0"/>
-              <a:t>structure </a:t>
-            </a:r>
+              <a:t>recognize situations in which a structure may have a component that is a list of similar structures</a:t>
+            </a:r>
+          </a:p>
+          <a:p>
+            <a:pPr lvl="1"/>
             <a:r>
               <a:rPr lang="en-US" dirty="0"/>
-              <a:t>may have a component that is a list of </a:t>
-            </a:r>
-            <a:r>
-              <a:rPr lang="en-US" dirty="0" smtClean="0"/>
-              <a:t>similar structures</a:t>
+              <a:t>write a data definition for such values</a:t>
             </a:r>
           </a:p>
           <a:p>
             <a:pPr lvl="1"/>
             <a:r>
-              <a:rPr lang="en-US" dirty="0" smtClean="0"/>
-              <a:t>write a data definition for such values</a:t>
-            </a:r>
-          </a:p>
-          <a:p>
-            <a:pPr lvl="1"/>
-            <a:r>
-              <a:rPr lang="en-US" dirty="0" smtClean="0"/>
+              <a:rPr lang="en-US" dirty="0"/>
               <a:t>write a template for such a structure</a:t>
             </a:r>
-            <a:endParaRPr lang="en-US" dirty="0"/>
           </a:p>
           <a:p>
             <a:pPr lvl="1"/>
@@ -15349,13 +14935,6 @@
   <p:clrMapOvr>
     <a:masterClrMapping/>
   </p:clrMapOvr>
-  <p:timing>
-    <p:tnLst>
-      <p:par>
-        <p:cTn id="1" dur="indefinite" restart="never" nodeType="tmRoot"/>
-      </p:par>
-    </p:tnLst>
-  </p:timing>
 </p:sld>
 </file>
 
@@ -15394,10 +14973,9 @@
           <a:lstStyle/>
           <a:p>
             <a:r>
-              <a:rPr lang="en-US" dirty="0" smtClean="0"/>
+              <a:rPr lang="en-US" dirty="0"/>
               <a:t>Ancestor Trees</a:t>
             </a:r>
-            <a:endParaRPr lang="en-US" dirty="0"/>
           </a:p>
         </p:txBody>
       </p:sp>
@@ -15422,21 +15000,21 @@
               <a:buNone/>
             </a:pPr>
             <a:r>
-              <a:rPr lang="en-US" b="1" dirty="0" smtClean="0">
+              <a:rPr lang="en-US" b="1" dirty="0">
                 <a:latin typeface="Consolas" pitchFamily="49" charset="0"/>
                 <a:cs typeface="Consolas" pitchFamily="49" charset="0"/>
               </a:rPr>
               <a:t>(define-</a:t>
             </a:r>
             <a:r>
-              <a:rPr lang="en-US" b="1" dirty="0" err="1" smtClean="0">
+              <a:rPr lang="en-US" b="1" dirty="0" err="1">
                 <a:latin typeface="Consolas" pitchFamily="49" charset="0"/>
                 <a:cs typeface="Consolas" pitchFamily="49" charset="0"/>
               </a:rPr>
               <a:t>struct</a:t>
             </a:r>
             <a:r>
-              <a:rPr lang="en-US" b="1" dirty="0" smtClean="0">
+              <a:rPr lang="en-US" b="1" dirty="0">
                 <a:latin typeface="Consolas" pitchFamily="49" charset="0"/>
                 <a:cs typeface="Consolas" pitchFamily="49" charset="0"/>
               </a:rPr>
@@ -15447,306 +15025,302 @@
             <a:pPr>
               <a:buNone/>
             </a:pPr>
-            <a:endParaRPr lang="en-US" b="1" dirty="0" smtClean="0">
-              <a:latin typeface="Consolas" pitchFamily="49" charset="0"/>
-              <a:cs typeface="Consolas" pitchFamily="49" charset="0"/>
-            </a:endParaRPr>
-          </a:p>
-          <a:p>
-            <a:pPr>
-              <a:buNone/>
-            </a:pPr>
-            <a:r>
-              <a:rPr lang="en-US" b="1" dirty="0" smtClean="0">
-                <a:latin typeface="Consolas" pitchFamily="49" charset="0"/>
-                <a:cs typeface="Consolas" pitchFamily="49" charset="0"/>
-              </a:rPr>
-              <a:t>;; A </a:t>
-            </a:r>
-            <a:r>
-              <a:rPr lang="en-US" b="1" dirty="0" smtClean="0">
-                <a:solidFill>
-                  <a:srgbClr val="FF0000"/>
-                </a:solidFill>
-                <a:latin typeface="Consolas" pitchFamily="49" charset="0"/>
-                <a:cs typeface="Consolas" pitchFamily="49" charset="0"/>
-              </a:rPr>
-              <a:t>Person</a:t>
-            </a:r>
-            <a:r>
-              <a:rPr lang="en-US" b="1" dirty="0" smtClean="0">
-                <a:latin typeface="Consolas" pitchFamily="49" charset="0"/>
-                <a:cs typeface="Consolas" pitchFamily="49" charset="0"/>
-              </a:rPr>
-              <a:t> is either</a:t>
-            </a:r>
-          </a:p>
-          <a:p>
-            <a:pPr>
-              <a:buNone/>
-            </a:pPr>
-            <a:r>
-              <a:rPr lang="en-US" b="1" dirty="0" smtClean="0">
-                <a:latin typeface="Consolas" pitchFamily="49" charset="0"/>
-                <a:cs typeface="Consolas" pitchFamily="49" charset="0"/>
-              </a:rPr>
-              <a:t>;; --"Adam"</a:t>
-            </a:r>
-          </a:p>
-          <a:p>
-            <a:pPr>
-              <a:buNone/>
-            </a:pPr>
-            <a:r>
-              <a:rPr lang="en-US" b="1" dirty="0" smtClean="0">
-                <a:latin typeface="Consolas" pitchFamily="49" charset="0"/>
-                <a:cs typeface="Consolas" pitchFamily="49" charset="0"/>
-              </a:rPr>
-              <a:t>;; --"Eve"</a:t>
-            </a:r>
-          </a:p>
-          <a:p>
-            <a:pPr>
-              <a:buNone/>
-            </a:pPr>
-            <a:r>
-              <a:rPr lang="en-US" b="1" dirty="0" smtClean="0">
-                <a:latin typeface="Consolas" pitchFamily="49" charset="0"/>
-                <a:cs typeface="Consolas" pitchFamily="49" charset="0"/>
-              </a:rPr>
-              <a:t>;; --(make-person String </a:t>
-            </a:r>
-            <a:r>
-              <a:rPr lang="en-US" b="1" dirty="0" smtClean="0">
-                <a:solidFill>
-                  <a:srgbClr val="FF0000"/>
-                </a:solidFill>
-                <a:latin typeface="Consolas" pitchFamily="49" charset="0"/>
-                <a:cs typeface="Consolas" pitchFamily="49" charset="0"/>
-              </a:rPr>
-              <a:t>Person</a:t>
-            </a:r>
-            <a:r>
-              <a:rPr lang="en-US" b="1" dirty="0" smtClean="0">
-                <a:latin typeface="Consolas" pitchFamily="49" charset="0"/>
-                <a:cs typeface="Consolas" pitchFamily="49" charset="0"/>
-              </a:rPr>
-              <a:t> </a:t>
-            </a:r>
-            <a:r>
-              <a:rPr lang="en-US" b="1" dirty="0" err="1" smtClean="0">
-                <a:solidFill>
-                  <a:srgbClr val="FF0000"/>
-                </a:solidFill>
-                <a:latin typeface="Consolas" pitchFamily="49" charset="0"/>
-                <a:cs typeface="Consolas" pitchFamily="49" charset="0"/>
-              </a:rPr>
-              <a:t>Person</a:t>
-            </a:r>
-            <a:r>
-              <a:rPr lang="en-US" b="1" dirty="0" smtClean="0">
-                <a:latin typeface="Consolas" pitchFamily="49" charset="0"/>
-                <a:cs typeface="Consolas" pitchFamily="49" charset="0"/>
-              </a:rPr>
-              <a:t>)</a:t>
-            </a:r>
-          </a:p>
-          <a:p>
-            <a:pPr>
-              <a:buNone/>
-            </a:pPr>
-            <a:endParaRPr lang="en-US" b="1" dirty="0" smtClean="0">
-              <a:latin typeface="Consolas" pitchFamily="49" charset="0"/>
-              <a:cs typeface="Consolas" pitchFamily="49" charset="0"/>
-            </a:endParaRPr>
-          </a:p>
-          <a:p>
-            <a:pPr>
-              <a:buNone/>
-            </a:pPr>
-            <a:r>
-              <a:rPr lang="en-US" b="1" dirty="0" smtClean="0">
-                <a:latin typeface="Consolas" pitchFamily="49" charset="0"/>
-                <a:cs typeface="Consolas" pitchFamily="49" charset="0"/>
-              </a:rPr>
-              <a:t>;; person-fn : Person -&gt; ???</a:t>
-            </a:r>
-          </a:p>
-          <a:p>
-            <a:pPr>
-              <a:buNone/>
-            </a:pPr>
-            <a:r>
-              <a:rPr lang="en-US" b="1" dirty="0" smtClean="0">
-                <a:latin typeface="Consolas" pitchFamily="49" charset="0"/>
-                <a:cs typeface="Consolas" pitchFamily="49" charset="0"/>
-              </a:rPr>
-              <a:t>(define (</a:t>
-            </a:r>
-            <a:r>
-              <a:rPr lang="en-US" b="1" dirty="0" smtClean="0">
-                <a:solidFill>
-                  <a:srgbClr val="FF0000"/>
-                </a:solidFill>
-                <a:latin typeface="Consolas" pitchFamily="49" charset="0"/>
-                <a:cs typeface="Consolas" pitchFamily="49" charset="0"/>
-              </a:rPr>
-              <a:t>person-fn</a:t>
-            </a:r>
-            <a:r>
-              <a:rPr lang="en-US" b="1" dirty="0" smtClean="0">
-                <a:latin typeface="Consolas" pitchFamily="49" charset="0"/>
-                <a:cs typeface="Consolas" pitchFamily="49" charset="0"/>
-              </a:rPr>
-              <a:t> p)</a:t>
-            </a:r>
-          </a:p>
-          <a:p>
-            <a:pPr>
-              <a:buNone/>
-            </a:pPr>
-            <a:r>
-              <a:rPr lang="en-US" b="1" dirty="0" smtClean="0">
-                <a:latin typeface="Consolas" pitchFamily="49" charset="0"/>
-                <a:cs typeface="Consolas" pitchFamily="49" charset="0"/>
-              </a:rPr>
-              <a:t>  (</a:t>
-            </a:r>
-            <a:r>
-              <a:rPr lang="en-US" b="1" dirty="0" err="1" smtClean="0">
-                <a:latin typeface="Consolas" pitchFamily="49" charset="0"/>
-                <a:cs typeface="Consolas" pitchFamily="49" charset="0"/>
-              </a:rPr>
-              <a:t>cond</a:t>
-            </a:r>
-            <a:endParaRPr lang="en-US" b="1" dirty="0" smtClean="0">
-              <a:latin typeface="Consolas" pitchFamily="49" charset="0"/>
-              <a:cs typeface="Consolas" pitchFamily="49" charset="0"/>
-            </a:endParaRPr>
-          </a:p>
-          <a:p>
-            <a:pPr>
-              <a:buNone/>
-            </a:pPr>
-            <a:r>
-              <a:rPr lang="en-US" b="1" dirty="0" smtClean="0">
-                <a:latin typeface="Consolas" pitchFamily="49" charset="0"/>
-                <a:cs typeface="Consolas" pitchFamily="49" charset="0"/>
-              </a:rPr>
-              <a:t>    [(</a:t>
-            </a:r>
-            <a:r>
-              <a:rPr lang="en-US" b="1" dirty="0" err="1" smtClean="0">
-                <a:latin typeface="Consolas" pitchFamily="49" charset="0"/>
-                <a:cs typeface="Consolas" pitchFamily="49" charset="0"/>
-              </a:rPr>
-              <a:t>adam</a:t>
-            </a:r>
-            <a:r>
-              <a:rPr lang="en-US" b="1" dirty="0" smtClean="0">
-                <a:latin typeface="Consolas" pitchFamily="49" charset="0"/>
-                <a:cs typeface="Consolas" pitchFamily="49" charset="0"/>
-              </a:rPr>
-              <a:t>? p) ...]</a:t>
-            </a:r>
-          </a:p>
-          <a:p>
-            <a:pPr>
-              <a:buNone/>
-            </a:pPr>
-            <a:r>
-              <a:rPr lang="en-US" b="1" dirty="0" smtClean="0">
-                <a:latin typeface="Consolas" pitchFamily="49" charset="0"/>
-                <a:cs typeface="Consolas" pitchFamily="49" charset="0"/>
-              </a:rPr>
-              <a:t>    [(eve? p) ...]</a:t>
-            </a:r>
-          </a:p>
-          <a:p>
-            <a:pPr>
-              <a:buNone/>
-            </a:pPr>
-            <a:r>
-              <a:rPr lang="en-US" b="1" dirty="0" smtClean="0">
-                <a:latin typeface="Consolas" pitchFamily="49" charset="0"/>
-                <a:cs typeface="Consolas" pitchFamily="49" charset="0"/>
-              </a:rPr>
-              <a:t>    [else (...</a:t>
-            </a:r>
-          </a:p>
-          <a:p>
-            <a:pPr>
-              <a:buNone/>
-            </a:pPr>
-            <a:r>
-              <a:rPr lang="en-US" b="1" dirty="0" smtClean="0">
-                <a:latin typeface="Consolas" pitchFamily="49" charset="0"/>
-                <a:cs typeface="Consolas" pitchFamily="49" charset="0"/>
-              </a:rPr>
-              <a:t>           (person-name p)</a:t>
-            </a:r>
-          </a:p>
-          <a:p>
-            <a:pPr>
-              <a:buNone/>
-            </a:pPr>
-            <a:r>
-              <a:rPr lang="en-US" b="1" dirty="0" smtClean="0">
-                <a:latin typeface="Consolas" pitchFamily="49" charset="0"/>
-                <a:cs typeface="Consolas" pitchFamily="49" charset="0"/>
-              </a:rPr>
-              <a:t>           (</a:t>
-            </a:r>
-            <a:r>
-              <a:rPr lang="en-US" b="1" dirty="0" smtClean="0">
-                <a:solidFill>
-                  <a:srgbClr val="FF0000"/>
-                </a:solidFill>
-                <a:latin typeface="Consolas" pitchFamily="49" charset="0"/>
-                <a:cs typeface="Consolas" pitchFamily="49" charset="0"/>
-              </a:rPr>
-              <a:t>person-fn</a:t>
-            </a:r>
-            <a:r>
-              <a:rPr lang="en-US" b="1" dirty="0" smtClean="0">
-                <a:latin typeface="Consolas" pitchFamily="49" charset="0"/>
-                <a:cs typeface="Consolas" pitchFamily="49" charset="0"/>
-              </a:rPr>
-              <a:t> (person-father p))</a:t>
-            </a:r>
-          </a:p>
-          <a:p>
-            <a:pPr>
-              <a:buNone/>
-            </a:pPr>
-            <a:r>
-              <a:rPr lang="en-US" b="1" dirty="0" smtClean="0">
-                <a:latin typeface="Consolas" pitchFamily="49" charset="0"/>
-                <a:cs typeface="Consolas" pitchFamily="49" charset="0"/>
-              </a:rPr>
-              <a:t>           (</a:t>
-            </a:r>
-            <a:r>
-              <a:rPr lang="en-US" b="1" dirty="0" smtClean="0">
-                <a:solidFill>
-                  <a:srgbClr val="FF0000"/>
-                </a:solidFill>
-                <a:latin typeface="Consolas" pitchFamily="49" charset="0"/>
-                <a:cs typeface="Consolas" pitchFamily="49" charset="0"/>
-              </a:rPr>
-              <a:t>person-fn</a:t>
-            </a:r>
-            <a:r>
-              <a:rPr lang="en-US" b="1" dirty="0" smtClean="0">
-                <a:latin typeface="Consolas" pitchFamily="49" charset="0"/>
-                <a:cs typeface="Consolas" pitchFamily="49" charset="0"/>
-              </a:rPr>
-              <a:t> (person-mother p)))]))</a:t>
-            </a:r>
             <a:endParaRPr lang="en-US" b="1" dirty="0">
               <a:latin typeface="Consolas" pitchFamily="49" charset="0"/>
               <a:cs typeface="Consolas" pitchFamily="49" charset="0"/>
             </a:endParaRPr>
+          </a:p>
+          <a:p>
+            <a:pPr>
+              <a:buNone/>
+            </a:pPr>
+            <a:r>
+              <a:rPr lang="en-US" b="1" dirty="0">
+                <a:latin typeface="Consolas" pitchFamily="49" charset="0"/>
+                <a:cs typeface="Consolas" pitchFamily="49" charset="0"/>
+              </a:rPr>
+              <a:t>;; A </a:t>
+            </a:r>
+            <a:r>
+              <a:rPr lang="en-US" b="1" dirty="0">
+                <a:solidFill>
+                  <a:srgbClr val="FF0000"/>
+                </a:solidFill>
+                <a:latin typeface="Consolas" pitchFamily="49" charset="0"/>
+                <a:cs typeface="Consolas" pitchFamily="49" charset="0"/>
+              </a:rPr>
+              <a:t>Person</a:t>
+            </a:r>
+            <a:r>
+              <a:rPr lang="en-US" b="1" dirty="0">
+                <a:latin typeface="Consolas" pitchFamily="49" charset="0"/>
+                <a:cs typeface="Consolas" pitchFamily="49" charset="0"/>
+              </a:rPr>
+              <a:t> is either</a:t>
+            </a:r>
+          </a:p>
+          <a:p>
+            <a:pPr>
+              <a:buNone/>
+            </a:pPr>
+            <a:r>
+              <a:rPr lang="en-US" b="1" dirty="0">
+                <a:latin typeface="Consolas" pitchFamily="49" charset="0"/>
+                <a:cs typeface="Consolas" pitchFamily="49" charset="0"/>
+              </a:rPr>
+              <a:t>;; --"Adam"</a:t>
+            </a:r>
+          </a:p>
+          <a:p>
+            <a:pPr>
+              <a:buNone/>
+            </a:pPr>
+            <a:r>
+              <a:rPr lang="en-US" b="1" dirty="0">
+                <a:latin typeface="Consolas" pitchFamily="49" charset="0"/>
+                <a:cs typeface="Consolas" pitchFamily="49" charset="0"/>
+              </a:rPr>
+              <a:t>;; --"Eve"</a:t>
+            </a:r>
+          </a:p>
+          <a:p>
+            <a:pPr>
+              <a:buNone/>
+            </a:pPr>
+            <a:r>
+              <a:rPr lang="en-US" b="1" dirty="0">
+                <a:latin typeface="Consolas" pitchFamily="49" charset="0"/>
+                <a:cs typeface="Consolas" pitchFamily="49" charset="0"/>
+              </a:rPr>
+              <a:t>;; --(make-person String </a:t>
+            </a:r>
+            <a:r>
+              <a:rPr lang="en-US" b="1" dirty="0">
+                <a:solidFill>
+                  <a:srgbClr val="FF0000"/>
+                </a:solidFill>
+                <a:latin typeface="Consolas" pitchFamily="49" charset="0"/>
+                <a:cs typeface="Consolas" pitchFamily="49" charset="0"/>
+              </a:rPr>
+              <a:t>Person</a:t>
+            </a:r>
+            <a:r>
+              <a:rPr lang="en-US" b="1" dirty="0">
+                <a:latin typeface="Consolas" pitchFamily="49" charset="0"/>
+                <a:cs typeface="Consolas" pitchFamily="49" charset="0"/>
+              </a:rPr>
+              <a:t> </a:t>
+            </a:r>
+            <a:r>
+              <a:rPr lang="en-US" b="1" dirty="0" err="1">
+                <a:solidFill>
+                  <a:srgbClr val="FF0000"/>
+                </a:solidFill>
+                <a:latin typeface="Consolas" pitchFamily="49" charset="0"/>
+                <a:cs typeface="Consolas" pitchFamily="49" charset="0"/>
+              </a:rPr>
+              <a:t>Person</a:t>
+            </a:r>
+            <a:r>
+              <a:rPr lang="en-US" b="1" dirty="0">
+                <a:latin typeface="Consolas" pitchFamily="49" charset="0"/>
+                <a:cs typeface="Consolas" pitchFamily="49" charset="0"/>
+              </a:rPr>
+              <a:t>)</a:t>
+            </a:r>
+          </a:p>
+          <a:p>
+            <a:pPr>
+              <a:buNone/>
+            </a:pPr>
+            <a:endParaRPr lang="en-US" b="1" dirty="0">
+              <a:latin typeface="Consolas" pitchFamily="49" charset="0"/>
+              <a:cs typeface="Consolas" pitchFamily="49" charset="0"/>
+            </a:endParaRPr>
+          </a:p>
+          <a:p>
+            <a:pPr>
+              <a:buNone/>
+            </a:pPr>
+            <a:r>
+              <a:rPr lang="en-US" b="1" dirty="0">
+                <a:latin typeface="Consolas" pitchFamily="49" charset="0"/>
+                <a:cs typeface="Consolas" pitchFamily="49" charset="0"/>
+              </a:rPr>
+              <a:t>;; person-fn : Person -&gt; ???</a:t>
+            </a:r>
+          </a:p>
+          <a:p>
+            <a:pPr>
+              <a:buNone/>
+            </a:pPr>
+            <a:r>
+              <a:rPr lang="en-US" b="1" dirty="0">
+                <a:latin typeface="Consolas" pitchFamily="49" charset="0"/>
+                <a:cs typeface="Consolas" pitchFamily="49" charset="0"/>
+              </a:rPr>
+              <a:t>(define (</a:t>
+            </a:r>
+            <a:r>
+              <a:rPr lang="en-US" b="1" dirty="0">
+                <a:solidFill>
+                  <a:srgbClr val="FF0000"/>
+                </a:solidFill>
+                <a:latin typeface="Consolas" pitchFamily="49" charset="0"/>
+                <a:cs typeface="Consolas" pitchFamily="49" charset="0"/>
+              </a:rPr>
+              <a:t>person-fn</a:t>
+            </a:r>
+            <a:r>
+              <a:rPr lang="en-US" b="1" dirty="0">
+                <a:latin typeface="Consolas" pitchFamily="49" charset="0"/>
+                <a:cs typeface="Consolas" pitchFamily="49" charset="0"/>
+              </a:rPr>
+              <a:t> p)</a:t>
+            </a:r>
+          </a:p>
+          <a:p>
+            <a:pPr>
+              <a:buNone/>
+            </a:pPr>
+            <a:r>
+              <a:rPr lang="en-US" b="1" dirty="0">
+                <a:latin typeface="Consolas" pitchFamily="49" charset="0"/>
+                <a:cs typeface="Consolas" pitchFamily="49" charset="0"/>
+              </a:rPr>
+              <a:t>  (</a:t>
+            </a:r>
+            <a:r>
+              <a:rPr lang="en-US" b="1" dirty="0" err="1">
+                <a:latin typeface="Consolas" pitchFamily="49" charset="0"/>
+                <a:cs typeface="Consolas" pitchFamily="49" charset="0"/>
+              </a:rPr>
+              <a:t>cond</a:t>
+            </a:r>
+            <a:endParaRPr lang="en-US" b="1" dirty="0">
+              <a:latin typeface="Consolas" pitchFamily="49" charset="0"/>
+              <a:cs typeface="Consolas" pitchFamily="49" charset="0"/>
+            </a:endParaRPr>
+          </a:p>
+          <a:p>
+            <a:pPr>
+              <a:buNone/>
+            </a:pPr>
+            <a:r>
+              <a:rPr lang="en-US" b="1" dirty="0">
+                <a:latin typeface="Consolas" pitchFamily="49" charset="0"/>
+                <a:cs typeface="Consolas" pitchFamily="49" charset="0"/>
+              </a:rPr>
+              <a:t>    [(</a:t>
+            </a:r>
+            <a:r>
+              <a:rPr lang="en-US" b="1" dirty="0" err="1">
+                <a:latin typeface="Consolas" pitchFamily="49" charset="0"/>
+                <a:cs typeface="Consolas" pitchFamily="49" charset="0"/>
+              </a:rPr>
+              <a:t>adam</a:t>
+            </a:r>
+            <a:r>
+              <a:rPr lang="en-US" b="1" dirty="0">
+                <a:latin typeface="Consolas" pitchFamily="49" charset="0"/>
+                <a:cs typeface="Consolas" pitchFamily="49" charset="0"/>
+              </a:rPr>
+              <a:t>? p) ...]</a:t>
+            </a:r>
+          </a:p>
+          <a:p>
+            <a:pPr>
+              <a:buNone/>
+            </a:pPr>
+            <a:r>
+              <a:rPr lang="en-US" b="1" dirty="0">
+                <a:latin typeface="Consolas" pitchFamily="49" charset="0"/>
+                <a:cs typeface="Consolas" pitchFamily="49" charset="0"/>
+              </a:rPr>
+              <a:t>    [(eve? p) ...]</a:t>
+            </a:r>
+          </a:p>
+          <a:p>
+            <a:pPr>
+              <a:buNone/>
+            </a:pPr>
+            <a:r>
+              <a:rPr lang="en-US" b="1" dirty="0">
+                <a:latin typeface="Consolas" pitchFamily="49" charset="0"/>
+                <a:cs typeface="Consolas" pitchFamily="49" charset="0"/>
+              </a:rPr>
+              <a:t>    [else (...</a:t>
+            </a:r>
+          </a:p>
+          <a:p>
+            <a:pPr>
+              <a:buNone/>
+            </a:pPr>
+            <a:r>
+              <a:rPr lang="en-US" b="1" dirty="0">
+                <a:latin typeface="Consolas" pitchFamily="49" charset="0"/>
+                <a:cs typeface="Consolas" pitchFamily="49" charset="0"/>
+              </a:rPr>
+              <a:t>           (person-name p)</a:t>
+            </a:r>
+          </a:p>
+          <a:p>
+            <a:pPr>
+              <a:buNone/>
+            </a:pPr>
+            <a:r>
+              <a:rPr lang="en-US" b="1" dirty="0">
+                <a:latin typeface="Consolas" pitchFamily="49" charset="0"/>
+                <a:cs typeface="Consolas" pitchFamily="49" charset="0"/>
+              </a:rPr>
+              <a:t>           (</a:t>
+            </a:r>
+            <a:r>
+              <a:rPr lang="en-US" b="1" dirty="0">
+                <a:solidFill>
+                  <a:srgbClr val="FF0000"/>
+                </a:solidFill>
+                <a:latin typeface="Consolas" pitchFamily="49" charset="0"/>
+                <a:cs typeface="Consolas" pitchFamily="49" charset="0"/>
+              </a:rPr>
+              <a:t>person-fn</a:t>
+            </a:r>
+            <a:r>
+              <a:rPr lang="en-US" b="1" dirty="0">
+                <a:latin typeface="Consolas" pitchFamily="49" charset="0"/>
+                <a:cs typeface="Consolas" pitchFamily="49" charset="0"/>
+              </a:rPr>
+              <a:t> (person-father p))</a:t>
+            </a:r>
+          </a:p>
+          <a:p>
+            <a:pPr>
+              <a:buNone/>
+            </a:pPr>
+            <a:r>
+              <a:rPr lang="en-US" b="1" dirty="0">
+                <a:latin typeface="Consolas" pitchFamily="49" charset="0"/>
+                <a:cs typeface="Consolas" pitchFamily="49" charset="0"/>
+              </a:rPr>
+              <a:t>           (</a:t>
+            </a:r>
+            <a:r>
+              <a:rPr lang="en-US" b="1" dirty="0">
+                <a:solidFill>
+                  <a:srgbClr val="FF0000"/>
+                </a:solidFill>
+                <a:latin typeface="Consolas" pitchFamily="49" charset="0"/>
+                <a:cs typeface="Consolas" pitchFamily="49" charset="0"/>
+              </a:rPr>
+              <a:t>person-fn</a:t>
+            </a:r>
+            <a:r>
+              <a:rPr lang="en-US" b="1" dirty="0">
+                <a:latin typeface="Consolas" pitchFamily="49" charset="0"/>
+                <a:cs typeface="Consolas" pitchFamily="49" charset="0"/>
+              </a:rPr>
+              <a:t> (person-mother p)))]))</a:t>
+            </a:r>
           </a:p>
         </p:txBody>
       </p:sp>
@@ -15824,7 +15398,7 @@
           <a:lstStyle/>
           <a:p>
             <a:pPr algn="ctr"/>
-            <a:endParaRPr lang="en-US" dirty="0" smtClean="0">
+            <a:endParaRPr lang="en-US" dirty="0">
               <a:solidFill>
                 <a:schemeClr val="tx1"/>
               </a:solidFill>
@@ -15883,7 +15457,7 @@
           <a:lstStyle/>
           <a:p>
             <a:pPr algn="ctr"/>
-            <a:endParaRPr lang="en-US" dirty="0" smtClean="0">
+            <a:endParaRPr lang="en-US" dirty="0">
               <a:solidFill>
                 <a:schemeClr val="tx1"/>
               </a:solidFill>
@@ -15943,7 +15517,7 @@
           <a:lstStyle/>
           <a:p>
             <a:pPr algn="ctr"/>
-            <a:endParaRPr lang="en-US" dirty="0" smtClean="0">
+            <a:endParaRPr lang="en-US" dirty="0">
               <a:solidFill>
                 <a:schemeClr val="tx1"/>
               </a:solidFill>
@@ -16003,7 +15577,7 @@
           <a:lstStyle/>
           <a:p>
             <a:pPr algn="ctr"/>
-            <a:endParaRPr lang="en-US" dirty="0" smtClean="0">
+            <a:endParaRPr lang="en-US" dirty="0">
               <a:solidFill>
                 <a:schemeClr val="tx1"/>
               </a:solidFill>
@@ -16110,21 +15684,8 @@
                   <a:schemeClr val="tx1"/>
                 </a:solidFill>
               </a:rPr>
-              <a:t> as artificial "first people</a:t>
-            </a:r>
-            <a:r>
-              <a:rPr lang="en-US" dirty="0" smtClean="0">
-                <a:solidFill>
-                  <a:schemeClr val="tx1"/>
-                </a:solidFill>
-              </a:rPr>
-              <a:t>".</a:t>
-            </a:r>
-            <a:endParaRPr lang="en-US" dirty="0">
-              <a:solidFill>
-                <a:schemeClr val="tx1"/>
-              </a:solidFill>
-            </a:endParaRPr>
+              <a:t> as artificial "first people".</a:t>
+            </a:r>
           </a:p>
         </p:txBody>
       </p:sp>
@@ -16138,13 +15699,6 @@
   <p:clrMapOvr>
     <a:masterClrMapping/>
   </p:clrMapOvr>
-  <p:timing>
-    <p:tnLst>
-      <p:par>
-        <p:cTn id="1" dur="indefinite" restart="never" nodeType="tmRoot"/>
-      </p:par>
-    </p:tnLst>
-  </p:timing>
 </p:sld>
 </file>
 
@@ -16183,17 +15737,16 @@
           <a:lstStyle/>
           <a:p>
             <a:r>
-              <a:rPr lang="en-US" dirty="0" smtClean="0"/>
+              <a:rPr lang="en-US" dirty="0"/>
               <a:t>A Different Info Analysis: </a:t>
             </a:r>
             <a:br>
-              <a:rPr lang="en-US" dirty="0" smtClean="0"/>
+              <a:rPr lang="en-US" dirty="0"/>
             </a:br>
             <a:r>
-              <a:rPr lang="en-US" dirty="0" smtClean="0"/>
+              <a:rPr lang="en-US" dirty="0"/>
               <a:t>Descendant Trees</a:t>
             </a:r>
-            <a:endParaRPr lang="en-US" dirty="0"/>
           </a:p>
         </p:txBody>
       </p:sp>
@@ -16218,21 +15771,21 @@
               <a:buNone/>
             </a:pPr>
             <a:r>
-              <a:rPr lang="en-US" sz="2400" b="1" dirty="0" smtClean="0">
+              <a:rPr lang="en-US" sz="2400" b="1" dirty="0">
                 <a:latin typeface="Consolas" pitchFamily="49" charset="0"/>
                 <a:cs typeface="Consolas" pitchFamily="49" charset="0"/>
               </a:rPr>
               <a:t>(define-</a:t>
             </a:r>
             <a:r>
-              <a:rPr lang="en-US" sz="2400" b="1" dirty="0" err="1" smtClean="0">
+              <a:rPr lang="en-US" sz="2400" b="1" dirty="0" err="1">
                 <a:latin typeface="Consolas" pitchFamily="49" charset="0"/>
                 <a:cs typeface="Consolas" pitchFamily="49" charset="0"/>
               </a:rPr>
               <a:t>struct</a:t>
             </a:r>
             <a:r>
-              <a:rPr lang="en-US" sz="2400" b="1" dirty="0" smtClean="0">
+              <a:rPr lang="en-US" sz="2400" b="1" dirty="0">
                 <a:latin typeface="Consolas" pitchFamily="49" charset="0"/>
                 <a:cs typeface="Consolas" pitchFamily="49" charset="0"/>
               </a:rPr>
@@ -16243,168 +15796,164 @@
             <a:pPr>
               <a:buNone/>
             </a:pPr>
-            <a:endParaRPr lang="en-US" sz="2400" b="1" dirty="0" smtClean="0">
-              <a:latin typeface="Consolas" pitchFamily="49" charset="0"/>
-              <a:cs typeface="Consolas" pitchFamily="49" charset="0"/>
-            </a:endParaRPr>
-          </a:p>
-          <a:p>
-            <a:pPr>
-              <a:buNone/>
-            </a:pPr>
-            <a:r>
-              <a:rPr lang="en-US" sz="2400" b="1" dirty="0" smtClean="0">
-                <a:latin typeface="Consolas" pitchFamily="49" charset="0"/>
-                <a:cs typeface="Consolas" pitchFamily="49" charset="0"/>
-              </a:rPr>
-              <a:t>;; A </a:t>
-            </a:r>
-            <a:r>
-              <a:rPr lang="en-US" sz="2400" b="1" dirty="0" smtClean="0">
-                <a:solidFill>
-                  <a:srgbClr val="FF0000"/>
-                </a:solidFill>
-                <a:latin typeface="Consolas" pitchFamily="49" charset="0"/>
-                <a:cs typeface="Consolas" pitchFamily="49" charset="0"/>
-              </a:rPr>
-              <a:t>Person</a:t>
-            </a:r>
-            <a:r>
-              <a:rPr lang="en-US" sz="2400" b="1" dirty="0" smtClean="0">
-                <a:latin typeface="Consolas" pitchFamily="49" charset="0"/>
-                <a:cs typeface="Consolas" pitchFamily="49" charset="0"/>
-              </a:rPr>
-              <a:t> is a </a:t>
-            </a:r>
-          </a:p>
-          <a:p>
-            <a:pPr>
-              <a:buNone/>
-            </a:pPr>
-            <a:r>
-              <a:rPr lang="en-US" sz="2400" b="1" dirty="0" smtClean="0">
-                <a:latin typeface="Consolas" pitchFamily="49" charset="0"/>
-                <a:cs typeface="Consolas" pitchFamily="49" charset="0"/>
-              </a:rPr>
-              <a:t>;; (make-person String </a:t>
-            </a:r>
-            <a:r>
-              <a:rPr lang="en-US" sz="2400" b="1" dirty="0" smtClean="0">
-                <a:solidFill>
-                  <a:schemeClr val="accent1"/>
-                </a:solidFill>
-                <a:latin typeface="Consolas" pitchFamily="49" charset="0"/>
-                <a:cs typeface="Consolas" pitchFamily="49" charset="0"/>
-              </a:rPr>
-              <a:t>Persons</a:t>
-            </a:r>
-            <a:r>
-              <a:rPr lang="en-US" sz="2400" b="1" dirty="0" smtClean="0">
-                <a:latin typeface="Consolas" pitchFamily="49" charset="0"/>
-                <a:cs typeface="Consolas" pitchFamily="49" charset="0"/>
-              </a:rPr>
-              <a:t>)</a:t>
-            </a:r>
-          </a:p>
-          <a:p>
-            <a:pPr>
-              <a:buNone/>
-            </a:pPr>
-            <a:endParaRPr lang="en-US" sz="2400" b="1" dirty="0" smtClean="0">
-              <a:latin typeface="Consolas" pitchFamily="49" charset="0"/>
-              <a:cs typeface="Consolas" pitchFamily="49" charset="0"/>
-            </a:endParaRPr>
-          </a:p>
-          <a:p>
-            <a:pPr>
-              <a:buNone/>
-            </a:pPr>
-            <a:r>
-              <a:rPr lang="en-US" sz="2400" b="1" dirty="0" smtClean="0">
-                <a:latin typeface="Consolas" pitchFamily="49" charset="0"/>
-                <a:cs typeface="Consolas" pitchFamily="49" charset="0"/>
-              </a:rPr>
-              <a:t>;; A </a:t>
-            </a:r>
-            <a:r>
-              <a:rPr lang="en-US" sz="2400" b="1" dirty="0" smtClean="0">
-                <a:solidFill>
-                  <a:schemeClr val="accent1"/>
-                </a:solidFill>
-                <a:latin typeface="Consolas" pitchFamily="49" charset="0"/>
-                <a:cs typeface="Consolas" pitchFamily="49" charset="0"/>
-              </a:rPr>
-              <a:t>Persons</a:t>
-            </a:r>
-            <a:r>
-              <a:rPr lang="en-US" sz="2400" b="1" dirty="0" smtClean="0">
-                <a:latin typeface="Consolas" pitchFamily="49" charset="0"/>
-                <a:cs typeface="Consolas" pitchFamily="49" charset="0"/>
-              </a:rPr>
-              <a:t> is one of</a:t>
-            </a:r>
-          </a:p>
-          <a:p>
-            <a:pPr>
-              <a:buNone/>
-            </a:pPr>
-            <a:r>
-              <a:rPr lang="en-US" sz="2400" b="1" dirty="0" smtClean="0">
-                <a:latin typeface="Consolas" pitchFamily="49" charset="0"/>
-                <a:cs typeface="Consolas" pitchFamily="49" charset="0"/>
-              </a:rPr>
-              <a:t>;; -- empty</a:t>
-            </a:r>
-          </a:p>
-          <a:p>
-            <a:pPr>
-              <a:buNone/>
-            </a:pPr>
-            <a:r>
-              <a:rPr lang="en-US" sz="2400" b="1" dirty="0" smtClean="0">
-                <a:latin typeface="Consolas" pitchFamily="49" charset="0"/>
-                <a:cs typeface="Consolas" pitchFamily="49" charset="0"/>
-              </a:rPr>
-              <a:t>;; -- (cons </a:t>
-            </a:r>
-            <a:r>
-              <a:rPr lang="en-US" sz="2400" b="1" dirty="0" smtClean="0">
-                <a:solidFill>
-                  <a:srgbClr val="FF0000"/>
-                </a:solidFill>
-                <a:latin typeface="Consolas" pitchFamily="49" charset="0"/>
-                <a:cs typeface="Consolas" pitchFamily="49" charset="0"/>
-              </a:rPr>
-              <a:t>Person</a:t>
-            </a:r>
-            <a:r>
-              <a:rPr lang="en-US" sz="2400" b="1" dirty="0" smtClean="0">
-                <a:latin typeface="Consolas" pitchFamily="49" charset="0"/>
-                <a:cs typeface="Consolas" pitchFamily="49" charset="0"/>
-              </a:rPr>
-              <a:t> </a:t>
-            </a:r>
-            <a:r>
-              <a:rPr lang="en-US" sz="2400" b="1" dirty="0" smtClean="0">
-                <a:solidFill>
-                  <a:schemeClr val="accent1"/>
-                </a:solidFill>
-                <a:latin typeface="Consolas" pitchFamily="49" charset="0"/>
-                <a:cs typeface="Consolas" pitchFamily="49" charset="0"/>
-              </a:rPr>
-              <a:t>Persons</a:t>
-            </a:r>
-            <a:r>
-              <a:rPr lang="en-US" sz="2400" b="1" dirty="0" smtClean="0">
-                <a:latin typeface="Consolas" pitchFamily="49" charset="0"/>
-                <a:cs typeface="Consolas" pitchFamily="49" charset="0"/>
-              </a:rPr>
-              <a:t>)</a:t>
-            </a:r>
             <a:endParaRPr lang="en-US" sz="2400" b="1" dirty="0">
               <a:latin typeface="Consolas" pitchFamily="49" charset="0"/>
               <a:cs typeface="Consolas" pitchFamily="49" charset="0"/>
             </a:endParaRPr>
+          </a:p>
+          <a:p>
+            <a:pPr>
+              <a:buNone/>
+            </a:pPr>
+            <a:r>
+              <a:rPr lang="en-US" sz="2400" b="1" dirty="0">
+                <a:latin typeface="Consolas" pitchFamily="49" charset="0"/>
+                <a:cs typeface="Consolas" pitchFamily="49" charset="0"/>
+              </a:rPr>
+              <a:t>;; A </a:t>
+            </a:r>
+            <a:r>
+              <a:rPr lang="en-US" sz="2400" b="1" dirty="0">
+                <a:solidFill>
+                  <a:srgbClr val="FF0000"/>
+                </a:solidFill>
+                <a:latin typeface="Consolas" pitchFamily="49" charset="0"/>
+                <a:cs typeface="Consolas" pitchFamily="49" charset="0"/>
+              </a:rPr>
+              <a:t>Person</a:t>
+            </a:r>
+            <a:r>
+              <a:rPr lang="en-US" sz="2400" b="1" dirty="0">
+                <a:latin typeface="Consolas" pitchFamily="49" charset="0"/>
+                <a:cs typeface="Consolas" pitchFamily="49" charset="0"/>
+              </a:rPr>
+              <a:t> is a </a:t>
+            </a:r>
+          </a:p>
+          <a:p>
+            <a:pPr>
+              <a:buNone/>
+            </a:pPr>
+            <a:r>
+              <a:rPr lang="en-US" sz="2400" b="1" dirty="0">
+                <a:latin typeface="Consolas" pitchFamily="49" charset="0"/>
+                <a:cs typeface="Consolas" pitchFamily="49" charset="0"/>
+              </a:rPr>
+              <a:t>;; (make-person String </a:t>
+            </a:r>
+            <a:r>
+              <a:rPr lang="en-US" sz="2400" b="1" dirty="0">
+                <a:solidFill>
+                  <a:schemeClr val="accent1"/>
+                </a:solidFill>
+                <a:latin typeface="Consolas" pitchFamily="49" charset="0"/>
+                <a:cs typeface="Consolas" pitchFamily="49" charset="0"/>
+              </a:rPr>
+              <a:t>Persons</a:t>
+            </a:r>
+            <a:r>
+              <a:rPr lang="en-US" sz="2400" b="1" dirty="0">
+                <a:latin typeface="Consolas" pitchFamily="49" charset="0"/>
+                <a:cs typeface="Consolas" pitchFamily="49" charset="0"/>
+              </a:rPr>
+              <a:t>)</a:t>
+            </a:r>
+          </a:p>
+          <a:p>
+            <a:pPr>
+              <a:buNone/>
+            </a:pPr>
+            <a:endParaRPr lang="en-US" sz="2400" b="1" dirty="0">
+              <a:latin typeface="Consolas" pitchFamily="49" charset="0"/>
+              <a:cs typeface="Consolas" pitchFamily="49" charset="0"/>
+            </a:endParaRPr>
+          </a:p>
+          <a:p>
+            <a:pPr>
+              <a:buNone/>
+            </a:pPr>
+            <a:r>
+              <a:rPr lang="en-US" sz="2400" b="1" dirty="0">
+                <a:latin typeface="Consolas" pitchFamily="49" charset="0"/>
+                <a:cs typeface="Consolas" pitchFamily="49" charset="0"/>
+              </a:rPr>
+              <a:t>;; A </a:t>
+            </a:r>
+            <a:r>
+              <a:rPr lang="en-US" sz="2400" b="1" dirty="0">
+                <a:solidFill>
+                  <a:schemeClr val="accent1"/>
+                </a:solidFill>
+                <a:latin typeface="Consolas" pitchFamily="49" charset="0"/>
+                <a:cs typeface="Consolas" pitchFamily="49" charset="0"/>
+              </a:rPr>
+              <a:t>Persons</a:t>
+            </a:r>
+            <a:r>
+              <a:rPr lang="en-US" sz="2400" b="1" dirty="0">
+                <a:latin typeface="Consolas" pitchFamily="49" charset="0"/>
+                <a:cs typeface="Consolas" pitchFamily="49" charset="0"/>
+              </a:rPr>
+              <a:t> is one of</a:t>
+            </a:r>
+          </a:p>
+          <a:p>
+            <a:pPr>
+              <a:buNone/>
+            </a:pPr>
+            <a:r>
+              <a:rPr lang="en-US" sz="2400" b="1" dirty="0">
+                <a:latin typeface="Consolas" pitchFamily="49" charset="0"/>
+                <a:cs typeface="Consolas" pitchFamily="49" charset="0"/>
+              </a:rPr>
+              <a:t>;; -- empty</a:t>
+            </a:r>
+          </a:p>
+          <a:p>
+            <a:pPr>
+              <a:buNone/>
+            </a:pPr>
+            <a:r>
+              <a:rPr lang="en-US" sz="2400" b="1" dirty="0">
+                <a:latin typeface="Consolas" pitchFamily="49" charset="0"/>
+                <a:cs typeface="Consolas" pitchFamily="49" charset="0"/>
+              </a:rPr>
+              <a:t>;; -- (cons </a:t>
+            </a:r>
+            <a:r>
+              <a:rPr lang="en-US" sz="2400" b="1" dirty="0">
+                <a:solidFill>
+                  <a:srgbClr val="FF0000"/>
+                </a:solidFill>
+                <a:latin typeface="Consolas" pitchFamily="49" charset="0"/>
+                <a:cs typeface="Consolas" pitchFamily="49" charset="0"/>
+              </a:rPr>
+              <a:t>Person</a:t>
+            </a:r>
+            <a:r>
+              <a:rPr lang="en-US" sz="2400" b="1" dirty="0">
+                <a:latin typeface="Consolas" pitchFamily="49" charset="0"/>
+                <a:cs typeface="Consolas" pitchFamily="49" charset="0"/>
+              </a:rPr>
+              <a:t> </a:t>
+            </a:r>
+            <a:r>
+              <a:rPr lang="en-US" sz="2400" b="1" dirty="0">
+                <a:solidFill>
+                  <a:schemeClr val="accent1"/>
+                </a:solidFill>
+                <a:latin typeface="Consolas" pitchFamily="49" charset="0"/>
+                <a:cs typeface="Consolas" pitchFamily="49" charset="0"/>
+              </a:rPr>
+              <a:t>Persons</a:t>
+            </a:r>
+            <a:r>
+              <a:rPr lang="en-US" sz="2400" b="1" dirty="0">
+                <a:latin typeface="Consolas" pitchFamily="49" charset="0"/>
+                <a:cs typeface="Consolas" pitchFamily="49" charset="0"/>
+              </a:rPr>
+              <a:t>)</a:t>
+            </a:r>
           </a:p>
         </p:txBody>
       </p:sp>
@@ -16477,7 +16026,7 @@
           <a:lstStyle/>
           <a:p>
             <a:pPr algn="ctr"/>
-            <a:endParaRPr lang="en-US" dirty="0" smtClean="0">
+            <a:endParaRPr lang="en-US" dirty="0">
               <a:solidFill>
                 <a:schemeClr val="accent1"/>
               </a:solidFill>
@@ -16531,7 +16080,7 @@
           <a:lstStyle/>
           <a:p>
             <a:pPr algn="ctr"/>
-            <a:endParaRPr lang="en-US" dirty="0" smtClean="0">
+            <a:endParaRPr lang="en-US" dirty="0">
               <a:solidFill>
                 <a:schemeClr val="tx1"/>
               </a:solidFill>
@@ -16575,7 +16124,7 @@
           <a:p>
             <a:pPr algn="ctr"/>
             <a:r>
-              <a:rPr lang="en-US" sz="2400" dirty="0" smtClean="0">
+              <a:rPr lang="en-US" sz="2400" dirty="0">
                 <a:solidFill>
                   <a:schemeClr val="tx1"/>
                 </a:solidFill>
@@ -16583,7 +16132,7 @@
               <a:t>Two </a:t>
             </a:r>
             <a:r>
-              <a:rPr lang="en-US" sz="2400" i="1" dirty="0" smtClean="0">
+              <a:rPr lang="en-US" sz="2400" i="1" dirty="0">
                 <a:solidFill>
                   <a:srgbClr val="FF0000"/>
                 </a:solidFill>
@@ -16591,7 +16140,7 @@
               <a:t>mutually recursive </a:t>
             </a:r>
             <a:r>
-              <a:rPr lang="en-US" sz="2400" dirty="0" smtClean="0">
+              <a:rPr lang="en-US" sz="2400" dirty="0">
                 <a:solidFill>
                   <a:schemeClr val="tx1"/>
                 </a:solidFill>
@@ -16954,10 +16503,9 @@
           <a:lstStyle/>
           <a:p>
             <a:r>
-              <a:rPr lang="en-US" dirty="0" smtClean="0"/>
+              <a:rPr lang="en-US" dirty="0"/>
               <a:t>This is mutual recursion</a:t>
             </a:r>
-            <a:endParaRPr lang="en-US" dirty="0"/>
           </a:p>
         </p:txBody>
       </p:sp>
@@ -16979,7 +16527,7 @@
             <a:pPr>
               <a:buNone/>
             </a:pPr>
-            <a:endParaRPr lang="en-US" b="1" dirty="0" smtClean="0">
+            <a:endParaRPr lang="en-US" b="1" dirty="0">
               <a:latin typeface="Courier New" pitchFamily="49" charset="0"/>
               <a:cs typeface="Courier New" pitchFamily="49" charset="0"/>
             </a:endParaRPr>
@@ -16988,7 +16536,7 @@
             <a:pPr>
               <a:buNone/>
             </a:pPr>
-            <a:endParaRPr lang="en-US" b="1" dirty="0" smtClean="0">
+            <a:endParaRPr lang="en-US" b="1" dirty="0">
               <a:latin typeface="Courier New" pitchFamily="49" charset="0"/>
               <a:cs typeface="Courier New" pitchFamily="49" charset="0"/>
             </a:endParaRPr>
@@ -16997,7 +16545,7 @@
             <a:pPr>
               <a:buNone/>
             </a:pPr>
-            <a:endParaRPr lang="en-US" b="1" dirty="0" smtClean="0">
+            <a:endParaRPr lang="en-US" b="1" dirty="0">
               <a:latin typeface="Courier New" pitchFamily="49" charset="0"/>
               <a:cs typeface="Courier New" pitchFamily="49" charset="0"/>
             </a:endParaRPr>
@@ -17007,37 +16555,19 @@
               <a:buNone/>
             </a:pPr>
             <a:r>
-              <a:rPr lang="en-US" b="1" dirty="0" smtClean="0">
+              <a:rPr lang="en-US" b="1" dirty="0">
                 <a:latin typeface="Courier New" pitchFamily="49" charset="0"/>
                 <a:cs typeface="Courier New" pitchFamily="49" charset="0"/>
               </a:rPr>
               <a:t>    </a:t>
             </a:r>
             <a:r>
-              <a:rPr lang="en-US" b="1" dirty="0" smtClean="0">
-                <a:latin typeface="Consolas" pitchFamily="49" charset="0"/>
-                <a:cs typeface="Consolas" pitchFamily="49" charset="0"/>
-              </a:rPr>
-              <a:t>Person        </a:t>
-            </a:r>
-            <a:r>
               <a:rPr lang="en-US" b="1" dirty="0">
                 <a:latin typeface="Consolas" pitchFamily="49" charset="0"/>
                 <a:cs typeface="Consolas" pitchFamily="49" charset="0"/>
               </a:rPr>
-              <a:t> </a:t>
-            </a:r>
-            <a:r>
-              <a:rPr lang="en-US" b="1" dirty="0" smtClean="0">
-                <a:latin typeface="Consolas" pitchFamily="49" charset="0"/>
-                <a:cs typeface="Consolas" pitchFamily="49" charset="0"/>
-              </a:rPr>
-              <a:t>    Persons</a:t>
-            </a:r>
-            <a:endParaRPr lang="en-US" b="1" dirty="0">
-              <a:latin typeface="Consolas" pitchFamily="49" charset="0"/>
-              <a:cs typeface="Consolas" pitchFamily="49" charset="0"/>
-            </a:endParaRPr>
+              <a:t>Person             Persons</a:t>
+            </a:r>
           </a:p>
         </p:txBody>
       </p:sp>
@@ -17111,7 +16641,7 @@
           <a:lstStyle/>
           <a:p>
             <a:pPr algn="ctr"/>
-            <a:endParaRPr lang="en-US" dirty="0" smtClean="0">
+            <a:endParaRPr lang="en-US" dirty="0">
               <a:solidFill>
                 <a:schemeClr val="tx1"/>
               </a:solidFill>
@@ -17154,7 +16684,7 @@
           <a:lstStyle/>
           <a:p>
             <a:pPr algn="ctr"/>
-            <a:endParaRPr lang="en-US" dirty="0" smtClean="0">
+            <a:endParaRPr lang="en-US" dirty="0">
               <a:solidFill>
                 <a:schemeClr val="tx1"/>
               </a:solidFill>
@@ -17185,10 +16715,9 @@
           <a:lstStyle/>
           <a:p>
             <a:r>
-              <a:rPr lang="en-US" sz="2400" dirty="0" smtClean="0"/>
+              <a:rPr lang="en-US" sz="2400" dirty="0"/>
               <a:t>defined in terms of </a:t>
             </a:r>
-            <a:endParaRPr lang="en-US" sz="2400" dirty="0"/>
           </a:p>
         </p:txBody>
       </p:sp>
@@ -17215,10 +16744,9 @@
           <a:lstStyle/>
           <a:p>
             <a:r>
-              <a:rPr lang="en-US" sz="2400" dirty="0" smtClean="0"/>
+              <a:rPr lang="en-US" sz="2400" dirty="0"/>
               <a:t>defined in terms of </a:t>
             </a:r>
-            <a:endParaRPr lang="en-US" sz="2400" dirty="0"/>
           </a:p>
         </p:txBody>
       </p:sp>
@@ -17232,13 +16760,6 @@
   <p:clrMapOvr>
     <a:masterClrMapping/>
   </p:clrMapOvr>
-  <p:timing>
-    <p:tnLst>
-      <p:par>
-        <p:cTn id="1" dur="indefinite" restart="never" nodeType="tmRoot"/>
-      </p:par>
-    </p:tnLst>
-  </p:timing>
 </p:sld>
 </file>
 
@@ -17277,10 +16798,9 @@
           <a:lstStyle/>
           <a:p>
             <a:r>
-              <a:rPr lang="en-US" dirty="0" smtClean="0"/>
+              <a:rPr lang="en-US" dirty="0"/>
               <a:t>The template recipe</a:t>
             </a:r>
-            <a:endParaRPr lang="en-US" dirty="0"/>
           </a:p>
         </p:txBody>
       </p:sp>
@@ -17310,8 +16830,20 @@
                 <a:tableStyleId>{5C22544A-7EE6-4342-B048-85BDC9FD1C3A}</a:tableStyleId>
               </a:tblPr>
               <a:tblGrid>
-                <a:gridCol w="4114800"/>
-                <a:gridCol w="4114800"/>
+                <a:gridCol w="4114800">
+                  <a:extLst>
+                    <a:ext uri="{9D8B030D-6E8A-4147-A177-3AD203B41FA5}">
+                      <a16:colId xmlns:a16="http://schemas.microsoft.com/office/drawing/2014/main" val="20000"/>
+                    </a:ext>
+                  </a:extLst>
+                </a:gridCol>
+                <a:gridCol w="4114800">
+                  <a:extLst>
+                    <a:ext uri="{9D8B030D-6E8A-4147-A177-3AD203B41FA5}">
+                      <a16:colId xmlns:a16="http://schemas.microsoft.com/office/drawing/2014/main" val="20001"/>
+                    </a:ext>
+                  </a:extLst>
+                </a:gridCol>
               </a:tblGrid>
               <a:tr h="370840">
                 <a:tc>
@@ -17320,10 +16852,9 @@
                     <a:lstStyle/>
                     <a:p>
                       <a:r>
-                        <a:rPr lang="en-US" dirty="0" smtClean="0"/>
+                        <a:rPr lang="en-US" dirty="0"/>
                         <a:t>Question</a:t>
                       </a:r>
-                      <a:endParaRPr lang="en-US" dirty="0"/>
                     </a:p>
                   </a:txBody>
                   <a:tcPr/>
@@ -17334,14 +16865,18 @@
                     <a:lstStyle/>
                     <a:p>
                       <a:r>
-                        <a:rPr lang="en-US" dirty="0" smtClean="0"/>
+                        <a:rPr lang="en-US" dirty="0"/>
                         <a:t>Answer</a:t>
                       </a:r>
-                      <a:endParaRPr lang="en-US" dirty="0"/>
                     </a:p>
                   </a:txBody>
                   <a:tcPr/>
                 </a:tc>
+                <a:extLst>
+                  <a:ext uri="{0D108BD9-81ED-4DB2-BD59-A6C34878D82A}">
+                    <a16:rowId xmlns:a16="http://schemas.microsoft.com/office/drawing/2014/main" val="10000"/>
+                  </a:ext>
+                </a:extLst>
               </a:tr>
               <a:tr h="370840">
                 <a:tc>
@@ -17350,10 +16885,9 @@
                     <a:lstStyle/>
                     <a:p>
                       <a:r>
-                        <a:rPr lang="en-US" dirty="0" smtClean="0"/>
+                        <a:rPr lang="en-US" dirty="0"/>
                         <a:t>Does the data definition distinguish among different subclasses of data?</a:t>
                       </a:r>
-                      <a:endParaRPr lang="en-US" dirty="0"/>
                     </a:p>
                   </a:txBody>
                   <a:tcPr/>
@@ -17364,24 +16898,28 @@
                     <a:lstStyle/>
                     <a:p>
                       <a:r>
-                        <a:rPr lang="en-US" dirty="0" smtClean="0"/>
+                        <a:rPr lang="en-US" dirty="0"/>
                         <a:t>Your template needs as many </a:t>
                       </a:r>
                       <a:r>
-                        <a:rPr lang="en-US" dirty="0" err="1" smtClean="0">
+                        <a:rPr lang="en-US" dirty="0" err="1">
                           <a:hlinkClick r:id="rId2"/>
                         </a:rPr>
                         <a:t>cond</a:t>
                       </a:r>
                       <a:r>
-                        <a:rPr lang="en-US" dirty="0" smtClean="0"/>
+                        <a:rPr lang="en-US" dirty="0"/>
                         <a:t> clauses as subclasses that the data definition distinguishes.</a:t>
                       </a:r>
-                      <a:endParaRPr lang="en-US" dirty="0"/>
                     </a:p>
                   </a:txBody>
                   <a:tcPr/>
                 </a:tc>
+                <a:extLst>
+                  <a:ext uri="{0D108BD9-81ED-4DB2-BD59-A6C34878D82A}">
+                    <a16:rowId xmlns:a16="http://schemas.microsoft.com/office/drawing/2014/main" val="10001"/>
+                  </a:ext>
+                </a:extLst>
               </a:tr>
               <a:tr h="370840">
                 <a:tc>
@@ -17390,10 +16928,9 @@
                     <a:lstStyle/>
                     <a:p>
                       <a:r>
-                        <a:rPr lang="en-US" dirty="0" smtClean="0"/>
+                        <a:rPr lang="en-US" dirty="0"/>
                         <a:t>How do the subclasses differ from each other?</a:t>
                       </a:r>
-                      <a:endParaRPr lang="en-US" dirty="0"/>
                     </a:p>
                   </a:txBody>
                   <a:tcPr/>
@@ -17404,14 +16941,18 @@
                     <a:lstStyle/>
                     <a:p>
                       <a:r>
-                        <a:rPr lang="en-US" dirty="0" smtClean="0"/>
+                        <a:rPr lang="en-US" dirty="0"/>
                         <a:t>Use the differences to formulate a condition per clause.</a:t>
                       </a:r>
-                      <a:endParaRPr lang="en-US" dirty="0"/>
                     </a:p>
                   </a:txBody>
                   <a:tcPr/>
                 </a:tc>
+                <a:extLst>
+                  <a:ext uri="{0D108BD9-81ED-4DB2-BD59-A6C34878D82A}">
+                    <a16:rowId xmlns:a16="http://schemas.microsoft.com/office/drawing/2014/main" val="10002"/>
+                  </a:ext>
+                </a:extLst>
               </a:tr>
               <a:tr h="370840">
                 <a:tc>
@@ -17420,10 +16961,9 @@
                     <a:lstStyle/>
                     <a:p>
                       <a:r>
-                        <a:rPr lang="en-US" dirty="0" smtClean="0"/>
+                        <a:rPr lang="en-US" dirty="0"/>
                         <a:t>Do any of the clauses deal with structured values?</a:t>
                       </a:r>
-                      <a:endParaRPr lang="en-US" dirty="0"/>
                     </a:p>
                   </a:txBody>
                   <a:tcPr/>
@@ -17434,14 +16974,18 @@
                     <a:lstStyle/>
                     <a:p>
                       <a:r>
-                        <a:rPr lang="en-US" dirty="0" smtClean="0"/>
+                        <a:rPr lang="en-US" dirty="0"/>
                         <a:t>If so, add appropriate selector expressions to the clause.</a:t>
                       </a:r>
-                      <a:endParaRPr lang="en-US" dirty="0"/>
                     </a:p>
                   </a:txBody>
                   <a:tcPr/>
                 </a:tc>
+                <a:extLst>
+                  <a:ext uri="{0D108BD9-81ED-4DB2-BD59-A6C34878D82A}">
+                    <a16:rowId xmlns:a16="http://schemas.microsoft.com/office/drawing/2014/main" val="10003"/>
+                  </a:ext>
+                </a:extLst>
               </a:tr>
               <a:tr h="370840">
                 <a:tc>
@@ -17450,18 +16994,13 @@
                     <a:lstStyle/>
                     <a:p>
                       <a:r>
-                        <a:rPr lang="en-US" dirty="0" smtClean="0">
+                        <a:rPr lang="en-US" dirty="0">
                           <a:solidFill>
                             <a:schemeClr val="tx1"/>
                           </a:solidFill>
                         </a:rPr>
                         <a:t>Does the data definition use self-references?</a:t>
                       </a:r>
-                      <a:endParaRPr lang="en-US" dirty="0">
-                        <a:solidFill>
-                          <a:schemeClr val="tx1"/>
-                        </a:solidFill>
-                      </a:endParaRPr>
                     </a:p>
                   </a:txBody>
                   <a:tcPr/>
@@ -17472,22 +17011,22 @@
                     <a:lstStyle/>
                     <a:p>
                       <a:r>
-                        <a:rPr lang="en-US" dirty="0" smtClean="0">
+                        <a:rPr lang="en-US" dirty="0">
                           <a:solidFill>
                             <a:schemeClr val="tx1"/>
                           </a:solidFill>
                         </a:rPr>
                         <a:t>Formulate ``natural recursions'' for the template to represent the self-references of the data definition.</a:t>
                       </a:r>
-                      <a:endParaRPr lang="en-US" dirty="0">
-                        <a:solidFill>
-                          <a:schemeClr val="tx1"/>
-                        </a:solidFill>
-                      </a:endParaRPr>
                     </a:p>
                   </a:txBody>
                   <a:tcPr/>
                 </a:tc>
+                <a:extLst>
+                  <a:ext uri="{0D108BD9-81ED-4DB2-BD59-A6C34878D82A}">
+                    <a16:rowId xmlns:a16="http://schemas.microsoft.com/office/drawing/2014/main" val="10004"/>
+                  </a:ext>
+                </a:extLst>
               </a:tr>
               <a:tr h="370840">
                 <a:tc>
@@ -17496,7 +17035,7 @@
                     <a:lstStyle/>
                     <a:p>
                       <a:r>
-                        <a:rPr lang="en-US" dirty="0" smtClean="0">
+                        <a:rPr lang="en-US" dirty="0">
                           <a:solidFill>
                             <a:schemeClr val="tx1"/>
                           </a:solidFill>
@@ -17504,7 +17043,7 @@
                         <a:t>Do any of the fields contain compound</a:t>
                       </a:r>
                       <a:r>
-                        <a:rPr lang="en-US" baseline="0" dirty="0" smtClean="0">
+                        <a:rPr lang="en-US" baseline="0" dirty="0">
                           <a:solidFill>
                             <a:schemeClr val="tx1"/>
                           </a:solidFill>
@@ -17526,7 +17065,7 @@
                     <a:lstStyle/>
                     <a:p>
                       <a:r>
-                        <a:rPr lang="en-US" dirty="0" smtClean="0">
+                        <a:rPr lang="en-US" dirty="0">
                           <a:solidFill>
                             <a:schemeClr val="tx1"/>
                           </a:solidFill>
@@ -17534,7 +17073,7 @@
                         <a:t>If the value of a field is a foo,</a:t>
                       </a:r>
                       <a:r>
-                        <a:rPr lang="en-US" baseline="0" dirty="0" smtClean="0">
+                        <a:rPr lang="en-US" baseline="0" dirty="0">
                           <a:solidFill>
                             <a:schemeClr val="tx1"/>
                           </a:solidFill>
@@ -17542,7 +17081,7 @@
                         <a:t> add a call to a foo-</a:t>
                       </a:r>
                       <a:r>
-                        <a:rPr lang="en-US" baseline="0" dirty="0" err="1" smtClean="0">
+                        <a:rPr lang="en-US" baseline="0" dirty="0" err="1">
                           <a:solidFill>
                             <a:schemeClr val="tx1"/>
                           </a:solidFill>
@@ -17550,7 +17089,7 @@
                         <a:t>fn</a:t>
                       </a:r>
                       <a:r>
-                        <a:rPr lang="en-US" baseline="0" dirty="0" smtClean="0">
+                        <a:rPr lang="en-US" baseline="0" dirty="0">
                           <a:solidFill>
                             <a:schemeClr val="tx1"/>
                           </a:solidFill>
@@ -17566,6 +17105,11 @@
                   </a:txBody>
                   <a:tcPr/>
                 </a:tc>
+                <a:extLst>
+                  <a:ext uri="{0D108BD9-81ED-4DB2-BD59-A6C34878D82A}">
+                    <a16:rowId xmlns:a16="http://schemas.microsoft.com/office/drawing/2014/main" val="10005"/>
+                  </a:ext>
+                </a:extLst>
               </a:tr>
             </a:tbl>
           </a:graphicData>
@@ -17645,21 +17189,8 @@
                   <a:schemeClr val="tx1"/>
                 </a:solidFill>
               </a:rPr>
-              <a:t>Here is the recipe for templates again.  Let's apply it to our </a:t>
-            </a:r>
-            <a:r>
-              <a:rPr lang="en-US" dirty="0" smtClean="0">
-                <a:solidFill>
-                  <a:schemeClr val="tx1"/>
-                </a:solidFill>
-              </a:rPr>
-              <a:t>Person trees.</a:t>
-            </a:r>
-            <a:endParaRPr lang="en-US" dirty="0">
-              <a:solidFill>
-                <a:schemeClr val="tx1"/>
-              </a:solidFill>
-            </a:endParaRPr>
+              <a:t>Here is the recipe for templates again.  Let's apply it to our Person trees.</a:t>
+            </a:r>
           </a:p>
         </p:txBody>
       </p:sp>
@@ -17673,13 +17204,6 @@
   <p:clrMapOvr>
     <a:masterClrMapping/>
   </p:clrMapOvr>
-  <p:timing>
-    <p:tnLst>
-      <p:par>
-        <p:cTn id="1" dur="indefinite" restart="never" nodeType="tmRoot"/>
-      </p:par>
-    </p:tnLst>
-  </p:timing>
 </p:sld>
 </file>
 
@@ -17716,10 +17240,9 @@
           <a:lstStyle/>
           <a:p>
             <a:r>
-              <a:rPr lang="en-US" dirty="0" smtClean="0"/>
+              <a:rPr lang="en-US" dirty="0"/>
               <a:t>Template: functions come in pairs</a:t>
             </a:r>
-            <a:endParaRPr lang="en-US" dirty="0"/>
           </a:p>
         </p:txBody>
       </p:sp>
@@ -17744,7 +17267,7 @@
               <a:buNone/>
             </a:pPr>
             <a:r>
-              <a:rPr lang="en-US" sz="2400" b="1" dirty="0" smtClean="0">
+              <a:rPr lang="en-US" sz="2400" b="1" dirty="0">
                 <a:latin typeface="Consolas" pitchFamily="49" charset="0"/>
                 <a:cs typeface="Consolas" pitchFamily="49" charset="0"/>
               </a:rPr>
@@ -17756,14 +17279,14 @@
               <a:buNone/>
             </a:pPr>
             <a:r>
-              <a:rPr lang="en-US" sz="2400" b="1" dirty="0" smtClean="0">
+              <a:rPr lang="en-US" sz="2400" b="1" dirty="0">
                 <a:latin typeface="Consolas" pitchFamily="49" charset="0"/>
                 <a:cs typeface="Consolas" pitchFamily="49" charset="0"/>
               </a:rPr>
               <a:t>(define (</a:t>
             </a:r>
             <a:r>
-              <a:rPr lang="en-US" sz="2400" b="1" dirty="0" smtClean="0">
+              <a:rPr lang="en-US" sz="2400" b="1" dirty="0">
                 <a:solidFill>
                   <a:srgbClr val="FF0000"/>
                 </a:solidFill>
@@ -17773,7 +17296,7 @@
               <a:t>person-fn</a:t>
             </a:r>
             <a:r>
-              <a:rPr lang="en-US" sz="2400" b="1" dirty="0" smtClean="0">
+              <a:rPr lang="en-US" sz="2400" b="1" dirty="0">
                 <a:latin typeface="Consolas" pitchFamily="49" charset="0"/>
                 <a:cs typeface="Consolas" pitchFamily="49" charset="0"/>
               </a:rPr>
@@ -17785,7 +17308,7 @@
               <a:buNone/>
             </a:pPr>
             <a:r>
-              <a:rPr lang="en-US" sz="2400" b="1" dirty="0" smtClean="0">
+              <a:rPr lang="en-US" sz="2400" b="1" dirty="0">
                 <a:latin typeface="Consolas" pitchFamily="49" charset="0"/>
                 <a:cs typeface="Consolas" pitchFamily="49" charset="0"/>
               </a:rPr>
@@ -17797,14 +17320,14 @@
               <a:buNone/>
             </a:pPr>
             <a:r>
-              <a:rPr lang="en-US" sz="2400" b="1" dirty="0" smtClean="0">
+              <a:rPr lang="en-US" sz="2400" b="1" dirty="0">
                 <a:latin typeface="Consolas" pitchFamily="49" charset="0"/>
                 <a:cs typeface="Consolas" pitchFamily="49" charset="0"/>
               </a:rPr>
               <a:t>       (</a:t>
             </a:r>
             <a:r>
-              <a:rPr lang="en-US" sz="2400" b="1" dirty="0" smtClean="0">
+              <a:rPr lang="en-US" sz="2400" b="1" dirty="0">
                 <a:solidFill>
                   <a:schemeClr val="accent1"/>
                 </a:solidFill>
@@ -17814,7 +17337,7 @@
               <a:t>persons-</a:t>
             </a:r>
             <a:r>
-              <a:rPr lang="en-US" sz="2400" b="1" dirty="0" err="1" smtClean="0">
+              <a:rPr lang="en-US" sz="2400" b="1" dirty="0" err="1">
                 <a:solidFill>
                   <a:schemeClr val="accent1"/>
                 </a:solidFill>
@@ -17824,7 +17347,7 @@
               <a:t>fn</a:t>
             </a:r>
             <a:r>
-              <a:rPr lang="en-US" sz="2400" b="1" dirty="0" smtClean="0">
+              <a:rPr lang="en-US" sz="2400" b="1" dirty="0">
                 <a:latin typeface="Consolas" pitchFamily="49" charset="0"/>
                 <a:cs typeface="Consolas" pitchFamily="49" charset="0"/>
               </a:rPr>
@@ -17835,7 +17358,7 @@
             <a:pPr>
               <a:buNone/>
             </a:pPr>
-            <a:endParaRPr lang="en-US" sz="2400" b="1" dirty="0" smtClean="0">
+            <a:endParaRPr lang="en-US" sz="2400" b="1" dirty="0">
               <a:latin typeface="Consolas" pitchFamily="49" charset="0"/>
               <a:cs typeface="Consolas" pitchFamily="49" charset="0"/>
             </a:endParaRPr>
@@ -17845,21 +17368,21 @@
               <a:buNone/>
             </a:pPr>
             <a:r>
-              <a:rPr lang="en-US" sz="2400" b="1" dirty="0" smtClean="0">
+              <a:rPr lang="en-US" sz="2400" b="1" dirty="0">
                 <a:latin typeface="Consolas" pitchFamily="49" charset="0"/>
                 <a:cs typeface="Consolas" pitchFamily="49" charset="0"/>
               </a:rPr>
               <a:t>;; persons-</a:t>
             </a:r>
             <a:r>
-              <a:rPr lang="en-US" sz="2400" b="1" dirty="0" err="1" smtClean="0">
+              <a:rPr lang="en-US" sz="2400" b="1" dirty="0" err="1">
                 <a:latin typeface="Consolas" pitchFamily="49" charset="0"/>
                 <a:cs typeface="Consolas" pitchFamily="49" charset="0"/>
               </a:rPr>
               <a:t>fn</a:t>
             </a:r>
             <a:r>
-              <a:rPr lang="en-US" sz="2400" b="1" dirty="0" smtClean="0">
+              <a:rPr lang="en-US" sz="2400" b="1" dirty="0">
                 <a:latin typeface="Consolas" pitchFamily="49" charset="0"/>
                 <a:cs typeface="Consolas" pitchFamily="49" charset="0"/>
               </a:rPr>
@@ -17871,14 +17394,14 @@
               <a:buNone/>
             </a:pPr>
             <a:r>
-              <a:rPr lang="en-US" sz="2400" b="1" dirty="0" smtClean="0">
+              <a:rPr lang="en-US" sz="2400" b="1" dirty="0">
                 <a:latin typeface="Consolas" pitchFamily="49" charset="0"/>
                 <a:cs typeface="Consolas" pitchFamily="49" charset="0"/>
               </a:rPr>
               <a:t>(define (</a:t>
             </a:r>
             <a:r>
-              <a:rPr lang="en-US" sz="2400" b="1" dirty="0" smtClean="0">
+              <a:rPr lang="en-US" sz="2400" b="1" dirty="0">
                 <a:solidFill>
                   <a:schemeClr val="accent1"/>
                 </a:solidFill>
@@ -17888,7 +17411,7 @@
               <a:t>persons-</a:t>
             </a:r>
             <a:r>
-              <a:rPr lang="en-US" sz="2400" b="1" dirty="0" err="1" smtClean="0">
+              <a:rPr lang="en-US" sz="2400" b="1" dirty="0" err="1">
                 <a:solidFill>
                   <a:schemeClr val="accent1"/>
                 </a:solidFill>
@@ -17898,21 +17421,21 @@
               <a:t>fn</a:t>
             </a:r>
             <a:r>
-              <a:rPr lang="en-US" sz="2400" b="1" dirty="0" smtClean="0">
+              <a:rPr lang="en-US" sz="2400" b="1" dirty="0">
                 <a:latin typeface="Consolas" pitchFamily="49" charset="0"/>
                 <a:cs typeface="Consolas" pitchFamily="49" charset="0"/>
               </a:rPr>
               <a:t> </a:t>
             </a:r>
             <a:r>
-              <a:rPr lang="en-US" sz="2400" b="1" dirty="0" err="1" smtClean="0">
+              <a:rPr lang="en-US" sz="2400" b="1" dirty="0" err="1">
                 <a:latin typeface="Consolas" pitchFamily="49" charset="0"/>
                 <a:cs typeface="Consolas" pitchFamily="49" charset="0"/>
               </a:rPr>
               <a:t>ps</a:t>
             </a:r>
             <a:r>
-              <a:rPr lang="en-US" sz="2400" b="1" dirty="0" smtClean="0">
+              <a:rPr lang="en-US" sz="2400" b="1" dirty="0">
                 <a:latin typeface="Consolas" pitchFamily="49" charset="0"/>
                 <a:cs typeface="Consolas" pitchFamily="49" charset="0"/>
               </a:rPr>
@@ -17924,20 +17447,20 @@
               <a:buNone/>
             </a:pPr>
             <a:r>
-              <a:rPr lang="en-US" sz="2400" b="1" dirty="0" smtClean="0">
+              <a:rPr lang="en-US" sz="2400" b="1" dirty="0">
                 <a:latin typeface="Consolas" pitchFamily="49" charset="0"/>
                 <a:cs typeface="Consolas" pitchFamily="49" charset="0"/>
               </a:rPr>
               <a:t>  (</a:t>
             </a:r>
             <a:r>
-              <a:rPr lang="en-US" sz="2400" b="1" dirty="0" err="1" smtClean="0">
+              <a:rPr lang="en-US" sz="2400" b="1" dirty="0" err="1">
                 <a:latin typeface="Consolas" pitchFamily="49" charset="0"/>
                 <a:cs typeface="Consolas" pitchFamily="49" charset="0"/>
               </a:rPr>
               <a:t>cond</a:t>
             </a:r>
-            <a:endParaRPr lang="en-US" sz="2400" b="1" dirty="0" smtClean="0">
+            <a:endParaRPr lang="en-US" sz="2400" b="1" dirty="0">
               <a:latin typeface="Consolas" pitchFamily="49" charset="0"/>
               <a:cs typeface="Consolas" pitchFamily="49" charset="0"/>
             </a:endParaRPr>
@@ -17947,21 +17470,21 @@
               <a:buNone/>
             </a:pPr>
             <a:r>
-              <a:rPr lang="en-US" sz="2400" b="1" dirty="0" smtClean="0">
+              <a:rPr lang="en-US" sz="2400" b="1" dirty="0">
                 <a:latin typeface="Consolas" pitchFamily="49" charset="0"/>
                 <a:cs typeface="Consolas" pitchFamily="49" charset="0"/>
               </a:rPr>
               <a:t>    [(empty? </a:t>
             </a:r>
             <a:r>
-              <a:rPr lang="en-US" sz="2400" b="1" dirty="0" err="1" smtClean="0">
+              <a:rPr lang="en-US" sz="2400" b="1" dirty="0" err="1">
                 <a:latin typeface="Consolas" pitchFamily="49" charset="0"/>
                 <a:cs typeface="Consolas" pitchFamily="49" charset="0"/>
               </a:rPr>
               <a:t>ps</a:t>
             </a:r>
             <a:r>
-              <a:rPr lang="en-US" sz="2400" b="1" dirty="0" smtClean="0">
+              <a:rPr lang="en-US" sz="2400" b="1" dirty="0">
                 <a:latin typeface="Consolas" pitchFamily="49" charset="0"/>
                 <a:cs typeface="Consolas" pitchFamily="49" charset="0"/>
               </a:rPr>
@@ -17973,14 +17496,14 @@
               <a:buNone/>
             </a:pPr>
             <a:r>
-              <a:rPr lang="en-US" sz="2400" b="1" dirty="0" smtClean="0">
+              <a:rPr lang="en-US" sz="2400" b="1" dirty="0">
                 <a:latin typeface="Consolas" pitchFamily="49" charset="0"/>
                 <a:cs typeface="Consolas" pitchFamily="49" charset="0"/>
               </a:rPr>
               <a:t>    [else (... (</a:t>
             </a:r>
             <a:r>
-              <a:rPr lang="en-US" sz="2400" b="1" dirty="0" smtClean="0">
+              <a:rPr lang="en-US" sz="2400" b="1" dirty="0">
                 <a:solidFill>
                   <a:srgbClr val="FF0000"/>
                 </a:solidFill>
@@ -17990,21 +17513,21 @@
               <a:t>person-fn</a:t>
             </a:r>
             <a:r>
-              <a:rPr lang="en-US" sz="2400" b="1" dirty="0" smtClean="0">
+              <a:rPr lang="en-US" sz="2400" b="1" dirty="0">
                 <a:latin typeface="Consolas" pitchFamily="49" charset="0"/>
                 <a:cs typeface="Consolas" pitchFamily="49" charset="0"/>
               </a:rPr>
               <a:t> (first </a:t>
             </a:r>
             <a:r>
-              <a:rPr lang="en-US" sz="2400" b="1" dirty="0" err="1" smtClean="0">
+              <a:rPr lang="en-US" sz="2400" b="1" dirty="0" err="1">
                 <a:latin typeface="Consolas" pitchFamily="49" charset="0"/>
                 <a:cs typeface="Consolas" pitchFamily="49" charset="0"/>
               </a:rPr>
               <a:t>ps</a:t>
             </a:r>
             <a:r>
-              <a:rPr lang="en-US" sz="2400" b="1" dirty="0" smtClean="0">
+              <a:rPr lang="en-US" sz="2400" b="1" dirty="0">
                 <a:latin typeface="Consolas" pitchFamily="49" charset="0"/>
                 <a:cs typeface="Consolas" pitchFamily="49" charset="0"/>
               </a:rPr>
@@ -18016,14 +17539,14 @@
               <a:buNone/>
             </a:pPr>
             <a:r>
-              <a:rPr lang="en-US" sz="2400" b="1" dirty="0" smtClean="0">
+              <a:rPr lang="en-US" sz="2400" b="1" dirty="0">
                 <a:latin typeface="Consolas" pitchFamily="49" charset="0"/>
                 <a:cs typeface="Consolas" pitchFamily="49" charset="0"/>
               </a:rPr>
               <a:t>               (</a:t>
             </a:r>
             <a:r>
-              <a:rPr lang="en-US" sz="2400" b="1" dirty="0" smtClean="0">
+              <a:rPr lang="en-US" sz="2400" b="1" dirty="0">
                 <a:solidFill>
                   <a:schemeClr val="accent1"/>
                 </a:solidFill>
@@ -18033,7 +17556,7 @@
               <a:t>persons-</a:t>
             </a:r>
             <a:r>
-              <a:rPr lang="en-US" sz="2400" b="1" dirty="0" err="1" smtClean="0">
+              <a:rPr lang="en-US" sz="2400" b="1" dirty="0" err="1">
                 <a:solidFill>
                   <a:schemeClr val="accent1"/>
                 </a:solidFill>
@@ -18043,21 +17566,21 @@
               <a:t>fn</a:t>
             </a:r>
             <a:r>
-              <a:rPr lang="en-US" sz="2400" b="1" dirty="0" smtClean="0">
+              <a:rPr lang="en-US" sz="2400" b="1" dirty="0">
                 <a:latin typeface="Consolas" pitchFamily="49" charset="0"/>
                 <a:cs typeface="Consolas" pitchFamily="49" charset="0"/>
               </a:rPr>
               <a:t> (rest </a:t>
             </a:r>
             <a:r>
-              <a:rPr lang="en-US" sz="2400" b="1" dirty="0" err="1" smtClean="0">
+              <a:rPr lang="en-US" sz="2400" b="1" dirty="0" err="1">
                 <a:latin typeface="Consolas" pitchFamily="49" charset="0"/>
                 <a:cs typeface="Consolas" pitchFamily="49" charset="0"/>
               </a:rPr>
               <a:t>ps</a:t>
             </a:r>
             <a:r>
-              <a:rPr lang="en-US" sz="2400" b="1" dirty="0" smtClean="0">
+              <a:rPr lang="en-US" sz="2400" b="1" dirty="0">
                 <a:latin typeface="Consolas" pitchFamily="49" charset="0"/>
                 <a:cs typeface="Consolas" pitchFamily="49" charset="0"/>
               </a:rPr>
@@ -18141,7 +17664,7 @@
           <a:lstStyle/>
           <a:p>
             <a:pPr algn="ctr"/>
-            <a:endParaRPr lang="en-US" dirty="0" smtClean="0">
+            <a:endParaRPr lang="en-US" dirty="0">
               <a:solidFill>
                 <a:schemeClr val="tx1"/>
               </a:solidFill>
@@ -18195,7 +17718,7 @@
           <a:lstStyle/>
           <a:p>
             <a:pPr algn="ctr"/>
-            <a:endParaRPr lang="en-US" dirty="0" smtClean="0">
+            <a:endParaRPr lang="en-US" dirty="0">
               <a:solidFill>
                 <a:schemeClr val="tx1"/>
               </a:solidFill>
@@ -18309,7 +17832,7 @@
           <a:p>
             <a:pPr algn="ctr"/>
             <a:r>
-              <a:rPr lang="en-US" dirty="0" smtClean="0">
+              <a:rPr lang="en-US" dirty="0">
                 <a:solidFill>
                   <a:schemeClr val="tx1"/>
                 </a:solidFill>
@@ -18532,10 +18055,9 @@
           <a:lstStyle/>
           <a:p>
             <a:r>
-              <a:rPr lang="en-US" dirty="0" smtClean="0"/>
+              <a:rPr lang="en-US" dirty="0"/>
               <a:t>The template questions</a:t>
             </a:r>
-            <a:endParaRPr lang="en-US" dirty="0"/>
           </a:p>
         </p:txBody>
       </p:sp>
@@ -18560,7 +18082,7 @@
               <a:buNone/>
             </a:pPr>
             <a:r>
-              <a:rPr lang="en-US" sz="2400" b="1" dirty="0" smtClean="0">
+              <a:rPr lang="en-US" sz="2400" b="1" dirty="0">
                 <a:latin typeface="Consolas" pitchFamily="49" charset="0"/>
                 <a:cs typeface="Consolas" pitchFamily="49" charset="0"/>
               </a:rPr>
@@ -18572,14 +18094,14 @@
               <a:buNone/>
             </a:pPr>
             <a:r>
-              <a:rPr lang="en-US" sz="2400" b="1" dirty="0" smtClean="0">
+              <a:rPr lang="en-US" sz="2400" b="1" dirty="0">
                 <a:latin typeface="Consolas" pitchFamily="49" charset="0"/>
                 <a:cs typeface="Consolas" pitchFamily="49" charset="0"/>
               </a:rPr>
               <a:t>(define (</a:t>
             </a:r>
             <a:r>
-              <a:rPr lang="en-US" sz="2400" b="1" dirty="0" smtClean="0">
+              <a:rPr lang="en-US" sz="2400" b="1" dirty="0">
                 <a:solidFill>
                   <a:srgbClr val="FF0000"/>
                 </a:solidFill>
@@ -18589,7 +18111,7 @@
               <a:t>person-fn</a:t>
             </a:r>
             <a:r>
-              <a:rPr lang="en-US" sz="2400" b="1" dirty="0" smtClean="0">
+              <a:rPr lang="en-US" sz="2400" b="1" dirty="0">
                 <a:latin typeface="Consolas" pitchFamily="49" charset="0"/>
                 <a:cs typeface="Consolas" pitchFamily="49" charset="0"/>
               </a:rPr>
@@ -18601,7 +18123,7 @@
               <a:buNone/>
             </a:pPr>
             <a:r>
-              <a:rPr lang="en-US" sz="2400" b="1" dirty="0" smtClean="0">
+              <a:rPr lang="en-US" sz="2400" b="1" dirty="0">
                 <a:latin typeface="Consolas" pitchFamily="49" charset="0"/>
                 <a:cs typeface="Consolas" pitchFamily="49" charset="0"/>
               </a:rPr>
@@ -18613,14 +18135,14 @@
               <a:buNone/>
             </a:pPr>
             <a:r>
-              <a:rPr lang="en-US" sz="2400" b="1" dirty="0" smtClean="0">
+              <a:rPr lang="en-US" sz="2400" b="1" dirty="0">
                 <a:latin typeface="Consolas" pitchFamily="49" charset="0"/>
                 <a:cs typeface="Consolas" pitchFamily="49" charset="0"/>
               </a:rPr>
               <a:t>       (</a:t>
             </a:r>
             <a:r>
-              <a:rPr lang="en-US" sz="2400" b="1" dirty="0" smtClean="0">
+              <a:rPr lang="en-US" sz="2400" b="1" dirty="0">
                 <a:solidFill>
                   <a:schemeClr val="accent1"/>
                 </a:solidFill>
@@ -18630,7 +18152,7 @@
               <a:t>persons-</a:t>
             </a:r>
             <a:r>
-              <a:rPr lang="en-US" sz="2400" b="1" dirty="0" err="1" smtClean="0">
+              <a:rPr lang="en-US" sz="2400" b="1" dirty="0" err="1">
                 <a:solidFill>
                   <a:schemeClr val="accent1"/>
                 </a:solidFill>
@@ -18640,7 +18162,7 @@
               <a:t>fn</a:t>
             </a:r>
             <a:r>
-              <a:rPr lang="en-US" sz="2400" b="1" dirty="0" smtClean="0">
+              <a:rPr lang="en-US" sz="2400" b="1" dirty="0">
                 <a:latin typeface="Consolas" pitchFamily="49" charset="0"/>
                 <a:cs typeface="Consolas" pitchFamily="49" charset="0"/>
               </a:rPr>
@@ -18651,7 +18173,7 @@
             <a:pPr>
               <a:buNone/>
             </a:pPr>
-            <a:endParaRPr lang="en-US" sz="2400" b="1" dirty="0" smtClean="0">
+            <a:endParaRPr lang="en-US" sz="2400" b="1" dirty="0">
               <a:latin typeface="Consolas" pitchFamily="49" charset="0"/>
               <a:cs typeface="Consolas" pitchFamily="49" charset="0"/>
             </a:endParaRPr>
@@ -18661,21 +18183,21 @@
               <a:buNone/>
             </a:pPr>
             <a:r>
-              <a:rPr lang="en-US" sz="2400" b="1" dirty="0" smtClean="0">
+              <a:rPr lang="en-US" sz="2400" b="1" dirty="0">
                 <a:latin typeface="Consolas" pitchFamily="49" charset="0"/>
                 <a:cs typeface="Consolas" pitchFamily="49" charset="0"/>
               </a:rPr>
               <a:t>;; persons-</a:t>
             </a:r>
             <a:r>
-              <a:rPr lang="en-US" sz="2400" b="1" dirty="0" err="1" smtClean="0">
+              <a:rPr lang="en-US" sz="2400" b="1" dirty="0" err="1">
                 <a:latin typeface="Consolas" pitchFamily="49" charset="0"/>
                 <a:cs typeface="Consolas" pitchFamily="49" charset="0"/>
               </a:rPr>
               <a:t>fn</a:t>
             </a:r>
             <a:r>
-              <a:rPr lang="en-US" sz="2400" b="1" dirty="0" smtClean="0">
+              <a:rPr lang="en-US" sz="2400" b="1" dirty="0">
                 <a:latin typeface="Consolas" pitchFamily="49" charset="0"/>
                 <a:cs typeface="Consolas" pitchFamily="49" charset="0"/>
               </a:rPr>
@@ -18687,14 +18209,14 @@
               <a:buNone/>
             </a:pPr>
             <a:r>
-              <a:rPr lang="en-US" sz="2400" b="1" dirty="0" smtClean="0">
+              <a:rPr lang="en-US" sz="2400" b="1" dirty="0">
                 <a:latin typeface="Consolas" pitchFamily="49" charset="0"/>
                 <a:cs typeface="Consolas" pitchFamily="49" charset="0"/>
               </a:rPr>
               <a:t>(define (</a:t>
             </a:r>
             <a:r>
-              <a:rPr lang="en-US" sz="2400" b="1" dirty="0" smtClean="0">
+              <a:rPr lang="en-US" sz="2400" b="1" dirty="0">
                 <a:solidFill>
                   <a:schemeClr val="accent1"/>
                 </a:solidFill>
@@ -18704,7 +18226,7 @@
               <a:t>persons-</a:t>
             </a:r>
             <a:r>
-              <a:rPr lang="en-US" sz="2400" b="1" dirty="0" err="1" smtClean="0">
+              <a:rPr lang="en-US" sz="2400" b="1" dirty="0" err="1">
                 <a:solidFill>
                   <a:schemeClr val="accent1"/>
                 </a:solidFill>
@@ -18714,21 +18236,21 @@
               <a:t>fn</a:t>
             </a:r>
             <a:r>
-              <a:rPr lang="en-US" sz="2400" b="1" dirty="0" smtClean="0">
+              <a:rPr lang="en-US" sz="2400" b="1" dirty="0">
                 <a:latin typeface="Consolas" pitchFamily="49" charset="0"/>
                 <a:cs typeface="Consolas" pitchFamily="49" charset="0"/>
               </a:rPr>
               <a:t> </a:t>
             </a:r>
             <a:r>
-              <a:rPr lang="en-US" sz="2400" b="1" dirty="0" err="1" smtClean="0">
+              <a:rPr lang="en-US" sz="2400" b="1" dirty="0" err="1">
                 <a:latin typeface="Consolas" pitchFamily="49" charset="0"/>
                 <a:cs typeface="Consolas" pitchFamily="49" charset="0"/>
               </a:rPr>
               <a:t>ps</a:t>
             </a:r>
             <a:r>
-              <a:rPr lang="en-US" sz="2400" b="1" dirty="0" smtClean="0">
+              <a:rPr lang="en-US" sz="2400" b="1" dirty="0">
                 <a:latin typeface="Consolas" pitchFamily="49" charset="0"/>
                 <a:cs typeface="Consolas" pitchFamily="49" charset="0"/>
               </a:rPr>
@@ -18740,20 +18262,20 @@
               <a:buNone/>
             </a:pPr>
             <a:r>
-              <a:rPr lang="en-US" sz="2400" b="1" dirty="0" smtClean="0">
+              <a:rPr lang="en-US" sz="2400" b="1" dirty="0">
                 <a:latin typeface="Consolas" pitchFamily="49" charset="0"/>
                 <a:cs typeface="Consolas" pitchFamily="49" charset="0"/>
               </a:rPr>
               <a:t>  (</a:t>
             </a:r>
             <a:r>
-              <a:rPr lang="en-US" sz="2400" b="1" dirty="0" err="1" smtClean="0">
+              <a:rPr lang="en-US" sz="2400" b="1" dirty="0" err="1">
                 <a:latin typeface="Consolas" pitchFamily="49" charset="0"/>
                 <a:cs typeface="Consolas" pitchFamily="49" charset="0"/>
               </a:rPr>
               <a:t>cond</a:t>
             </a:r>
-            <a:endParaRPr lang="en-US" sz="2400" b="1" dirty="0" smtClean="0">
+            <a:endParaRPr lang="en-US" sz="2400" b="1" dirty="0">
               <a:latin typeface="Consolas" pitchFamily="49" charset="0"/>
               <a:cs typeface="Consolas" pitchFamily="49" charset="0"/>
             </a:endParaRPr>
@@ -18763,21 +18285,21 @@
               <a:buNone/>
             </a:pPr>
             <a:r>
-              <a:rPr lang="en-US" sz="2400" b="1" dirty="0" smtClean="0">
+              <a:rPr lang="en-US" sz="2400" b="1" dirty="0">
                 <a:latin typeface="Consolas" pitchFamily="49" charset="0"/>
                 <a:cs typeface="Consolas" pitchFamily="49" charset="0"/>
               </a:rPr>
               <a:t>    [(empty? </a:t>
             </a:r>
             <a:r>
-              <a:rPr lang="en-US" sz="2400" b="1" dirty="0" err="1" smtClean="0">
+              <a:rPr lang="en-US" sz="2400" b="1" dirty="0" err="1">
                 <a:latin typeface="Consolas" pitchFamily="49" charset="0"/>
                 <a:cs typeface="Consolas" pitchFamily="49" charset="0"/>
               </a:rPr>
               <a:t>ps</a:t>
             </a:r>
             <a:r>
-              <a:rPr lang="en-US" sz="2400" b="1" dirty="0" smtClean="0">
+              <a:rPr lang="en-US" sz="2400" b="1" dirty="0">
                 <a:latin typeface="Consolas" pitchFamily="49" charset="0"/>
                 <a:cs typeface="Consolas" pitchFamily="49" charset="0"/>
               </a:rPr>
@@ -18789,14 +18311,14 @@
               <a:buNone/>
             </a:pPr>
             <a:r>
-              <a:rPr lang="en-US" sz="2400" b="1" dirty="0" smtClean="0">
+              <a:rPr lang="en-US" sz="2400" b="1" dirty="0">
                 <a:latin typeface="Consolas" pitchFamily="49" charset="0"/>
                 <a:cs typeface="Consolas" pitchFamily="49" charset="0"/>
               </a:rPr>
               <a:t>    [else (... (</a:t>
             </a:r>
             <a:r>
-              <a:rPr lang="en-US" sz="2400" b="1" dirty="0" smtClean="0">
+              <a:rPr lang="en-US" sz="2400" b="1" dirty="0">
                 <a:solidFill>
                   <a:srgbClr val="FF0000"/>
                 </a:solidFill>
@@ -18806,21 +18328,21 @@
               <a:t>person-fn</a:t>
             </a:r>
             <a:r>
-              <a:rPr lang="en-US" sz="2400" b="1" dirty="0" smtClean="0">
+              <a:rPr lang="en-US" sz="2400" b="1" dirty="0">
                 <a:latin typeface="Consolas" pitchFamily="49" charset="0"/>
                 <a:cs typeface="Consolas" pitchFamily="49" charset="0"/>
               </a:rPr>
               <a:t> (first </a:t>
             </a:r>
             <a:r>
-              <a:rPr lang="en-US" sz="2400" b="1" dirty="0" err="1" smtClean="0">
+              <a:rPr lang="en-US" sz="2400" b="1" dirty="0" err="1">
                 <a:latin typeface="Consolas" pitchFamily="49" charset="0"/>
                 <a:cs typeface="Consolas" pitchFamily="49" charset="0"/>
               </a:rPr>
               <a:t>ps</a:t>
             </a:r>
             <a:r>
-              <a:rPr lang="en-US" sz="2400" b="1" dirty="0" smtClean="0">
+              <a:rPr lang="en-US" sz="2400" b="1" dirty="0">
                 <a:latin typeface="Consolas" pitchFamily="49" charset="0"/>
                 <a:cs typeface="Consolas" pitchFamily="49" charset="0"/>
               </a:rPr>
@@ -18832,14 +18354,14 @@
               <a:buNone/>
             </a:pPr>
             <a:r>
-              <a:rPr lang="en-US" sz="2400" b="1" dirty="0" smtClean="0">
+              <a:rPr lang="en-US" sz="2400" b="1" dirty="0">
                 <a:latin typeface="Consolas" pitchFamily="49" charset="0"/>
                 <a:cs typeface="Consolas" pitchFamily="49" charset="0"/>
               </a:rPr>
               <a:t>               (</a:t>
             </a:r>
             <a:r>
-              <a:rPr lang="en-US" sz="2400" b="1" dirty="0" smtClean="0">
+              <a:rPr lang="en-US" sz="2400" b="1" dirty="0">
                 <a:solidFill>
                   <a:schemeClr val="accent1"/>
                 </a:solidFill>
@@ -18849,7 +18371,7 @@
               <a:t>persons-</a:t>
             </a:r>
             <a:r>
-              <a:rPr lang="en-US" sz="2400" b="1" dirty="0" err="1" smtClean="0">
+              <a:rPr lang="en-US" sz="2400" b="1" dirty="0" err="1">
                 <a:solidFill>
                   <a:schemeClr val="accent1"/>
                 </a:solidFill>
@@ -18859,21 +18381,21 @@
               <a:t>fn</a:t>
             </a:r>
             <a:r>
-              <a:rPr lang="en-US" sz="2400" b="1" dirty="0" smtClean="0">
+              <a:rPr lang="en-US" sz="2400" b="1" dirty="0">
                 <a:latin typeface="Consolas" pitchFamily="49" charset="0"/>
                 <a:cs typeface="Consolas" pitchFamily="49" charset="0"/>
               </a:rPr>
               <a:t> (rest </a:t>
             </a:r>
             <a:r>
-              <a:rPr lang="en-US" sz="2400" b="1" dirty="0" err="1" smtClean="0">
+              <a:rPr lang="en-US" sz="2400" b="1" dirty="0" err="1">
                 <a:latin typeface="Consolas" pitchFamily="49" charset="0"/>
                 <a:cs typeface="Consolas" pitchFamily="49" charset="0"/>
               </a:rPr>
               <a:t>ps</a:t>
             </a:r>
             <a:r>
-              <a:rPr lang="en-US" sz="2400" b="1" dirty="0" smtClean="0">
+              <a:rPr lang="en-US" sz="2400" b="1" dirty="0">
                 <a:latin typeface="Consolas" pitchFamily="49" charset="0"/>
                 <a:cs typeface="Consolas" pitchFamily="49" charset="0"/>
               </a:rPr>
@@ -19018,7 +18540,7 @@
             <a:p>
               <a:pPr algn="ctr"/>
               <a:r>
-                <a:rPr lang="en-US" dirty="0" smtClean="0">
+                <a:rPr lang="en-US" dirty="0">
                   <a:solidFill>
                     <a:schemeClr val="tx1"/>
                   </a:solidFill>
@@ -19114,7 +18636,7 @@
             <a:p>
               <a:pPr algn="ctr"/>
               <a:r>
-                <a:rPr lang="en-US" dirty="0" smtClean="0">
+                <a:rPr lang="en-US" dirty="0">
                   <a:solidFill>
                     <a:schemeClr val="tx1"/>
                   </a:solidFill>
@@ -19210,7 +18732,7 @@
             <a:p>
               <a:pPr algn="ctr"/>
               <a:r>
-                <a:rPr lang="en-US" dirty="0" smtClean="0">
+                <a:rPr lang="en-US" dirty="0">
                   <a:solidFill>
                     <a:schemeClr val="tx1"/>
                   </a:solidFill>
